--- a/Report Writing & Referencing.pptx
+++ b/Report Writing & Referencing.pptx
@@ -16,14 +16,18 @@
     <p:sldId id="278" r:id="rId10"/>
     <p:sldId id="279" r:id="rId11"/>
     <p:sldId id="280" r:id="rId12"/>
-    <p:sldId id="266" r:id="rId13"/>
-    <p:sldId id="267" r:id="rId14"/>
-    <p:sldId id="268" r:id="rId15"/>
-    <p:sldId id="270" r:id="rId16"/>
-    <p:sldId id="269" r:id="rId17"/>
-    <p:sldId id="272" r:id="rId18"/>
-    <p:sldId id="273" r:id="rId19"/>
-    <p:sldId id="271" r:id="rId20"/>
+    <p:sldId id="283" r:id="rId13"/>
+    <p:sldId id="266" r:id="rId14"/>
+    <p:sldId id="267" r:id="rId15"/>
+    <p:sldId id="268" r:id="rId16"/>
+    <p:sldId id="270" r:id="rId17"/>
+    <p:sldId id="285" r:id="rId18"/>
+    <p:sldId id="269" r:id="rId19"/>
+    <p:sldId id="286" r:id="rId20"/>
+    <p:sldId id="272" r:id="rId21"/>
+    <p:sldId id="273" r:id="rId22"/>
+    <p:sldId id="271" r:id="rId23"/>
+    <p:sldId id="284" r:id="rId24"/>
   </p:sldIdLst>
   <p:sldSz cx="12192000" cy="6858000"/>
   <p:notesSz cx="6858000" cy="9144000"/>
@@ -122,6 +126,11 @@
       </a:defRPr>
     </a:lvl9pPr>
   </p:defaultTextStyle>
+  <p:extLst>
+    <p:ext uri="{EFAFB233-063F-42B5-8137-9DF3F51BA10A}">
+      <p15:sldGuideLst xmlns:p15="http://schemas.microsoft.com/office/powerpoint/2012/main"/>
+    </p:ext>
+  </p:extLst>
 </p:presentation>
 </file>
 
@@ -8325,7 +8334,7 @@
           <a:p>
             <a:fld id="{8A1355D6-7C9A-4EBD-B0D0-CA9BF0B6F861}" type="datetimeFigureOut">
               <a:rPr lang="en-NZ" smtClean="0"/>
-              <a:t>27/05/2023</a:t>
+              <a:t>29/05/2023</a:t>
             </a:fld>
             <a:endParaRPr lang="en-NZ"/>
           </a:p>
@@ -8525,7 +8534,7 @@
           <a:p>
             <a:fld id="{8A1355D6-7C9A-4EBD-B0D0-CA9BF0B6F861}" type="datetimeFigureOut">
               <a:rPr lang="en-NZ" smtClean="0"/>
-              <a:t>27/05/2023</a:t>
+              <a:t>29/05/2023</a:t>
             </a:fld>
             <a:endParaRPr lang="en-NZ"/>
           </a:p>
@@ -8735,7 +8744,7 @@
           <a:p>
             <a:fld id="{8A1355D6-7C9A-4EBD-B0D0-CA9BF0B6F861}" type="datetimeFigureOut">
               <a:rPr lang="en-NZ" smtClean="0"/>
-              <a:t>27/05/2023</a:t>
+              <a:t>29/05/2023</a:t>
             </a:fld>
             <a:endParaRPr lang="en-NZ"/>
           </a:p>
@@ -8935,7 +8944,7 @@
           <a:p>
             <a:fld id="{8A1355D6-7C9A-4EBD-B0D0-CA9BF0B6F861}" type="datetimeFigureOut">
               <a:rPr lang="en-NZ" smtClean="0"/>
-              <a:t>27/05/2023</a:t>
+              <a:t>29/05/2023</a:t>
             </a:fld>
             <a:endParaRPr lang="en-NZ"/>
           </a:p>
@@ -9211,7 +9220,7 @@
           <a:p>
             <a:fld id="{8A1355D6-7C9A-4EBD-B0D0-CA9BF0B6F861}" type="datetimeFigureOut">
               <a:rPr lang="en-NZ" smtClean="0"/>
-              <a:t>27/05/2023</a:t>
+              <a:t>29/05/2023</a:t>
             </a:fld>
             <a:endParaRPr lang="en-NZ"/>
           </a:p>
@@ -9479,7 +9488,7 @@
           <a:p>
             <a:fld id="{8A1355D6-7C9A-4EBD-B0D0-CA9BF0B6F861}" type="datetimeFigureOut">
               <a:rPr lang="en-NZ" smtClean="0"/>
-              <a:t>27/05/2023</a:t>
+              <a:t>29/05/2023</a:t>
             </a:fld>
             <a:endParaRPr lang="en-NZ"/>
           </a:p>
@@ -9894,7 +9903,7 @@
           <a:p>
             <a:fld id="{8A1355D6-7C9A-4EBD-B0D0-CA9BF0B6F861}" type="datetimeFigureOut">
               <a:rPr lang="en-NZ" smtClean="0"/>
-              <a:t>27/05/2023</a:t>
+              <a:t>29/05/2023</a:t>
             </a:fld>
             <a:endParaRPr lang="en-NZ"/>
           </a:p>
@@ -10036,7 +10045,7 @@
           <a:p>
             <a:fld id="{8A1355D6-7C9A-4EBD-B0D0-CA9BF0B6F861}" type="datetimeFigureOut">
               <a:rPr lang="en-NZ" smtClean="0"/>
-              <a:t>27/05/2023</a:t>
+              <a:t>29/05/2023</a:t>
             </a:fld>
             <a:endParaRPr lang="en-NZ"/>
           </a:p>
@@ -10149,7 +10158,7 @@
           <a:p>
             <a:fld id="{8A1355D6-7C9A-4EBD-B0D0-CA9BF0B6F861}" type="datetimeFigureOut">
               <a:rPr lang="en-NZ" smtClean="0"/>
-              <a:t>27/05/2023</a:t>
+              <a:t>29/05/2023</a:t>
             </a:fld>
             <a:endParaRPr lang="en-NZ"/>
           </a:p>
@@ -10462,7 +10471,7 @@
           <a:p>
             <a:fld id="{8A1355D6-7C9A-4EBD-B0D0-CA9BF0B6F861}" type="datetimeFigureOut">
               <a:rPr lang="en-NZ" smtClean="0"/>
-              <a:t>27/05/2023</a:t>
+              <a:t>29/05/2023</a:t>
             </a:fld>
             <a:endParaRPr lang="en-NZ"/>
           </a:p>
@@ -10751,7 +10760,7 @@
           <a:p>
             <a:fld id="{8A1355D6-7C9A-4EBD-B0D0-CA9BF0B6F861}" type="datetimeFigureOut">
               <a:rPr lang="en-NZ" smtClean="0"/>
-              <a:t>27/05/2023</a:t>
+              <a:t>29/05/2023</a:t>
             </a:fld>
             <a:endParaRPr lang="en-NZ"/>
           </a:p>
@@ -10994,7 +11003,7 @@
           <a:p>
             <a:fld id="{8A1355D6-7C9A-4EBD-B0D0-CA9BF0B6F861}" type="datetimeFigureOut">
               <a:rPr lang="en-NZ" smtClean="0"/>
-              <a:t>27/05/2023</a:t>
+              <a:t>29/05/2023</a:t>
             </a:fld>
             <a:endParaRPr lang="en-NZ"/>
           </a:p>
@@ -13502,10 +13511,10 @@
       </p:grpSpPr>
       <p:sp useBgFill="1">
         <p:nvSpPr>
-          <p:cNvPr id="9" name="Rectangle 8">
+          <p:cNvPr id="64" name="Rectangle 63">
             <a:extLst>
               <a:ext uri="{FF2B5EF4-FFF2-40B4-BE49-F238E27FC236}">
-                <a16:creationId xmlns:a16="http://schemas.microsoft.com/office/drawing/2014/main" id="{BACC6370-2D7E-4714-9D71-7542949D7D5D}"/>
+                <a16:creationId xmlns:a16="http://schemas.microsoft.com/office/drawing/2014/main" id="{A4E37431-20F0-4DD6-84A9-ED2B644943A2}"/>
               </a:ext>
               <a:ext uri="{C183D7F6-B498-43B3-948B-1728B52AA6E4}">
                 <adec:decorative xmlns:adec="http://schemas.microsoft.com/office/drawing/2017/decorative" val="1"/>
@@ -13578,6 +13587,709 @@
       </p:sp>
       <p:sp>
         <p:nvSpPr>
+          <p:cNvPr id="66" name="Rectangle 65">
+            <a:extLst>
+              <a:ext uri="{FF2B5EF4-FFF2-40B4-BE49-F238E27FC236}">
+                <a16:creationId xmlns:a16="http://schemas.microsoft.com/office/drawing/2014/main" id="{0AE98B72-66C6-4AB4-AF0D-BA830DE86393}"/>
+              </a:ext>
+              <a:ext uri="{C183D7F6-B498-43B3-948B-1728B52AA6E4}">
+                <adec:decorative xmlns:adec="http://schemas.microsoft.com/office/drawing/2017/decorative" val="1"/>
+              </a:ext>
+            </a:extLst>
+          </p:cNvPr>
+          <p:cNvSpPr>
+            <a:spLocks noGrp="1" noRot="1" noChangeAspect="1" noMove="1" noResize="1" noEditPoints="1" noAdjustHandles="1" noChangeArrowheads="1" noChangeShapeType="1" noTextEdit="1"/>
+          </p:cNvSpPr>
+          <p:nvPr>
+            <p:extLst>
+              <p:ext uri="{386F3935-93C4-4BCD-93E2-E3B085C9AB24}">
+                <p16:designElem xmlns:p16="http://schemas.microsoft.com/office/powerpoint/2015/main" val="1"/>
+              </p:ext>
+            </p:extLst>
+          </p:nvPr>
+        </p:nvSpPr>
+        <p:spPr>
+          <a:xfrm rot="5400000" flipH="1">
+            <a:off x="-638515" y="639280"/>
+            <a:ext cx="6858000" cy="5579440"/>
+          </a:xfrm>
+          <a:prstGeom prst="rect">
+            <a:avLst/>
+          </a:prstGeom>
+          <a:gradFill>
+            <a:gsLst>
+              <a:gs pos="8000">
+                <a:srgbClr val="000000"/>
+              </a:gs>
+              <a:gs pos="100000">
+                <a:schemeClr val="accent1">
+                  <a:lumMod val="75000"/>
+                </a:schemeClr>
+              </a:gs>
+            </a:gsLst>
+            <a:lin ang="3000000" scaled="0"/>
+          </a:gradFill>
+          <a:ln>
+            <a:noFill/>
+          </a:ln>
+        </p:spPr>
+        <p:style>
+          <a:lnRef idx="2">
+            <a:schemeClr val="accent1">
+              <a:shade val="50000"/>
+            </a:schemeClr>
+          </a:lnRef>
+          <a:fillRef idx="1">
+            <a:schemeClr val="accent1"/>
+          </a:fillRef>
+          <a:effectRef idx="0">
+            <a:schemeClr val="accent1"/>
+          </a:effectRef>
+          <a:fontRef idx="minor">
+            <a:schemeClr val="lt1"/>
+          </a:fontRef>
+        </p:style>
+        <p:txBody>
+          <a:bodyPr rtlCol="0" anchor="ctr"/>
+          <a:lstStyle/>
+          <a:p>
+            <a:pPr algn="ctr"/>
+            <a:endParaRPr lang="en-US"/>
+          </a:p>
+        </p:txBody>
+      </p:sp>
+      <p:sp>
+        <p:nvSpPr>
+          <p:cNvPr id="68" name="Rectangle 67">
+            <a:extLst>
+              <a:ext uri="{FF2B5EF4-FFF2-40B4-BE49-F238E27FC236}">
+                <a16:creationId xmlns:a16="http://schemas.microsoft.com/office/drawing/2014/main" id="{407EAFC6-733F-403D-BB4D-05A3A28742F1}"/>
+              </a:ext>
+              <a:ext uri="{C183D7F6-B498-43B3-948B-1728B52AA6E4}">
+                <adec:decorative xmlns:adec="http://schemas.microsoft.com/office/drawing/2017/decorative" val="1"/>
+              </a:ext>
+            </a:extLst>
+          </p:cNvPr>
+          <p:cNvSpPr>
+            <a:spLocks noGrp="1" noRot="1" noChangeAspect="1" noMove="1" noResize="1" noEditPoints="1" noAdjustHandles="1" noChangeArrowheads="1" noChangeShapeType="1" noTextEdit="1"/>
+          </p:cNvSpPr>
+          <p:nvPr>
+            <p:extLst>
+              <p:ext uri="{386F3935-93C4-4BCD-93E2-E3B085C9AB24}">
+                <p16:designElem xmlns:p16="http://schemas.microsoft.com/office/powerpoint/2015/main" val="1"/>
+              </p:ext>
+            </p:extLst>
+          </p:nvPr>
+        </p:nvSpPr>
+        <p:spPr>
+          <a:xfrm rot="5400000" flipH="1">
+            <a:off x="-393206" y="395206"/>
+            <a:ext cx="6346209" cy="5576080"/>
+          </a:xfrm>
+          <a:prstGeom prst="rect">
+            <a:avLst/>
+          </a:prstGeom>
+          <a:gradFill>
+            <a:gsLst>
+              <a:gs pos="0">
+                <a:srgbClr val="000000">
+                  <a:alpha val="0"/>
+                </a:srgbClr>
+              </a:gs>
+              <a:gs pos="99000">
+                <a:schemeClr val="accent1">
+                  <a:alpha val="0"/>
+                </a:schemeClr>
+              </a:gs>
+            </a:gsLst>
+            <a:lin ang="1800000" scaled="0"/>
+          </a:gradFill>
+          <a:ln>
+            <a:noFill/>
+          </a:ln>
+        </p:spPr>
+        <p:style>
+          <a:lnRef idx="2">
+            <a:schemeClr val="accent1">
+              <a:shade val="50000"/>
+            </a:schemeClr>
+          </a:lnRef>
+          <a:fillRef idx="1">
+            <a:schemeClr val="accent1"/>
+          </a:fillRef>
+          <a:effectRef idx="0">
+            <a:schemeClr val="accent1"/>
+          </a:effectRef>
+          <a:fontRef idx="minor">
+            <a:schemeClr val="lt1"/>
+          </a:fontRef>
+        </p:style>
+        <p:txBody>
+          <a:bodyPr rtlCol="0" anchor="ctr"/>
+          <a:lstStyle/>
+          <a:p>
+            <a:pPr algn="ctr"/>
+            <a:endParaRPr lang="en-US"/>
+          </a:p>
+        </p:txBody>
+      </p:sp>
+      <p:sp>
+        <p:nvSpPr>
+          <p:cNvPr id="70" name="Rectangle 69">
+            <a:extLst>
+              <a:ext uri="{FF2B5EF4-FFF2-40B4-BE49-F238E27FC236}">
+                <a16:creationId xmlns:a16="http://schemas.microsoft.com/office/drawing/2014/main" id="{17A36730-4CB0-4F61-AD11-A44C9765833F}"/>
+              </a:ext>
+              <a:ext uri="{C183D7F6-B498-43B3-948B-1728B52AA6E4}">
+                <adec:decorative xmlns:adec="http://schemas.microsoft.com/office/drawing/2017/decorative" val="1"/>
+              </a:ext>
+            </a:extLst>
+          </p:cNvPr>
+          <p:cNvSpPr>
+            <a:spLocks noGrp="1" noRot="1" noChangeAspect="1" noMove="1" noResize="1" noEditPoints="1" noAdjustHandles="1" noChangeArrowheads="1" noChangeShapeType="1" noTextEdit="1"/>
+          </p:cNvSpPr>
+          <p:nvPr>
+            <p:extLst>
+              <p:ext uri="{386F3935-93C4-4BCD-93E2-E3B085C9AB24}">
+                <p16:designElem xmlns:p16="http://schemas.microsoft.com/office/powerpoint/2015/main" val="1"/>
+              </p:ext>
+            </p:extLst>
+          </p:nvPr>
+        </p:nvSpPr>
+        <p:spPr>
+          <a:xfrm rot="5400000" flipH="1">
+            <a:off x="1528907" y="2818967"/>
+            <a:ext cx="2501979" cy="5576080"/>
+          </a:xfrm>
+          <a:prstGeom prst="rect">
+            <a:avLst/>
+          </a:prstGeom>
+          <a:gradFill>
+            <a:gsLst>
+              <a:gs pos="2000">
+                <a:schemeClr val="accent1">
+                  <a:alpha val="29000"/>
+                </a:schemeClr>
+              </a:gs>
+              <a:gs pos="100000">
+                <a:srgbClr val="000000">
+                  <a:alpha val="30000"/>
+                </a:srgbClr>
+              </a:gs>
+            </a:gsLst>
+            <a:lin ang="7800000" scaled="0"/>
+          </a:gradFill>
+          <a:ln>
+            <a:noFill/>
+          </a:ln>
+        </p:spPr>
+        <p:style>
+          <a:lnRef idx="2">
+            <a:schemeClr val="accent1">
+              <a:shade val="50000"/>
+            </a:schemeClr>
+          </a:lnRef>
+          <a:fillRef idx="1">
+            <a:schemeClr val="accent1"/>
+          </a:fillRef>
+          <a:effectRef idx="0">
+            <a:schemeClr val="accent1"/>
+          </a:effectRef>
+          <a:fontRef idx="minor">
+            <a:schemeClr val="lt1"/>
+          </a:fontRef>
+        </p:style>
+        <p:txBody>
+          <a:bodyPr rtlCol="0" anchor="ctr"/>
+          <a:lstStyle/>
+          <a:p>
+            <a:pPr algn="ctr"/>
+            <a:endParaRPr lang="en-US" dirty="0"/>
+          </a:p>
+        </p:txBody>
+      </p:sp>
+      <p:sp>
+        <p:nvSpPr>
+          <p:cNvPr id="72" name="Rectangle 71">
+            <a:extLst>
+              <a:ext uri="{FF2B5EF4-FFF2-40B4-BE49-F238E27FC236}">
+                <a16:creationId xmlns:a16="http://schemas.microsoft.com/office/drawing/2014/main" id="{C69C79E1-F916-4929-A4F3-DE763D4BFA57}"/>
+              </a:ext>
+              <a:ext uri="{C183D7F6-B498-43B3-948B-1728B52AA6E4}">
+                <adec:decorative xmlns:adec="http://schemas.microsoft.com/office/drawing/2017/decorative" val="1"/>
+              </a:ext>
+            </a:extLst>
+          </p:cNvPr>
+          <p:cNvSpPr>
+            <a:spLocks noGrp="1" noRot="1" noChangeAspect="1" noMove="1" noResize="1" noEditPoints="1" noAdjustHandles="1" noChangeArrowheads="1" noChangeShapeType="1" noTextEdit="1"/>
+          </p:cNvSpPr>
+          <p:nvPr>
+            <p:extLst>
+              <p:ext uri="{386F3935-93C4-4BCD-93E2-E3B085C9AB24}">
+                <p16:designElem xmlns:p16="http://schemas.microsoft.com/office/powerpoint/2015/main" val="1"/>
+              </p:ext>
+            </p:extLst>
+          </p:nvPr>
+        </p:nvSpPr>
+        <p:spPr>
+          <a:xfrm rot="5400000" flipH="1">
+            <a:off x="-425002" y="852793"/>
+            <a:ext cx="6858001" cy="5152412"/>
+          </a:xfrm>
+          <a:prstGeom prst="rect">
+            <a:avLst/>
+          </a:prstGeom>
+          <a:gradFill>
+            <a:gsLst>
+              <a:gs pos="0">
+                <a:srgbClr val="000000">
+                  <a:alpha val="0"/>
+                </a:srgbClr>
+              </a:gs>
+              <a:gs pos="99000">
+                <a:schemeClr val="accent1">
+                  <a:alpha val="11000"/>
+                </a:schemeClr>
+              </a:gs>
+            </a:gsLst>
+            <a:lin ang="7800000" scaled="0"/>
+          </a:gradFill>
+          <a:ln>
+            <a:noFill/>
+          </a:ln>
+        </p:spPr>
+        <p:style>
+          <a:lnRef idx="2">
+            <a:schemeClr val="accent1">
+              <a:shade val="50000"/>
+            </a:schemeClr>
+          </a:lnRef>
+          <a:fillRef idx="1">
+            <a:schemeClr val="accent1"/>
+          </a:fillRef>
+          <a:effectRef idx="0">
+            <a:schemeClr val="accent1"/>
+          </a:effectRef>
+          <a:fontRef idx="minor">
+            <a:schemeClr val="lt1"/>
+          </a:fontRef>
+        </p:style>
+        <p:txBody>
+          <a:bodyPr rtlCol="0" anchor="ctr"/>
+          <a:lstStyle/>
+          <a:p>
+            <a:pPr algn="ctr"/>
+            <a:endParaRPr lang="en-US"/>
+          </a:p>
+        </p:txBody>
+      </p:sp>
+      <p:sp>
+        <p:nvSpPr>
+          <p:cNvPr id="74" name="Oval 73">
+            <a:extLst>
+              <a:ext uri="{FF2B5EF4-FFF2-40B4-BE49-F238E27FC236}">
+                <a16:creationId xmlns:a16="http://schemas.microsoft.com/office/drawing/2014/main" id="{767334AB-16BD-4EC7-8C6B-4B5171600933}"/>
+              </a:ext>
+              <a:ext uri="{C183D7F6-B498-43B3-948B-1728B52AA6E4}">
+                <adec:decorative xmlns:adec="http://schemas.microsoft.com/office/drawing/2017/decorative" val="1"/>
+              </a:ext>
+            </a:extLst>
+          </p:cNvPr>
+          <p:cNvSpPr>
+            <a:spLocks noGrp="1" noRot="1" noChangeAspect="1" noMove="1" noResize="1" noEditPoints="1" noAdjustHandles="1" noChangeArrowheads="1" noChangeShapeType="1" noTextEdit="1"/>
+          </p:cNvSpPr>
+          <p:nvPr>
+            <p:extLst>
+              <p:ext uri="{386F3935-93C4-4BCD-93E2-E3B085C9AB24}">
+                <p16:designElem xmlns:p16="http://schemas.microsoft.com/office/powerpoint/2015/main" val="1"/>
+              </p:ext>
+            </p:extLst>
+          </p:nvPr>
+        </p:nvSpPr>
+        <p:spPr>
+          <a:xfrm rot="6097846">
+            <a:off x="818753" y="1128497"/>
+            <a:ext cx="4318303" cy="4318303"/>
+          </a:xfrm>
+          <a:prstGeom prst="ellipse">
+            <a:avLst/>
+          </a:prstGeom>
+          <a:gradFill>
+            <a:gsLst>
+              <a:gs pos="39000">
+                <a:schemeClr val="accent1">
+                  <a:alpha val="0"/>
+                </a:schemeClr>
+              </a:gs>
+              <a:gs pos="100000">
+                <a:schemeClr val="accent1">
+                  <a:lumMod val="60000"/>
+                  <a:lumOff val="40000"/>
+                  <a:alpha val="15000"/>
+                </a:schemeClr>
+              </a:gs>
+            </a:gsLst>
+            <a:lin ang="17400000" scaled="0"/>
+          </a:gradFill>
+          <a:ln>
+            <a:noFill/>
+          </a:ln>
+        </p:spPr>
+        <p:style>
+          <a:lnRef idx="2">
+            <a:schemeClr val="accent1">
+              <a:shade val="50000"/>
+            </a:schemeClr>
+          </a:lnRef>
+          <a:fillRef idx="1">
+            <a:schemeClr val="accent1"/>
+          </a:fillRef>
+          <a:effectRef idx="0">
+            <a:schemeClr val="accent1"/>
+          </a:effectRef>
+          <a:fontRef idx="minor">
+            <a:schemeClr val="lt1"/>
+          </a:fontRef>
+        </p:style>
+        <p:txBody>
+          <a:bodyPr rtlCol="0" anchor="ctr"/>
+          <a:lstStyle/>
+          <a:p>
+            <a:pPr algn="ctr"/>
+            <a:endParaRPr lang="en-US" dirty="0"/>
+          </a:p>
+        </p:txBody>
+      </p:sp>
+      <p:sp>
+        <p:nvSpPr>
+          <p:cNvPr id="2" name="Title 1">
+            <a:extLst>
+              <a:ext uri="{FF2B5EF4-FFF2-40B4-BE49-F238E27FC236}">
+                <a16:creationId xmlns:a16="http://schemas.microsoft.com/office/drawing/2014/main" id="{D1BDCD89-2AB9-76AB-DE0D-D5B2DDA6B01B}"/>
+              </a:ext>
+            </a:extLst>
+          </p:cNvPr>
+          <p:cNvSpPr>
+            <a:spLocks noGrp="1"/>
+          </p:cNvSpPr>
+          <p:nvPr>
+            <p:ph type="title"/>
+          </p:nvPr>
+        </p:nvSpPr>
+        <p:spPr>
+          <a:xfrm>
+            <a:off x="660042" y="891652"/>
+            <a:ext cx="4669340" cy="3030724"/>
+          </a:xfrm>
+        </p:spPr>
+        <p:txBody>
+          <a:bodyPr vert="horz" lIns="91440" tIns="45720" rIns="91440" bIns="45720" rtlCol="0" anchor="b">
+            <a:normAutofit/>
+          </a:bodyPr>
+          <a:lstStyle/>
+          <a:p>
+            <a:pPr algn="r"/>
+            <a:r>
+              <a:rPr lang="en-US" sz="4000" kern="1200" dirty="0">
+                <a:solidFill>
+                  <a:srgbClr val="FFFFFF"/>
+                </a:solidFill>
+                <a:latin typeface="+mj-lt"/>
+                <a:ea typeface="+mj-ea"/>
+                <a:cs typeface="+mj-cs"/>
+              </a:rPr>
+              <a:t>Academic Reports vs. Technical Reports</a:t>
+            </a:r>
+          </a:p>
+        </p:txBody>
+      </p:sp>
+      <p:pic>
+        <p:nvPicPr>
+          <p:cNvPr id="7" name="Content Placeholder 6" descr="Document">
+            <a:extLst>
+              <a:ext uri="{FF2B5EF4-FFF2-40B4-BE49-F238E27FC236}">
+                <a16:creationId xmlns:a16="http://schemas.microsoft.com/office/drawing/2014/main" id="{51155D47-03B1-71EA-3C5B-E76256E17A21}"/>
+              </a:ext>
+            </a:extLst>
+          </p:cNvPr>
+          <p:cNvPicPr>
+            <a:picLocks noGrp="1" noChangeAspect="1"/>
+          </p:cNvPicPr>
+          <p:nvPr>
+            <p:ph idx="1"/>
+          </p:nvPr>
+        </p:nvPicPr>
+        <p:blipFill>
+          <a:blip r:embed="rId2">
+            <a:extLst>
+              <a:ext uri="{28A0092B-C50C-407E-A947-70E740481C1C}">
+                <a14:useLocalDpi xmlns:a14="http://schemas.microsoft.com/office/drawing/2010/main" val="0"/>
+              </a:ext>
+              <a:ext uri="{96DAC541-7B7A-43D3-8B79-37D633B846F1}">
+                <asvg:svgBlip xmlns:asvg="http://schemas.microsoft.com/office/drawing/2016/SVG/main" r:embed="rId3"/>
+              </a:ext>
+            </a:extLst>
+          </a:blip>
+          <a:stretch>
+            <a:fillRect/>
+          </a:stretch>
+        </p:blipFill>
+        <p:spPr>
+          <a:xfrm>
+            <a:off x="6096000" y="602615"/>
+            <a:ext cx="5608320" cy="5608320"/>
+          </a:xfrm>
+          <a:prstGeom prst="rect">
+            <a:avLst/>
+          </a:prstGeom>
+        </p:spPr>
+      </p:pic>
+    </p:spTree>
+    <p:extLst>
+      <p:ext uri="{BB962C8B-B14F-4D97-AF65-F5344CB8AC3E}">
+        <p14:creationId xmlns:p14="http://schemas.microsoft.com/office/powerpoint/2010/main" val="1086368950"/>
+      </p:ext>
+    </p:extLst>
+  </p:cSld>
+  <p:clrMapOvr>
+    <a:masterClrMapping/>
+  </p:clrMapOvr>
+  <p:timing>
+    <p:tnLst>
+      <p:par>
+        <p:cTn id="1" dur="indefinite" restart="never" nodeType="tmRoot">
+          <p:childTnLst>
+            <p:seq concurrent="1" nextAc="seek">
+              <p:cTn id="2" dur="indefinite" nodeType="mainSeq">
+                <p:childTnLst>
+                  <p:par>
+                    <p:cTn id="3" fill="hold">
+                      <p:stCondLst>
+                        <p:cond delay="indefinite"/>
+                        <p:cond evt="onBegin" delay="0">
+                          <p:tn val="2"/>
+                        </p:cond>
+                      </p:stCondLst>
+                      <p:childTnLst>
+                        <p:par>
+                          <p:cTn id="4" fill="hold">
+                            <p:stCondLst>
+                              <p:cond delay="0"/>
+                            </p:stCondLst>
+                            <p:childTnLst>
+                              <p:par>
+                                <p:cTn id="5" presetID="10" presetClass="entr" presetSubtype="0" fill="hold" nodeType="withEffect">
+                                  <p:stCondLst>
+                                    <p:cond delay="500"/>
+                                  </p:stCondLst>
+                                  <p:iterate>
+                                    <p:tmPct val="10000"/>
+                                  </p:iterate>
+                                  <p:childTnLst>
+                                    <p:set>
+                                      <p:cBhvr>
+                                        <p:cTn id="6" dur="1" fill="hold">
+                                          <p:stCondLst>
+                                            <p:cond delay="0"/>
+                                          </p:stCondLst>
+                                        </p:cTn>
+                                        <p:tgtEl>
+                                          <p:spTgt spid="7"/>
+                                        </p:tgtEl>
+                                        <p:attrNameLst>
+                                          <p:attrName>style.visibility</p:attrName>
+                                        </p:attrNameLst>
+                                      </p:cBhvr>
+                                      <p:to>
+                                        <p:strVal val="visible"/>
+                                      </p:to>
+                                    </p:set>
+                                    <p:animEffect transition="in" filter="fade">
+                                      <p:cBhvr>
+                                        <p:cTn id="7" dur="700"/>
+                                        <p:tgtEl>
+                                          <p:spTgt spid="7"/>
+                                        </p:tgtEl>
+                                      </p:cBhvr>
+                                    </p:animEffect>
+                                  </p:childTnLst>
+                                </p:cTn>
+                              </p:par>
+                              <p:par>
+                                <p:cTn id="8" presetID="10" presetClass="entr" presetSubtype="0" fill="hold" grpId="0" nodeType="withEffect">
+                                  <p:stCondLst>
+                                    <p:cond delay="1000"/>
+                                  </p:stCondLst>
+                                  <p:iterate>
+                                    <p:tmPct val="10000"/>
+                                  </p:iterate>
+                                  <p:childTnLst>
+                                    <p:set>
+                                      <p:cBhvr>
+                                        <p:cTn id="9" dur="1" fill="hold">
+                                          <p:stCondLst>
+                                            <p:cond delay="0"/>
+                                          </p:stCondLst>
+                                        </p:cTn>
+                                        <p:tgtEl>
+                                          <p:spTgt spid="2"/>
+                                        </p:tgtEl>
+                                        <p:attrNameLst>
+                                          <p:attrName>style.visibility</p:attrName>
+                                        </p:attrNameLst>
+                                      </p:cBhvr>
+                                      <p:to>
+                                        <p:strVal val="visible"/>
+                                      </p:to>
+                                    </p:set>
+                                    <p:animEffect transition="in" filter="fade">
+                                      <p:cBhvr>
+                                        <p:cTn id="10" dur="700"/>
+                                        <p:tgtEl>
+                                          <p:spTgt spid="2"/>
+                                        </p:tgtEl>
+                                      </p:cBhvr>
+                                    </p:animEffect>
+                                  </p:childTnLst>
+                                </p:cTn>
+                              </p:par>
+                            </p:childTnLst>
+                          </p:cTn>
+                        </p:par>
+                      </p:childTnLst>
+                    </p:cTn>
+                  </p:par>
+                </p:childTnLst>
+              </p:cTn>
+              <p:prevCondLst>
+                <p:cond evt="onPrev" delay="0">
+                  <p:tgtEl>
+                    <p:sldTgt/>
+                  </p:tgtEl>
+                </p:cond>
+              </p:prevCondLst>
+              <p:nextCondLst>
+                <p:cond evt="onNext" delay="0">
+                  <p:tgtEl>
+                    <p:sldTgt/>
+                  </p:tgtEl>
+                </p:cond>
+              </p:nextCondLst>
+            </p:seq>
+          </p:childTnLst>
+        </p:cTn>
+      </p:par>
+    </p:tnLst>
+    <p:bldLst>
+      <p:bldP spid="2" grpId="0"/>
+    </p:bldLst>
+  </p:timing>
+</p:sld>
+</file>
+
+<file path=ppt/slides/slide13.xml><?xml version="1.0" encoding="utf-8"?>
+<p:sld xmlns:a="http://schemas.openxmlformats.org/drawingml/2006/main" xmlns:r="http://schemas.openxmlformats.org/officeDocument/2006/relationships" xmlns:p="http://schemas.openxmlformats.org/presentationml/2006/main">
+  <p:cSld>
+    <p:bg>
+      <p:bgPr>
+        <a:solidFill>
+          <a:schemeClr val="bg1"/>
+        </a:solidFill>
+        <a:effectLst/>
+      </p:bgPr>
+    </p:bg>
+    <p:spTree>
+      <p:nvGrpSpPr>
+        <p:cNvPr id="1" name=""/>
+        <p:cNvGrpSpPr/>
+        <p:nvPr/>
+      </p:nvGrpSpPr>
+      <p:grpSpPr>
+        <a:xfrm>
+          <a:off x="0" y="0"/>
+          <a:ext cx="0" cy="0"/>
+          <a:chOff x="0" y="0"/>
+          <a:chExt cx="0" cy="0"/>
+        </a:xfrm>
+      </p:grpSpPr>
+      <p:sp useBgFill="1">
+        <p:nvSpPr>
+          <p:cNvPr id="9" name="Rectangle 8">
+            <a:extLst>
+              <a:ext uri="{FF2B5EF4-FFF2-40B4-BE49-F238E27FC236}">
+                <a16:creationId xmlns:a16="http://schemas.microsoft.com/office/drawing/2014/main" id="{BACC6370-2D7E-4714-9D71-7542949D7D5D}"/>
+              </a:ext>
+              <a:ext uri="{C183D7F6-B498-43B3-948B-1728B52AA6E4}">
+                <adec:decorative xmlns:adec="http://schemas.microsoft.com/office/drawing/2017/decorative" val="1"/>
+              </a:ext>
+            </a:extLst>
+          </p:cNvPr>
+          <p:cNvSpPr>
+            <a:spLocks noGrp="1" noRot="1" noChangeAspect="1" noMove="1" noResize="1" noEditPoints="1" noAdjustHandles="1" noChangeArrowheads="1" noChangeShapeType="1" noTextEdit="1"/>
+          </p:cNvSpPr>
+          <p:nvPr>
+            <p:extLst>
+              <p:ext uri="{386F3935-93C4-4BCD-93E2-E3B085C9AB24}">
+                <p16:designElem xmlns:p16="http://schemas.microsoft.com/office/powerpoint/2015/main" val="1"/>
+              </p:ext>
+            </p:extLst>
+          </p:nvPr>
+        </p:nvSpPr>
+        <p:spPr>
+          <a:xfrm>
+            <a:off x="0" y="0"/>
+            <a:ext cx="12192000" cy="6858000"/>
+          </a:xfrm>
+          <a:prstGeom prst="rect">
+            <a:avLst/>
+          </a:prstGeom>
+          <a:ln w="12700" cap="flat" cmpd="sng" algn="ctr">
+            <a:noFill/>
+            <a:prstDash val="solid"/>
+            <a:miter lim="800000"/>
+          </a:ln>
+          <a:effectLst/>
+          <a:extLst>
+            <a:ext uri="{91240B29-F687-4F45-9708-019B960494DF}">
+              <a14:hiddenLine xmlns:a14="http://schemas.microsoft.com/office/drawing/2010/main" w="12700" cap="flat" cmpd="sng" algn="ctr">
+                <a:solidFill>
+                  <a:schemeClr val="accent1">
+                    <a:shade val="50000"/>
+                  </a:schemeClr>
+                </a:solidFill>
+                <a:prstDash val="solid"/>
+                <a:miter lim="800000"/>
+              </a14:hiddenLine>
+            </a:ext>
+          </a:extLst>
+        </p:spPr>
+        <p:style>
+          <a:lnRef idx="2">
+            <a:schemeClr val="accent1">
+              <a:shade val="50000"/>
+            </a:schemeClr>
+          </a:lnRef>
+          <a:fillRef idx="1">
+            <a:schemeClr val="accent1"/>
+          </a:fillRef>
+          <a:effectRef idx="0">
+            <a:schemeClr val="accent1"/>
+          </a:effectRef>
+          <a:fontRef idx="minor">
+            <a:schemeClr val="lt1"/>
+          </a:fontRef>
+        </p:style>
+        <p:txBody>
+          <a:bodyPr rtlCol="0" anchor="ctr"/>
+          <a:lstStyle/>
+          <a:p>
+            <a:pPr algn="ctr"/>
+            <a:endParaRPr lang="en-US"/>
+          </a:p>
+        </p:txBody>
+      </p:sp>
+      <p:sp>
+        <p:nvSpPr>
           <p:cNvPr id="11" name="Rectangle 10">
             <a:extLst>
               <a:ext uri="{FF2B5EF4-FFF2-40B4-BE49-F238E27FC236}">
@@ -13890,7 +14602,7 @@
 </p:sld>
 </file>
 
-<file path=ppt/slides/slide13.xml><?xml version="1.0" encoding="utf-8"?>
+<file path=ppt/slides/slide14.xml><?xml version="1.0" encoding="utf-8"?>
 <p:sld xmlns:a="http://schemas.openxmlformats.org/drawingml/2006/main" xmlns:r="http://schemas.openxmlformats.org/officeDocument/2006/relationships" xmlns:p="http://schemas.openxmlformats.org/presentationml/2006/main">
   <p:cSld>
     <p:bg>
@@ -14713,7 +15425,7 @@
 </p:sld>
 </file>
 
-<file path=ppt/slides/slide14.xml><?xml version="1.0" encoding="utf-8"?>
+<file path=ppt/slides/slide15.xml><?xml version="1.0" encoding="utf-8"?>
 <p:sld xmlns:a="http://schemas.openxmlformats.org/drawingml/2006/main" xmlns:r="http://schemas.openxmlformats.org/officeDocument/2006/relationships" xmlns:p="http://schemas.openxmlformats.org/presentationml/2006/main">
   <p:cSld>
     <p:bg>
@@ -15128,7 +15840,7 @@
 </p:sld>
 </file>
 
-<file path=ppt/slides/slide15.xml><?xml version="1.0" encoding="utf-8"?>
+<file path=ppt/slides/slide16.xml><?xml version="1.0" encoding="utf-8"?>
 <p:sld xmlns:a="http://schemas.openxmlformats.org/drawingml/2006/main" xmlns:r="http://schemas.openxmlformats.org/officeDocument/2006/relationships" xmlns:p="http://schemas.openxmlformats.org/presentationml/2006/main">
   <p:cSld>
     <p:bg>
@@ -15790,7 +16502,327 @@
 </p:sld>
 </file>
 
-<file path=ppt/slides/slide16.xml><?xml version="1.0" encoding="utf-8"?>
+<file path=ppt/slides/slide17.xml><?xml version="1.0" encoding="utf-8"?>
+<p:sld xmlns:a="http://schemas.openxmlformats.org/drawingml/2006/main" xmlns:r="http://schemas.openxmlformats.org/officeDocument/2006/relationships" xmlns:p="http://schemas.openxmlformats.org/presentationml/2006/main">
+  <p:cSld>
+    <p:bg>
+      <p:bgPr>
+        <a:solidFill>
+          <a:schemeClr val="bg1"/>
+        </a:solidFill>
+        <a:effectLst/>
+      </p:bgPr>
+    </p:bg>
+    <p:spTree>
+      <p:nvGrpSpPr>
+        <p:cNvPr id="1" name=""/>
+        <p:cNvGrpSpPr/>
+        <p:nvPr/>
+      </p:nvGrpSpPr>
+      <p:grpSpPr>
+        <a:xfrm>
+          <a:off x="0" y="0"/>
+          <a:ext cx="0" cy="0"/>
+          <a:chOff x="0" y="0"/>
+          <a:chExt cx="0" cy="0"/>
+        </a:xfrm>
+      </p:grpSpPr>
+      <p:sp useBgFill="1">
+        <p:nvSpPr>
+          <p:cNvPr id="11" name="Rectangle 10">
+            <a:extLst>
+              <a:ext uri="{FF2B5EF4-FFF2-40B4-BE49-F238E27FC236}">
+                <a16:creationId xmlns:a16="http://schemas.microsoft.com/office/drawing/2014/main" id="{3AFE8227-C443-417B-BA91-520EB1EF4559}"/>
+              </a:ext>
+              <a:ext uri="{C183D7F6-B498-43B3-948B-1728B52AA6E4}">
+                <adec:decorative xmlns:adec="http://schemas.microsoft.com/office/drawing/2017/decorative" val="1"/>
+              </a:ext>
+            </a:extLst>
+          </p:cNvPr>
+          <p:cNvSpPr>
+            <a:spLocks noGrp="1" noRot="1" noChangeAspect="1" noMove="1" noResize="1" noEditPoints="1" noAdjustHandles="1" noChangeArrowheads="1" noChangeShapeType="1" noTextEdit="1"/>
+          </p:cNvSpPr>
+          <p:nvPr>
+            <p:extLst>
+              <p:ext uri="{386F3935-93C4-4BCD-93E2-E3B085C9AB24}">
+                <p16:designElem xmlns:p16="http://schemas.microsoft.com/office/powerpoint/2015/main" val="1"/>
+              </p:ext>
+            </p:extLst>
+          </p:nvPr>
+        </p:nvSpPr>
+        <p:spPr>
+          <a:xfrm>
+            <a:off x="0" y="2"/>
+            <a:ext cx="12192000" cy="6857997"/>
+          </a:xfrm>
+          <a:prstGeom prst="rect">
+            <a:avLst/>
+          </a:prstGeom>
+          <a:ln>
+            <a:noFill/>
+          </a:ln>
+        </p:spPr>
+        <p:style>
+          <a:lnRef idx="2">
+            <a:schemeClr val="accent1">
+              <a:shade val="50000"/>
+            </a:schemeClr>
+          </a:lnRef>
+          <a:fillRef idx="1">
+            <a:schemeClr val="accent1"/>
+          </a:fillRef>
+          <a:effectRef idx="0">
+            <a:schemeClr val="accent1"/>
+          </a:effectRef>
+          <a:fontRef idx="minor">
+            <a:schemeClr val="lt1"/>
+          </a:fontRef>
+        </p:style>
+        <p:txBody>
+          <a:bodyPr rtlCol="0" anchor="ctr"/>
+          <a:lstStyle/>
+          <a:p>
+            <a:pPr algn="ctr"/>
+            <a:endParaRPr lang="en-US"/>
+          </a:p>
+        </p:txBody>
+      </p:sp>
+      <p:pic>
+        <p:nvPicPr>
+          <p:cNvPr id="5" name="Content Placeholder 4">
+            <a:extLst>
+              <a:ext uri="{FF2B5EF4-FFF2-40B4-BE49-F238E27FC236}">
+                <a16:creationId xmlns:a16="http://schemas.microsoft.com/office/drawing/2014/main" id="{CF0F927B-5FA6-E92D-27F6-640DFEAC5B4A}"/>
+              </a:ext>
+            </a:extLst>
+          </p:cNvPr>
+          <p:cNvPicPr>
+            <a:picLocks noGrp="1" noChangeAspect="1"/>
+          </p:cNvPicPr>
+          <p:nvPr>
+            <p:ph idx="1"/>
+          </p:nvPr>
+        </p:nvPicPr>
+        <p:blipFill rotWithShape="1">
+          <a:blip r:embed="rId2"/>
+          <a:srcRect t="3406" r="-1" b="-1"/>
+          <a:stretch/>
+        </p:blipFill>
+        <p:spPr>
+          <a:xfrm>
+            <a:off x="20" y="431"/>
+            <a:ext cx="8115280" cy="6408311"/>
+          </a:xfrm>
+          <a:prstGeom prst="rect">
+            <a:avLst/>
+          </a:prstGeom>
+        </p:spPr>
+      </p:pic>
+      <p:sp>
+        <p:nvSpPr>
+          <p:cNvPr id="6" name="TextBox 5">
+            <a:extLst>
+              <a:ext uri="{FF2B5EF4-FFF2-40B4-BE49-F238E27FC236}">
+                <a16:creationId xmlns:a16="http://schemas.microsoft.com/office/drawing/2014/main" id="{58428015-CF0A-8E60-CE2F-B633028AA458}"/>
+              </a:ext>
+            </a:extLst>
+          </p:cNvPr>
+          <p:cNvSpPr txBox="1"/>
+          <p:nvPr/>
+        </p:nvSpPr>
+        <p:spPr>
+          <a:xfrm>
+            <a:off x="8643193" y="5501471"/>
+            <a:ext cx="2942813" cy="457202"/>
+          </a:xfrm>
+          <a:prstGeom prst="rect">
+            <a:avLst/>
+          </a:prstGeom>
+        </p:spPr>
+        <p:txBody>
+          <a:bodyPr vert="horz" lIns="91440" tIns="45720" rIns="91440" bIns="45720" rtlCol="0">
+            <a:normAutofit/>
+          </a:bodyPr>
+          <a:lstStyle/>
+          <a:p>
+            <a:pPr>
+              <a:lnSpc>
+                <a:spcPct val="90000"/>
+              </a:lnSpc>
+              <a:spcAft>
+                <a:spcPts val="600"/>
+              </a:spcAft>
+            </a:pPr>
+            <a:r>
+              <a:rPr lang="en-US" sz="2000" b="1" dirty="0"/>
+              <a:t>(Caulfield, 2020) </a:t>
+            </a:r>
+          </a:p>
+        </p:txBody>
+      </p:sp>
+      <p:sp>
+        <p:nvSpPr>
+          <p:cNvPr id="13" name="Rectangle 12">
+            <a:extLst>
+              <a:ext uri="{FF2B5EF4-FFF2-40B4-BE49-F238E27FC236}">
+                <a16:creationId xmlns:a16="http://schemas.microsoft.com/office/drawing/2014/main" id="{907741FC-B544-4A6E-B831-6789D042333D}"/>
+              </a:ext>
+              <a:ext uri="{C183D7F6-B498-43B3-948B-1728B52AA6E4}">
+                <adec:decorative xmlns:adec="http://schemas.microsoft.com/office/drawing/2017/decorative" val="1"/>
+              </a:ext>
+            </a:extLst>
+          </p:cNvPr>
+          <p:cNvSpPr>
+            <a:spLocks noGrp="1" noRot="1" noChangeAspect="1" noMove="1" noResize="1" noEditPoints="1" noAdjustHandles="1" noChangeArrowheads="1" noChangeShapeType="1" noTextEdit="1"/>
+          </p:cNvSpPr>
+          <p:nvPr>
+            <p:extLst>
+              <p:ext uri="{386F3935-93C4-4BCD-93E2-E3B085C9AB24}">
+                <p16:designElem xmlns:p16="http://schemas.microsoft.com/office/powerpoint/2015/main" val="1"/>
+              </p:ext>
+            </p:extLst>
+          </p:nvPr>
+        </p:nvSpPr>
+        <p:spPr>
+          <a:xfrm flipH="1">
+            <a:off x="-1" y="6408741"/>
+            <a:ext cx="12191998" cy="457202"/>
+          </a:xfrm>
+          <a:prstGeom prst="rect">
+            <a:avLst/>
+          </a:prstGeom>
+          <a:gradFill>
+            <a:gsLst>
+              <a:gs pos="34000">
+                <a:srgbClr val="000000">
+                  <a:alpha val="96000"/>
+                </a:srgbClr>
+              </a:gs>
+              <a:gs pos="100000">
+                <a:schemeClr val="accent1"/>
+              </a:gs>
+            </a:gsLst>
+            <a:lin ang="8400000" scaled="0"/>
+          </a:gradFill>
+          <a:ln>
+            <a:noFill/>
+          </a:ln>
+        </p:spPr>
+        <p:style>
+          <a:lnRef idx="2">
+            <a:schemeClr val="accent1">
+              <a:shade val="50000"/>
+            </a:schemeClr>
+          </a:lnRef>
+          <a:fillRef idx="1">
+            <a:schemeClr val="accent1"/>
+          </a:fillRef>
+          <a:effectRef idx="0">
+            <a:schemeClr val="accent1"/>
+          </a:effectRef>
+          <a:fontRef idx="minor">
+            <a:schemeClr val="lt1"/>
+          </a:fontRef>
+        </p:style>
+        <p:txBody>
+          <a:bodyPr rtlCol="0" anchor="ctr"/>
+          <a:lstStyle/>
+          <a:p>
+            <a:pPr algn="ctr"/>
+            <a:endParaRPr lang="en-US"/>
+          </a:p>
+        </p:txBody>
+      </p:sp>
+      <p:sp>
+        <p:nvSpPr>
+          <p:cNvPr id="15" name="Rectangle 14">
+            <a:extLst>
+              <a:ext uri="{FF2B5EF4-FFF2-40B4-BE49-F238E27FC236}">
+                <a16:creationId xmlns:a16="http://schemas.microsoft.com/office/drawing/2014/main" id="{3F0BE7ED-7814-4273-B18A-F26CC0380380}"/>
+              </a:ext>
+              <a:ext uri="{C183D7F6-B498-43B3-948B-1728B52AA6E4}">
+                <adec:decorative xmlns:adec="http://schemas.microsoft.com/office/drawing/2017/decorative" val="1"/>
+              </a:ext>
+            </a:extLst>
+          </p:cNvPr>
+          <p:cNvSpPr>
+            <a:spLocks noGrp="1" noRot="1" noChangeAspect="1" noMove="1" noResize="1" noEditPoints="1" noAdjustHandles="1" noChangeArrowheads="1" noChangeShapeType="1" noTextEdit="1"/>
+          </p:cNvSpPr>
+          <p:nvPr>
+            <p:extLst>
+              <p:ext uri="{386F3935-93C4-4BCD-93E2-E3B085C9AB24}">
+                <p16:designElem xmlns:p16="http://schemas.microsoft.com/office/powerpoint/2015/main" val="1"/>
+              </p:ext>
+            </p:extLst>
+          </p:nvPr>
+        </p:nvSpPr>
+        <p:spPr>
+          <a:xfrm flipH="1">
+            <a:off x="-4" y="6408742"/>
+            <a:ext cx="8115300" cy="449258"/>
+          </a:xfrm>
+          <a:prstGeom prst="rect">
+            <a:avLst/>
+          </a:prstGeom>
+          <a:gradFill>
+            <a:gsLst>
+              <a:gs pos="28000">
+                <a:schemeClr val="accent1">
+                  <a:lumMod val="75000"/>
+                  <a:alpha val="59000"/>
+                </a:schemeClr>
+              </a:gs>
+              <a:gs pos="100000">
+                <a:srgbClr val="000000">
+                  <a:alpha val="70000"/>
+                </a:srgbClr>
+              </a:gs>
+            </a:gsLst>
+            <a:lin ang="11400000" scaled="0"/>
+          </a:gradFill>
+          <a:ln>
+            <a:noFill/>
+          </a:ln>
+        </p:spPr>
+        <p:style>
+          <a:lnRef idx="2">
+            <a:schemeClr val="accent1">
+              <a:shade val="50000"/>
+            </a:schemeClr>
+          </a:lnRef>
+          <a:fillRef idx="1">
+            <a:schemeClr val="accent1"/>
+          </a:fillRef>
+          <a:effectRef idx="0">
+            <a:schemeClr val="accent1"/>
+          </a:effectRef>
+          <a:fontRef idx="minor">
+            <a:schemeClr val="lt1"/>
+          </a:fontRef>
+        </p:style>
+        <p:txBody>
+          <a:bodyPr rtlCol="0" anchor="ctr"/>
+          <a:lstStyle/>
+          <a:p>
+            <a:pPr algn="ctr"/>
+            <a:endParaRPr lang="en-US"/>
+          </a:p>
+        </p:txBody>
+      </p:sp>
+    </p:spTree>
+    <p:extLst>
+      <p:ext uri="{BB962C8B-B14F-4D97-AF65-F5344CB8AC3E}">
+        <p14:creationId xmlns:p14="http://schemas.microsoft.com/office/powerpoint/2010/main" val="4178298851"/>
+      </p:ext>
+    </p:extLst>
+  </p:cSld>
+  <p:clrMapOvr>
+    <a:masterClrMapping/>
+  </p:clrMapOvr>
+</p:sld>
+</file>
+
+<file path=ppt/slides/slide18.xml><?xml version="1.0" encoding="utf-8"?>
 <p:sld xmlns:a="http://schemas.openxmlformats.org/drawingml/2006/main" xmlns:r="http://schemas.openxmlformats.org/officeDocument/2006/relationships" xmlns:p="http://schemas.openxmlformats.org/presentationml/2006/main">
   <p:cSld>
     <p:bg>
@@ -16452,7 +17484,599 @@
 </p:sld>
 </file>
 
-<file path=ppt/slides/slide17.xml><?xml version="1.0" encoding="utf-8"?>
+<file path=ppt/slides/slide19.xml><?xml version="1.0" encoding="utf-8"?>
+<p:sld xmlns:a="http://schemas.openxmlformats.org/drawingml/2006/main" xmlns:r="http://schemas.openxmlformats.org/officeDocument/2006/relationships" xmlns:p="http://schemas.openxmlformats.org/presentationml/2006/main">
+  <p:cSld>
+    <p:bg>
+      <p:bgPr>
+        <a:solidFill>
+          <a:schemeClr val="bg1"/>
+        </a:solidFill>
+        <a:effectLst/>
+      </p:bgPr>
+    </p:bg>
+    <p:spTree>
+      <p:nvGrpSpPr>
+        <p:cNvPr id="1" name=""/>
+        <p:cNvGrpSpPr/>
+        <p:nvPr/>
+      </p:nvGrpSpPr>
+      <p:grpSpPr>
+        <a:xfrm>
+          <a:off x="0" y="0"/>
+          <a:ext cx="0" cy="0"/>
+          <a:chOff x="0" y="0"/>
+          <a:chExt cx="0" cy="0"/>
+        </a:xfrm>
+      </p:grpSpPr>
+      <p:sp useBgFill="1">
+        <p:nvSpPr>
+          <p:cNvPr id="30" name="Rectangle 29">
+            <a:extLst>
+              <a:ext uri="{FF2B5EF4-FFF2-40B4-BE49-F238E27FC236}">
+                <a16:creationId xmlns:a16="http://schemas.microsoft.com/office/drawing/2014/main" id="{2596F992-698C-48C0-9D89-70DA4CE927EF}"/>
+              </a:ext>
+              <a:ext uri="{C183D7F6-B498-43B3-948B-1728B52AA6E4}">
+                <adec:decorative xmlns:adec="http://schemas.microsoft.com/office/drawing/2017/decorative" val="1"/>
+              </a:ext>
+            </a:extLst>
+          </p:cNvPr>
+          <p:cNvSpPr>
+            <a:spLocks noGrp="1" noRot="1" noChangeAspect="1" noMove="1" noResize="1" noEditPoints="1" noAdjustHandles="1" noChangeArrowheads="1" noChangeShapeType="1" noTextEdit="1"/>
+          </p:cNvSpPr>
+          <p:nvPr>
+            <p:extLst>
+              <p:ext uri="{386F3935-93C4-4BCD-93E2-E3B085C9AB24}">
+                <p16:designElem xmlns:p16="http://schemas.microsoft.com/office/powerpoint/2015/main" val="1"/>
+              </p:ext>
+            </p:extLst>
+          </p:nvPr>
+        </p:nvSpPr>
+        <p:spPr>
+          <a:xfrm>
+            <a:off x="0" y="0"/>
+            <a:ext cx="12192000" cy="6858000"/>
+          </a:xfrm>
+          <a:prstGeom prst="rect">
+            <a:avLst/>
+          </a:prstGeom>
+          <a:ln w="12700" cap="flat" cmpd="sng" algn="ctr">
+            <a:noFill/>
+            <a:prstDash val="solid"/>
+            <a:miter lim="800000"/>
+          </a:ln>
+          <a:effectLst/>
+          <a:extLst>
+            <a:ext uri="{91240B29-F687-4F45-9708-019B960494DF}">
+              <a14:hiddenLine xmlns:a14="http://schemas.microsoft.com/office/drawing/2010/main" w="12700" cap="flat" cmpd="sng" algn="ctr">
+                <a:solidFill>
+                  <a:schemeClr val="accent1">
+                    <a:shade val="50000"/>
+                  </a:schemeClr>
+                </a:solidFill>
+                <a:prstDash val="solid"/>
+                <a:miter lim="800000"/>
+              </a14:hiddenLine>
+            </a:ext>
+          </a:extLst>
+        </p:spPr>
+        <p:style>
+          <a:lnRef idx="2">
+            <a:schemeClr val="accent1">
+              <a:shade val="50000"/>
+            </a:schemeClr>
+          </a:lnRef>
+          <a:fillRef idx="1">
+            <a:schemeClr val="accent1"/>
+          </a:fillRef>
+          <a:effectRef idx="0">
+            <a:schemeClr val="accent1"/>
+          </a:effectRef>
+          <a:fontRef idx="minor">
+            <a:schemeClr val="lt1"/>
+          </a:fontRef>
+        </p:style>
+        <p:txBody>
+          <a:bodyPr rtlCol="0" anchor="ctr"/>
+          <a:lstStyle/>
+          <a:p>
+            <a:pPr algn="ctr"/>
+            <a:endParaRPr lang="en-US"/>
+          </a:p>
+        </p:txBody>
+      </p:sp>
+      <p:pic>
+        <p:nvPicPr>
+          <p:cNvPr id="5" name="Content Placeholder 4">
+            <a:extLst>
+              <a:ext uri="{FF2B5EF4-FFF2-40B4-BE49-F238E27FC236}">
+                <a16:creationId xmlns:a16="http://schemas.microsoft.com/office/drawing/2014/main" id="{A79E1CB6-E62C-F211-5E26-29C6D938EC9E}"/>
+              </a:ext>
+            </a:extLst>
+          </p:cNvPr>
+          <p:cNvPicPr>
+            <a:picLocks noChangeAspect="1"/>
+          </p:cNvPicPr>
+          <p:nvPr/>
+        </p:nvPicPr>
+        <p:blipFill>
+          <a:blip r:embed="rId2"/>
+          <a:stretch>
+            <a:fillRect/>
+          </a:stretch>
+        </p:blipFill>
+        <p:spPr>
+          <a:xfrm>
+            <a:off x="526110" y="1713113"/>
+            <a:ext cx="11139778" cy="2979889"/>
+          </a:xfrm>
+          <a:prstGeom prst="rect">
+            <a:avLst/>
+          </a:prstGeom>
+        </p:spPr>
+      </p:pic>
+      <p:sp>
+        <p:nvSpPr>
+          <p:cNvPr id="32" name="Rectangle 31">
+            <a:extLst>
+              <a:ext uri="{FF2B5EF4-FFF2-40B4-BE49-F238E27FC236}">
+                <a16:creationId xmlns:a16="http://schemas.microsoft.com/office/drawing/2014/main" id="{E7BFF8DC-0AE7-4AD2-9B28-2E5F26D62C30}"/>
+              </a:ext>
+              <a:ext uri="{C183D7F6-B498-43B3-948B-1728B52AA6E4}">
+                <adec:decorative xmlns:adec="http://schemas.microsoft.com/office/drawing/2017/decorative" val="1"/>
+              </a:ext>
+            </a:extLst>
+          </p:cNvPr>
+          <p:cNvSpPr>
+            <a:spLocks noGrp="1" noRot="1" noChangeAspect="1" noMove="1" noResize="1" noEditPoints="1" noAdjustHandles="1" noChangeArrowheads="1" noChangeShapeType="1" noTextEdit="1"/>
+          </p:cNvSpPr>
+          <p:nvPr>
+            <p:extLst>
+              <p:ext uri="{386F3935-93C4-4BCD-93E2-E3B085C9AB24}">
+                <p16:designElem xmlns:p16="http://schemas.microsoft.com/office/powerpoint/2015/main" val="1"/>
+              </p:ext>
+            </p:extLst>
+          </p:nvPr>
+        </p:nvSpPr>
+        <p:spPr>
+          <a:xfrm flipH="1">
+            <a:off x="0" y="6406116"/>
+            <a:ext cx="12191998" cy="461774"/>
+          </a:xfrm>
+          <a:prstGeom prst="rect">
+            <a:avLst/>
+          </a:prstGeom>
+          <a:gradFill>
+            <a:gsLst>
+              <a:gs pos="0">
+                <a:srgbClr val="000000"/>
+              </a:gs>
+              <a:gs pos="100000">
+                <a:schemeClr val="accent1">
+                  <a:lumMod val="75000"/>
+                </a:schemeClr>
+              </a:gs>
+            </a:gsLst>
+            <a:lin ang="15000000" scaled="0"/>
+          </a:gradFill>
+          <a:ln>
+            <a:noFill/>
+          </a:ln>
+        </p:spPr>
+        <p:style>
+          <a:lnRef idx="2">
+            <a:schemeClr val="accent1">
+              <a:shade val="50000"/>
+            </a:schemeClr>
+          </a:lnRef>
+          <a:fillRef idx="1">
+            <a:schemeClr val="accent1"/>
+          </a:fillRef>
+          <a:effectRef idx="0">
+            <a:schemeClr val="accent1"/>
+          </a:effectRef>
+          <a:fontRef idx="minor">
+            <a:schemeClr val="lt1"/>
+          </a:fontRef>
+        </p:style>
+        <p:txBody>
+          <a:bodyPr rtlCol="0" anchor="ctr"/>
+          <a:lstStyle/>
+          <a:p>
+            <a:pPr algn="ctr"/>
+            <a:endParaRPr lang="en-US"/>
+          </a:p>
+        </p:txBody>
+      </p:sp>
+      <p:sp>
+        <p:nvSpPr>
+          <p:cNvPr id="34" name="Rectangle 33">
+            <a:extLst>
+              <a:ext uri="{FF2B5EF4-FFF2-40B4-BE49-F238E27FC236}">
+                <a16:creationId xmlns:a16="http://schemas.microsoft.com/office/drawing/2014/main" id="{7E0162AD-C6E5-4BF8-A453-76ADB36877D3}"/>
+              </a:ext>
+              <a:ext uri="{C183D7F6-B498-43B3-948B-1728B52AA6E4}">
+                <adec:decorative xmlns:adec="http://schemas.microsoft.com/office/drawing/2017/decorative" val="1"/>
+              </a:ext>
+            </a:extLst>
+          </p:cNvPr>
+          <p:cNvSpPr>
+            <a:spLocks noGrp="1" noRot="1" noChangeAspect="1" noMove="1" noResize="1" noEditPoints="1" noAdjustHandles="1" noChangeArrowheads="1" noChangeShapeType="1" noTextEdit="1"/>
+          </p:cNvSpPr>
+          <p:nvPr>
+            <p:extLst>
+              <p:ext uri="{386F3935-93C4-4BCD-93E2-E3B085C9AB24}">
+                <p16:designElem xmlns:p16="http://schemas.microsoft.com/office/powerpoint/2015/main" val="1"/>
+              </p:ext>
+            </p:extLst>
+          </p:nvPr>
+        </p:nvSpPr>
+        <p:spPr>
+          <a:xfrm flipH="1">
+            <a:off x="8115300" y="6406115"/>
+            <a:ext cx="4076698" cy="464399"/>
+          </a:xfrm>
+          <a:prstGeom prst="rect">
+            <a:avLst/>
+          </a:prstGeom>
+          <a:gradFill>
+            <a:gsLst>
+              <a:gs pos="19000">
+                <a:srgbClr val="000000">
+                  <a:alpha val="31000"/>
+                </a:srgbClr>
+              </a:gs>
+              <a:gs pos="99000">
+                <a:schemeClr val="accent1"/>
+              </a:gs>
+            </a:gsLst>
+            <a:lin ang="13200000" scaled="0"/>
+          </a:gradFill>
+          <a:ln>
+            <a:noFill/>
+          </a:ln>
+        </p:spPr>
+        <p:style>
+          <a:lnRef idx="2">
+            <a:schemeClr val="accent1">
+              <a:shade val="50000"/>
+            </a:schemeClr>
+          </a:lnRef>
+          <a:fillRef idx="1">
+            <a:schemeClr val="accent1"/>
+          </a:fillRef>
+          <a:effectRef idx="0">
+            <a:schemeClr val="accent1"/>
+          </a:effectRef>
+          <a:fontRef idx="minor">
+            <a:schemeClr val="lt1"/>
+          </a:fontRef>
+        </p:style>
+        <p:txBody>
+          <a:bodyPr rtlCol="0" anchor="ctr"/>
+          <a:lstStyle/>
+          <a:p>
+            <a:pPr algn="ctr"/>
+            <a:endParaRPr lang="en-US"/>
+          </a:p>
+        </p:txBody>
+      </p:sp>
+      <p:sp>
+        <p:nvSpPr>
+          <p:cNvPr id="6" name="TextBox 5">
+            <a:extLst>
+              <a:ext uri="{FF2B5EF4-FFF2-40B4-BE49-F238E27FC236}">
+                <a16:creationId xmlns:a16="http://schemas.microsoft.com/office/drawing/2014/main" id="{4E87431A-B871-9243-85CE-8F6BE36554A9}"/>
+              </a:ext>
+            </a:extLst>
+          </p:cNvPr>
+          <p:cNvSpPr txBox="1"/>
+          <p:nvPr/>
+        </p:nvSpPr>
+        <p:spPr>
+          <a:xfrm>
+            <a:off x="9519138" y="5838092"/>
+            <a:ext cx="2146750" cy="369332"/>
+          </a:xfrm>
+          <a:prstGeom prst="rect">
+            <a:avLst/>
+          </a:prstGeom>
+          <a:noFill/>
+        </p:spPr>
+        <p:txBody>
+          <a:bodyPr wrap="square" rtlCol="0">
+            <a:spAutoFit/>
+          </a:bodyPr>
+          <a:lstStyle/>
+          <a:p>
+            <a:r>
+              <a:rPr lang="en-US" b="1" dirty="0"/>
+              <a:t>(Flores, 2023)</a:t>
+            </a:r>
+            <a:endParaRPr lang="en-NZ" b="1" dirty="0"/>
+          </a:p>
+        </p:txBody>
+      </p:sp>
+    </p:spTree>
+    <p:extLst>
+      <p:ext uri="{BB962C8B-B14F-4D97-AF65-F5344CB8AC3E}">
+        <p14:creationId xmlns:p14="http://schemas.microsoft.com/office/powerpoint/2010/main" val="451352539"/>
+      </p:ext>
+    </p:extLst>
+  </p:cSld>
+  <p:clrMapOvr>
+    <a:masterClrMapping/>
+  </p:clrMapOvr>
+</p:sld>
+</file>
+
+<file path=ppt/slides/slide2.xml><?xml version="1.0" encoding="utf-8"?>
+<p:sld xmlns:a="http://schemas.openxmlformats.org/drawingml/2006/main" xmlns:r="http://schemas.openxmlformats.org/officeDocument/2006/relationships" xmlns:p="http://schemas.openxmlformats.org/presentationml/2006/main">
+  <p:cSld>
+    <p:bg>
+      <p:bgPr>
+        <a:solidFill>
+          <a:schemeClr val="bg1"/>
+        </a:solidFill>
+        <a:effectLst/>
+      </p:bgPr>
+    </p:bg>
+    <p:spTree>
+      <p:nvGrpSpPr>
+        <p:cNvPr id="1" name=""/>
+        <p:cNvGrpSpPr/>
+        <p:nvPr/>
+      </p:nvGrpSpPr>
+      <p:grpSpPr>
+        <a:xfrm>
+          <a:off x="0" y="0"/>
+          <a:ext cx="0" cy="0"/>
+          <a:chOff x="0" y="0"/>
+          <a:chExt cx="0" cy="0"/>
+        </a:xfrm>
+      </p:grpSpPr>
+      <p:sp>
+        <p:nvSpPr>
+          <p:cNvPr id="55" name="Rectangle 54">
+            <a:extLst>
+              <a:ext uri="{FF2B5EF4-FFF2-40B4-BE49-F238E27FC236}">
+                <a16:creationId xmlns:a16="http://schemas.microsoft.com/office/drawing/2014/main" id="{C5E6CFF1-2F42-4E10-9A97-F116F46F53FE}"/>
+              </a:ext>
+              <a:ext uri="{C183D7F6-B498-43B3-948B-1728B52AA6E4}">
+                <adec:decorative xmlns:adec="http://schemas.microsoft.com/office/drawing/2017/decorative" val="1"/>
+              </a:ext>
+            </a:extLst>
+          </p:cNvPr>
+          <p:cNvSpPr>
+            <a:spLocks noGrp="1" noRot="1" noChangeAspect="1" noMove="1" noResize="1" noEditPoints="1" noAdjustHandles="1" noChangeArrowheads="1" noChangeShapeType="1" noTextEdit="1"/>
+          </p:cNvSpPr>
+          <p:nvPr>
+            <p:extLst>
+              <p:ext uri="{386F3935-93C4-4BCD-93E2-E3B085C9AB24}">
+                <p16:designElem xmlns:p16="http://schemas.microsoft.com/office/powerpoint/2015/main" val="1"/>
+              </p:ext>
+            </p:extLst>
+          </p:nvPr>
+        </p:nvSpPr>
+        <p:spPr>
+          <a:xfrm>
+            <a:off x="0" y="0"/>
+            <a:ext cx="12192000" cy="6858000"/>
+          </a:xfrm>
+          <a:prstGeom prst="rect">
+            <a:avLst/>
+          </a:prstGeom>
+          <a:solidFill>
+            <a:srgbClr val="000000"/>
+          </a:solidFill>
+          <a:ln>
+            <a:noFill/>
+          </a:ln>
+        </p:spPr>
+        <p:style>
+          <a:lnRef idx="2">
+            <a:schemeClr val="accent1">
+              <a:shade val="50000"/>
+            </a:schemeClr>
+          </a:lnRef>
+          <a:fillRef idx="1">
+            <a:schemeClr val="accent1"/>
+          </a:fillRef>
+          <a:effectRef idx="0">
+            <a:schemeClr val="accent1"/>
+          </a:effectRef>
+          <a:fontRef idx="minor">
+            <a:schemeClr val="lt1"/>
+          </a:fontRef>
+        </p:style>
+        <p:txBody>
+          <a:bodyPr rtlCol="0" anchor="ctr"/>
+          <a:lstStyle/>
+          <a:p>
+            <a:pPr algn="ctr"/>
+            <a:endParaRPr lang="en-US"/>
+          </a:p>
+        </p:txBody>
+      </p:sp>
+      <p:pic>
+        <p:nvPicPr>
+          <p:cNvPr id="12" name="Picture 4" descr="Glasses on top of a book">
+            <a:extLst>
+              <a:ext uri="{FF2B5EF4-FFF2-40B4-BE49-F238E27FC236}">
+                <a16:creationId xmlns:a16="http://schemas.microsoft.com/office/drawing/2014/main" id="{7AA70AC1-119E-D28F-0547-20193109F92C}"/>
+              </a:ext>
+            </a:extLst>
+          </p:cNvPr>
+          <p:cNvPicPr>
+            <a:picLocks noChangeAspect="1"/>
+          </p:cNvPicPr>
+          <p:nvPr/>
+        </p:nvPicPr>
+        <p:blipFill rotWithShape="1">
+          <a:blip r:embed="rId2">
+            <a:alphaModFix amt="35000"/>
+          </a:blip>
+          <a:srcRect t="13324" b="1770"/>
+          <a:stretch/>
+        </p:blipFill>
+        <p:spPr>
+          <a:xfrm>
+            <a:off x="20" y="1"/>
+            <a:ext cx="12191980" cy="6857999"/>
+          </a:xfrm>
+          <a:prstGeom prst="rect">
+            <a:avLst/>
+          </a:prstGeom>
+        </p:spPr>
+      </p:pic>
+      <p:sp>
+        <p:nvSpPr>
+          <p:cNvPr id="2" name="Title 1">
+            <a:extLst>
+              <a:ext uri="{FF2B5EF4-FFF2-40B4-BE49-F238E27FC236}">
+                <a16:creationId xmlns:a16="http://schemas.microsoft.com/office/drawing/2014/main" id="{316297CF-43EE-01CB-C9FD-9EDD789F5735}"/>
+              </a:ext>
+            </a:extLst>
+          </p:cNvPr>
+          <p:cNvSpPr>
+            <a:spLocks noGrp="1"/>
+          </p:cNvSpPr>
+          <p:nvPr>
+            <p:ph type="title"/>
+          </p:nvPr>
+        </p:nvSpPr>
+        <p:spPr>
+          <a:xfrm>
+            <a:off x="838199" y="1065862"/>
+            <a:ext cx="6052955" cy="4726276"/>
+          </a:xfrm>
+        </p:spPr>
+        <p:txBody>
+          <a:bodyPr>
+            <a:normAutofit/>
+          </a:bodyPr>
+          <a:lstStyle/>
+          <a:p>
+            <a:pPr algn="r"/>
+            <a:r>
+              <a:rPr lang="en-US" sz="8000" dirty="0">
+                <a:ln w="22225">
+                  <a:solidFill>
+                    <a:srgbClr val="FFFFFF"/>
+                  </a:solidFill>
+                </a:ln>
+                <a:noFill/>
+              </a:rPr>
+              <a:t>Tell me</a:t>
+            </a:r>
+            <a:endParaRPr lang="en-NZ" sz="8000" dirty="0">
+              <a:ln w="22225">
+                <a:solidFill>
+                  <a:srgbClr val="FFFFFF"/>
+                </a:solidFill>
+              </a:ln>
+              <a:noFill/>
+            </a:endParaRPr>
+          </a:p>
+        </p:txBody>
+      </p:sp>
+      <p:cxnSp>
+        <p:nvCxnSpPr>
+          <p:cNvPr id="57" name="Straight Connector 56">
+            <a:extLst>
+              <a:ext uri="{FF2B5EF4-FFF2-40B4-BE49-F238E27FC236}">
+                <a16:creationId xmlns:a16="http://schemas.microsoft.com/office/drawing/2014/main" id="{96A8629B-8289-498B-939B-1CA0C106182C}"/>
+              </a:ext>
+              <a:ext uri="{C183D7F6-B498-43B3-948B-1728B52AA6E4}">
+                <adec:decorative xmlns:adec="http://schemas.microsoft.com/office/drawing/2017/decorative" val="1"/>
+              </a:ext>
+            </a:extLst>
+          </p:cNvPr>
+          <p:cNvCxnSpPr>
+            <a:cxnSpLocks noGrp="1" noRot="1" noChangeAspect="1" noMove="1" noResize="1" noEditPoints="1" noAdjustHandles="1" noChangeArrowheads="1" noChangeShapeType="1"/>
+          </p:cNvCxnSpPr>
+          <p:nvPr>
+            <p:extLst>
+              <p:ext uri="{386F3935-93C4-4BCD-93E2-E3B085C9AB24}">
+                <p16:designElem xmlns:p16="http://schemas.microsoft.com/office/powerpoint/2015/main" val="1"/>
+              </p:ext>
+            </p:extLst>
+          </p:nvPr>
+        </p:nvCxnSpPr>
+        <p:spPr>
+          <a:xfrm>
+            <a:off x="7212899" y="2286000"/>
+            <a:ext cx="0" cy="2286000"/>
+          </a:xfrm>
+          <a:prstGeom prst="line">
+            <a:avLst/>
+          </a:prstGeom>
+          <a:ln w="15875">
+            <a:solidFill>
+              <a:srgbClr val="FFFFFF"/>
+            </a:solidFill>
+          </a:ln>
+        </p:spPr>
+        <p:style>
+          <a:lnRef idx="1">
+            <a:schemeClr val="accent1"/>
+          </a:lnRef>
+          <a:fillRef idx="0">
+            <a:schemeClr val="accent1"/>
+          </a:fillRef>
+          <a:effectRef idx="0">
+            <a:schemeClr val="accent1"/>
+          </a:effectRef>
+          <a:fontRef idx="minor">
+            <a:schemeClr val="tx1"/>
+          </a:fontRef>
+        </p:style>
+      </p:cxnSp>
+      <p:graphicFrame>
+        <p:nvGraphicFramePr>
+          <p:cNvPr id="35" name="Content Placeholder 2">
+            <a:extLst>
+              <a:ext uri="{FF2B5EF4-FFF2-40B4-BE49-F238E27FC236}">
+                <a16:creationId xmlns:a16="http://schemas.microsoft.com/office/drawing/2014/main" id="{9380F06F-3A1E-08A3-74C8-E66A6A643448}"/>
+              </a:ext>
+            </a:extLst>
+          </p:cNvPr>
+          <p:cNvGraphicFramePr>
+            <a:graphicFrameLocks noGrp="1"/>
+          </p:cNvGraphicFramePr>
+          <p:nvPr>
+            <p:ph idx="1"/>
+            <p:extLst>
+              <p:ext uri="{D42A27DB-BD31-4B8C-83A1-F6EECF244321}">
+                <p14:modId xmlns:p14="http://schemas.microsoft.com/office/powerpoint/2010/main" val="2045123527"/>
+              </p:ext>
+            </p:extLst>
+          </p:nvPr>
+        </p:nvGraphicFramePr>
+        <p:xfrm>
+          <a:off x="7534641" y="1065862"/>
+          <a:ext cx="3860002" cy="4726276"/>
+        </p:xfrm>
+        <a:graphic>
+          <a:graphicData uri="http://schemas.openxmlformats.org/drawingml/2006/diagram">
+            <dgm:relIds xmlns:dgm="http://schemas.openxmlformats.org/drawingml/2006/diagram" xmlns:r="http://schemas.openxmlformats.org/officeDocument/2006/relationships" r:dm="rId3" r:lo="rId4" r:qs="rId5" r:cs="rId6"/>
+          </a:graphicData>
+        </a:graphic>
+      </p:graphicFrame>
+    </p:spTree>
+    <p:extLst>
+      <p:ext uri="{BB962C8B-B14F-4D97-AF65-F5344CB8AC3E}">
+        <p14:creationId xmlns:p14="http://schemas.microsoft.com/office/powerpoint/2010/main" val="1294787981"/>
+      </p:ext>
+    </p:extLst>
+  </p:cSld>
+  <p:clrMapOvr>
+    <a:overrideClrMapping bg1="dk1" tx1="lt1" bg2="dk2" tx2="lt2" accent1="accent1" accent2="accent2" accent3="accent3" accent4="accent4" accent5="accent5" accent6="accent6" hlink="hlink" folHlink="folHlink"/>
+  </p:clrMapOvr>
+</p:sld>
+</file>
+
+<file path=ppt/slides/slide20.xml><?xml version="1.0" encoding="utf-8"?>
 <p:sld xmlns:a="http://schemas.openxmlformats.org/drawingml/2006/main" xmlns:r="http://schemas.openxmlformats.org/officeDocument/2006/relationships" xmlns:p="http://schemas.openxmlformats.org/presentationml/2006/main">
   <p:cSld>
     <p:bg>
@@ -17118,7 +18742,7 @@
 </p:sld>
 </file>
 
-<file path=ppt/slides/slide18.xml><?xml version="1.0" encoding="utf-8"?>
+<file path=ppt/slides/slide21.xml><?xml version="1.0" encoding="utf-8"?>
 <p:sld xmlns:a="http://schemas.openxmlformats.org/drawingml/2006/main" xmlns:r="http://schemas.openxmlformats.org/officeDocument/2006/relationships" xmlns:p="http://schemas.openxmlformats.org/presentationml/2006/main">
   <p:cSld>
     <p:bg>
@@ -17694,7 +19318,7 @@
 </p:sld>
 </file>
 
-<file path=ppt/slides/slide19.xml><?xml version="1.0" encoding="utf-8"?>
+<file path=ppt/slides/slide22.xml><?xml version="1.0" encoding="utf-8"?>
 <p:sld xmlns:a="http://schemas.openxmlformats.org/drawingml/2006/main" xmlns:r="http://schemas.openxmlformats.org/officeDocument/2006/relationships" xmlns:p="http://schemas.openxmlformats.org/presentationml/2006/main">
   <p:cSld>
     <p:bg>
@@ -18183,273 +19807,7 @@
 </p:sld>
 </file>
 
-<file path=ppt/slides/slide2.xml><?xml version="1.0" encoding="utf-8"?>
-<p:sld xmlns:a="http://schemas.openxmlformats.org/drawingml/2006/main" xmlns:r="http://schemas.openxmlformats.org/officeDocument/2006/relationships" xmlns:p="http://schemas.openxmlformats.org/presentationml/2006/main">
-  <p:cSld>
-    <p:bg>
-      <p:bgPr>
-        <a:solidFill>
-          <a:schemeClr val="bg1"/>
-        </a:solidFill>
-        <a:effectLst/>
-      </p:bgPr>
-    </p:bg>
-    <p:spTree>
-      <p:nvGrpSpPr>
-        <p:cNvPr id="1" name=""/>
-        <p:cNvGrpSpPr/>
-        <p:nvPr/>
-      </p:nvGrpSpPr>
-      <p:grpSpPr>
-        <a:xfrm>
-          <a:off x="0" y="0"/>
-          <a:ext cx="0" cy="0"/>
-          <a:chOff x="0" y="0"/>
-          <a:chExt cx="0" cy="0"/>
-        </a:xfrm>
-      </p:grpSpPr>
-      <p:sp>
-        <p:nvSpPr>
-          <p:cNvPr id="55" name="Rectangle 54">
-            <a:extLst>
-              <a:ext uri="{FF2B5EF4-FFF2-40B4-BE49-F238E27FC236}">
-                <a16:creationId xmlns:a16="http://schemas.microsoft.com/office/drawing/2014/main" id="{C5E6CFF1-2F42-4E10-9A97-F116F46F53FE}"/>
-              </a:ext>
-              <a:ext uri="{C183D7F6-B498-43B3-948B-1728B52AA6E4}">
-                <adec:decorative xmlns:adec="http://schemas.microsoft.com/office/drawing/2017/decorative" val="1"/>
-              </a:ext>
-            </a:extLst>
-          </p:cNvPr>
-          <p:cNvSpPr>
-            <a:spLocks noGrp="1" noRot="1" noChangeAspect="1" noMove="1" noResize="1" noEditPoints="1" noAdjustHandles="1" noChangeArrowheads="1" noChangeShapeType="1" noTextEdit="1"/>
-          </p:cNvSpPr>
-          <p:nvPr>
-            <p:extLst>
-              <p:ext uri="{386F3935-93C4-4BCD-93E2-E3B085C9AB24}">
-                <p16:designElem xmlns:p16="http://schemas.microsoft.com/office/powerpoint/2015/main" val="1"/>
-              </p:ext>
-            </p:extLst>
-          </p:nvPr>
-        </p:nvSpPr>
-        <p:spPr>
-          <a:xfrm>
-            <a:off x="0" y="0"/>
-            <a:ext cx="12192000" cy="6858000"/>
-          </a:xfrm>
-          <a:prstGeom prst="rect">
-            <a:avLst/>
-          </a:prstGeom>
-          <a:solidFill>
-            <a:srgbClr val="000000"/>
-          </a:solidFill>
-          <a:ln>
-            <a:noFill/>
-          </a:ln>
-        </p:spPr>
-        <p:style>
-          <a:lnRef idx="2">
-            <a:schemeClr val="accent1">
-              <a:shade val="50000"/>
-            </a:schemeClr>
-          </a:lnRef>
-          <a:fillRef idx="1">
-            <a:schemeClr val="accent1"/>
-          </a:fillRef>
-          <a:effectRef idx="0">
-            <a:schemeClr val="accent1"/>
-          </a:effectRef>
-          <a:fontRef idx="minor">
-            <a:schemeClr val="lt1"/>
-          </a:fontRef>
-        </p:style>
-        <p:txBody>
-          <a:bodyPr rtlCol="0" anchor="ctr"/>
-          <a:lstStyle/>
-          <a:p>
-            <a:pPr algn="ctr"/>
-            <a:endParaRPr lang="en-US"/>
-          </a:p>
-        </p:txBody>
-      </p:sp>
-      <p:pic>
-        <p:nvPicPr>
-          <p:cNvPr id="12" name="Picture 4" descr="Glasses on top of a book">
-            <a:extLst>
-              <a:ext uri="{FF2B5EF4-FFF2-40B4-BE49-F238E27FC236}">
-                <a16:creationId xmlns:a16="http://schemas.microsoft.com/office/drawing/2014/main" id="{7AA70AC1-119E-D28F-0547-20193109F92C}"/>
-              </a:ext>
-            </a:extLst>
-          </p:cNvPr>
-          <p:cNvPicPr>
-            <a:picLocks noChangeAspect="1"/>
-          </p:cNvPicPr>
-          <p:nvPr/>
-        </p:nvPicPr>
-        <p:blipFill rotWithShape="1">
-          <a:blip r:embed="rId2">
-            <a:alphaModFix amt="35000"/>
-          </a:blip>
-          <a:srcRect t="13324" b="1770"/>
-          <a:stretch/>
-        </p:blipFill>
-        <p:spPr>
-          <a:xfrm>
-            <a:off x="20" y="1"/>
-            <a:ext cx="12191980" cy="6857999"/>
-          </a:xfrm>
-          <a:prstGeom prst="rect">
-            <a:avLst/>
-          </a:prstGeom>
-        </p:spPr>
-      </p:pic>
-      <p:sp>
-        <p:nvSpPr>
-          <p:cNvPr id="2" name="Title 1">
-            <a:extLst>
-              <a:ext uri="{FF2B5EF4-FFF2-40B4-BE49-F238E27FC236}">
-                <a16:creationId xmlns:a16="http://schemas.microsoft.com/office/drawing/2014/main" id="{316297CF-43EE-01CB-C9FD-9EDD789F5735}"/>
-              </a:ext>
-            </a:extLst>
-          </p:cNvPr>
-          <p:cNvSpPr>
-            <a:spLocks noGrp="1"/>
-          </p:cNvSpPr>
-          <p:nvPr>
-            <p:ph type="title"/>
-          </p:nvPr>
-        </p:nvSpPr>
-        <p:spPr>
-          <a:xfrm>
-            <a:off x="838199" y="1065862"/>
-            <a:ext cx="6052955" cy="4726276"/>
-          </a:xfrm>
-        </p:spPr>
-        <p:txBody>
-          <a:bodyPr>
-            <a:normAutofit/>
-          </a:bodyPr>
-          <a:lstStyle/>
-          <a:p>
-            <a:pPr algn="r"/>
-            <a:r>
-              <a:rPr lang="en-US" sz="8000" dirty="0">
-                <a:ln w="22225">
-                  <a:solidFill>
-                    <a:srgbClr val="FFFFFF"/>
-                  </a:solidFill>
-                </a:ln>
-                <a:noFill/>
-              </a:rPr>
-              <a:t>Tell me</a:t>
-            </a:r>
-            <a:endParaRPr lang="en-NZ" sz="8000" dirty="0">
-              <a:ln w="22225">
-                <a:solidFill>
-                  <a:srgbClr val="FFFFFF"/>
-                </a:solidFill>
-              </a:ln>
-              <a:noFill/>
-            </a:endParaRPr>
-          </a:p>
-        </p:txBody>
-      </p:sp>
-      <p:cxnSp>
-        <p:nvCxnSpPr>
-          <p:cNvPr id="57" name="Straight Connector 56">
-            <a:extLst>
-              <a:ext uri="{FF2B5EF4-FFF2-40B4-BE49-F238E27FC236}">
-                <a16:creationId xmlns:a16="http://schemas.microsoft.com/office/drawing/2014/main" id="{96A8629B-8289-498B-939B-1CA0C106182C}"/>
-              </a:ext>
-              <a:ext uri="{C183D7F6-B498-43B3-948B-1728B52AA6E4}">
-                <adec:decorative xmlns:adec="http://schemas.microsoft.com/office/drawing/2017/decorative" val="1"/>
-              </a:ext>
-            </a:extLst>
-          </p:cNvPr>
-          <p:cNvCxnSpPr>
-            <a:cxnSpLocks noGrp="1" noRot="1" noChangeAspect="1" noMove="1" noResize="1" noEditPoints="1" noAdjustHandles="1" noChangeArrowheads="1" noChangeShapeType="1"/>
-          </p:cNvCxnSpPr>
-          <p:nvPr>
-            <p:extLst>
-              <p:ext uri="{386F3935-93C4-4BCD-93E2-E3B085C9AB24}">
-                <p16:designElem xmlns:p16="http://schemas.microsoft.com/office/powerpoint/2015/main" val="1"/>
-              </p:ext>
-            </p:extLst>
-          </p:nvPr>
-        </p:nvCxnSpPr>
-        <p:spPr>
-          <a:xfrm>
-            <a:off x="7212899" y="2286000"/>
-            <a:ext cx="0" cy="2286000"/>
-          </a:xfrm>
-          <a:prstGeom prst="line">
-            <a:avLst/>
-          </a:prstGeom>
-          <a:ln w="15875">
-            <a:solidFill>
-              <a:srgbClr val="FFFFFF"/>
-            </a:solidFill>
-          </a:ln>
-        </p:spPr>
-        <p:style>
-          <a:lnRef idx="1">
-            <a:schemeClr val="accent1"/>
-          </a:lnRef>
-          <a:fillRef idx="0">
-            <a:schemeClr val="accent1"/>
-          </a:fillRef>
-          <a:effectRef idx="0">
-            <a:schemeClr val="accent1"/>
-          </a:effectRef>
-          <a:fontRef idx="minor">
-            <a:schemeClr val="tx1"/>
-          </a:fontRef>
-        </p:style>
-      </p:cxnSp>
-      <p:graphicFrame>
-        <p:nvGraphicFramePr>
-          <p:cNvPr id="35" name="Content Placeholder 2">
-            <a:extLst>
-              <a:ext uri="{FF2B5EF4-FFF2-40B4-BE49-F238E27FC236}">
-                <a16:creationId xmlns:a16="http://schemas.microsoft.com/office/drawing/2014/main" id="{9380F06F-3A1E-08A3-74C8-E66A6A643448}"/>
-              </a:ext>
-            </a:extLst>
-          </p:cNvPr>
-          <p:cNvGraphicFramePr>
-            <a:graphicFrameLocks noGrp="1"/>
-          </p:cNvGraphicFramePr>
-          <p:nvPr>
-            <p:ph idx="1"/>
-            <p:extLst>
-              <p:ext uri="{D42A27DB-BD31-4B8C-83A1-F6EECF244321}">
-                <p14:modId xmlns:p14="http://schemas.microsoft.com/office/powerpoint/2010/main" val="2045123527"/>
-              </p:ext>
-            </p:extLst>
-          </p:nvPr>
-        </p:nvGraphicFramePr>
-        <p:xfrm>
-          <a:off x="7534641" y="1065862"/>
-          <a:ext cx="3860002" cy="4726276"/>
-        </p:xfrm>
-        <a:graphic>
-          <a:graphicData uri="http://schemas.openxmlformats.org/drawingml/2006/diagram">
-            <dgm:relIds xmlns:dgm="http://schemas.openxmlformats.org/drawingml/2006/diagram" xmlns:r="http://schemas.openxmlformats.org/officeDocument/2006/relationships" r:dm="rId3" r:lo="rId4" r:qs="rId5" r:cs="rId6"/>
-          </a:graphicData>
-        </a:graphic>
-      </p:graphicFrame>
-    </p:spTree>
-    <p:extLst>
-      <p:ext uri="{BB962C8B-B14F-4D97-AF65-F5344CB8AC3E}">
-        <p14:creationId xmlns:p14="http://schemas.microsoft.com/office/powerpoint/2010/main" val="1294787981"/>
-      </p:ext>
-    </p:extLst>
-  </p:cSld>
-  <p:clrMapOvr>
-    <a:overrideClrMapping bg1="dk1" tx1="lt1" bg2="dk2" tx2="lt2" accent1="accent1" accent2="accent2" accent3="accent3" accent4="accent4" accent5="accent5" accent6="accent6" hlink="hlink" folHlink="folHlink"/>
-  </p:clrMapOvr>
-</p:sld>
-</file>
-
-<file path=ppt/slides/slide3.xml><?xml version="1.0" encoding="utf-8"?>
+<file path=ppt/slides/slide23.xml><?xml version="1.0" encoding="utf-8"?>
 <p:sld xmlns:a="http://schemas.openxmlformats.org/drawingml/2006/main" xmlns:r="http://schemas.openxmlformats.org/officeDocument/2006/relationships" xmlns:p="http://schemas.openxmlformats.org/presentationml/2006/main">
   <p:cSld>
     <p:bg>
@@ -18476,10 +19834,10 @@
       </p:grpSpPr>
       <p:sp useBgFill="1">
         <p:nvSpPr>
-          <p:cNvPr id="18" name="Rectangle 17">
+          <p:cNvPr id="8" name="Rectangle 7">
             <a:extLst>
               <a:ext uri="{FF2B5EF4-FFF2-40B4-BE49-F238E27FC236}">
-                <a16:creationId xmlns:a16="http://schemas.microsoft.com/office/drawing/2014/main" id="{12609869-9E80-471B-A487-A53288E0E791}"/>
+                <a16:creationId xmlns:a16="http://schemas.microsoft.com/office/drawing/2014/main" id="{09588DA8-065E-4F6F-8EFD-43104AB2E0CF}"/>
               </a:ext>
               <a:ext uri="{C183D7F6-B498-43B3-948B-1728B52AA6E4}">
                 <adec:decorative xmlns:adec="http://schemas.microsoft.com/office/drawing/2017/decorative" val="1"/>
@@ -18550,6 +19908,740 @@
           </a:p>
         </p:txBody>
       </p:sp>
+      <p:sp useBgFill="1">
+        <p:nvSpPr>
+          <p:cNvPr id="10" name="Rectangle 9">
+            <a:extLst>
+              <a:ext uri="{FF2B5EF4-FFF2-40B4-BE49-F238E27FC236}">
+                <a16:creationId xmlns:a16="http://schemas.microsoft.com/office/drawing/2014/main" id="{C4285719-470E-454C-AF62-8323075F1F5B}"/>
+              </a:ext>
+              <a:ext uri="{C183D7F6-B498-43B3-948B-1728B52AA6E4}">
+                <adec:decorative xmlns:adec="http://schemas.microsoft.com/office/drawing/2017/decorative" val="1"/>
+              </a:ext>
+            </a:extLst>
+          </p:cNvPr>
+          <p:cNvSpPr>
+            <a:spLocks noGrp="1" noRot="1" noChangeAspect="1" noMove="1" noResize="1" noEditPoints="1" noAdjustHandles="1" noChangeArrowheads="1" noChangeShapeType="1" noTextEdit="1"/>
+          </p:cNvSpPr>
+          <p:nvPr>
+            <p:extLst>
+              <p:ext uri="{386F3935-93C4-4BCD-93E2-E3B085C9AB24}">
+                <p16:designElem xmlns:p16="http://schemas.microsoft.com/office/powerpoint/2015/main" val="1"/>
+              </p:ext>
+            </p:extLst>
+          </p:nvPr>
+        </p:nvSpPr>
+        <p:spPr>
+          <a:xfrm>
+            <a:off x="0" y="0"/>
+            <a:ext cx="12188952" cy="6858000"/>
+          </a:xfrm>
+          <a:prstGeom prst="rect">
+            <a:avLst/>
+          </a:prstGeom>
+          <a:ln w="12700" cap="flat" cmpd="sng" algn="ctr">
+            <a:noFill/>
+            <a:prstDash val="solid"/>
+            <a:miter lim="800000"/>
+          </a:ln>
+          <a:effectLst/>
+          <a:extLst>
+            <a:ext uri="{91240B29-F687-4F45-9708-019B960494DF}">
+              <a14:hiddenLine xmlns:a14="http://schemas.microsoft.com/office/drawing/2010/main" w="12700" cap="flat" cmpd="sng" algn="ctr">
+                <a:solidFill>
+                  <a:schemeClr val="accent1">
+                    <a:shade val="50000"/>
+                  </a:schemeClr>
+                </a:solidFill>
+                <a:prstDash val="solid"/>
+                <a:miter lim="800000"/>
+              </a14:hiddenLine>
+            </a:ext>
+          </a:extLst>
+        </p:spPr>
+        <p:style>
+          <a:lnRef idx="2">
+            <a:schemeClr val="accent1">
+              <a:shade val="50000"/>
+            </a:schemeClr>
+          </a:lnRef>
+          <a:fillRef idx="1">
+            <a:schemeClr val="accent1"/>
+          </a:fillRef>
+          <a:effectRef idx="0">
+            <a:schemeClr val="accent1"/>
+          </a:effectRef>
+          <a:fontRef idx="minor">
+            <a:schemeClr val="lt1"/>
+          </a:fontRef>
+        </p:style>
+        <p:txBody>
+          <a:bodyPr rtlCol="0" anchor="ctr"/>
+          <a:lstStyle/>
+          <a:p>
+            <a:pPr algn="ctr"/>
+            <a:endParaRPr lang="en-US"/>
+          </a:p>
+        </p:txBody>
+      </p:sp>
+      <p:sp>
+        <p:nvSpPr>
+          <p:cNvPr id="12" name="Rectangle 11">
+            <a:extLst>
+              <a:ext uri="{FF2B5EF4-FFF2-40B4-BE49-F238E27FC236}">
+                <a16:creationId xmlns:a16="http://schemas.microsoft.com/office/drawing/2014/main" id="{CD9FE4EF-C4D8-49A0-B2FF-81D8DB7D8A24}"/>
+              </a:ext>
+              <a:ext uri="{C183D7F6-B498-43B3-948B-1728B52AA6E4}">
+                <adec:decorative xmlns:adec="http://schemas.microsoft.com/office/drawing/2017/decorative" val="1"/>
+              </a:ext>
+            </a:extLst>
+          </p:cNvPr>
+          <p:cNvSpPr>
+            <a:spLocks noGrp="1" noRot="1" noChangeAspect="1" noMove="1" noResize="1" noEditPoints="1" noAdjustHandles="1" noChangeArrowheads="1" noChangeShapeType="1" noTextEdit="1"/>
+          </p:cNvSpPr>
+          <p:nvPr>
+            <p:extLst>
+              <p:ext uri="{386F3935-93C4-4BCD-93E2-E3B085C9AB24}">
+                <p16:designElem xmlns:p16="http://schemas.microsoft.com/office/powerpoint/2015/main" val="1"/>
+              </p:ext>
+            </p:extLst>
+          </p:nvPr>
+        </p:nvSpPr>
+        <p:spPr>
+          <a:xfrm rot="5400000" flipH="1">
+            <a:off x="-1410084" y="1410082"/>
+            <a:ext cx="6858000" cy="4037836"/>
+          </a:xfrm>
+          <a:prstGeom prst="rect">
+            <a:avLst/>
+          </a:prstGeom>
+          <a:gradFill>
+            <a:gsLst>
+              <a:gs pos="8000">
+                <a:srgbClr val="000000"/>
+              </a:gs>
+              <a:gs pos="100000">
+                <a:schemeClr val="accent1">
+                  <a:lumMod val="75000"/>
+                </a:schemeClr>
+              </a:gs>
+            </a:gsLst>
+            <a:lin ang="3000000" scaled="0"/>
+          </a:gradFill>
+          <a:ln>
+            <a:noFill/>
+          </a:ln>
+        </p:spPr>
+        <p:style>
+          <a:lnRef idx="2">
+            <a:schemeClr val="accent1">
+              <a:shade val="50000"/>
+            </a:schemeClr>
+          </a:lnRef>
+          <a:fillRef idx="1">
+            <a:schemeClr val="accent1"/>
+          </a:fillRef>
+          <a:effectRef idx="0">
+            <a:schemeClr val="accent1"/>
+          </a:effectRef>
+          <a:fontRef idx="minor">
+            <a:schemeClr val="lt1"/>
+          </a:fontRef>
+        </p:style>
+        <p:txBody>
+          <a:bodyPr rtlCol="0" anchor="ctr"/>
+          <a:lstStyle/>
+          <a:p>
+            <a:pPr algn="ctr"/>
+            <a:endParaRPr lang="en-US"/>
+          </a:p>
+        </p:txBody>
+      </p:sp>
+      <p:sp>
+        <p:nvSpPr>
+          <p:cNvPr id="14" name="Rectangle 13">
+            <a:extLst>
+              <a:ext uri="{FF2B5EF4-FFF2-40B4-BE49-F238E27FC236}">
+                <a16:creationId xmlns:a16="http://schemas.microsoft.com/office/drawing/2014/main" id="{4300840D-0A0B-4512-BACA-B439D5B9C57C}"/>
+              </a:ext>
+              <a:ext uri="{C183D7F6-B498-43B3-948B-1728B52AA6E4}">
+                <adec:decorative xmlns:adec="http://schemas.microsoft.com/office/drawing/2017/decorative" val="1"/>
+              </a:ext>
+            </a:extLst>
+          </p:cNvPr>
+          <p:cNvSpPr>
+            <a:spLocks noGrp="1" noRot="1" noChangeAspect="1" noMove="1" noResize="1" noEditPoints="1" noAdjustHandles="1" noChangeArrowheads="1" noChangeShapeType="1" noTextEdit="1"/>
+          </p:cNvSpPr>
+          <p:nvPr>
+            <p:extLst>
+              <p:ext uri="{386F3935-93C4-4BCD-93E2-E3B085C9AB24}">
+                <p16:designElem xmlns:p16="http://schemas.microsoft.com/office/powerpoint/2015/main" val="1"/>
+              </p:ext>
+            </p:extLst>
+          </p:nvPr>
+        </p:nvSpPr>
+        <p:spPr>
+          <a:xfrm rot="5400000" flipH="1">
+            <a:off x="-1410085" y="1420219"/>
+            <a:ext cx="6857999" cy="4037839"/>
+          </a:xfrm>
+          <a:prstGeom prst="rect">
+            <a:avLst/>
+          </a:prstGeom>
+          <a:gradFill>
+            <a:gsLst>
+              <a:gs pos="0">
+                <a:srgbClr val="000000">
+                  <a:alpha val="0"/>
+                </a:srgbClr>
+              </a:gs>
+              <a:gs pos="99000">
+                <a:schemeClr val="accent1">
+                  <a:alpha val="46000"/>
+                </a:schemeClr>
+              </a:gs>
+            </a:gsLst>
+            <a:lin ang="1800000" scaled="0"/>
+          </a:gradFill>
+          <a:ln>
+            <a:noFill/>
+          </a:ln>
+        </p:spPr>
+        <p:style>
+          <a:lnRef idx="2">
+            <a:schemeClr val="accent1">
+              <a:shade val="50000"/>
+            </a:schemeClr>
+          </a:lnRef>
+          <a:fillRef idx="1">
+            <a:schemeClr val="accent1"/>
+          </a:fillRef>
+          <a:effectRef idx="0">
+            <a:schemeClr val="accent1"/>
+          </a:effectRef>
+          <a:fontRef idx="minor">
+            <a:schemeClr val="lt1"/>
+          </a:fontRef>
+        </p:style>
+        <p:txBody>
+          <a:bodyPr rtlCol="0" anchor="ctr"/>
+          <a:lstStyle/>
+          <a:p>
+            <a:pPr algn="ctr"/>
+            <a:endParaRPr lang="en-US"/>
+          </a:p>
+        </p:txBody>
+      </p:sp>
+      <p:sp>
+        <p:nvSpPr>
+          <p:cNvPr id="16" name="Rectangle 15">
+            <a:extLst>
+              <a:ext uri="{FF2B5EF4-FFF2-40B4-BE49-F238E27FC236}">
+                <a16:creationId xmlns:a16="http://schemas.microsoft.com/office/drawing/2014/main" id="{D2B78728-A580-49A7-84F9-6EF6F583ADE0}"/>
+              </a:ext>
+              <a:ext uri="{C183D7F6-B498-43B3-948B-1728B52AA6E4}">
+                <adec:decorative xmlns:adec="http://schemas.microsoft.com/office/drawing/2017/decorative" val="1"/>
+              </a:ext>
+            </a:extLst>
+          </p:cNvPr>
+          <p:cNvSpPr>
+            <a:spLocks noGrp="1" noRot="1" noChangeAspect="1" noMove="1" noResize="1" noEditPoints="1" noAdjustHandles="1" noChangeArrowheads="1" noChangeShapeType="1" noTextEdit="1"/>
+          </p:cNvSpPr>
+          <p:nvPr>
+            <p:extLst>
+              <p:ext uri="{386F3935-93C4-4BCD-93E2-E3B085C9AB24}">
+                <p16:designElem xmlns:p16="http://schemas.microsoft.com/office/powerpoint/2015/main" val="1"/>
+              </p:ext>
+            </p:extLst>
+          </p:nvPr>
+        </p:nvSpPr>
+        <p:spPr>
+          <a:xfrm rot="5400000" flipH="1">
+            <a:off x="767923" y="3588085"/>
+            <a:ext cx="2501979" cy="4037841"/>
+          </a:xfrm>
+          <a:prstGeom prst="rect">
+            <a:avLst/>
+          </a:prstGeom>
+          <a:gradFill>
+            <a:gsLst>
+              <a:gs pos="2000">
+                <a:schemeClr val="accent1">
+                  <a:alpha val="29000"/>
+                </a:schemeClr>
+              </a:gs>
+              <a:gs pos="100000">
+                <a:srgbClr val="000000">
+                  <a:alpha val="30000"/>
+                </a:srgbClr>
+              </a:gs>
+            </a:gsLst>
+            <a:lin ang="7800000" scaled="0"/>
+          </a:gradFill>
+          <a:ln>
+            <a:noFill/>
+          </a:ln>
+        </p:spPr>
+        <p:style>
+          <a:lnRef idx="2">
+            <a:schemeClr val="accent1">
+              <a:shade val="50000"/>
+            </a:schemeClr>
+          </a:lnRef>
+          <a:fillRef idx="1">
+            <a:schemeClr val="accent1"/>
+          </a:fillRef>
+          <a:effectRef idx="0">
+            <a:schemeClr val="accent1"/>
+          </a:effectRef>
+          <a:fontRef idx="minor">
+            <a:schemeClr val="lt1"/>
+          </a:fontRef>
+        </p:style>
+        <p:txBody>
+          <a:bodyPr rtlCol="0" anchor="ctr"/>
+          <a:lstStyle/>
+          <a:p>
+            <a:pPr algn="ctr"/>
+            <a:endParaRPr lang="en-US" dirty="0"/>
+          </a:p>
+        </p:txBody>
+      </p:sp>
+      <p:sp>
+        <p:nvSpPr>
+          <p:cNvPr id="18" name="Freeform: Shape 17">
+            <a:extLst>
+              <a:ext uri="{FF2B5EF4-FFF2-40B4-BE49-F238E27FC236}">
+                <a16:creationId xmlns:a16="http://schemas.microsoft.com/office/drawing/2014/main" id="{38FAA1A1-D861-433F-88FA-1E9D6FD31D11}"/>
+              </a:ext>
+              <a:ext uri="{C183D7F6-B498-43B3-948B-1728B52AA6E4}">
+                <adec:decorative xmlns:adec="http://schemas.microsoft.com/office/drawing/2017/decorative" val="1"/>
+              </a:ext>
+            </a:extLst>
+          </p:cNvPr>
+          <p:cNvSpPr>
+            <a:spLocks noGrp="1" noRot="1" noChangeAspect="1" noMove="1" noResize="1" noEditPoints="1" noAdjustHandles="1" noChangeArrowheads="1" noChangeShapeType="1" noTextEdit="1"/>
+          </p:cNvSpPr>
+          <p:nvPr>
+            <p:extLst>
+              <p:ext uri="{386F3935-93C4-4BCD-93E2-E3B085C9AB24}">
+                <p16:designElem xmlns:p16="http://schemas.microsoft.com/office/powerpoint/2015/main" val="1"/>
+              </p:ext>
+            </p:extLst>
+          </p:nvPr>
+        </p:nvSpPr>
+        <p:spPr>
+          <a:xfrm rot="20635413">
+            <a:off x="-501737" y="969718"/>
+            <a:ext cx="3900357" cy="4178958"/>
+          </a:xfrm>
+          <a:custGeom>
+            <a:avLst/>
+            <a:gdLst>
+              <a:gd name="connsiteX0" fmla="*/ 2432225 w 3900357"/>
+              <a:gd name="connsiteY0" fmla="*/ 93939 h 4178958"/>
+              <a:gd name="connsiteX1" fmla="*/ 3900357 w 3900357"/>
+              <a:gd name="connsiteY1" fmla="*/ 2089479 h 4178958"/>
+              <a:gd name="connsiteX2" fmla="*/ 1810878 w 3900357"/>
+              <a:gd name="connsiteY2" fmla="*/ 4178958 h 4178958"/>
+              <a:gd name="connsiteX3" fmla="*/ 78249 w 3900357"/>
+              <a:gd name="connsiteY3" fmla="*/ 3257727 h 4178958"/>
+              <a:gd name="connsiteX4" fmla="*/ 0 w 3900357"/>
+              <a:gd name="connsiteY4" fmla="*/ 3128923 h 4178958"/>
+              <a:gd name="connsiteX5" fmla="*/ 831324 w 3900357"/>
+              <a:gd name="connsiteY5" fmla="*/ 244281 h 4178958"/>
+              <a:gd name="connsiteX6" fmla="*/ 997559 w 3900357"/>
+              <a:gd name="connsiteY6" fmla="*/ 164202 h 4178958"/>
+              <a:gd name="connsiteX7" fmla="*/ 1810878 w 3900357"/>
+              <a:gd name="connsiteY7" fmla="*/ 0 h 4178958"/>
+              <a:gd name="connsiteX8" fmla="*/ 2432225 w 3900357"/>
+              <a:gd name="connsiteY8" fmla="*/ 93939 h 4178958"/>
+            </a:gdLst>
+            <a:ahLst/>
+            <a:cxnLst>
+              <a:cxn ang="0">
+                <a:pos x="connsiteX0" y="connsiteY0"/>
+              </a:cxn>
+              <a:cxn ang="0">
+                <a:pos x="connsiteX1" y="connsiteY1"/>
+              </a:cxn>
+              <a:cxn ang="0">
+                <a:pos x="connsiteX2" y="connsiteY2"/>
+              </a:cxn>
+              <a:cxn ang="0">
+                <a:pos x="connsiteX3" y="connsiteY3"/>
+              </a:cxn>
+              <a:cxn ang="0">
+                <a:pos x="connsiteX4" y="connsiteY4"/>
+              </a:cxn>
+              <a:cxn ang="0">
+                <a:pos x="connsiteX5" y="connsiteY5"/>
+              </a:cxn>
+              <a:cxn ang="0">
+                <a:pos x="connsiteX6" y="connsiteY6"/>
+              </a:cxn>
+              <a:cxn ang="0">
+                <a:pos x="connsiteX7" y="connsiteY7"/>
+              </a:cxn>
+              <a:cxn ang="0">
+                <a:pos x="connsiteX8" y="connsiteY8"/>
+              </a:cxn>
+            </a:cxnLst>
+            <a:rect l="l" t="t" r="r" b="b"/>
+            <a:pathLst>
+              <a:path w="3900357" h="4178958">
+                <a:moveTo>
+                  <a:pt x="2432225" y="93939"/>
+                </a:moveTo>
+                <a:cubicBezTo>
+                  <a:pt x="3282786" y="358491"/>
+                  <a:pt x="3900357" y="1151865"/>
+                  <a:pt x="3900357" y="2089479"/>
+                </a:cubicBezTo>
+                <a:cubicBezTo>
+                  <a:pt x="3900357" y="3243466"/>
+                  <a:pt x="2964865" y="4178958"/>
+                  <a:pt x="1810878" y="4178958"/>
+                </a:cubicBezTo>
+                <a:cubicBezTo>
+                  <a:pt x="1089636" y="4178958"/>
+                  <a:pt x="453744" y="3813531"/>
+                  <a:pt x="78249" y="3257727"/>
+                </a:cubicBezTo>
+                <a:lnTo>
+                  <a:pt x="0" y="3128923"/>
+                </a:lnTo>
+                <a:lnTo>
+                  <a:pt x="831324" y="244281"/>
+                </a:lnTo>
+                <a:lnTo>
+                  <a:pt x="997559" y="164202"/>
+                </a:lnTo>
+                <a:cubicBezTo>
+                  <a:pt x="1247540" y="58468"/>
+                  <a:pt x="1522381" y="0"/>
+                  <a:pt x="1810878" y="0"/>
+                </a:cubicBezTo>
+                <a:cubicBezTo>
+                  <a:pt x="2027251" y="0"/>
+                  <a:pt x="2235942" y="32888"/>
+                  <a:pt x="2432225" y="93939"/>
+                </a:cubicBezTo>
+                <a:close/>
+              </a:path>
+            </a:pathLst>
+          </a:custGeom>
+          <a:gradFill>
+            <a:gsLst>
+              <a:gs pos="29000">
+                <a:srgbClr val="000000">
+                  <a:alpha val="0"/>
+                </a:srgbClr>
+              </a:gs>
+              <a:gs pos="100000">
+                <a:schemeClr val="accent1">
+                  <a:alpha val="43000"/>
+                </a:schemeClr>
+              </a:gs>
+            </a:gsLst>
+            <a:lin ang="1800000" scaled="0"/>
+          </a:gradFill>
+          <a:ln>
+            <a:noFill/>
+          </a:ln>
+        </p:spPr>
+        <p:style>
+          <a:lnRef idx="2">
+            <a:schemeClr val="accent1">
+              <a:shade val="50000"/>
+            </a:schemeClr>
+          </a:lnRef>
+          <a:fillRef idx="1">
+            <a:schemeClr val="accent1"/>
+          </a:fillRef>
+          <a:effectRef idx="0">
+            <a:schemeClr val="accent1"/>
+          </a:effectRef>
+          <a:fontRef idx="minor">
+            <a:schemeClr val="lt1"/>
+          </a:fontRef>
+        </p:style>
+        <p:txBody>
+          <a:bodyPr wrap="square" rtlCol="0" anchor="ctr">
+            <a:noAutofit/>
+          </a:bodyPr>
+          <a:lstStyle/>
+          <a:p>
+            <a:pPr algn="ctr"/>
+            <a:endParaRPr lang="en-US" dirty="0"/>
+          </a:p>
+        </p:txBody>
+      </p:sp>
+      <p:sp>
+        <p:nvSpPr>
+          <p:cNvPr id="20" name="Rectangle 19">
+            <a:extLst>
+              <a:ext uri="{FF2B5EF4-FFF2-40B4-BE49-F238E27FC236}">
+                <a16:creationId xmlns:a16="http://schemas.microsoft.com/office/drawing/2014/main" id="{8D71EDA1-87BF-4D5D-AB79-F346FD19278A}"/>
+              </a:ext>
+              <a:ext uri="{C183D7F6-B498-43B3-948B-1728B52AA6E4}">
+                <adec:decorative xmlns:adec="http://schemas.microsoft.com/office/drawing/2017/decorative" val="1"/>
+              </a:ext>
+            </a:extLst>
+          </p:cNvPr>
+          <p:cNvSpPr>
+            <a:spLocks noGrp="1" noRot="1" noChangeAspect="1" noMove="1" noResize="1" noEditPoints="1" noAdjustHandles="1" noChangeArrowheads="1" noChangeShapeType="1" noTextEdit="1"/>
+          </p:cNvSpPr>
+          <p:nvPr>
+            <p:extLst>
+              <p:ext uri="{386F3935-93C4-4BCD-93E2-E3B085C9AB24}">
+                <p16:designElem xmlns:p16="http://schemas.microsoft.com/office/powerpoint/2015/main" val="1"/>
+              </p:ext>
+            </p:extLst>
+          </p:nvPr>
+        </p:nvSpPr>
+        <p:spPr>
+          <a:xfrm rot="5400000" flipH="1">
+            <a:off x="-1410093" y="1399943"/>
+            <a:ext cx="6858003" cy="4037835"/>
+          </a:xfrm>
+          <a:prstGeom prst="rect">
+            <a:avLst/>
+          </a:prstGeom>
+          <a:gradFill>
+            <a:gsLst>
+              <a:gs pos="0">
+                <a:srgbClr val="000000">
+                  <a:alpha val="0"/>
+                </a:srgbClr>
+              </a:gs>
+              <a:gs pos="99000">
+                <a:schemeClr val="accent1">
+                  <a:lumMod val="60000"/>
+                  <a:lumOff val="40000"/>
+                  <a:alpha val="11000"/>
+                </a:schemeClr>
+              </a:gs>
+            </a:gsLst>
+            <a:lin ang="7200000" scaled="0"/>
+          </a:gradFill>
+          <a:ln>
+            <a:noFill/>
+          </a:ln>
+        </p:spPr>
+        <p:style>
+          <a:lnRef idx="2">
+            <a:schemeClr val="accent1">
+              <a:shade val="50000"/>
+            </a:schemeClr>
+          </a:lnRef>
+          <a:fillRef idx="1">
+            <a:schemeClr val="accent1"/>
+          </a:fillRef>
+          <a:effectRef idx="0">
+            <a:schemeClr val="accent1"/>
+          </a:effectRef>
+          <a:fontRef idx="minor">
+            <a:schemeClr val="lt1"/>
+          </a:fontRef>
+        </p:style>
+        <p:txBody>
+          <a:bodyPr rtlCol="0" anchor="ctr"/>
+          <a:lstStyle/>
+          <a:p>
+            <a:pPr algn="ctr"/>
+            <a:endParaRPr lang="en-US"/>
+          </a:p>
+        </p:txBody>
+      </p:sp>
+      <p:sp>
+        <p:nvSpPr>
+          <p:cNvPr id="2" name="Title 1">
+            <a:extLst>
+              <a:ext uri="{FF2B5EF4-FFF2-40B4-BE49-F238E27FC236}">
+                <a16:creationId xmlns:a16="http://schemas.microsoft.com/office/drawing/2014/main" id="{5D764CBA-A37D-54ED-C85A-2C1539BF55E9}"/>
+              </a:ext>
+            </a:extLst>
+          </p:cNvPr>
+          <p:cNvSpPr>
+            <a:spLocks noGrp="1"/>
+          </p:cNvSpPr>
+          <p:nvPr>
+            <p:ph type="title"/>
+          </p:nvPr>
+        </p:nvSpPr>
+        <p:spPr>
+          <a:xfrm>
+            <a:off x="466722" y="586855"/>
+            <a:ext cx="3201366" cy="3387497"/>
+          </a:xfrm>
+        </p:spPr>
+        <p:txBody>
+          <a:bodyPr anchor="b">
+            <a:normAutofit/>
+          </a:bodyPr>
+          <a:lstStyle/>
+          <a:p>
+            <a:pPr algn="r"/>
+            <a:r>
+              <a:rPr lang="en-US" sz="4000">
+                <a:solidFill>
+                  <a:srgbClr val="FFFFFF"/>
+                </a:solidFill>
+              </a:rPr>
+              <a:t>References</a:t>
+            </a:r>
+            <a:endParaRPr lang="en-NZ" sz="4000">
+              <a:solidFill>
+                <a:srgbClr val="FFFFFF"/>
+              </a:solidFill>
+            </a:endParaRPr>
+          </a:p>
+        </p:txBody>
+      </p:sp>
+      <p:pic>
+        <p:nvPicPr>
+          <p:cNvPr id="5" name="Content Placeholder 4">
+            <a:extLst>
+              <a:ext uri="{FF2B5EF4-FFF2-40B4-BE49-F238E27FC236}">
+                <a16:creationId xmlns:a16="http://schemas.microsoft.com/office/drawing/2014/main" id="{44B57880-F7CD-140C-4FAF-A4A30EEB5D7C}"/>
+              </a:ext>
+            </a:extLst>
+          </p:cNvPr>
+          <p:cNvPicPr>
+            <a:picLocks noGrp="1" noChangeAspect="1"/>
+          </p:cNvPicPr>
+          <p:nvPr>
+            <p:ph idx="1"/>
+          </p:nvPr>
+        </p:nvPicPr>
+        <p:blipFill>
+          <a:blip r:embed="rId2"/>
+          <a:stretch>
+            <a:fillRect/>
+          </a:stretch>
+        </p:blipFill>
+        <p:spPr>
+          <a:xfrm>
+            <a:off x="4504549" y="914399"/>
+            <a:ext cx="7220730" cy="5064369"/>
+          </a:xfrm>
+        </p:spPr>
+      </p:pic>
+    </p:spTree>
+    <p:extLst>
+      <p:ext uri="{BB962C8B-B14F-4D97-AF65-F5344CB8AC3E}">
+        <p14:creationId xmlns:p14="http://schemas.microsoft.com/office/powerpoint/2010/main" val="4045320355"/>
+      </p:ext>
+    </p:extLst>
+  </p:cSld>
+  <p:clrMapOvr>
+    <a:masterClrMapping/>
+  </p:clrMapOvr>
+</p:sld>
+</file>
+
+<file path=ppt/slides/slide3.xml><?xml version="1.0" encoding="utf-8"?>
+<p:sld xmlns:a="http://schemas.openxmlformats.org/drawingml/2006/main" xmlns:r="http://schemas.openxmlformats.org/officeDocument/2006/relationships" xmlns:p="http://schemas.openxmlformats.org/presentationml/2006/main">
+  <p:cSld>
+    <p:bg>
+      <p:bgPr>
+        <a:solidFill>
+          <a:schemeClr val="bg1"/>
+        </a:solidFill>
+        <a:effectLst/>
+      </p:bgPr>
+    </p:bg>
+    <p:spTree>
+      <p:nvGrpSpPr>
+        <p:cNvPr id="1" name=""/>
+        <p:cNvGrpSpPr/>
+        <p:nvPr/>
+      </p:nvGrpSpPr>
+      <p:grpSpPr>
+        <a:xfrm>
+          <a:off x="0" y="0"/>
+          <a:ext cx="0" cy="0"/>
+          <a:chOff x="0" y="0"/>
+          <a:chExt cx="0" cy="0"/>
+        </a:xfrm>
+      </p:grpSpPr>
+      <p:sp useBgFill="1">
+        <p:nvSpPr>
+          <p:cNvPr id="18" name="Rectangle 17">
+            <a:extLst>
+              <a:ext uri="{FF2B5EF4-FFF2-40B4-BE49-F238E27FC236}">
+                <a16:creationId xmlns:a16="http://schemas.microsoft.com/office/drawing/2014/main" id="{12609869-9E80-471B-A487-A53288E0E791}"/>
+              </a:ext>
+              <a:ext uri="{C183D7F6-B498-43B3-948B-1728B52AA6E4}">
+                <adec:decorative xmlns:adec="http://schemas.microsoft.com/office/drawing/2017/decorative" val="1"/>
+              </a:ext>
+            </a:extLst>
+          </p:cNvPr>
+          <p:cNvSpPr>
+            <a:spLocks noGrp="1" noRot="1" noChangeAspect="1" noMove="1" noResize="1" noEditPoints="1" noAdjustHandles="1" noChangeArrowheads="1" noChangeShapeType="1" noTextEdit="1"/>
+          </p:cNvSpPr>
+          <p:nvPr>
+            <p:extLst>
+              <p:ext uri="{386F3935-93C4-4BCD-93E2-E3B085C9AB24}">
+                <p16:designElem xmlns:p16="http://schemas.microsoft.com/office/powerpoint/2015/main" val="1"/>
+              </p:ext>
+            </p:extLst>
+          </p:nvPr>
+        </p:nvSpPr>
+        <p:spPr>
+          <a:xfrm>
+            <a:off x="0" y="0"/>
+            <a:ext cx="12192000" cy="6858000"/>
+          </a:xfrm>
+          <a:prstGeom prst="rect">
+            <a:avLst/>
+          </a:prstGeom>
+          <a:ln w="12700" cap="flat" cmpd="sng" algn="ctr">
+            <a:noFill/>
+            <a:prstDash val="solid"/>
+            <a:miter lim="800000"/>
+          </a:ln>
+          <a:effectLst/>
+          <a:extLst>
+            <a:ext uri="{91240B29-F687-4F45-9708-019B960494DF}">
+              <a14:hiddenLine xmlns:a14="http://schemas.microsoft.com/office/drawing/2010/main" w="12700" cap="flat" cmpd="sng" algn="ctr">
+                <a:solidFill>
+                  <a:schemeClr val="accent1">
+                    <a:shade val="50000"/>
+                  </a:schemeClr>
+                </a:solidFill>
+                <a:prstDash val="solid"/>
+                <a:miter lim="800000"/>
+              </a14:hiddenLine>
+            </a:ext>
+          </a:extLst>
+        </p:spPr>
+        <p:style>
+          <a:lnRef idx="2">
+            <a:schemeClr val="accent1">
+              <a:shade val="50000"/>
+            </a:schemeClr>
+          </a:lnRef>
+          <a:fillRef idx="1">
+            <a:schemeClr val="accent1"/>
+          </a:fillRef>
+          <a:effectRef idx="0">
+            <a:schemeClr val="accent1"/>
+          </a:effectRef>
+          <a:fontRef idx="minor">
+            <a:schemeClr val="lt1"/>
+          </a:fontRef>
+        </p:style>
+        <p:txBody>
+          <a:bodyPr rtlCol="0" anchor="ctr"/>
+          <a:lstStyle/>
+          <a:p>
+            <a:pPr algn="ctr"/>
+            <a:endParaRPr lang="en-US"/>
+          </a:p>
+        </p:txBody>
+      </p:sp>
       <p:sp>
         <p:nvSpPr>
           <p:cNvPr id="2" name="Title 1">
@@ -18615,60 +20707,54 @@
           <a:lstStyle/>
           <a:p>
             <a:r>
-              <a:rPr lang="en-US" sz="1900"/>
+              <a:rPr lang="en-US" sz="1900" dirty="0"/>
               <a:t>Report Structure</a:t>
             </a:r>
           </a:p>
           <a:p>
             <a:r>
-              <a:rPr lang="en-US" sz="1900"/>
+              <a:rPr lang="en-US" sz="1900" dirty="0"/>
               <a:t>Academic Reports vs. Technical Reports</a:t>
             </a:r>
           </a:p>
           <a:p>
             <a:r>
-              <a:rPr lang="en-US" sz="1900"/>
+              <a:rPr lang="en-US" sz="1900" dirty="0"/>
               <a:t>Using Images</a:t>
             </a:r>
           </a:p>
           <a:p>
             <a:r>
-              <a:rPr lang="en-US" sz="1900"/>
+              <a:rPr lang="en-US" sz="1900" dirty="0"/>
               <a:t>Plagiarism!</a:t>
             </a:r>
           </a:p>
           <a:p>
             <a:r>
-              <a:rPr lang="en-US" sz="1900"/>
+              <a:rPr lang="en-US" sz="1900" dirty="0"/>
               <a:t>Referencing</a:t>
             </a:r>
           </a:p>
           <a:p>
             <a:r>
-              <a:rPr lang="en-US" sz="1900"/>
-              <a:t>Do’s &amp; Don’ts</a:t>
-            </a:r>
-          </a:p>
-          <a:p>
-            <a:r>
-              <a:rPr lang="en-US" sz="1900"/>
+              <a:rPr lang="en-US" sz="1900" dirty="0"/>
               <a:t>General Advice</a:t>
             </a:r>
           </a:p>
           <a:p>
             <a:r>
-              <a:rPr lang="en-US" sz="1900"/>
+              <a:rPr lang="en-US" sz="1900" dirty="0"/>
               <a:t>Activities</a:t>
             </a:r>
           </a:p>
           <a:p>
             <a:r>
-              <a:rPr lang="en-US" sz="1900"/>
+              <a:rPr lang="en-US" sz="1900" dirty="0"/>
               <a:t>Questions</a:t>
             </a:r>
           </a:p>
           <a:p>
-            <a:endParaRPr lang="en-NZ" sz="1900"/>
+            <a:endParaRPr lang="en-NZ" sz="1900" dirty="0"/>
           </a:p>
         </p:txBody>
       </p:sp>

--- a/Report Writing & Referencing.pptx
+++ b/Report Writing & Referencing.pptx
@@ -21,13 +21,11 @@
     <p:sldId id="267" r:id="rId15"/>
     <p:sldId id="268" r:id="rId16"/>
     <p:sldId id="270" r:id="rId17"/>
-    <p:sldId id="285" r:id="rId18"/>
-    <p:sldId id="269" r:id="rId19"/>
-    <p:sldId id="286" r:id="rId20"/>
-    <p:sldId id="272" r:id="rId21"/>
-    <p:sldId id="273" r:id="rId22"/>
-    <p:sldId id="271" r:id="rId23"/>
-    <p:sldId id="284" r:id="rId24"/>
+    <p:sldId id="269" r:id="rId18"/>
+    <p:sldId id="272" r:id="rId19"/>
+    <p:sldId id="273" r:id="rId20"/>
+    <p:sldId id="271" r:id="rId21"/>
+    <p:sldId id="284" r:id="rId22"/>
   </p:sldIdLst>
   <p:sldSz cx="12192000" cy="6858000"/>
   <p:notesSz cx="6858000" cy="9144000"/>
@@ -135,755 +133,6 @@
 </file>
 
 <file path=ppt/diagrams/colors1.xml><?xml version="1.0" encoding="utf-8"?>
-<dgm:colorsDef xmlns:dgm="http://schemas.openxmlformats.org/drawingml/2006/diagram" xmlns:a="http://schemas.openxmlformats.org/drawingml/2006/main" uniqueId="urn:microsoft.com/office/officeart/2018/5/colors/Iconchunking_neutralbg_accent5_2">
-  <dgm:title val=""/>
-  <dgm:desc val=""/>
-  <dgm:catLst>
-    <dgm:cat type="accent5" pri="15200"/>
-  </dgm:catLst>
-  <dgm:styleLbl name="node0">
-    <dgm:fillClrLst meth="repeat">
-      <a:schemeClr val="accent5"/>
-    </dgm:fillClrLst>
-    <dgm:linClrLst meth="repeat">
-      <a:schemeClr val="lt1"/>
-    </dgm:linClrLst>
-    <dgm:effectClrLst/>
-    <dgm:txLinClrLst/>
-    <dgm:txFillClrLst/>
-    <dgm:txEffectClrLst/>
-  </dgm:styleLbl>
-  <dgm:styleLbl name="node1">
-    <dgm:fillClrLst meth="repeat">
-      <a:schemeClr val="accent5"/>
-    </dgm:fillClrLst>
-    <dgm:linClrLst meth="repeat">
-      <a:schemeClr val="lt1">
-        <a:alpha val="0"/>
-      </a:schemeClr>
-    </dgm:linClrLst>
-    <dgm:effectClrLst/>
-    <dgm:txLinClrLst/>
-    <dgm:txFillClrLst/>
-    <dgm:txEffectClrLst/>
-  </dgm:styleLbl>
-  <dgm:styleLbl name="alignNode1">
-    <dgm:fillClrLst meth="repeat">
-      <a:schemeClr val="accent5"/>
-    </dgm:fillClrLst>
-    <dgm:linClrLst meth="repeat">
-      <a:schemeClr val="accent5"/>
-    </dgm:linClrLst>
-    <dgm:effectClrLst/>
-    <dgm:txLinClrLst/>
-    <dgm:txFillClrLst/>
-    <dgm:txEffectClrLst/>
-  </dgm:styleLbl>
-  <dgm:styleLbl name="lnNode1">
-    <dgm:fillClrLst meth="repeat">
-      <a:schemeClr val="accent5"/>
-    </dgm:fillClrLst>
-    <dgm:linClrLst meth="repeat">
-      <a:schemeClr val="lt1"/>
-    </dgm:linClrLst>
-    <dgm:effectClrLst/>
-    <dgm:txLinClrLst/>
-    <dgm:txFillClrLst/>
-    <dgm:txEffectClrLst/>
-  </dgm:styleLbl>
-  <dgm:styleLbl name="vennNode1">
-    <dgm:fillClrLst meth="repeat">
-      <a:schemeClr val="accent5">
-        <a:alpha val="50000"/>
-      </a:schemeClr>
-    </dgm:fillClrLst>
-    <dgm:linClrLst meth="repeat">
-      <a:schemeClr val="lt1"/>
-    </dgm:linClrLst>
-    <dgm:effectClrLst/>
-    <dgm:txLinClrLst/>
-    <dgm:txFillClrLst/>
-    <dgm:txEffectClrLst/>
-  </dgm:styleLbl>
-  <dgm:styleLbl name="node2">
-    <dgm:fillClrLst meth="repeat">
-      <a:schemeClr val="accent5"/>
-    </dgm:fillClrLst>
-    <dgm:linClrLst meth="repeat">
-      <a:schemeClr val="lt1"/>
-    </dgm:linClrLst>
-    <dgm:effectClrLst/>
-    <dgm:txLinClrLst/>
-    <dgm:txFillClrLst/>
-    <dgm:txEffectClrLst/>
-  </dgm:styleLbl>
-  <dgm:styleLbl name="node3">
-    <dgm:fillClrLst meth="repeat">
-      <a:schemeClr val="accent5"/>
-    </dgm:fillClrLst>
-    <dgm:linClrLst meth="repeat">
-      <a:schemeClr val="lt1"/>
-    </dgm:linClrLst>
-    <dgm:effectClrLst/>
-    <dgm:txLinClrLst/>
-    <dgm:txFillClrLst/>
-    <dgm:txEffectClrLst/>
-  </dgm:styleLbl>
-  <dgm:styleLbl name="node4">
-    <dgm:fillClrLst meth="repeat">
-      <a:schemeClr val="accent5"/>
-    </dgm:fillClrLst>
-    <dgm:linClrLst meth="repeat">
-      <a:schemeClr val="lt1"/>
-    </dgm:linClrLst>
-    <dgm:effectClrLst/>
-    <dgm:txLinClrLst/>
-    <dgm:txFillClrLst/>
-    <dgm:txEffectClrLst/>
-  </dgm:styleLbl>
-  <dgm:styleLbl name="fgImgPlace1">
-    <dgm:fillClrLst meth="repeat">
-      <a:schemeClr val="accent5">
-        <a:tint val="50000"/>
-      </a:schemeClr>
-    </dgm:fillClrLst>
-    <dgm:linClrLst meth="repeat">
-      <a:schemeClr val="lt1"/>
-    </dgm:linClrLst>
-    <dgm:effectClrLst/>
-    <dgm:txLinClrLst/>
-    <dgm:txFillClrLst meth="repeat">
-      <a:schemeClr val="lt1"/>
-    </dgm:txFillClrLst>
-    <dgm:txEffectClrLst/>
-  </dgm:styleLbl>
-  <dgm:styleLbl name="alignImgPlace1">
-    <dgm:fillClrLst meth="repeat">
-      <a:schemeClr val="accent5">
-        <a:tint val="50000"/>
-      </a:schemeClr>
-    </dgm:fillClrLst>
-    <dgm:linClrLst meth="repeat">
-      <a:schemeClr val="lt1"/>
-    </dgm:linClrLst>
-    <dgm:effectClrLst/>
-    <dgm:txLinClrLst/>
-    <dgm:txFillClrLst meth="repeat">
-      <a:schemeClr val="lt1"/>
-    </dgm:txFillClrLst>
-    <dgm:txEffectClrLst/>
-  </dgm:styleLbl>
-  <dgm:styleLbl name="bgImgPlace1">
-    <dgm:fillClrLst meth="repeat">
-      <a:schemeClr val="accent5">
-        <a:tint val="50000"/>
-      </a:schemeClr>
-    </dgm:fillClrLst>
-    <dgm:linClrLst meth="repeat">
-      <a:schemeClr val="lt1"/>
-    </dgm:linClrLst>
-    <dgm:effectClrLst/>
-    <dgm:txLinClrLst/>
-    <dgm:txFillClrLst meth="repeat">
-      <a:schemeClr val="lt1"/>
-    </dgm:txFillClrLst>
-    <dgm:txEffectClrLst/>
-  </dgm:styleLbl>
-  <dgm:styleLbl name="sibTrans2D1">
-    <dgm:fillClrLst meth="repeat">
-      <a:schemeClr val="accent5">
-        <a:tint val="60000"/>
-      </a:schemeClr>
-    </dgm:fillClrLst>
-    <dgm:linClrLst meth="repeat">
-      <a:schemeClr val="accent5">
-        <a:tint val="60000"/>
-      </a:schemeClr>
-    </dgm:linClrLst>
-    <dgm:effectClrLst/>
-    <dgm:txLinClrLst/>
-    <dgm:txFillClrLst/>
-    <dgm:txEffectClrLst/>
-  </dgm:styleLbl>
-  <dgm:styleLbl name="fgSibTrans2D1">
-    <dgm:fillClrLst meth="repeat">
-      <a:schemeClr val="accent5">
-        <a:tint val="60000"/>
-      </a:schemeClr>
-    </dgm:fillClrLst>
-    <dgm:linClrLst meth="repeat">
-      <a:schemeClr val="accent5">
-        <a:tint val="60000"/>
-      </a:schemeClr>
-    </dgm:linClrLst>
-    <dgm:effectClrLst/>
-    <dgm:txLinClrLst/>
-    <dgm:txFillClrLst/>
-    <dgm:txEffectClrLst/>
-  </dgm:styleLbl>
-  <dgm:styleLbl name="bgSibTrans2D1">
-    <dgm:fillClrLst meth="repeat">
-      <a:schemeClr val="accent5">
-        <a:tint val="60000"/>
-      </a:schemeClr>
-    </dgm:fillClrLst>
-    <dgm:linClrLst meth="repeat">
-      <a:schemeClr val="accent5">
-        <a:tint val="60000"/>
-      </a:schemeClr>
-    </dgm:linClrLst>
-    <dgm:effectClrLst/>
-    <dgm:txLinClrLst/>
-    <dgm:txFillClrLst/>
-    <dgm:txEffectClrLst/>
-  </dgm:styleLbl>
-  <dgm:styleLbl name="sibTrans1D1">
-    <dgm:fillClrLst meth="repeat">
-      <a:schemeClr val="accent5"/>
-    </dgm:fillClrLst>
-    <dgm:linClrLst meth="repeat">
-      <a:schemeClr val="accent5"/>
-    </dgm:linClrLst>
-    <dgm:effectClrLst/>
-    <dgm:txLinClrLst/>
-    <dgm:txFillClrLst meth="repeat">
-      <a:schemeClr val="tx1"/>
-    </dgm:txFillClrLst>
-    <dgm:txEffectClrLst/>
-  </dgm:styleLbl>
-  <dgm:styleLbl name="callout">
-    <dgm:fillClrLst meth="repeat">
-      <a:schemeClr val="accent5"/>
-    </dgm:fillClrLst>
-    <dgm:linClrLst meth="repeat">
-      <a:schemeClr val="accent5">
-        <a:tint val="50000"/>
-      </a:schemeClr>
-    </dgm:linClrLst>
-    <dgm:effectClrLst/>
-    <dgm:txLinClrLst/>
-    <dgm:txFillClrLst meth="repeat">
-      <a:schemeClr val="tx1"/>
-    </dgm:txFillClrLst>
-    <dgm:txEffectClrLst/>
-  </dgm:styleLbl>
-  <dgm:styleLbl name="asst0">
-    <dgm:fillClrLst meth="repeat">
-      <a:schemeClr val="accent5"/>
-    </dgm:fillClrLst>
-    <dgm:linClrLst meth="repeat">
-      <a:schemeClr val="lt1"/>
-    </dgm:linClrLst>
-    <dgm:effectClrLst/>
-    <dgm:txLinClrLst/>
-    <dgm:txFillClrLst/>
-    <dgm:txEffectClrLst/>
-  </dgm:styleLbl>
-  <dgm:styleLbl name="asst1">
-    <dgm:fillClrLst meth="repeat">
-      <a:schemeClr val="accent5"/>
-    </dgm:fillClrLst>
-    <dgm:linClrLst meth="repeat">
-      <a:schemeClr val="lt1"/>
-    </dgm:linClrLst>
-    <dgm:effectClrLst/>
-    <dgm:txLinClrLst/>
-    <dgm:txFillClrLst/>
-    <dgm:txEffectClrLst/>
-  </dgm:styleLbl>
-  <dgm:styleLbl name="asst2">
-    <dgm:fillClrLst meth="repeat">
-      <a:schemeClr val="accent5"/>
-    </dgm:fillClrLst>
-    <dgm:linClrLst meth="repeat">
-      <a:schemeClr val="lt1"/>
-    </dgm:linClrLst>
-    <dgm:effectClrLst/>
-    <dgm:txLinClrLst/>
-    <dgm:txFillClrLst/>
-    <dgm:txEffectClrLst/>
-  </dgm:styleLbl>
-  <dgm:styleLbl name="asst3">
-    <dgm:fillClrLst meth="repeat">
-      <a:schemeClr val="accent5"/>
-    </dgm:fillClrLst>
-    <dgm:linClrLst meth="repeat">
-      <a:schemeClr val="lt1"/>
-    </dgm:linClrLst>
-    <dgm:effectClrLst/>
-    <dgm:txLinClrLst/>
-    <dgm:txFillClrLst/>
-    <dgm:txEffectClrLst/>
-  </dgm:styleLbl>
-  <dgm:styleLbl name="asst4">
-    <dgm:fillClrLst meth="repeat">
-      <a:schemeClr val="accent5"/>
-    </dgm:fillClrLst>
-    <dgm:linClrLst meth="repeat">
-      <a:schemeClr val="lt1"/>
-    </dgm:linClrLst>
-    <dgm:effectClrLst/>
-    <dgm:txLinClrLst/>
-    <dgm:txFillClrLst/>
-    <dgm:txEffectClrLst/>
-  </dgm:styleLbl>
-  <dgm:styleLbl name="parChTrans2D1">
-    <dgm:fillClrLst meth="repeat">
-      <a:schemeClr val="accent5">
-        <a:tint val="60000"/>
-      </a:schemeClr>
-    </dgm:fillClrLst>
-    <dgm:linClrLst meth="repeat">
-      <a:schemeClr val="accent5">
-        <a:tint val="60000"/>
-      </a:schemeClr>
-    </dgm:linClrLst>
-    <dgm:effectClrLst/>
-    <dgm:txLinClrLst/>
-    <dgm:txFillClrLst meth="repeat">
-      <a:schemeClr val="lt1"/>
-    </dgm:txFillClrLst>
-    <dgm:txEffectClrLst/>
-  </dgm:styleLbl>
-  <dgm:styleLbl name="parChTrans2D2">
-    <dgm:fillClrLst meth="repeat">
-      <a:schemeClr val="accent5"/>
-    </dgm:fillClrLst>
-    <dgm:linClrLst meth="repeat">
-      <a:schemeClr val="accent5"/>
-    </dgm:linClrLst>
-    <dgm:effectClrLst/>
-    <dgm:txLinClrLst/>
-    <dgm:txFillClrLst meth="repeat">
-      <a:schemeClr val="lt1"/>
-    </dgm:txFillClrLst>
-    <dgm:txEffectClrLst/>
-  </dgm:styleLbl>
-  <dgm:styleLbl name="parChTrans2D3">
-    <dgm:fillClrLst meth="repeat">
-      <a:schemeClr val="accent5"/>
-    </dgm:fillClrLst>
-    <dgm:linClrLst meth="repeat">
-      <a:schemeClr val="accent5"/>
-    </dgm:linClrLst>
-    <dgm:effectClrLst/>
-    <dgm:txLinClrLst/>
-    <dgm:txFillClrLst meth="repeat">
-      <a:schemeClr val="lt1"/>
-    </dgm:txFillClrLst>
-    <dgm:txEffectClrLst/>
-  </dgm:styleLbl>
-  <dgm:styleLbl name="parChTrans2D4">
-    <dgm:fillClrLst meth="repeat">
-      <a:schemeClr val="accent5"/>
-    </dgm:fillClrLst>
-    <dgm:linClrLst meth="repeat">
-      <a:schemeClr val="accent5"/>
-    </dgm:linClrLst>
-    <dgm:effectClrLst/>
-    <dgm:txLinClrLst/>
-    <dgm:txFillClrLst meth="repeat">
-      <a:schemeClr val="lt1"/>
-    </dgm:txFillClrLst>
-    <dgm:txEffectClrLst/>
-  </dgm:styleLbl>
-  <dgm:styleLbl name="parChTrans1D1">
-    <dgm:fillClrLst meth="repeat">
-      <a:schemeClr val="accent5"/>
-    </dgm:fillClrLst>
-    <dgm:linClrLst meth="repeat">
-      <a:schemeClr val="accent5">
-        <a:shade val="60000"/>
-      </a:schemeClr>
-    </dgm:linClrLst>
-    <dgm:effectClrLst/>
-    <dgm:txLinClrLst/>
-    <dgm:txFillClrLst meth="repeat">
-      <a:schemeClr val="tx1"/>
-    </dgm:txFillClrLst>
-    <dgm:txEffectClrLst/>
-  </dgm:styleLbl>
-  <dgm:styleLbl name="parChTrans1D2">
-    <dgm:fillClrLst meth="repeat">
-      <a:schemeClr val="accent5"/>
-    </dgm:fillClrLst>
-    <dgm:linClrLst meth="repeat">
-      <a:schemeClr val="accent5">
-        <a:shade val="60000"/>
-      </a:schemeClr>
-    </dgm:linClrLst>
-    <dgm:effectClrLst/>
-    <dgm:txLinClrLst/>
-    <dgm:txFillClrLst meth="repeat">
-      <a:schemeClr val="tx1"/>
-    </dgm:txFillClrLst>
-    <dgm:txEffectClrLst/>
-  </dgm:styleLbl>
-  <dgm:styleLbl name="parChTrans1D3">
-    <dgm:fillClrLst meth="repeat">
-      <a:schemeClr val="accent5"/>
-    </dgm:fillClrLst>
-    <dgm:linClrLst meth="repeat">
-      <a:schemeClr val="accent5">
-        <a:shade val="80000"/>
-      </a:schemeClr>
-    </dgm:linClrLst>
-    <dgm:effectClrLst/>
-    <dgm:txLinClrLst/>
-    <dgm:txFillClrLst meth="repeat">
-      <a:schemeClr val="tx1"/>
-    </dgm:txFillClrLst>
-    <dgm:txEffectClrLst/>
-  </dgm:styleLbl>
-  <dgm:styleLbl name="parChTrans1D4">
-    <dgm:fillClrLst meth="repeat">
-      <a:schemeClr val="accent5"/>
-    </dgm:fillClrLst>
-    <dgm:linClrLst meth="repeat">
-      <a:schemeClr val="accent5">
-        <a:shade val="80000"/>
-      </a:schemeClr>
-    </dgm:linClrLst>
-    <dgm:effectClrLst/>
-    <dgm:txLinClrLst/>
-    <dgm:txFillClrLst meth="repeat">
-      <a:schemeClr val="tx1"/>
-    </dgm:txFillClrLst>
-    <dgm:txEffectClrLst/>
-  </dgm:styleLbl>
-  <dgm:styleLbl name="fgAcc1">
-    <dgm:fillClrLst meth="repeat">
-      <a:schemeClr val="lt1">
-        <a:alpha val="90000"/>
-      </a:schemeClr>
-    </dgm:fillClrLst>
-    <dgm:linClrLst meth="repeat">
-      <a:schemeClr val="accent5"/>
-    </dgm:linClrLst>
-    <dgm:effectClrLst/>
-    <dgm:txLinClrLst/>
-    <dgm:txFillClrLst meth="repeat">
-      <a:schemeClr val="dk1"/>
-    </dgm:txFillClrLst>
-    <dgm:txEffectClrLst/>
-  </dgm:styleLbl>
-  <dgm:styleLbl name="conFgAcc1">
-    <dgm:fillClrLst meth="repeat">
-      <a:schemeClr val="lt1">
-        <a:alpha val="90000"/>
-      </a:schemeClr>
-    </dgm:fillClrLst>
-    <dgm:linClrLst meth="repeat">
-      <a:schemeClr val="accent5"/>
-    </dgm:linClrLst>
-    <dgm:effectClrLst/>
-    <dgm:txLinClrLst/>
-    <dgm:txFillClrLst meth="repeat">
-      <a:schemeClr val="dk1"/>
-    </dgm:txFillClrLst>
-    <dgm:txEffectClrLst/>
-  </dgm:styleLbl>
-  <dgm:styleLbl name="alignAcc1">
-    <dgm:fillClrLst meth="repeat">
-      <a:schemeClr val="lt1">
-        <a:alpha val="90000"/>
-      </a:schemeClr>
-    </dgm:fillClrLst>
-    <dgm:linClrLst meth="repeat">
-      <a:schemeClr val="accent5"/>
-    </dgm:linClrLst>
-    <dgm:effectClrLst/>
-    <dgm:txLinClrLst/>
-    <dgm:txFillClrLst meth="repeat">
-      <a:schemeClr val="dk1"/>
-    </dgm:txFillClrLst>
-    <dgm:txEffectClrLst/>
-  </dgm:styleLbl>
-  <dgm:styleLbl name="trAlignAcc1">
-    <dgm:fillClrLst meth="repeat">
-      <a:schemeClr val="lt1">
-        <a:alpha val="40000"/>
-      </a:schemeClr>
-    </dgm:fillClrLst>
-    <dgm:linClrLst meth="repeat">
-      <a:schemeClr val="accent5"/>
-    </dgm:linClrLst>
-    <dgm:effectClrLst/>
-    <dgm:txLinClrLst/>
-    <dgm:txFillClrLst meth="repeat">
-      <a:schemeClr val="dk1"/>
-    </dgm:txFillClrLst>
-    <dgm:txEffectClrLst/>
-  </dgm:styleLbl>
-  <dgm:styleLbl name="bgAcc1">
-    <dgm:fillClrLst meth="repeat">
-      <a:schemeClr val="lt1">
-        <a:alpha val="90000"/>
-      </a:schemeClr>
-    </dgm:fillClrLst>
-    <dgm:linClrLst meth="repeat">
-      <a:schemeClr val="accent5"/>
-    </dgm:linClrLst>
-    <dgm:effectClrLst/>
-    <dgm:txLinClrLst/>
-    <dgm:txFillClrLst meth="repeat">
-      <a:schemeClr val="dk1"/>
-    </dgm:txFillClrLst>
-    <dgm:txEffectClrLst/>
-  </dgm:styleLbl>
-  <dgm:styleLbl name="solidFgAcc1">
-    <dgm:fillClrLst meth="repeat">
-      <a:schemeClr val="lt1"/>
-    </dgm:fillClrLst>
-    <dgm:linClrLst meth="repeat">
-      <a:schemeClr val="accent5"/>
-    </dgm:linClrLst>
-    <dgm:effectClrLst/>
-    <dgm:txLinClrLst/>
-    <dgm:txFillClrLst meth="repeat">
-      <a:schemeClr val="dk1"/>
-    </dgm:txFillClrLst>
-    <dgm:txEffectClrLst/>
-  </dgm:styleLbl>
-  <dgm:styleLbl name="solidAlignAcc1">
-    <dgm:fillClrLst meth="repeat">
-      <a:schemeClr val="lt1"/>
-    </dgm:fillClrLst>
-    <dgm:linClrLst meth="repeat">
-      <a:schemeClr val="accent5"/>
-    </dgm:linClrLst>
-    <dgm:effectClrLst/>
-    <dgm:txLinClrLst/>
-    <dgm:txFillClrLst meth="repeat">
-      <a:schemeClr val="dk1"/>
-    </dgm:txFillClrLst>
-    <dgm:txEffectClrLst/>
-  </dgm:styleLbl>
-  <dgm:styleLbl name="solidBgAcc1">
-    <dgm:fillClrLst meth="repeat">
-      <a:schemeClr val="lt1"/>
-    </dgm:fillClrLst>
-    <dgm:linClrLst meth="repeat">
-      <a:schemeClr val="accent5"/>
-    </dgm:linClrLst>
-    <dgm:effectClrLst/>
-    <dgm:txLinClrLst/>
-    <dgm:txFillClrLst meth="repeat">
-      <a:schemeClr val="dk1"/>
-    </dgm:txFillClrLst>
-    <dgm:txEffectClrLst/>
-  </dgm:styleLbl>
-  <dgm:styleLbl name="fgAccFollowNode1">
-    <dgm:fillClrLst meth="repeat">
-      <a:schemeClr val="accent5">
-        <a:alpha val="90000"/>
-        <a:tint val="40000"/>
-      </a:schemeClr>
-    </dgm:fillClrLst>
-    <dgm:linClrLst meth="repeat">
-      <a:schemeClr val="accent5">
-        <a:alpha val="90000"/>
-        <a:tint val="40000"/>
-      </a:schemeClr>
-    </dgm:linClrLst>
-    <dgm:effectClrLst/>
-    <dgm:txLinClrLst/>
-    <dgm:txFillClrLst meth="repeat">
-      <a:schemeClr val="dk1"/>
-    </dgm:txFillClrLst>
-    <dgm:txEffectClrLst/>
-  </dgm:styleLbl>
-  <dgm:styleLbl name="alignAccFollowNode1">
-    <dgm:fillClrLst meth="repeat">
-      <a:schemeClr val="accent5">
-        <a:alpha val="90000"/>
-        <a:tint val="40000"/>
-      </a:schemeClr>
-    </dgm:fillClrLst>
-    <dgm:linClrLst meth="repeat">
-      <a:schemeClr val="accent5">
-        <a:alpha val="90000"/>
-        <a:tint val="40000"/>
-      </a:schemeClr>
-    </dgm:linClrLst>
-    <dgm:effectClrLst/>
-    <dgm:txLinClrLst/>
-    <dgm:txFillClrLst meth="repeat">
-      <a:schemeClr val="dk1"/>
-    </dgm:txFillClrLst>
-    <dgm:txEffectClrLst/>
-  </dgm:styleLbl>
-  <dgm:styleLbl name="bgAccFollowNode1">
-    <dgm:fillClrLst meth="repeat">
-      <a:schemeClr val="accent5">
-        <a:alpha val="90000"/>
-        <a:tint val="40000"/>
-      </a:schemeClr>
-    </dgm:fillClrLst>
-    <dgm:linClrLst meth="repeat">
-      <a:schemeClr val="accent5">
-        <a:alpha val="90000"/>
-        <a:tint val="40000"/>
-      </a:schemeClr>
-    </dgm:linClrLst>
-    <dgm:effectClrLst/>
-    <dgm:txLinClrLst/>
-    <dgm:txFillClrLst meth="repeat">
-      <a:schemeClr val="dk1"/>
-    </dgm:txFillClrLst>
-    <dgm:txEffectClrLst/>
-  </dgm:styleLbl>
-  <dgm:styleLbl name="fgAcc0">
-    <dgm:fillClrLst meth="repeat">
-      <a:schemeClr val="lt1">
-        <a:alpha val="90000"/>
-      </a:schemeClr>
-    </dgm:fillClrLst>
-    <dgm:linClrLst meth="repeat">
-      <a:schemeClr val="accent5"/>
-    </dgm:linClrLst>
-    <dgm:effectClrLst/>
-    <dgm:txLinClrLst/>
-    <dgm:txFillClrLst meth="repeat">
-      <a:schemeClr val="dk1"/>
-    </dgm:txFillClrLst>
-    <dgm:txEffectClrLst/>
-  </dgm:styleLbl>
-  <dgm:styleLbl name="fgAcc2">
-    <dgm:fillClrLst meth="repeat">
-      <a:schemeClr val="lt1">
-        <a:alpha val="90000"/>
-      </a:schemeClr>
-    </dgm:fillClrLst>
-    <dgm:linClrLst meth="repeat">
-      <a:schemeClr val="accent5"/>
-    </dgm:linClrLst>
-    <dgm:effectClrLst/>
-    <dgm:txLinClrLst/>
-    <dgm:txFillClrLst meth="repeat">
-      <a:schemeClr val="dk1"/>
-    </dgm:txFillClrLst>
-    <dgm:txEffectClrLst/>
-  </dgm:styleLbl>
-  <dgm:styleLbl name="fgAcc3">
-    <dgm:fillClrLst meth="repeat">
-      <a:schemeClr val="lt1">
-        <a:alpha val="90000"/>
-      </a:schemeClr>
-    </dgm:fillClrLst>
-    <dgm:linClrLst meth="repeat">
-      <a:schemeClr val="accent5"/>
-    </dgm:linClrLst>
-    <dgm:effectClrLst/>
-    <dgm:txLinClrLst/>
-    <dgm:txFillClrLst meth="repeat">
-      <a:schemeClr val="dk1"/>
-    </dgm:txFillClrLst>
-    <dgm:txEffectClrLst/>
-  </dgm:styleLbl>
-  <dgm:styleLbl name="fgAcc4">
-    <dgm:fillClrLst meth="repeat">
-      <a:schemeClr val="lt1">
-        <a:alpha val="90000"/>
-      </a:schemeClr>
-    </dgm:fillClrLst>
-    <dgm:linClrLst meth="repeat">
-      <a:schemeClr val="accent5"/>
-    </dgm:linClrLst>
-    <dgm:effectClrLst/>
-    <dgm:txLinClrLst/>
-    <dgm:txFillClrLst meth="repeat">
-      <a:schemeClr val="dk1"/>
-    </dgm:txFillClrLst>
-    <dgm:txEffectClrLst/>
-  </dgm:styleLbl>
-  <dgm:styleLbl name="bgShp">
-    <dgm:fillClrLst meth="repeat">
-      <a:schemeClr val="bg1">
-        <a:lumMod val="95000"/>
-      </a:schemeClr>
-    </dgm:fillClrLst>
-    <dgm:linClrLst meth="repeat">
-      <a:schemeClr val="accent5"/>
-    </dgm:linClrLst>
-    <dgm:effectClrLst/>
-    <dgm:txLinClrLst/>
-    <dgm:txFillClrLst meth="repeat">
-      <a:schemeClr val="dk1"/>
-    </dgm:txFillClrLst>
-    <dgm:txEffectClrLst/>
-  </dgm:styleLbl>
-  <dgm:styleLbl name="dkBgShp">
-    <dgm:fillClrLst meth="repeat">
-      <a:schemeClr val="accent5">
-        <a:shade val="80000"/>
-      </a:schemeClr>
-    </dgm:fillClrLst>
-    <dgm:linClrLst meth="repeat">
-      <a:schemeClr val="accent5"/>
-    </dgm:linClrLst>
-    <dgm:effectClrLst/>
-    <dgm:txLinClrLst/>
-    <dgm:txFillClrLst meth="repeat">
-      <a:schemeClr val="lt1"/>
-    </dgm:txFillClrLst>
-    <dgm:txEffectClrLst/>
-  </dgm:styleLbl>
-  <dgm:styleLbl name="trBgShp">
-    <dgm:fillClrLst meth="repeat">
-      <a:schemeClr val="accent5">
-        <a:tint val="50000"/>
-        <a:alpha val="40000"/>
-      </a:schemeClr>
-    </dgm:fillClrLst>
-    <dgm:linClrLst meth="repeat">
-      <a:schemeClr val="accent5"/>
-    </dgm:linClrLst>
-    <dgm:effectClrLst/>
-    <dgm:txLinClrLst/>
-    <dgm:txFillClrLst meth="repeat">
-      <a:schemeClr val="lt1"/>
-    </dgm:txFillClrLst>
-    <dgm:txEffectClrLst/>
-  </dgm:styleLbl>
-  <dgm:styleLbl name="fgShp">
-    <dgm:fillClrLst meth="repeat">
-      <a:schemeClr val="accent5">
-        <a:tint val="60000"/>
-      </a:schemeClr>
-    </dgm:fillClrLst>
-    <dgm:linClrLst meth="repeat">
-      <a:schemeClr val="lt1"/>
-    </dgm:linClrLst>
-    <dgm:effectClrLst/>
-    <dgm:txLinClrLst/>
-    <dgm:txFillClrLst meth="repeat">
-      <a:schemeClr val="dk1"/>
-    </dgm:txFillClrLst>
-    <dgm:txEffectClrLst/>
-  </dgm:styleLbl>
-  <dgm:styleLbl name="revTx">
-    <dgm:fillClrLst meth="repeat">
-      <a:schemeClr val="lt1">
-        <a:alpha val="0"/>
-      </a:schemeClr>
-    </dgm:fillClrLst>
-    <dgm:linClrLst meth="repeat">
-      <a:schemeClr val="dk1">
-        <a:alpha val="0"/>
-      </a:schemeClr>
-    </dgm:linClrLst>
-    <dgm:effectClrLst/>
-    <dgm:txLinClrLst/>
-    <dgm:txFillClrLst meth="repeat">
-      <a:schemeClr val="tx1"/>
-    </dgm:txFillClrLst>
-    <dgm:txEffectClrLst/>
-  </dgm:styleLbl>
-</dgm:colorsDef>
-</file>
-
-<file path=ppt/diagrams/colors2.xml><?xml version="1.0" encoding="utf-8"?>
 <dgm:colorsDef xmlns:dgm="http://schemas.openxmlformats.org/drawingml/2006/diagram" xmlns:a="http://schemas.openxmlformats.org/drawingml/2006/main" uniqueId="urn:microsoft.com/office/officeart/2018/5/colors/Iconchunking_neutralbg_colorful1">
   <dgm:title val=""/>
   <dgm:desc val=""/>
@@ -1804,6 +1053,927 @@
 </dgm:colorsDef>
 </file>
 
+<file path=ppt/diagrams/colors2.xml><?xml version="1.0" encoding="utf-8"?>
+<dgm:colorsDef xmlns:dgm="http://schemas.openxmlformats.org/drawingml/2006/diagram" xmlns:a="http://schemas.openxmlformats.org/drawingml/2006/main" uniqueId="urn:microsoft.com/office/officeart/2018/5/colors/Iconchunking_neutralbg_colorful1">
+  <dgm:title val=""/>
+  <dgm:desc val=""/>
+  <dgm:catLst>
+    <dgm:cat type="colorful" pri="10100"/>
+  </dgm:catLst>
+  <dgm:styleLbl name="node0">
+    <dgm:fillClrLst meth="repeat">
+      <a:schemeClr val="accent1"/>
+    </dgm:fillClrLst>
+    <dgm:linClrLst meth="repeat">
+      <a:schemeClr val="lt1"/>
+    </dgm:linClrLst>
+    <dgm:effectClrLst/>
+    <dgm:txLinClrLst/>
+    <dgm:txFillClrLst/>
+    <dgm:txEffectClrLst/>
+  </dgm:styleLbl>
+  <dgm:styleLbl name="node1">
+    <dgm:fillClrLst meth="repeat">
+      <a:schemeClr val="accent2"/>
+      <a:schemeClr val="accent3"/>
+      <a:schemeClr val="accent4"/>
+      <a:schemeClr val="accent5"/>
+      <a:schemeClr val="accent6"/>
+    </dgm:fillClrLst>
+    <dgm:linClrLst meth="repeat">
+      <a:schemeClr val="lt1">
+        <a:alpha val="0"/>
+      </a:schemeClr>
+    </dgm:linClrLst>
+    <dgm:effectClrLst/>
+    <dgm:txLinClrLst/>
+    <dgm:txFillClrLst/>
+    <dgm:txEffectClrLst/>
+  </dgm:styleLbl>
+  <dgm:styleLbl name="alignNode1">
+    <dgm:fillClrLst meth="repeat">
+      <a:schemeClr val="accent2"/>
+      <a:schemeClr val="accent3"/>
+      <a:schemeClr val="accent4"/>
+      <a:schemeClr val="accent5"/>
+      <a:schemeClr val="accent6"/>
+    </dgm:fillClrLst>
+    <dgm:linClrLst meth="repeat">
+      <a:schemeClr val="accent2"/>
+      <a:schemeClr val="accent3"/>
+      <a:schemeClr val="accent4"/>
+      <a:schemeClr val="accent5"/>
+      <a:schemeClr val="accent6"/>
+    </dgm:linClrLst>
+    <dgm:effectClrLst/>
+    <dgm:txLinClrLst/>
+    <dgm:txFillClrLst/>
+    <dgm:txEffectClrLst/>
+  </dgm:styleLbl>
+  <dgm:styleLbl name="lnNode1">
+    <dgm:fillClrLst meth="repeat">
+      <a:schemeClr val="accent2"/>
+      <a:schemeClr val="accent3"/>
+      <a:schemeClr val="accent4"/>
+      <a:schemeClr val="accent5"/>
+      <a:schemeClr val="accent6"/>
+    </dgm:fillClrLst>
+    <dgm:linClrLst meth="repeat">
+      <a:schemeClr val="lt1"/>
+    </dgm:linClrLst>
+    <dgm:effectClrLst/>
+    <dgm:txLinClrLst/>
+    <dgm:txFillClrLst/>
+    <dgm:txEffectClrLst/>
+  </dgm:styleLbl>
+  <dgm:styleLbl name="vennNode1">
+    <dgm:fillClrLst meth="repeat">
+      <a:schemeClr val="accent2">
+        <a:alpha val="50000"/>
+      </a:schemeClr>
+      <a:schemeClr val="accent3">
+        <a:alpha val="50000"/>
+      </a:schemeClr>
+      <a:schemeClr val="accent4">
+        <a:alpha val="50000"/>
+      </a:schemeClr>
+      <a:schemeClr val="accent5">
+        <a:alpha val="50000"/>
+      </a:schemeClr>
+      <a:schemeClr val="accent6">
+        <a:alpha val="50000"/>
+      </a:schemeClr>
+    </dgm:fillClrLst>
+    <dgm:linClrLst meth="repeat">
+      <a:schemeClr val="lt1"/>
+    </dgm:linClrLst>
+    <dgm:effectClrLst/>
+    <dgm:txLinClrLst/>
+    <dgm:txFillClrLst/>
+    <dgm:txEffectClrLst/>
+  </dgm:styleLbl>
+  <dgm:styleLbl name="node2">
+    <dgm:fillClrLst>
+      <a:schemeClr val="accent2"/>
+    </dgm:fillClrLst>
+    <dgm:linClrLst meth="repeat">
+      <a:schemeClr val="lt1"/>
+    </dgm:linClrLst>
+    <dgm:effectClrLst/>
+    <dgm:txLinClrLst/>
+    <dgm:txFillClrLst/>
+    <dgm:txEffectClrLst/>
+  </dgm:styleLbl>
+  <dgm:styleLbl name="node3">
+    <dgm:fillClrLst>
+      <a:schemeClr val="accent3"/>
+    </dgm:fillClrLst>
+    <dgm:linClrLst meth="repeat">
+      <a:schemeClr val="lt1"/>
+    </dgm:linClrLst>
+    <dgm:effectClrLst/>
+    <dgm:txLinClrLst/>
+    <dgm:txFillClrLst/>
+    <dgm:txEffectClrLst/>
+  </dgm:styleLbl>
+  <dgm:styleLbl name="node4">
+    <dgm:fillClrLst>
+      <a:schemeClr val="accent4"/>
+    </dgm:fillClrLst>
+    <dgm:linClrLst meth="repeat">
+      <a:schemeClr val="lt1"/>
+    </dgm:linClrLst>
+    <dgm:effectClrLst/>
+    <dgm:txLinClrLst/>
+    <dgm:txFillClrLst/>
+    <dgm:txEffectClrLst/>
+  </dgm:styleLbl>
+  <dgm:styleLbl name="fgImgPlace1">
+    <dgm:fillClrLst meth="repeat">
+      <a:schemeClr val="accent2">
+        <a:tint val="50000"/>
+      </a:schemeClr>
+      <a:schemeClr val="accent3">
+        <a:tint val="50000"/>
+      </a:schemeClr>
+      <a:schemeClr val="accent4">
+        <a:tint val="50000"/>
+      </a:schemeClr>
+      <a:schemeClr val="accent5">
+        <a:tint val="50000"/>
+      </a:schemeClr>
+      <a:schemeClr val="accent6">
+        <a:tint val="50000"/>
+      </a:schemeClr>
+    </dgm:fillClrLst>
+    <dgm:linClrLst meth="repeat">
+      <a:schemeClr val="lt1"/>
+    </dgm:linClrLst>
+    <dgm:effectClrLst/>
+    <dgm:txLinClrLst/>
+    <dgm:txFillClrLst meth="repeat">
+      <a:schemeClr val="lt1"/>
+    </dgm:txFillClrLst>
+    <dgm:txEffectClrLst/>
+  </dgm:styleLbl>
+  <dgm:styleLbl name="alignImgPlace1">
+    <dgm:fillClrLst>
+      <a:schemeClr val="accent1">
+        <a:tint val="50000"/>
+      </a:schemeClr>
+      <a:schemeClr val="accent2">
+        <a:tint val="20000"/>
+      </a:schemeClr>
+    </dgm:fillClrLst>
+    <dgm:linClrLst meth="repeat">
+      <a:schemeClr val="lt1"/>
+    </dgm:linClrLst>
+    <dgm:effectClrLst/>
+    <dgm:txLinClrLst/>
+    <dgm:txFillClrLst meth="repeat">
+      <a:schemeClr val="lt1"/>
+    </dgm:txFillClrLst>
+    <dgm:txEffectClrLst/>
+  </dgm:styleLbl>
+  <dgm:styleLbl name="bgImgPlace1">
+    <dgm:fillClrLst>
+      <a:schemeClr val="accent1">
+        <a:tint val="50000"/>
+      </a:schemeClr>
+      <a:schemeClr val="accent2">
+        <a:tint val="20000"/>
+      </a:schemeClr>
+    </dgm:fillClrLst>
+    <dgm:linClrLst meth="repeat">
+      <a:schemeClr val="lt1"/>
+    </dgm:linClrLst>
+    <dgm:effectClrLst/>
+    <dgm:txLinClrLst/>
+    <dgm:txFillClrLst meth="repeat">
+      <a:schemeClr val="lt1"/>
+    </dgm:txFillClrLst>
+    <dgm:txEffectClrLst/>
+  </dgm:styleLbl>
+  <dgm:styleLbl name="sibTrans2D1">
+    <dgm:fillClrLst meth="repeat">
+      <a:schemeClr val="accent2"/>
+      <a:schemeClr val="accent3"/>
+      <a:schemeClr val="accent4"/>
+      <a:schemeClr val="accent5"/>
+      <a:schemeClr val="accent6"/>
+    </dgm:fillClrLst>
+    <dgm:linClrLst meth="cycle">
+      <a:schemeClr val="lt1"/>
+    </dgm:linClrLst>
+    <dgm:effectClrLst/>
+    <dgm:txLinClrLst/>
+    <dgm:txFillClrLst/>
+    <dgm:txEffectClrLst/>
+  </dgm:styleLbl>
+  <dgm:styleLbl name="fgSibTrans2D1">
+    <dgm:fillClrLst meth="repeat">
+      <a:schemeClr val="accent2"/>
+      <a:schemeClr val="accent3"/>
+      <a:schemeClr val="accent4"/>
+      <a:schemeClr val="accent5"/>
+      <a:schemeClr val="accent6"/>
+    </dgm:fillClrLst>
+    <dgm:linClrLst meth="cycle">
+      <a:schemeClr val="lt1"/>
+    </dgm:linClrLst>
+    <dgm:effectClrLst/>
+    <dgm:txLinClrLst/>
+    <dgm:txFillClrLst meth="repeat">
+      <a:schemeClr val="lt1"/>
+    </dgm:txFillClrLst>
+    <dgm:txEffectClrLst/>
+  </dgm:styleLbl>
+  <dgm:styleLbl name="bgSibTrans2D1">
+    <dgm:fillClrLst meth="repeat">
+      <a:schemeClr val="accent2"/>
+      <a:schemeClr val="accent3"/>
+      <a:schemeClr val="accent4"/>
+      <a:schemeClr val="accent5"/>
+      <a:schemeClr val="accent6"/>
+    </dgm:fillClrLst>
+    <dgm:linClrLst meth="cycle">
+      <a:schemeClr val="lt1"/>
+    </dgm:linClrLst>
+    <dgm:effectClrLst/>
+    <dgm:txLinClrLst/>
+    <dgm:txFillClrLst meth="repeat">
+      <a:schemeClr val="lt1"/>
+    </dgm:txFillClrLst>
+    <dgm:txEffectClrLst/>
+  </dgm:styleLbl>
+  <dgm:styleLbl name="sibTrans1D1">
+    <dgm:fillClrLst meth="repeat">
+      <a:schemeClr val="accent2"/>
+      <a:schemeClr val="accent3"/>
+      <a:schemeClr val="accent4"/>
+      <a:schemeClr val="accent5"/>
+      <a:schemeClr val="accent6"/>
+    </dgm:fillClrLst>
+    <dgm:linClrLst meth="repeat">
+      <a:schemeClr val="accent2"/>
+      <a:schemeClr val="accent3"/>
+      <a:schemeClr val="accent4"/>
+      <a:schemeClr val="accent5"/>
+      <a:schemeClr val="accent6"/>
+    </dgm:linClrLst>
+    <dgm:effectClrLst/>
+    <dgm:txLinClrLst/>
+    <dgm:txFillClrLst meth="repeat">
+      <a:schemeClr val="tx1"/>
+    </dgm:txFillClrLst>
+    <dgm:txEffectClrLst/>
+  </dgm:styleLbl>
+  <dgm:styleLbl name="callout">
+    <dgm:fillClrLst meth="repeat">
+      <a:schemeClr val="accent2"/>
+    </dgm:fillClrLst>
+    <dgm:linClrLst meth="repeat">
+      <a:schemeClr val="accent2">
+        <a:tint val="50000"/>
+      </a:schemeClr>
+    </dgm:linClrLst>
+    <dgm:effectClrLst/>
+    <dgm:txLinClrLst/>
+    <dgm:txFillClrLst meth="repeat">
+      <a:schemeClr val="tx1"/>
+    </dgm:txFillClrLst>
+    <dgm:txEffectClrLst/>
+  </dgm:styleLbl>
+  <dgm:styleLbl name="asst0">
+    <dgm:fillClrLst meth="repeat">
+      <a:schemeClr val="accent1"/>
+    </dgm:fillClrLst>
+    <dgm:linClrLst meth="repeat">
+      <a:schemeClr val="lt1"/>
+    </dgm:linClrLst>
+    <dgm:effectClrLst/>
+    <dgm:txLinClrLst/>
+    <dgm:txFillClrLst/>
+    <dgm:txEffectClrLst/>
+  </dgm:styleLbl>
+  <dgm:styleLbl name="asst1">
+    <dgm:fillClrLst meth="repeat">
+      <a:schemeClr val="accent2"/>
+    </dgm:fillClrLst>
+    <dgm:linClrLst meth="repeat">
+      <a:schemeClr val="lt1"/>
+    </dgm:linClrLst>
+    <dgm:effectClrLst/>
+    <dgm:txLinClrLst/>
+    <dgm:txFillClrLst/>
+    <dgm:txEffectClrLst/>
+  </dgm:styleLbl>
+  <dgm:styleLbl name="asst2">
+    <dgm:fillClrLst>
+      <a:schemeClr val="accent3"/>
+    </dgm:fillClrLst>
+    <dgm:linClrLst meth="repeat">
+      <a:schemeClr val="lt1"/>
+    </dgm:linClrLst>
+    <dgm:effectClrLst/>
+    <dgm:txLinClrLst/>
+    <dgm:txFillClrLst/>
+    <dgm:txEffectClrLst/>
+  </dgm:styleLbl>
+  <dgm:styleLbl name="asst3">
+    <dgm:fillClrLst>
+      <a:schemeClr val="accent4"/>
+    </dgm:fillClrLst>
+    <dgm:linClrLst meth="repeat">
+      <a:schemeClr val="lt1"/>
+    </dgm:linClrLst>
+    <dgm:effectClrLst/>
+    <dgm:txLinClrLst/>
+    <dgm:txFillClrLst/>
+    <dgm:txEffectClrLst/>
+  </dgm:styleLbl>
+  <dgm:styleLbl name="asst4">
+    <dgm:fillClrLst>
+      <a:schemeClr val="accent5"/>
+    </dgm:fillClrLst>
+    <dgm:linClrLst meth="repeat">
+      <a:schemeClr val="lt1"/>
+    </dgm:linClrLst>
+    <dgm:effectClrLst/>
+    <dgm:txLinClrLst/>
+    <dgm:txFillClrLst/>
+    <dgm:txEffectClrLst/>
+  </dgm:styleLbl>
+  <dgm:styleLbl name="parChTrans2D1">
+    <dgm:fillClrLst meth="repeat">
+      <a:schemeClr val="accent2"/>
+    </dgm:fillClrLst>
+    <dgm:linClrLst meth="repeat">
+      <a:schemeClr val="lt1"/>
+    </dgm:linClrLst>
+    <dgm:effectClrLst/>
+    <dgm:txLinClrLst/>
+    <dgm:txFillClrLst meth="repeat">
+      <a:schemeClr val="lt1"/>
+    </dgm:txFillClrLst>
+    <dgm:txEffectClrLst/>
+  </dgm:styleLbl>
+  <dgm:styleLbl name="parChTrans2D2">
+    <dgm:fillClrLst meth="repeat">
+      <a:schemeClr val="accent3"/>
+    </dgm:fillClrLst>
+    <dgm:linClrLst meth="repeat">
+      <a:schemeClr val="lt1"/>
+    </dgm:linClrLst>
+    <dgm:effectClrLst/>
+    <dgm:txLinClrLst/>
+    <dgm:txFillClrLst/>
+    <dgm:txEffectClrLst/>
+  </dgm:styleLbl>
+  <dgm:styleLbl name="parChTrans2D3">
+    <dgm:fillClrLst meth="repeat">
+      <a:schemeClr val="accent4"/>
+    </dgm:fillClrLst>
+    <dgm:linClrLst meth="repeat">
+      <a:schemeClr val="lt1"/>
+    </dgm:linClrLst>
+    <dgm:effectClrLst/>
+    <dgm:txLinClrLst/>
+    <dgm:txFillClrLst/>
+    <dgm:txEffectClrLst/>
+  </dgm:styleLbl>
+  <dgm:styleLbl name="parChTrans2D4">
+    <dgm:fillClrLst meth="repeat">
+      <a:schemeClr val="accent5"/>
+    </dgm:fillClrLst>
+    <dgm:linClrLst meth="repeat">
+      <a:schemeClr val="lt1"/>
+    </dgm:linClrLst>
+    <dgm:effectClrLst/>
+    <dgm:txLinClrLst/>
+    <dgm:txFillClrLst meth="repeat">
+      <a:schemeClr val="lt1"/>
+    </dgm:txFillClrLst>
+    <dgm:txEffectClrLst/>
+  </dgm:styleLbl>
+  <dgm:styleLbl name="parChTrans1D1">
+    <dgm:fillClrLst meth="repeat">
+      <a:schemeClr val="accent2"/>
+    </dgm:fillClrLst>
+    <dgm:linClrLst meth="repeat">
+      <a:schemeClr val="accent1"/>
+    </dgm:linClrLst>
+    <dgm:effectClrLst/>
+    <dgm:txLinClrLst/>
+    <dgm:txFillClrLst meth="repeat">
+      <a:schemeClr val="tx1"/>
+    </dgm:txFillClrLst>
+    <dgm:txEffectClrLst/>
+  </dgm:styleLbl>
+  <dgm:styleLbl name="parChTrans1D2">
+    <dgm:fillClrLst meth="repeat">
+      <a:schemeClr val="accent3">
+        <a:tint val="90000"/>
+      </a:schemeClr>
+    </dgm:fillClrLst>
+    <dgm:linClrLst meth="repeat">
+      <a:schemeClr val="accent2"/>
+    </dgm:linClrLst>
+    <dgm:effectClrLst/>
+    <dgm:txLinClrLst/>
+    <dgm:txFillClrLst meth="repeat">
+      <a:schemeClr val="tx1"/>
+    </dgm:txFillClrLst>
+    <dgm:txEffectClrLst/>
+  </dgm:styleLbl>
+  <dgm:styleLbl name="parChTrans1D3">
+    <dgm:fillClrLst meth="repeat">
+      <a:schemeClr val="accent4">
+        <a:tint val="70000"/>
+      </a:schemeClr>
+    </dgm:fillClrLst>
+    <dgm:linClrLst meth="repeat">
+      <a:schemeClr val="accent3"/>
+    </dgm:linClrLst>
+    <dgm:effectClrLst/>
+    <dgm:txLinClrLst/>
+    <dgm:txFillClrLst meth="repeat">
+      <a:schemeClr val="tx1"/>
+    </dgm:txFillClrLst>
+    <dgm:txEffectClrLst/>
+  </dgm:styleLbl>
+  <dgm:styleLbl name="parChTrans1D4">
+    <dgm:fillClrLst meth="repeat">
+      <a:schemeClr val="accent5">
+        <a:tint val="50000"/>
+      </a:schemeClr>
+    </dgm:fillClrLst>
+    <dgm:linClrLst meth="repeat">
+      <a:schemeClr val="accent4"/>
+    </dgm:linClrLst>
+    <dgm:effectClrLst/>
+    <dgm:txLinClrLst/>
+    <dgm:txFillClrLst meth="repeat">
+      <a:schemeClr val="tx1"/>
+    </dgm:txFillClrLst>
+    <dgm:txEffectClrLst/>
+  </dgm:styleLbl>
+  <dgm:styleLbl name="fgAcc1">
+    <dgm:fillClrLst meth="repeat">
+      <a:schemeClr val="lt1">
+        <a:alpha val="90000"/>
+      </a:schemeClr>
+    </dgm:fillClrLst>
+    <dgm:linClrLst meth="repeat">
+      <a:schemeClr val="accent2"/>
+      <a:schemeClr val="accent3"/>
+      <a:schemeClr val="accent4"/>
+      <a:schemeClr val="accent5"/>
+      <a:schemeClr val="accent6"/>
+    </dgm:linClrLst>
+    <dgm:effectClrLst/>
+    <dgm:txLinClrLst/>
+    <dgm:txFillClrLst meth="repeat">
+      <a:schemeClr val="dk1"/>
+    </dgm:txFillClrLst>
+    <dgm:txEffectClrLst/>
+  </dgm:styleLbl>
+  <dgm:styleLbl name="conFgAcc1">
+    <dgm:fillClrLst meth="repeat">
+      <a:schemeClr val="lt1">
+        <a:alpha val="90000"/>
+      </a:schemeClr>
+    </dgm:fillClrLst>
+    <dgm:linClrLst meth="repeat">
+      <a:schemeClr val="accent2"/>
+      <a:schemeClr val="accent3"/>
+      <a:schemeClr val="accent4"/>
+      <a:schemeClr val="accent5"/>
+      <a:schemeClr val="accent6"/>
+    </dgm:linClrLst>
+    <dgm:effectClrLst/>
+    <dgm:txLinClrLst/>
+    <dgm:txFillClrLst meth="repeat">
+      <a:schemeClr val="dk1"/>
+    </dgm:txFillClrLst>
+    <dgm:txEffectClrLst/>
+  </dgm:styleLbl>
+  <dgm:styleLbl name="alignAcc1">
+    <dgm:fillClrLst meth="repeat">
+      <a:schemeClr val="lt1">
+        <a:alpha val="90000"/>
+      </a:schemeClr>
+    </dgm:fillClrLst>
+    <dgm:linClrLst meth="repeat">
+      <a:schemeClr val="accent2"/>
+      <a:schemeClr val="accent3"/>
+      <a:schemeClr val="accent4"/>
+      <a:schemeClr val="accent5"/>
+      <a:schemeClr val="accent6"/>
+    </dgm:linClrLst>
+    <dgm:effectClrLst/>
+    <dgm:txLinClrLst/>
+    <dgm:txFillClrLst meth="repeat">
+      <a:schemeClr val="dk1"/>
+    </dgm:txFillClrLst>
+    <dgm:txEffectClrLst/>
+  </dgm:styleLbl>
+  <dgm:styleLbl name="trAlignAcc1">
+    <dgm:fillClrLst meth="repeat">
+      <a:schemeClr val="lt1">
+        <a:alpha val="40000"/>
+      </a:schemeClr>
+    </dgm:fillClrLst>
+    <dgm:linClrLst meth="repeat">
+      <a:schemeClr val="accent1"/>
+    </dgm:linClrLst>
+    <dgm:effectClrLst/>
+    <dgm:txLinClrLst/>
+    <dgm:txFillClrLst meth="repeat">
+      <a:schemeClr val="dk1"/>
+    </dgm:txFillClrLst>
+    <dgm:txEffectClrLst/>
+  </dgm:styleLbl>
+  <dgm:styleLbl name="bgAcc1">
+    <dgm:fillClrLst meth="repeat">
+      <a:schemeClr val="lt1">
+        <a:alpha val="90000"/>
+      </a:schemeClr>
+    </dgm:fillClrLst>
+    <dgm:linClrLst meth="repeat">
+      <a:schemeClr val="accent2"/>
+      <a:schemeClr val="accent3"/>
+      <a:schemeClr val="accent4"/>
+      <a:schemeClr val="accent5"/>
+      <a:schemeClr val="accent6"/>
+    </dgm:linClrLst>
+    <dgm:effectClrLst/>
+    <dgm:txLinClrLst/>
+    <dgm:txFillClrLst meth="repeat">
+      <a:schemeClr val="dk1"/>
+    </dgm:txFillClrLst>
+    <dgm:txEffectClrLst/>
+  </dgm:styleLbl>
+  <dgm:styleLbl name="solidFgAcc1">
+    <dgm:fillClrLst meth="repeat">
+      <a:schemeClr val="lt1"/>
+    </dgm:fillClrLst>
+    <dgm:linClrLst meth="repeat">
+      <a:schemeClr val="accent2"/>
+      <a:schemeClr val="accent3"/>
+      <a:schemeClr val="accent4"/>
+      <a:schemeClr val="accent5"/>
+      <a:schemeClr val="accent6"/>
+    </dgm:linClrLst>
+    <dgm:effectClrLst/>
+    <dgm:txLinClrLst/>
+    <dgm:txFillClrLst meth="repeat">
+      <a:schemeClr val="dk1"/>
+    </dgm:txFillClrLst>
+    <dgm:txEffectClrLst/>
+  </dgm:styleLbl>
+  <dgm:styleLbl name="solidAlignAcc1">
+    <dgm:fillClrLst meth="repeat">
+      <a:schemeClr val="lt1"/>
+    </dgm:fillClrLst>
+    <dgm:linClrLst meth="repeat">
+      <a:schemeClr val="accent2"/>
+      <a:schemeClr val="accent3"/>
+      <a:schemeClr val="accent4"/>
+      <a:schemeClr val="accent5"/>
+      <a:schemeClr val="accent6"/>
+    </dgm:linClrLst>
+    <dgm:effectClrLst/>
+    <dgm:txLinClrLst/>
+    <dgm:txFillClrLst meth="repeat">
+      <a:schemeClr val="dk1"/>
+    </dgm:txFillClrLst>
+    <dgm:txEffectClrLst/>
+  </dgm:styleLbl>
+  <dgm:styleLbl name="solidBgAcc1">
+    <dgm:fillClrLst meth="repeat">
+      <a:schemeClr val="lt1"/>
+    </dgm:fillClrLst>
+    <dgm:linClrLst meth="repeat">
+      <a:schemeClr val="accent2"/>
+      <a:schemeClr val="accent3"/>
+      <a:schemeClr val="accent4"/>
+      <a:schemeClr val="accent5"/>
+      <a:schemeClr val="accent6"/>
+    </dgm:linClrLst>
+    <dgm:effectClrLst/>
+    <dgm:txLinClrLst/>
+    <dgm:txFillClrLst meth="repeat">
+      <a:schemeClr val="dk1"/>
+    </dgm:txFillClrLst>
+    <dgm:txEffectClrLst/>
+  </dgm:styleLbl>
+  <dgm:styleLbl name="fgAccFollowNode1">
+    <dgm:fillClrLst meth="repeat">
+      <a:schemeClr val="accent2">
+        <a:tint val="40000"/>
+        <a:alpha val="90000"/>
+      </a:schemeClr>
+      <a:schemeClr val="accent3">
+        <a:tint val="40000"/>
+        <a:alpha val="90000"/>
+      </a:schemeClr>
+      <a:schemeClr val="accent4">
+        <a:tint val="40000"/>
+        <a:alpha val="90000"/>
+      </a:schemeClr>
+      <a:schemeClr val="accent5">
+        <a:tint val="40000"/>
+        <a:alpha val="90000"/>
+      </a:schemeClr>
+      <a:schemeClr val="accent6">
+        <a:tint val="40000"/>
+        <a:alpha val="90000"/>
+      </a:schemeClr>
+    </dgm:fillClrLst>
+    <dgm:linClrLst meth="repeat">
+      <a:schemeClr val="accent2">
+        <a:tint val="40000"/>
+        <a:alpha val="90000"/>
+      </a:schemeClr>
+      <a:schemeClr val="accent3">
+        <a:tint val="40000"/>
+        <a:alpha val="90000"/>
+      </a:schemeClr>
+      <a:schemeClr val="accent4">
+        <a:tint val="40000"/>
+        <a:alpha val="90000"/>
+      </a:schemeClr>
+      <a:schemeClr val="accent5">
+        <a:tint val="40000"/>
+        <a:alpha val="90000"/>
+      </a:schemeClr>
+      <a:schemeClr val="accent6">
+        <a:tint val="40000"/>
+        <a:alpha val="90000"/>
+      </a:schemeClr>
+    </dgm:linClrLst>
+    <dgm:effectClrLst/>
+    <dgm:txLinClrLst/>
+    <dgm:txFillClrLst meth="repeat">
+      <a:schemeClr val="dk1"/>
+    </dgm:txFillClrLst>
+    <dgm:txEffectClrLst/>
+  </dgm:styleLbl>
+  <dgm:styleLbl name="alignAccFollowNode1">
+    <dgm:fillClrLst meth="repeat">
+      <a:schemeClr val="accent2">
+        <a:tint val="40000"/>
+        <a:alpha val="90000"/>
+      </a:schemeClr>
+      <a:schemeClr val="accent3">
+        <a:tint val="40000"/>
+        <a:alpha val="90000"/>
+      </a:schemeClr>
+      <a:schemeClr val="accent4">
+        <a:tint val="40000"/>
+        <a:alpha val="90000"/>
+      </a:schemeClr>
+      <a:schemeClr val="accent5">
+        <a:tint val="40000"/>
+        <a:alpha val="90000"/>
+      </a:schemeClr>
+      <a:schemeClr val="accent6">
+        <a:tint val="40000"/>
+        <a:alpha val="90000"/>
+      </a:schemeClr>
+    </dgm:fillClrLst>
+    <dgm:linClrLst meth="repeat">
+      <a:schemeClr val="accent2">
+        <a:tint val="40000"/>
+        <a:alpha val="90000"/>
+      </a:schemeClr>
+      <a:schemeClr val="accent3">
+        <a:tint val="40000"/>
+        <a:alpha val="90000"/>
+      </a:schemeClr>
+      <a:schemeClr val="accent4">
+        <a:tint val="40000"/>
+        <a:alpha val="90000"/>
+      </a:schemeClr>
+      <a:schemeClr val="accent5">
+        <a:tint val="40000"/>
+        <a:alpha val="90000"/>
+      </a:schemeClr>
+      <a:schemeClr val="accent6">
+        <a:tint val="40000"/>
+        <a:alpha val="90000"/>
+      </a:schemeClr>
+    </dgm:linClrLst>
+    <dgm:effectClrLst/>
+    <dgm:txLinClrLst/>
+    <dgm:txFillClrLst meth="repeat">
+      <a:schemeClr val="dk1"/>
+    </dgm:txFillClrLst>
+    <dgm:txEffectClrLst/>
+  </dgm:styleLbl>
+  <dgm:styleLbl name="bgAccFollowNode1">
+    <dgm:fillClrLst meth="repeat">
+      <a:schemeClr val="accent2">
+        <a:tint val="40000"/>
+        <a:alpha val="90000"/>
+      </a:schemeClr>
+      <a:schemeClr val="accent3">
+        <a:tint val="40000"/>
+        <a:alpha val="90000"/>
+      </a:schemeClr>
+      <a:schemeClr val="accent4">
+        <a:tint val="40000"/>
+        <a:alpha val="90000"/>
+      </a:schemeClr>
+      <a:schemeClr val="accent5">
+        <a:tint val="40000"/>
+        <a:alpha val="90000"/>
+      </a:schemeClr>
+      <a:schemeClr val="accent6">
+        <a:tint val="40000"/>
+        <a:alpha val="90000"/>
+      </a:schemeClr>
+    </dgm:fillClrLst>
+    <dgm:linClrLst meth="repeat">
+      <a:schemeClr val="accent2">
+        <a:tint val="40000"/>
+        <a:alpha val="90000"/>
+      </a:schemeClr>
+      <a:schemeClr val="accent3">
+        <a:tint val="40000"/>
+        <a:alpha val="90000"/>
+      </a:schemeClr>
+      <a:schemeClr val="accent4">
+        <a:tint val="40000"/>
+        <a:alpha val="90000"/>
+      </a:schemeClr>
+      <a:schemeClr val="accent5">
+        <a:tint val="40000"/>
+        <a:alpha val="90000"/>
+      </a:schemeClr>
+      <a:schemeClr val="accent6">
+        <a:tint val="40000"/>
+        <a:alpha val="90000"/>
+      </a:schemeClr>
+    </dgm:linClrLst>
+    <dgm:effectClrLst/>
+    <dgm:txLinClrLst/>
+    <dgm:txFillClrLst meth="repeat">
+      <a:schemeClr val="dk1"/>
+    </dgm:txFillClrLst>
+    <dgm:txEffectClrLst/>
+  </dgm:styleLbl>
+  <dgm:styleLbl name="fgAcc0">
+    <dgm:fillClrLst meth="repeat">
+      <a:schemeClr val="lt1">
+        <a:alpha val="90000"/>
+      </a:schemeClr>
+    </dgm:fillClrLst>
+    <dgm:linClrLst>
+      <a:schemeClr val="accent1"/>
+    </dgm:linClrLst>
+    <dgm:effectClrLst/>
+    <dgm:txLinClrLst/>
+    <dgm:txFillClrLst meth="repeat">
+      <a:schemeClr val="dk1"/>
+    </dgm:txFillClrLst>
+    <dgm:txEffectClrLst/>
+  </dgm:styleLbl>
+  <dgm:styleLbl name="fgAcc2">
+    <dgm:fillClrLst meth="repeat">
+      <a:schemeClr val="lt1">
+        <a:alpha val="90000"/>
+      </a:schemeClr>
+    </dgm:fillClrLst>
+    <dgm:linClrLst>
+      <a:schemeClr val="accent2"/>
+    </dgm:linClrLst>
+    <dgm:effectClrLst/>
+    <dgm:txLinClrLst/>
+    <dgm:txFillClrLst meth="repeat">
+      <a:schemeClr val="dk1"/>
+    </dgm:txFillClrLst>
+    <dgm:txEffectClrLst/>
+  </dgm:styleLbl>
+  <dgm:styleLbl name="fgAcc3">
+    <dgm:fillClrLst meth="repeat">
+      <a:schemeClr val="lt1">
+        <a:alpha val="90000"/>
+      </a:schemeClr>
+    </dgm:fillClrLst>
+    <dgm:linClrLst>
+      <a:schemeClr val="accent3"/>
+    </dgm:linClrLst>
+    <dgm:effectClrLst/>
+    <dgm:txLinClrLst/>
+    <dgm:txFillClrLst meth="repeat">
+      <a:schemeClr val="dk1"/>
+    </dgm:txFillClrLst>
+    <dgm:txEffectClrLst/>
+  </dgm:styleLbl>
+  <dgm:styleLbl name="fgAcc4">
+    <dgm:fillClrLst meth="repeat">
+      <a:schemeClr val="lt1">
+        <a:alpha val="90000"/>
+      </a:schemeClr>
+    </dgm:fillClrLst>
+    <dgm:linClrLst>
+      <a:schemeClr val="accent4"/>
+    </dgm:linClrLst>
+    <dgm:effectClrLst/>
+    <dgm:txLinClrLst/>
+    <dgm:txFillClrLst meth="repeat">
+      <a:schemeClr val="dk1"/>
+    </dgm:txFillClrLst>
+    <dgm:txEffectClrLst/>
+  </dgm:styleLbl>
+  <dgm:styleLbl name="bgShp">
+    <dgm:fillClrLst meth="repeat">
+      <a:schemeClr val="bg1">
+        <a:lumMod val="95000"/>
+      </a:schemeClr>
+    </dgm:fillClrLst>
+    <dgm:linClrLst meth="repeat">
+      <a:schemeClr val="dk1"/>
+    </dgm:linClrLst>
+    <dgm:effectClrLst/>
+    <dgm:txLinClrLst/>
+    <dgm:txFillClrLst meth="repeat">
+      <a:schemeClr val="dk1"/>
+    </dgm:txFillClrLst>
+    <dgm:txEffectClrLst/>
+  </dgm:styleLbl>
+  <dgm:styleLbl name="dkBgShp">
+    <dgm:fillClrLst meth="repeat">
+      <a:schemeClr val="accent2">
+        <a:shade val="90000"/>
+      </a:schemeClr>
+    </dgm:fillClrLst>
+    <dgm:linClrLst meth="repeat">
+      <a:schemeClr val="dk1"/>
+    </dgm:linClrLst>
+    <dgm:effectClrLst/>
+    <dgm:txLinClrLst/>
+    <dgm:txFillClrLst meth="repeat">
+      <a:schemeClr val="lt1"/>
+    </dgm:txFillClrLst>
+    <dgm:txEffectClrLst/>
+  </dgm:styleLbl>
+  <dgm:styleLbl name="trBgShp">
+    <dgm:fillClrLst meth="repeat">
+      <a:schemeClr val="accent1">
+        <a:tint val="50000"/>
+        <a:alpha val="40000"/>
+      </a:schemeClr>
+    </dgm:fillClrLst>
+    <dgm:linClrLst meth="repeat">
+      <a:schemeClr val="accent2"/>
+    </dgm:linClrLst>
+    <dgm:effectClrLst/>
+    <dgm:txLinClrLst/>
+    <dgm:txFillClrLst meth="repeat">
+      <a:schemeClr val="lt1"/>
+    </dgm:txFillClrLst>
+    <dgm:txEffectClrLst/>
+  </dgm:styleLbl>
+  <dgm:styleLbl name="fgShp">
+    <dgm:fillClrLst meth="repeat">
+      <a:schemeClr val="accent2">
+        <a:tint val="40000"/>
+      </a:schemeClr>
+    </dgm:fillClrLst>
+    <dgm:linClrLst meth="repeat">
+      <a:schemeClr val="lt1"/>
+    </dgm:linClrLst>
+    <dgm:effectClrLst/>
+    <dgm:txLinClrLst/>
+    <dgm:txFillClrLst meth="repeat">
+      <a:schemeClr val="dk1"/>
+    </dgm:txFillClrLst>
+    <dgm:txEffectClrLst/>
+  </dgm:styleLbl>
+  <dgm:styleLbl name="revTx">
+    <dgm:fillClrLst meth="repeat">
+      <a:schemeClr val="lt1">
+        <a:alpha val="0"/>
+      </a:schemeClr>
+    </dgm:fillClrLst>
+    <dgm:linClrLst meth="repeat">
+      <a:schemeClr val="dk1">
+        <a:alpha val="0"/>
+      </a:schemeClr>
+    </dgm:linClrLst>
+    <dgm:effectClrLst/>
+    <dgm:txLinClrLst/>
+    <dgm:txFillClrLst meth="repeat">
+      <a:schemeClr val="tx1"/>
+    </dgm:txFillClrLst>
+    <dgm:txEffectClrLst/>
+  </dgm:styleLbl>
+</dgm:colorsDef>
+</file>
+
 <file path=ppt/diagrams/colors3.xml><?xml version="1.0" encoding="utf-8"?>
 <dgm:colorsDef xmlns:dgm="http://schemas.openxmlformats.org/drawingml/2006/diagram" xmlns:a="http://schemas.openxmlformats.org/drawingml/2006/main" uniqueId="urn:microsoft.com/office/officeart/2018/5/colors/Iconchunking_neutralbg_accent1_2">
   <dgm:title val=""/>
@@ -2557,7 +2727,7 @@
 <dgm:dataModel xmlns:dgm="http://schemas.openxmlformats.org/drawingml/2006/diagram" xmlns:a="http://schemas.openxmlformats.org/drawingml/2006/main">
   <dgm:ptLst>
     <dgm:pt modelId="{9EA6AF59-0F41-4F43-953D-E55D9435486D}" type="doc">
-      <dgm:prSet loTypeId="urn:microsoft.com/office/officeart/2018/2/layout/IconLabelList" loCatId="icon" qsTypeId="urn:microsoft.com/office/officeart/2005/8/quickstyle/simple1" qsCatId="simple" csTypeId="urn:microsoft.com/office/officeart/2018/5/colors/Iconchunking_neutralbg_accent5_2" csCatId="accent5" phldr="1"/>
+      <dgm:prSet loTypeId="urn:microsoft.com/office/officeart/2018/2/layout/IconLabelList" loCatId="icon" qsTypeId="urn:microsoft.com/office/officeart/2005/8/quickstyle/simple1" qsCatId="simple" csTypeId="urn:microsoft.com/office/officeart/2018/5/colors/Iconchunking_neutralbg_colorful1" csCatId="colorful" phldr="1"/>
       <dgm:spPr/>
       <dgm:t>
         <a:bodyPr/>
@@ -2580,7 +2750,7 @@
             </a:lnSpc>
           </a:pPr>
           <a:r>
-            <a:rPr lang="en-US" sz="2400" dirty="0"/>
+            <a:rPr lang="en-US" sz="3600" dirty="0"/>
             <a:t>Who likes writing reports?</a:t>
           </a:r>
         </a:p>
@@ -2609,7 +2779,7 @@
       </dgm:t>
     </dgm:pt>
     <dgm:pt modelId="{26E6B174-0F50-450B-AD6D-FDFC5DA3E4EB}">
-      <dgm:prSet/>
+      <dgm:prSet custT="1"/>
       <dgm:spPr/>
       <dgm:t>
         <a:bodyPr/>
@@ -2621,7 +2791,7 @@
             </a:lnSpc>
           </a:pPr>
           <a:r>
-            <a:rPr lang="en-US" dirty="0"/>
+            <a:rPr lang="en-US" sz="3600" dirty="0"/>
             <a:t>Who likes referencing?</a:t>
           </a:r>
         </a:p>
@@ -2649,7 +2819,7 @@
         </a:p>
       </dgm:t>
     </dgm:pt>
-    <dgm:pt modelId="{37262F62-D284-432D-85F9-A531BE403A63}" type="pres">
+    <dgm:pt modelId="{F866FC9C-1DEE-4888-9816-D0AF7A1E82EE}" type="pres">
       <dgm:prSet presAssocID="{9EA6AF59-0F41-4F43-953D-E55D9435486D}" presName="root" presStyleCnt="0">
         <dgm:presLayoutVars>
           <dgm:dir/>
@@ -2658,12 +2828,12 @@
       </dgm:prSet>
       <dgm:spPr/>
     </dgm:pt>
-    <dgm:pt modelId="{722DA1F2-FE3A-4202-86A2-F92E44AE39D0}" type="pres">
+    <dgm:pt modelId="{21F1F7C0-2D6F-4FAF-AEBC-621D54FB3AD4}" type="pres">
       <dgm:prSet presAssocID="{D7ED7307-1F45-416B-A88A-6460C0AD0A4E}" presName="compNode" presStyleCnt="0"/>
       <dgm:spPr/>
     </dgm:pt>
-    <dgm:pt modelId="{6FE9B172-0837-470B-9185-B95EF55406D5}" type="pres">
-      <dgm:prSet presAssocID="{D7ED7307-1F45-416B-A88A-6460C0AD0A4E}" presName="iconRect" presStyleLbl="node1" presStyleIdx="0" presStyleCnt="2"/>
+    <dgm:pt modelId="{1B99AC74-26A3-4F59-ADA5-342426E55F31}" type="pres">
+      <dgm:prSet presAssocID="{D7ED7307-1F45-416B-A88A-6460C0AD0A4E}" presName="iconRect" presStyleLbl="node1" presStyleIdx="0" presStyleCnt="2" custScaleX="138337" custScaleY="142944"/>
       <dgm:spPr>
         <a:blipFill>
           <a:blip xmlns:r="http://schemas.openxmlformats.org/officeDocument/2006/relationships" r:embed="rId1">
@@ -2690,12 +2860,12 @@
         </a:ext>
       </dgm:extLst>
     </dgm:pt>
-    <dgm:pt modelId="{14A3E4C5-CEB5-4FE5-84DE-1FFB9556EF84}" type="pres">
+    <dgm:pt modelId="{1EBB6CBC-C842-474B-A9BA-0FB480697E7C}" type="pres">
       <dgm:prSet presAssocID="{D7ED7307-1F45-416B-A88A-6460C0AD0A4E}" presName="spaceRect" presStyleCnt="0"/>
       <dgm:spPr/>
     </dgm:pt>
-    <dgm:pt modelId="{2DF90A3D-8022-44B8-9882-2E6B536B8047}" type="pres">
-      <dgm:prSet presAssocID="{D7ED7307-1F45-416B-A88A-6460C0AD0A4E}" presName="textRect" presStyleLbl="revTx" presStyleIdx="0" presStyleCnt="2" custScaleX="176703">
+    <dgm:pt modelId="{008713BE-5CA2-418D-A0CB-E2D431B6C4BF}" type="pres">
+      <dgm:prSet presAssocID="{D7ED7307-1F45-416B-A88A-6460C0AD0A4E}" presName="textRect" presStyleLbl="revTx" presStyleIdx="0" presStyleCnt="2" custScaleX="118037">
         <dgm:presLayoutVars>
           <dgm:chMax val="1"/>
           <dgm:chPref val="1"/>
@@ -2703,16 +2873,16 @@
       </dgm:prSet>
       <dgm:spPr/>
     </dgm:pt>
-    <dgm:pt modelId="{1EF62716-C344-48DA-B631-7C0965010ED3}" type="pres">
+    <dgm:pt modelId="{2B4F31A9-E8D7-48F3-AA45-888F89BA19D4}" type="pres">
       <dgm:prSet presAssocID="{DB39E220-D15A-438A-8098-38D704F661A3}" presName="sibTrans" presStyleCnt="0"/>
       <dgm:spPr/>
     </dgm:pt>
-    <dgm:pt modelId="{64979741-677D-4E89-9B8F-D4223ED883C8}" type="pres">
+    <dgm:pt modelId="{3D7C723E-1390-41DF-8878-A753F50A94FB}" type="pres">
       <dgm:prSet presAssocID="{26E6B174-0F50-450B-AD6D-FDFC5DA3E4EB}" presName="compNode" presStyleCnt="0"/>
       <dgm:spPr/>
     </dgm:pt>
-    <dgm:pt modelId="{3B898D55-939D-45A9-B585-6C7D5596D550}" type="pres">
-      <dgm:prSet presAssocID="{26E6B174-0F50-450B-AD6D-FDFC5DA3E4EB}" presName="iconRect" presStyleLbl="node1" presStyleIdx="1" presStyleCnt="2"/>
+    <dgm:pt modelId="{8A9E1D2D-FC3E-42E9-94DB-B78F43355D97}" type="pres">
+      <dgm:prSet presAssocID="{26E6B174-0F50-450B-AD6D-FDFC5DA3E4EB}" presName="iconRect" presStyleLbl="node1" presStyleIdx="1" presStyleCnt="2" custScaleX="152384" custScaleY="128876"/>
       <dgm:spPr>
         <a:blipFill>
           <a:blip xmlns:r="http://schemas.openxmlformats.org/officeDocument/2006/relationships" r:embed="rId3">
@@ -2739,12 +2909,12 @@
         </a:ext>
       </dgm:extLst>
     </dgm:pt>
-    <dgm:pt modelId="{78B4AD22-01F1-47E6-8BC3-9FE0B6C016C0}" type="pres">
+    <dgm:pt modelId="{8C8F6883-3411-4967-A310-428171023B92}" type="pres">
       <dgm:prSet presAssocID="{26E6B174-0F50-450B-AD6D-FDFC5DA3E4EB}" presName="spaceRect" presStyleCnt="0"/>
       <dgm:spPr/>
     </dgm:pt>
-    <dgm:pt modelId="{A1F4A496-3EA4-4FC8-B2F5-BAB7BE669A0F}" type="pres">
-      <dgm:prSet presAssocID="{26E6B174-0F50-450B-AD6D-FDFC5DA3E4EB}" presName="textRect" presStyleLbl="revTx" presStyleIdx="1" presStyleCnt="2" custScaleX="179188">
+    <dgm:pt modelId="{476E4501-14BD-4252-A463-710E6C80FAD9}" type="pres">
+      <dgm:prSet presAssocID="{26E6B174-0F50-450B-AD6D-FDFC5DA3E4EB}" presName="textRect" presStyleLbl="revTx" presStyleIdx="1" presStyleCnt="2">
         <dgm:presLayoutVars>
           <dgm:chMax val="1"/>
           <dgm:chPref val="1"/>
@@ -2754,20 +2924,20 @@
     </dgm:pt>
   </dgm:ptLst>
   <dgm:cxnLst>
-    <dgm:cxn modelId="{FA977B08-6FA1-4740-9E6E-3FB42F247B41}" type="presOf" srcId="{26E6B174-0F50-450B-AD6D-FDFC5DA3E4EB}" destId="{A1F4A496-3EA4-4FC8-B2F5-BAB7BE669A0F}" srcOrd="0" destOrd="0" presId="urn:microsoft.com/office/officeart/2018/2/layout/IconLabelList"/>
+    <dgm:cxn modelId="{C271C718-96E3-410E-97EA-08A4ED91A5D3}" type="presOf" srcId="{26E6B174-0F50-450B-AD6D-FDFC5DA3E4EB}" destId="{476E4501-14BD-4252-A463-710E6C80FAD9}" srcOrd="0" destOrd="0" presId="urn:microsoft.com/office/officeart/2018/2/layout/IconLabelList"/>
     <dgm:cxn modelId="{7C15B037-4DD3-4B75-82ED-66094A734F47}" srcId="{9EA6AF59-0F41-4F43-953D-E55D9435486D}" destId="{D7ED7307-1F45-416B-A88A-6460C0AD0A4E}" srcOrd="0" destOrd="0" parTransId="{6B89136A-C4CB-4B8E-9611-E5A440F3071F}" sibTransId="{DB39E220-D15A-438A-8098-38D704F661A3}"/>
-    <dgm:cxn modelId="{06D34360-71DE-41E1-BD6D-5C79C08C79B0}" type="presOf" srcId="{D7ED7307-1F45-416B-A88A-6460C0AD0A4E}" destId="{2DF90A3D-8022-44B8-9882-2E6B536B8047}" srcOrd="0" destOrd="0" presId="urn:microsoft.com/office/officeart/2018/2/layout/IconLabelList"/>
-    <dgm:cxn modelId="{B1B48586-0BA6-4094-9220-847827E855D5}" type="presOf" srcId="{9EA6AF59-0F41-4F43-953D-E55D9435486D}" destId="{37262F62-D284-432D-85F9-A531BE403A63}" srcOrd="0" destOrd="0" presId="urn:microsoft.com/office/officeart/2018/2/layout/IconLabelList"/>
+    <dgm:cxn modelId="{62A7EA3A-4655-46A1-8A82-A2992F322D81}" type="presOf" srcId="{D7ED7307-1F45-416B-A88A-6460C0AD0A4E}" destId="{008713BE-5CA2-418D-A0CB-E2D431B6C4BF}" srcOrd="0" destOrd="0" presId="urn:microsoft.com/office/officeart/2018/2/layout/IconLabelList"/>
     <dgm:cxn modelId="{18040AC8-84F1-4888-A084-B73AAE2BD6C4}" srcId="{9EA6AF59-0F41-4F43-953D-E55D9435486D}" destId="{26E6B174-0F50-450B-AD6D-FDFC5DA3E4EB}" srcOrd="1" destOrd="0" parTransId="{CC9F3A69-1CC6-4194-99BE-FA7515C1BDEB}" sibTransId="{3970745F-D457-4EED-84C7-90C7146A52CA}"/>
-    <dgm:cxn modelId="{98389C67-C245-4471-85B5-0E7D36E3F855}" type="presParOf" srcId="{37262F62-D284-432D-85F9-A531BE403A63}" destId="{722DA1F2-FE3A-4202-86A2-F92E44AE39D0}" srcOrd="0" destOrd="0" presId="urn:microsoft.com/office/officeart/2018/2/layout/IconLabelList"/>
-    <dgm:cxn modelId="{EE6315BC-73FD-4DB8-9ED9-938EF0B2035A}" type="presParOf" srcId="{722DA1F2-FE3A-4202-86A2-F92E44AE39D0}" destId="{6FE9B172-0837-470B-9185-B95EF55406D5}" srcOrd="0" destOrd="0" presId="urn:microsoft.com/office/officeart/2018/2/layout/IconLabelList"/>
-    <dgm:cxn modelId="{83F3354F-1859-46EC-933A-AF76E1E546EB}" type="presParOf" srcId="{722DA1F2-FE3A-4202-86A2-F92E44AE39D0}" destId="{14A3E4C5-CEB5-4FE5-84DE-1FFB9556EF84}" srcOrd="1" destOrd="0" presId="urn:microsoft.com/office/officeart/2018/2/layout/IconLabelList"/>
-    <dgm:cxn modelId="{8D6720F3-A929-46D3-AC18-B68F4F4D2443}" type="presParOf" srcId="{722DA1F2-FE3A-4202-86A2-F92E44AE39D0}" destId="{2DF90A3D-8022-44B8-9882-2E6B536B8047}" srcOrd="2" destOrd="0" presId="urn:microsoft.com/office/officeart/2018/2/layout/IconLabelList"/>
-    <dgm:cxn modelId="{025614E3-7586-4E19-BCB7-99D58A51CA15}" type="presParOf" srcId="{37262F62-D284-432D-85F9-A531BE403A63}" destId="{1EF62716-C344-48DA-B631-7C0965010ED3}" srcOrd="1" destOrd="0" presId="urn:microsoft.com/office/officeart/2018/2/layout/IconLabelList"/>
-    <dgm:cxn modelId="{BA19F399-70A9-4C54-B48A-F6769BE10764}" type="presParOf" srcId="{37262F62-D284-432D-85F9-A531BE403A63}" destId="{64979741-677D-4E89-9B8F-D4223ED883C8}" srcOrd="2" destOrd="0" presId="urn:microsoft.com/office/officeart/2018/2/layout/IconLabelList"/>
-    <dgm:cxn modelId="{FE06BD68-2193-471B-8522-9F299A100DB3}" type="presParOf" srcId="{64979741-677D-4E89-9B8F-D4223ED883C8}" destId="{3B898D55-939D-45A9-B585-6C7D5596D550}" srcOrd="0" destOrd="0" presId="urn:microsoft.com/office/officeart/2018/2/layout/IconLabelList"/>
-    <dgm:cxn modelId="{801835DC-D6F6-4C67-AE60-E322506191D0}" type="presParOf" srcId="{64979741-677D-4E89-9B8F-D4223ED883C8}" destId="{78B4AD22-01F1-47E6-8BC3-9FE0B6C016C0}" srcOrd="1" destOrd="0" presId="urn:microsoft.com/office/officeart/2018/2/layout/IconLabelList"/>
-    <dgm:cxn modelId="{EF1ECE6E-E463-4AB4-8EF2-CED0CA1F4F0D}" type="presParOf" srcId="{64979741-677D-4E89-9B8F-D4223ED883C8}" destId="{A1F4A496-3EA4-4FC8-B2F5-BAB7BE669A0F}" srcOrd="2" destOrd="0" presId="urn:microsoft.com/office/officeart/2018/2/layout/IconLabelList"/>
+    <dgm:cxn modelId="{5C8CC2F5-870C-4E15-99C1-F332AEA0D0D7}" type="presOf" srcId="{9EA6AF59-0F41-4F43-953D-E55D9435486D}" destId="{F866FC9C-1DEE-4888-9816-D0AF7A1E82EE}" srcOrd="0" destOrd="0" presId="urn:microsoft.com/office/officeart/2018/2/layout/IconLabelList"/>
+    <dgm:cxn modelId="{CC184259-173C-4BCF-8992-890D7EAAF76D}" type="presParOf" srcId="{F866FC9C-1DEE-4888-9816-D0AF7A1E82EE}" destId="{21F1F7C0-2D6F-4FAF-AEBC-621D54FB3AD4}" srcOrd="0" destOrd="0" presId="urn:microsoft.com/office/officeart/2018/2/layout/IconLabelList"/>
+    <dgm:cxn modelId="{C4AFD1F1-9A1D-4A43-B5AE-C582D9C683F0}" type="presParOf" srcId="{21F1F7C0-2D6F-4FAF-AEBC-621D54FB3AD4}" destId="{1B99AC74-26A3-4F59-ADA5-342426E55F31}" srcOrd="0" destOrd="0" presId="urn:microsoft.com/office/officeart/2018/2/layout/IconLabelList"/>
+    <dgm:cxn modelId="{571B9368-3B77-4B95-8226-CB58E4681886}" type="presParOf" srcId="{21F1F7C0-2D6F-4FAF-AEBC-621D54FB3AD4}" destId="{1EBB6CBC-C842-474B-A9BA-0FB480697E7C}" srcOrd="1" destOrd="0" presId="urn:microsoft.com/office/officeart/2018/2/layout/IconLabelList"/>
+    <dgm:cxn modelId="{D2C4CA15-CB69-45F3-8A96-AD7864662390}" type="presParOf" srcId="{21F1F7C0-2D6F-4FAF-AEBC-621D54FB3AD4}" destId="{008713BE-5CA2-418D-A0CB-E2D431B6C4BF}" srcOrd="2" destOrd="0" presId="urn:microsoft.com/office/officeart/2018/2/layout/IconLabelList"/>
+    <dgm:cxn modelId="{92EBD974-EB66-49C8-923D-0518527D8FFD}" type="presParOf" srcId="{F866FC9C-1DEE-4888-9816-D0AF7A1E82EE}" destId="{2B4F31A9-E8D7-48F3-AA45-888F89BA19D4}" srcOrd="1" destOrd="0" presId="urn:microsoft.com/office/officeart/2018/2/layout/IconLabelList"/>
+    <dgm:cxn modelId="{AFE0C11F-6A9A-46B5-97A2-55DA6A8A6438}" type="presParOf" srcId="{F866FC9C-1DEE-4888-9816-D0AF7A1E82EE}" destId="{3D7C723E-1390-41DF-8878-A753F50A94FB}" srcOrd="2" destOrd="0" presId="urn:microsoft.com/office/officeart/2018/2/layout/IconLabelList"/>
+    <dgm:cxn modelId="{3C604423-53B0-4DB3-B016-059E728AD02D}" type="presParOf" srcId="{3D7C723E-1390-41DF-8878-A753F50A94FB}" destId="{8A9E1D2D-FC3E-42E9-94DB-B78F43355D97}" srcOrd="0" destOrd="0" presId="urn:microsoft.com/office/officeart/2018/2/layout/IconLabelList"/>
+    <dgm:cxn modelId="{A9F8C083-FE78-4834-AA58-54F507CB0B92}" type="presParOf" srcId="{3D7C723E-1390-41DF-8878-A753F50A94FB}" destId="{8C8F6883-3411-4967-A310-428171023B92}" srcOrd="1" destOrd="0" presId="urn:microsoft.com/office/officeart/2018/2/layout/IconLabelList"/>
+    <dgm:cxn modelId="{8E271FC7-4CC1-4EB0-B301-0A10866ECFC3}" type="presParOf" srcId="{3D7C723E-1390-41DF-8878-A753F50A94FB}" destId="{476E4501-14BD-4252-A463-710E6C80FAD9}" srcOrd="2" destOrd="0" presId="urn:microsoft.com/office/officeart/2018/2/layout/IconLabelList"/>
   </dgm:cxnLst>
   <dgm:bg/>
   <dgm:whole/>
@@ -3495,15 +3665,15 @@
       <dsp:cNvGrpSpPr/>
     </dsp:nvGrpSpPr>
     <dsp:grpSpPr/>
-    <dsp:sp modelId="{6FE9B172-0837-470B-9185-B95EF55406D5}">
+    <dsp:sp modelId="{1B99AC74-26A3-4F59-ADA5-342426E55F31}">
       <dsp:nvSpPr>
         <dsp:cNvPr id="0" name=""/>
         <dsp:cNvSpPr/>
       </dsp:nvSpPr>
       <dsp:spPr>
         <a:xfrm>
-          <a:off x="1489563" y="208452"/>
-          <a:ext cx="880875" cy="880875"/>
+          <a:off x="1445941" y="408674"/>
+          <a:ext cx="2640248" cy="2728175"/>
         </a:xfrm>
         <a:prstGeom prst="rect">
           <a:avLst/>
@@ -3545,15 +3715,15 @@
         </a:fontRef>
       </dsp:style>
     </dsp:sp>
-    <dsp:sp modelId="{2DF90A3D-8022-44B8-9882-2E6B536B8047}">
+    <dsp:sp modelId="{008713BE-5CA2-418D-A0CB-E2D431B6C4BF}">
       <dsp:nvSpPr>
         <dsp:cNvPr id="0" name=""/>
         <dsp:cNvSpPr/>
       </dsp:nvSpPr>
       <dsp:spPr>
         <a:xfrm>
-          <a:off x="200520" y="1375950"/>
-          <a:ext cx="3458961" cy="742500"/>
+          <a:off x="262943" y="3195673"/>
+          <a:ext cx="5006244" cy="746989"/>
         </a:xfrm>
         <a:prstGeom prst="rect">
           <a:avLst/>
@@ -3582,7 +3752,7 @@
         </a:bodyPr>
         <a:lstStyle/>
         <a:p>
-          <a:pPr marL="0" lvl="0" indent="0" algn="ctr" defTabSz="1066800">
+          <a:pPr marL="0" lvl="0" indent="0" algn="ctr" defTabSz="1600200">
             <a:lnSpc>
               <a:spcPct val="100000"/>
             </a:lnSpc>
@@ -3595,25 +3765,25 @@
             <a:buNone/>
           </a:pPr>
           <a:r>
-            <a:rPr lang="en-US" sz="2400" kern="1200" dirty="0"/>
+            <a:rPr lang="en-US" sz="3600" kern="1200" dirty="0"/>
             <a:t>Who likes writing reports?</a:t>
           </a:r>
         </a:p>
       </dsp:txBody>
       <dsp:txXfrm>
-        <a:off x="200520" y="1375950"/>
-        <a:ext cx="3458961" cy="742500"/>
+        <a:off x="262943" y="3195673"/>
+        <a:ext cx="5006244" cy="746989"/>
       </dsp:txXfrm>
     </dsp:sp>
-    <dsp:sp modelId="{3B898D55-939D-45A9-B585-6C7D5596D550}">
+    <dsp:sp modelId="{8A9E1D2D-FC3E-42E9-94DB-B78F43355D97}">
       <dsp:nvSpPr>
         <dsp:cNvPr id="0" name=""/>
         <dsp:cNvSpPr/>
       </dsp:nvSpPr>
       <dsp:spPr>
         <a:xfrm>
-          <a:off x="1489563" y="2607825"/>
-          <a:ext cx="880875" cy="880875"/>
+          <a:off x="6677859" y="475798"/>
+          <a:ext cx="2908343" cy="2459679"/>
         </a:xfrm>
         <a:prstGeom prst="rect">
           <a:avLst/>
@@ -3655,15 +3825,15 @@
         </a:fontRef>
       </dsp:style>
     </dsp:sp>
-    <dsp:sp modelId="{A1F4A496-3EA4-4FC8-B2F5-BAB7BE669A0F}">
+    <dsp:sp modelId="{476E4501-14BD-4252-A463-710E6C80FAD9}">
       <dsp:nvSpPr>
         <dsp:cNvPr id="0" name=""/>
         <dsp:cNvSpPr/>
       </dsp:nvSpPr>
       <dsp:spPr>
         <a:xfrm>
-          <a:off x="176198" y="3775323"/>
-          <a:ext cx="3507605" cy="742500"/>
+          <a:off x="6011406" y="3128549"/>
+          <a:ext cx="4241250" cy="746989"/>
         </a:xfrm>
         <a:prstGeom prst="rect">
           <a:avLst/>
@@ -3692,7 +3862,7 @@
         </a:bodyPr>
         <a:lstStyle/>
         <a:p>
-          <a:pPr marL="0" lvl="0" indent="0" algn="ctr" defTabSz="1244600">
+          <a:pPr marL="0" lvl="0" indent="0" algn="ctr" defTabSz="1600200">
             <a:lnSpc>
               <a:spcPct val="100000"/>
             </a:lnSpc>
@@ -3705,14 +3875,14 @@
             <a:buNone/>
           </a:pPr>
           <a:r>
-            <a:rPr lang="en-US" sz="2800" kern="1200" dirty="0"/>
+            <a:rPr lang="en-US" sz="3600" kern="1200" dirty="0"/>
             <a:t>Who likes referencing?</a:t>
           </a:r>
         </a:p>
       </dsp:txBody>
       <dsp:txXfrm>
-        <a:off x="176198" y="3775323"/>
-        <a:ext cx="3507605" cy="742500"/>
+        <a:off x="6011406" y="3128549"/>
+        <a:ext cx="4241250" cy="746989"/>
       </dsp:txXfrm>
     </dsp:sp>
   </dsp:spTree>
@@ -8334,7 +8504,7 @@
           <a:p>
             <a:fld id="{8A1355D6-7C9A-4EBD-B0D0-CA9BF0B6F861}" type="datetimeFigureOut">
               <a:rPr lang="en-NZ" smtClean="0"/>
-              <a:t>29/05/2023</a:t>
+              <a:t>31/05/2023</a:t>
             </a:fld>
             <a:endParaRPr lang="en-NZ"/>
           </a:p>
@@ -8534,7 +8704,7 @@
           <a:p>
             <a:fld id="{8A1355D6-7C9A-4EBD-B0D0-CA9BF0B6F861}" type="datetimeFigureOut">
               <a:rPr lang="en-NZ" smtClean="0"/>
-              <a:t>29/05/2023</a:t>
+              <a:t>31/05/2023</a:t>
             </a:fld>
             <a:endParaRPr lang="en-NZ"/>
           </a:p>
@@ -8744,7 +8914,7 @@
           <a:p>
             <a:fld id="{8A1355D6-7C9A-4EBD-B0D0-CA9BF0B6F861}" type="datetimeFigureOut">
               <a:rPr lang="en-NZ" smtClean="0"/>
-              <a:t>29/05/2023</a:t>
+              <a:t>31/05/2023</a:t>
             </a:fld>
             <a:endParaRPr lang="en-NZ"/>
           </a:p>
@@ -8944,7 +9114,7 @@
           <a:p>
             <a:fld id="{8A1355D6-7C9A-4EBD-B0D0-CA9BF0B6F861}" type="datetimeFigureOut">
               <a:rPr lang="en-NZ" smtClean="0"/>
-              <a:t>29/05/2023</a:t>
+              <a:t>31/05/2023</a:t>
             </a:fld>
             <a:endParaRPr lang="en-NZ"/>
           </a:p>
@@ -9220,7 +9390,7 @@
           <a:p>
             <a:fld id="{8A1355D6-7C9A-4EBD-B0D0-CA9BF0B6F861}" type="datetimeFigureOut">
               <a:rPr lang="en-NZ" smtClean="0"/>
-              <a:t>29/05/2023</a:t>
+              <a:t>31/05/2023</a:t>
             </a:fld>
             <a:endParaRPr lang="en-NZ"/>
           </a:p>
@@ -9488,7 +9658,7 @@
           <a:p>
             <a:fld id="{8A1355D6-7C9A-4EBD-B0D0-CA9BF0B6F861}" type="datetimeFigureOut">
               <a:rPr lang="en-NZ" smtClean="0"/>
-              <a:t>29/05/2023</a:t>
+              <a:t>31/05/2023</a:t>
             </a:fld>
             <a:endParaRPr lang="en-NZ"/>
           </a:p>
@@ -9903,7 +10073,7 @@
           <a:p>
             <a:fld id="{8A1355D6-7C9A-4EBD-B0D0-CA9BF0B6F861}" type="datetimeFigureOut">
               <a:rPr lang="en-NZ" smtClean="0"/>
-              <a:t>29/05/2023</a:t>
+              <a:t>31/05/2023</a:t>
             </a:fld>
             <a:endParaRPr lang="en-NZ"/>
           </a:p>
@@ -10045,7 +10215,7 @@
           <a:p>
             <a:fld id="{8A1355D6-7C9A-4EBD-B0D0-CA9BF0B6F861}" type="datetimeFigureOut">
               <a:rPr lang="en-NZ" smtClean="0"/>
-              <a:t>29/05/2023</a:t>
+              <a:t>31/05/2023</a:t>
             </a:fld>
             <a:endParaRPr lang="en-NZ"/>
           </a:p>
@@ -10158,7 +10328,7 @@
           <a:p>
             <a:fld id="{8A1355D6-7C9A-4EBD-B0D0-CA9BF0B6F861}" type="datetimeFigureOut">
               <a:rPr lang="en-NZ" smtClean="0"/>
-              <a:t>29/05/2023</a:t>
+              <a:t>31/05/2023</a:t>
             </a:fld>
             <a:endParaRPr lang="en-NZ"/>
           </a:p>
@@ -10471,7 +10641,7 @@
           <a:p>
             <a:fld id="{8A1355D6-7C9A-4EBD-B0D0-CA9BF0B6F861}" type="datetimeFigureOut">
               <a:rPr lang="en-NZ" smtClean="0"/>
-              <a:t>29/05/2023</a:t>
+              <a:t>31/05/2023</a:t>
             </a:fld>
             <a:endParaRPr lang="en-NZ"/>
           </a:p>
@@ -10760,7 +10930,7 @@
           <a:p>
             <a:fld id="{8A1355D6-7C9A-4EBD-B0D0-CA9BF0B6F861}" type="datetimeFigureOut">
               <a:rPr lang="en-NZ" smtClean="0"/>
-              <a:t>29/05/2023</a:t>
+              <a:t>31/05/2023</a:t>
             </a:fld>
             <a:endParaRPr lang="en-NZ"/>
           </a:p>
@@ -11003,7 +11173,7 @@
           <a:p>
             <a:fld id="{8A1355D6-7C9A-4EBD-B0D0-CA9BF0B6F861}" type="datetimeFigureOut">
               <a:rPr lang="en-NZ" smtClean="0"/>
-              <a:t>29/05/2023</a:t>
+              <a:t>31/05/2023</a:t>
             </a:fld>
             <a:endParaRPr lang="en-NZ"/>
           </a:p>
@@ -12026,145 +12196,6 @@
   <p:clrMapOvr>
     <a:masterClrMapping/>
   </p:clrMapOvr>
-  <p:timing>
-    <p:tnLst>
-      <p:par>
-        <p:cTn id="1" dur="indefinite" restart="never" nodeType="tmRoot">
-          <p:childTnLst>
-            <p:seq concurrent="1" nextAc="seek">
-              <p:cTn id="2" dur="indefinite" nodeType="mainSeq">
-                <p:childTnLst>
-                  <p:par>
-                    <p:cTn id="3" fill="hold">
-                      <p:stCondLst>
-                        <p:cond delay="indefinite"/>
-                        <p:cond evt="onBegin" delay="0">
-                          <p:tn val="2"/>
-                        </p:cond>
-                      </p:stCondLst>
-                      <p:childTnLst>
-                        <p:par>
-                          <p:cTn id="4" fill="hold">
-                            <p:stCondLst>
-                              <p:cond delay="0"/>
-                            </p:stCondLst>
-                            <p:childTnLst>
-                              <p:par>
-                                <p:cTn id="5" presetID="10" presetClass="entr" presetSubtype="0" fill="hold" grpId="0" nodeType="withEffect">
-                                  <p:stCondLst>
-                                    <p:cond delay="1500"/>
-                                  </p:stCondLst>
-                                  <p:iterate>
-                                    <p:tmPct val="10000"/>
-                                  </p:iterate>
-                                  <p:childTnLst>
-                                    <p:set>
-                                      <p:cBhvr>
-                                        <p:cTn id="6" dur="1" fill="hold">
-                                          <p:stCondLst>
-                                            <p:cond delay="0"/>
-                                          </p:stCondLst>
-                                        </p:cTn>
-                                        <p:tgtEl>
-                                          <p:spTgt spid="3">
-                                            <p:txEl>
-                                              <p:pRg st="0" end="0"/>
-                                            </p:txEl>
-                                          </p:spTgt>
-                                        </p:tgtEl>
-                                        <p:attrNameLst>
-                                          <p:attrName>style.visibility</p:attrName>
-                                        </p:attrNameLst>
-                                      </p:cBhvr>
-                                      <p:to>
-                                        <p:strVal val="visible"/>
-                                      </p:to>
-                                    </p:set>
-                                    <p:animEffect transition="in" filter="fade">
-                                      <p:cBhvr>
-                                        <p:cTn id="7" dur="700"/>
-                                        <p:tgtEl>
-                                          <p:spTgt spid="3">
-                                            <p:txEl>
-                                              <p:pRg st="0" end="0"/>
-                                            </p:txEl>
-                                          </p:spTgt>
-                                        </p:tgtEl>
-                                      </p:cBhvr>
-                                    </p:animEffect>
-                                  </p:childTnLst>
-                                </p:cTn>
-                              </p:par>
-                              <p:par>
-                                <p:cTn id="8" presetID="10" presetClass="entr" presetSubtype="0" fill="hold" grpId="0" nodeType="withEffect">
-                                  <p:stCondLst>
-                                    <p:cond delay="1000"/>
-                                  </p:stCondLst>
-                                  <p:iterate>
-                                    <p:tmPct val="10000"/>
-                                  </p:iterate>
-                                  <p:childTnLst>
-                                    <p:set>
-                                      <p:cBhvr>
-                                        <p:cTn id="9" dur="1" fill="hold">
-                                          <p:stCondLst>
-                                            <p:cond delay="0"/>
-                                          </p:stCondLst>
-                                        </p:cTn>
-                                        <p:tgtEl>
-                                          <p:spTgt spid="2"/>
-                                        </p:tgtEl>
-                                        <p:attrNameLst>
-                                          <p:attrName>style.visibility</p:attrName>
-                                        </p:attrNameLst>
-                                      </p:cBhvr>
-                                      <p:to>
-                                        <p:strVal val="visible"/>
-                                      </p:to>
-                                    </p:set>
-                                    <p:animEffect transition="in" filter="fade">
-                                      <p:cBhvr>
-                                        <p:cTn id="10" dur="700"/>
-                                        <p:tgtEl>
-                                          <p:spTgt spid="2"/>
-                                        </p:tgtEl>
-                                      </p:cBhvr>
-                                    </p:animEffect>
-                                  </p:childTnLst>
-                                </p:cTn>
-                              </p:par>
-                            </p:childTnLst>
-                          </p:cTn>
-                        </p:par>
-                      </p:childTnLst>
-                    </p:cTn>
-                  </p:par>
-                </p:childTnLst>
-              </p:cTn>
-              <p:prevCondLst>
-                <p:cond evt="onPrev" delay="0">
-                  <p:tgtEl>
-                    <p:sldTgt/>
-                  </p:tgtEl>
-                </p:cond>
-              </p:prevCondLst>
-              <p:nextCondLst>
-                <p:cond evt="onNext" delay="0">
-                  <p:tgtEl>
-                    <p:sldTgt/>
-                  </p:tgtEl>
-                </p:cond>
-              </p:nextCondLst>
-            </p:seq>
-          </p:childTnLst>
-        </p:cTn>
-      </p:par>
-    </p:tnLst>
-    <p:bldLst>
-      <p:bldP spid="2" grpId="0"/>
-      <p:bldP spid="3" grpId="0" build="p"/>
-    </p:bldLst>
-  </p:timing>
 </p:sld>
 </file>
 
@@ -12337,10 +12368,10 @@
               <a:buNone/>
             </a:pPr>
             <a:r>
-              <a:rPr lang="en-US" sz="2000" dirty="0"/>
+              <a:rPr lang="en-US" sz="3200" dirty="0"/>
               <a:t>References</a:t>
             </a:r>
-            <a:endParaRPr lang="en-NZ" sz="2000" dirty="0"/>
+            <a:endParaRPr lang="en-NZ" sz="3200" dirty="0"/>
           </a:p>
         </p:txBody>
       </p:sp>
@@ -12693,136 +12724,6 @@
   <p:clrMapOvr>
     <a:masterClrMapping/>
   </p:clrMapOvr>
-  <p:timing>
-    <p:tnLst>
-      <p:par>
-        <p:cTn id="1" dur="indefinite" restart="never" nodeType="tmRoot">
-          <p:childTnLst>
-            <p:seq concurrent="1" nextAc="seek">
-              <p:cTn id="2" dur="indefinite" nodeType="mainSeq">
-                <p:childTnLst>
-                  <p:par>
-                    <p:cTn id="3" fill="hold">
-                      <p:stCondLst>
-                        <p:cond delay="indefinite"/>
-                        <p:cond evt="onBegin" delay="0">
-                          <p:tn val="2"/>
-                        </p:cond>
-                      </p:stCondLst>
-                      <p:childTnLst>
-                        <p:par>
-                          <p:cTn id="4" fill="hold">
-                            <p:stCondLst>
-                              <p:cond delay="0"/>
-                            </p:stCondLst>
-                            <p:childTnLst>
-                              <p:par>
-                                <p:cTn id="5" presetID="10" presetClass="entr" presetSubtype="0" fill="hold" nodeType="withEffect">
-                                  <p:stCondLst>
-                                    <p:cond delay="500"/>
-                                  </p:stCondLst>
-                                  <p:iterate>
-                                    <p:tmPct val="10000"/>
-                                  </p:iterate>
-                                  <p:childTnLst>
-                                    <p:set>
-                                      <p:cBhvr>
-                                        <p:cTn id="6" dur="1" fill="hold">
-                                          <p:stCondLst>
-                                            <p:cond delay="0"/>
-                                          </p:stCondLst>
-                                        </p:cTn>
-                                        <p:tgtEl>
-                                          <p:spTgt spid="7"/>
-                                        </p:tgtEl>
-                                        <p:attrNameLst>
-                                          <p:attrName>style.visibility</p:attrName>
-                                        </p:attrNameLst>
-                                      </p:cBhvr>
-                                      <p:to>
-                                        <p:strVal val="visible"/>
-                                      </p:to>
-                                    </p:set>
-                                    <p:animEffect transition="in" filter="fade">
-                                      <p:cBhvr>
-                                        <p:cTn id="7" dur="700"/>
-                                        <p:tgtEl>
-                                          <p:spTgt spid="7"/>
-                                        </p:tgtEl>
-                                      </p:cBhvr>
-                                    </p:animEffect>
-                                  </p:childTnLst>
-                                </p:cTn>
-                              </p:par>
-                              <p:par>
-                                <p:cTn id="8" presetID="10" presetClass="entr" presetSubtype="0" fill="hold" grpId="0" nodeType="withEffect">
-                                  <p:stCondLst>
-                                    <p:cond delay="1000"/>
-                                  </p:stCondLst>
-                                  <p:iterate>
-                                    <p:tmPct val="10000"/>
-                                  </p:iterate>
-                                  <p:childTnLst>
-                                    <p:set>
-                                      <p:cBhvr>
-                                        <p:cTn id="9" dur="1" fill="hold">
-                                          <p:stCondLst>
-                                            <p:cond delay="0"/>
-                                          </p:stCondLst>
-                                        </p:cTn>
-                                        <p:tgtEl>
-                                          <p:spTgt spid="2"/>
-                                        </p:tgtEl>
-                                        <p:attrNameLst>
-                                          <p:attrName>style.visibility</p:attrName>
-                                        </p:attrNameLst>
-                                      </p:cBhvr>
-                                      <p:to>
-                                        <p:strVal val="visible"/>
-                                      </p:to>
-                                    </p:set>
-                                    <p:animEffect transition="in" filter="fade">
-                                      <p:cBhvr>
-                                        <p:cTn id="10" dur="700"/>
-                                        <p:tgtEl>
-                                          <p:spTgt spid="2"/>
-                                        </p:tgtEl>
-                                      </p:cBhvr>
-                                    </p:animEffect>
-                                  </p:childTnLst>
-                                </p:cTn>
-                              </p:par>
-                            </p:childTnLst>
-                          </p:cTn>
-                        </p:par>
-                      </p:childTnLst>
-                    </p:cTn>
-                  </p:par>
-                </p:childTnLst>
-              </p:cTn>
-              <p:prevCondLst>
-                <p:cond evt="onPrev" delay="0">
-                  <p:tgtEl>
-                    <p:sldTgt/>
-                  </p:tgtEl>
-                </p:cond>
-              </p:prevCondLst>
-              <p:nextCondLst>
-                <p:cond evt="onNext" delay="0">
-                  <p:tgtEl>
-                    <p:sldTgt/>
-                  </p:tgtEl>
-                </p:cond>
-              </p:nextCondLst>
-            </p:seq>
-          </p:childTnLst>
-        </p:cTn>
-      </p:par>
-    </p:tnLst>
-    <p:bldLst>
-      <p:bldP spid="2" grpId="0"/>
-    </p:bldLst>
-  </p:timing>
 </p:sld>
 </file>
 
@@ -12995,10 +12896,10 @@
               <a:buNone/>
             </a:pPr>
             <a:r>
-              <a:rPr lang="en-US" sz="2000" dirty="0"/>
+              <a:rPr lang="en-US" dirty="0"/>
               <a:t>Appendices/Appendix</a:t>
             </a:r>
-            <a:endParaRPr lang="en-NZ" sz="2000" dirty="0"/>
+            <a:endParaRPr lang="en-NZ" dirty="0"/>
           </a:p>
         </p:txBody>
       </p:sp>
@@ -13351,136 +13252,6 @@
   <p:clrMapOvr>
     <a:masterClrMapping/>
   </p:clrMapOvr>
-  <p:timing>
-    <p:tnLst>
-      <p:par>
-        <p:cTn id="1" dur="indefinite" restart="never" nodeType="tmRoot">
-          <p:childTnLst>
-            <p:seq concurrent="1" nextAc="seek">
-              <p:cTn id="2" dur="indefinite" nodeType="mainSeq">
-                <p:childTnLst>
-                  <p:par>
-                    <p:cTn id="3" fill="hold">
-                      <p:stCondLst>
-                        <p:cond delay="indefinite"/>
-                        <p:cond evt="onBegin" delay="0">
-                          <p:tn val="2"/>
-                        </p:cond>
-                      </p:stCondLst>
-                      <p:childTnLst>
-                        <p:par>
-                          <p:cTn id="4" fill="hold">
-                            <p:stCondLst>
-                              <p:cond delay="0"/>
-                            </p:stCondLst>
-                            <p:childTnLst>
-                              <p:par>
-                                <p:cTn id="5" presetID="10" presetClass="entr" presetSubtype="0" fill="hold" nodeType="withEffect">
-                                  <p:stCondLst>
-                                    <p:cond delay="500"/>
-                                  </p:stCondLst>
-                                  <p:iterate>
-                                    <p:tmPct val="10000"/>
-                                  </p:iterate>
-                                  <p:childTnLst>
-                                    <p:set>
-                                      <p:cBhvr>
-                                        <p:cTn id="6" dur="1" fill="hold">
-                                          <p:stCondLst>
-                                            <p:cond delay="0"/>
-                                          </p:stCondLst>
-                                        </p:cTn>
-                                        <p:tgtEl>
-                                          <p:spTgt spid="7"/>
-                                        </p:tgtEl>
-                                        <p:attrNameLst>
-                                          <p:attrName>style.visibility</p:attrName>
-                                        </p:attrNameLst>
-                                      </p:cBhvr>
-                                      <p:to>
-                                        <p:strVal val="visible"/>
-                                      </p:to>
-                                    </p:set>
-                                    <p:animEffect transition="in" filter="fade">
-                                      <p:cBhvr>
-                                        <p:cTn id="7" dur="700"/>
-                                        <p:tgtEl>
-                                          <p:spTgt spid="7"/>
-                                        </p:tgtEl>
-                                      </p:cBhvr>
-                                    </p:animEffect>
-                                  </p:childTnLst>
-                                </p:cTn>
-                              </p:par>
-                              <p:par>
-                                <p:cTn id="8" presetID="10" presetClass="entr" presetSubtype="0" fill="hold" grpId="0" nodeType="withEffect">
-                                  <p:stCondLst>
-                                    <p:cond delay="1000"/>
-                                  </p:stCondLst>
-                                  <p:iterate>
-                                    <p:tmPct val="10000"/>
-                                  </p:iterate>
-                                  <p:childTnLst>
-                                    <p:set>
-                                      <p:cBhvr>
-                                        <p:cTn id="9" dur="1" fill="hold">
-                                          <p:stCondLst>
-                                            <p:cond delay="0"/>
-                                          </p:stCondLst>
-                                        </p:cTn>
-                                        <p:tgtEl>
-                                          <p:spTgt spid="2"/>
-                                        </p:tgtEl>
-                                        <p:attrNameLst>
-                                          <p:attrName>style.visibility</p:attrName>
-                                        </p:attrNameLst>
-                                      </p:cBhvr>
-                                      <p:to>
-                                        <p:strVal val="visible"/>
-                                      </p:to>
-                                    </p:set>
-                                    <p:animEffect transition="in" filter="fade">
-                                      <p:cBhvr>
-                                        <p:cTn id="10" dur="700"/>
-                                        <p:tgtEl>
-                                          <p:spTgt spid="2"/>
-                                        </p:tgtEl>
-                                      </p:cBhvr>
-                                    </p:animEffect>
-                                  </p:childTnLst>
-                                </p:cTn>
-                              </p:par>
-                            </p:childTnLst>
-                          </p:cTn>
-                        </p:par>
-                      </p:childTnLst>
-                    </p:cTn>
-                  </p:par>
-                </p:childTnLst>
-              </p:cTn>
-              <p:prevCondLst>
-                <p:cond evt="onPrev" delay="0">
-                  <p:tgtEl>
-                    <p:sldTgt/>
-                  </p:tgtEl>
-                </p:cond>
-              </p:prevCondLst>
-              <p:nextCondLst>
-                <p:cond evt="onNext" delay="0">
-                  <p:tgtEl>
-                    <p:sldTgt/>
-                  </p:tgtEl>
-                </p:cond>
-              </p:nextCondLst>
-            </p:seq>
-          </p:childTnLst>
-        </p:cTn>
-      </p:par>
-    </p:tnLst>
-    <p:bldLst>
-      <p:bldP spid="2" grpId="0"/>
-    </p:bldLst>
-  </p:timing>
 </p:sld>
 </file>
 
@@ -14054,136 +13825,6 @@
   <p:clrMapOvr>
     <a:masterClrMapping/>
   </p:clrMapOvr>
-  <p:timing>
-    <p:tnLst>
-      <p:par>
-        <p:cTn id="1" dur="indefinite" restart="never" nodeType="tmRoot">
-          <p:childTnLst>
-            <p:seq concurrent="1" nextAc="seek">
-              <p:cTn id="2" dur="indefinite" nodeType="mainSeq">
-                <p:childTnLst>
-                  <p:par>
-                    <p:cTn id="3" fill="hold">
-                      <p:stCondLst>
-                        <p:cond delay="indefinite"/>
-                        <p:cond evt="onBegin" delay="0">
-                          <p:tn val="2"/>
-                        </p:cond>
-                      </p:stCondLst>
-                      <p:childTnLst>
-                        <p:par>
-                          <p:cTn id="4" fill="hold">
-                            <p:stCondLst>
-                              <p:cond delay="0"/>
-                            </p:stCondLst>
-                            <p:childTnLst>
-                              <p:par>
-                                <p:cTn id="5" presetID="10" presetClass="entr" presetSubtype="0" fill="hold" nodeType="withEffect">
-                                  <p:stCondLst>
-                                    <p:cond delay="500"/>
-                                  </p:stCondLst>
-                                  <p:iterate>
-                                    <p:tmPct val="10000"/>
-                                  </p:iterate>
-                                  <p:childTnLst>
-                                    <p:set>
-                                      <p:cBhvr>
-                                        <p:cTn id="6" dur="1" fill="hold">
-                                          <p:stCondLst>
-                                            <p:cond delay="0"/>
-                                          </p:stCondLst>
-                                        </p:cTn>
-                                        <p:tgtEl>
-                                          <p:spTgt spid="7"/>
-                                        </p:tgtEl>
-                                        <p:attrNameLst>
-                                          <p:attrName>style.visibility</p:attrName>
-                                        </p:attrNameLst>
-                                      </p:cBhvr>
-                                      <p:to>
-                                        <p:strVal val="visible"/>
-                                      </p:to>
-                                    </p:set>
-                                    <p:animEffect transition="in" filter="fade">
-                                      <p:cBhvr>
-                                        <p:cTn id="7" dur="700"/>
-                                        <p:tgtEl>
-                                          <p:spTgt spid="7"/>
-                                        </p:tgtEl>
-                                      </p:cBhvr>
-                                    </p:animEffect>
-                                  </p:childTnLst>
-                                </p:cTn>
-                              </p:par>
-                              <p:par>
-                                <p:cTn id="8" presetID="10" presetClass="entr" presetSubtype="0" fill="hold" grpId="0" nodeType="withEffect">
-                                  <p:stCondLst>
-                                    <p:cond delay="1000"/>
-                                  </p:stCondLst>
-                                  <p:iterate>
-                                    <p:tmPct val="10000"/>
-                                  </p:iterate>
-                                  <p:childTnLst>
-                                    <p:set>
-                                      <p:cBhvr>
-                                        <p:cTn id="9" dur="1" fill="hold">
-                                          <p:stCondLst>
-                                            <p:cond delay="0"/>
-                                          </p:stCondLst>
-                                        </p:cTn>
-                                        <p:tgtEl>
-                                          <p:spTgt spid="2"/>
-                                        </p:tgtEl>
-                                        <p:attrNameLst>
-                                          <p:attrName>style.visibility</p:attrName>
-                                        </p:attrNameLst>
-                                      </p:cBhvr>
-                                      <p:to>
-                                        <p:strVal val="visible"/>
-                                      </p:to>
-                                    </p:set>
-                                    <p:animEffect transition="in" filter="fade">
-                                      <p:cBhvr>
-                                        <p:cTn id="10" dur="700"/>
-                                        <p:tgtEl>
-                                          <p:spTgt spid="2"/>
-                                        </p:tgtEl>
-                                      </p:cBhvr>
-                                    </p:animEffect>
-                                  </p:childTnLst>
-                                </p:cTn>
-                              </p:par>
-                            </p:childTnLst>
-                          </p:cTn>
-                        </p:par>
-                      </p:childTnLst>
-                    </p:cTn>
-                  </p:par>
-                </p:childTnLst>
-              </p:cTn>
-              <p:prevCondLst>
-                <p:cond evt="onPrev" delay="0">
-                  <p:tgtEl>
-                    <p:sldTgt/>
-                  </p:tgtEl>
-                </p:cond>
-              </p:prevCondLst>
-              <p:nextCondLst>
-                <p:cond evt="onNext" delay="0">
-                  <p:tgtEl>
-                    <p:sldTgt/>
-                  </p:tgtEl>
-                </p:cond>
-              </p:nextCondLst>
-            </p:seq>
-          </p:childTnLst>
-        </p:cTn>
-      </p:par>
-    </p:tnLst>
-    <p:bldLst>
-      <p:bldP spid="2" grpId="0"/>
-    </p:bldLst>
-  </p:timing>
 </p:sld>
 </file>
 
@@ -15330,98 +14971,6 @@
   <p:clrMapOvr>
     <a:masterClrMapping/>
   </p:clrMapOvr>
-  <p:timing>
-    <p:tnLst>
-      <p:par>
-        <p:cTn id="1" dur="indefinite" restart="never" nodeType="tmRoot">
-          <p:childTnLst>
-            <p:seq concurrent="1" nextAc="seek">
-              <p:cTn id="2" dur="indefinite" nodeType="mainSeq">
-                <p:childTnLst>
-                  <p:par>
-                    <p:cTn id="3" fill="hold">
-                      <p:stCondLst>
-                        <p:cond delay="indefinite"/>
-                        <p:cond evt="onBegin" delay="0">
-                          <p:tn val="2"/>
-                        </p:cond>
-                      </p:stCondLst>
-                      <p:childTnLst>
-                        <p:par>
-                          <p:cTn id="4" fill="hold">
-                            <p:stCondLst>
-                              <p:cond delay="0"/>
-                            </p:stCondLst>
-                            <p:childTnLst>
-                              <p:par>
-                                <p:cTn id="5" presetID="10" presetClass="entr" presetSubtype="0" fill="hold" grpId="0" nodeType="withEffect">
-                                  <p:stCondLst>
-                                    <p:cond delay="500"/>
-                                  </p:stCondLst>
-                                  <p:iterate>
-                                    <p:tmPct val="10000"/>
-                                  </p:iterate>
-                                  <p:childTnLst>
-                                    <p:set>
-                                      <p:cBhvr>
-                                        <p:cTn id="6" dur="1" fill="hold">
-                                          <p:stCondLst>
-                                            <p:cond delay="0"/>
-                                          </p:stCondLst>
-                                        </p:cTn>
-                                        <p:tgtEl>
-                                          <p:spTgt spid="2"/>
-                                        </p:tgtEl>
-                                        <p:attrNameLst>
-                                          <p:attrName>style.visibility</p:attrName>
-                                        </p:attrNameLst>
-                                      </p:cBhvr>
-                                      <p:to>
-                                        <p:strVal val="visible"/>
-                                      </p:to>
-                                    </p:set>
-                                    <p:animEffect transition="in" filter="fade">
-                                      <p:cBhvr>
-                                        <p:cTn id="7" dur="700"/>
-                                        <p:tgtEl>
-                                          <p:spTgt spid="2"/>
-                                        </p:tgtEl>
-                                      </p:cBhvr>
-                                    </p:animEffect>
-                                  </p:childTnLst>
-                                </p:cTn>
-                              </p:par>
-                            </p:childTnLst>
-                          </p:cTn>
-                        </p:par>
-                      </p:childTnLst>
-                    </p:cTn>
-                  </p:par>
-                </p:childTnLst>
-              </p:cTn>
-              <p:prevCondLst>
-                <p:cond evt="onPrev" delay="0">
-                  <p:tgtEl>
-                    <p:sldTgt/>
-                  </p:tgtEl>
-                </p:cond>
-              </p:prevCondLst>
-              <p:nextCondLst>
-                <p:cond evt="onNext" delay="0">
-                  <p:tgtEl>
-                    <p:sldTgt/>
-                  </p:tgtEl>
-                </p:cond>
-              </p:nextCondLst>
-            </p:seq>
-          </p:childTnLst>
-        </p:cTn>
-      </p:par>
-    </p:tnLst>
-    <p:bldLst>
-      <p:bldP spid="2" grpId="0"/>
-    </p:bldLst>
-  </p:timing>
 </p:sld>
 </file>
 
@@ -16361,39 +15910,70 @@
           </a:p>
         </p:txBody>
       </p:sp>
-      <p:sp>
-        <p:nvSpPr>
-          <p:cNvPr id="3" name="Content Placeholder 2">
+      <p:pic>
+        <p:nvPicPr>
+          <p:cNvPr id="4" name="Content Placeholder 4">
             <a:extLst>
               <a:ext uri="{FF2B5EF4-FFF2-40B4-BE49-F238E27FC236}">
-                <a16:creationId xmlns:a16="http://schemas.microsoft.com/office/drawing/2014/main" id="{6BE36489-187C-D4E5-0422-E8EAF31F1D26}"/>
+                <a16:creationId xmlns:a16="http://schemas.microsoft.com/office/drawing/2014/main" id="{F498C693-88D0-B83B-2263-7E3144905F0F}"/>
               </a:ext>
             </a:extLst>
           </p:cNvPr>
-          <p:cNvSpPr>
-            <a:spLocks noGrp="1"/>
-          </p:cNvSpPr>
+          <p:cNvPicPr>
+            <a:picLocks noGrp="1" noChangeAspect="1"/>
+          </p:cNvPicPr>
           <p:nvPr>
             <p:ph idx="1"/>
           </p:nvPr>
+        </p:nvPicPr>
+        <p:blipFill rotWithShape="1">
+          <a:blip r:embed="rId2"/>
+          <a:srcRect t="3406" r="-1" b="-1"/>
+          <a:stretch/>
+        </p:blipFill>
+        <p:spPr>
+          <a:xfrm>
+            <a:off x="6096000" y="910112"/>
+            <a:ext cx="5846618" cy="5037774"/>
+          </a:xfrm>
+          <a:prstGeom prst="rect">
+            <a:avLst/>
+          </a:prstGeom>
+        </p:spPr>
+      </p:pic>
+      <p:sp>
+        <p:nvSpPr>
+          <p:cNvPr id="5" name="TextBox 4">
+            <a:extLst>
+              <a:ext uri="{FF2B5EF4-FFF2-40B4-BE49-F238E27FC236}">
+                <a16:creationId xmlns:a16="http://schemas.microsoft.com/office/drawing/2014/main" id="{767EF994-E3D2-0616-21AD-CD270F5C71E8}"/>
+              </a:ext>
+            </a:extLst>
+          </p:cNvPr>
+          <p:cNvSpPr txBox="1"/>
+          <p:nvPr/>
         </p:nvSpPr>
         <p:spPr>
           <a:xfrm>
-            <a:off x="6503158" y="649480"/>
-            <a:ext cx="4862447" cy="5546047"/>
+            <a:off x="10512794" y="6488665"/>
+            <a:ext cx="2029081" cy="369332"/>
           </a:xfrm>
+          <a:prstGeom prst="rect">
+            <a:avLst/>
+          </a:prstGeom>
+          <a:noFill/>
         </p:spPr>
         <p:txBody>
-          <a:bodyPr anchor="ctr">
-            <a:normAutofit/>
+          <a:bodyPr wrap="square" rtlCol="0">
+            <a:spAutoFit/>
           </a:bodyPr>
           <a:lstStyle/>
           <a:p>
             <a:r>
-              <a:rPr lang="en-US" sz="2000"/>
-              <a:t>Reference List</a:t>
+              <a:rPr lang="en-US" dirty="0"/>
+              <a:t>(Caulfield, 2020)</a:t>
             </a:r>
-            <a:endParaRPr lang="en-NZ" sz="2000"/>
+            <a:endParaRPr lang="en-NZ" dirty="0"/>
           </a:p>
         </p:txBody>
       </p:sp>
@@ -16407,98 +15987,6 @@
   <p:clrMapOvr>
     <a:masterClrMapping/>
   </p:clrMapOvr>
-  <p:timing>
-    <p:tnLst>
-      <p:par>
-        <p:cTn id="1" dur="indefinite" restart="never" nodeType="tmRoot">
-          <p:childTnLst>
-            <p:seq concurrent="1" nextAc="seek">
-              <p:cTn id="2" dur="indefinite" nodeType="mainSeq">
-                <p:childTnLst>
-                  <p:par>
-                    <p:cTn id="3" fill="hold">
-                      <p:stCondLst>
-                        <p:cond delay="indefinite"/>
-                        <p:cond evt="onBegin" delay="0">
-                          <p:tn val="2"/>
-                        </p:cond>
-                      </p:stCondLst>
-                      <p:childTnLst>
-                        <p:par>
-                          <p:cTn id="4" fill="hold">
-                            <p:stCondLst>
-                              <p:cond delay="0"/>
-                            </p:stCondLst>
-                            <p:childTnLst>
-                              <p:par>
-                                <p:cTn id="5" presetID="10" presetClass="entr" presetSubtype="0" fill="hold" grpId="0" nodeType="withEffect">
-                                  <p:stCondLst>
-                                    <p:cond delay="500"/>
-                                  </p:stCondLst>
-                                  <p:iterate type="wd">
-                                    <p:tmPct val="15000"/>
-                                  </p:iterate>
-                                  <p:childTnLst>
-                                    <p:set>
-                                      <p:cBhvr>
-                                        <p:cTn id="6" dur="1" fill="hold">
-                                          <p:stCondLst>
-                                            <p:cond delay="0"/>
-                                          </p:stCondLst>
-                                        </p:cTn>
-                                        <p:tgtEl>
-                                          <p:spTgt spid="2"/>
-                                        </p:tgtEl>
-                                        <p:attrNameLst>
-                                          <p:attrName>style.visibility</p:attrName>
-                                        </p:attrNameLst>
-                                      </p:cBhvr>
-                                      <p:to>
-                                        <p:strVal val="visible"/>
-                                      </p:to>
-                                    </p:set>
-                                    <p:animEffect transition="in" filter="fade">
-                                      <p:cBhvr>
-                                        <p:cTn id="7" dur="1000"/>
-                                        <p:tgtEl>
-                                          <p:spTgt spid="2"/>
-                                        </p:tgtEl>
-                                      </p:cBhvr>
-                                    </p:animEffect>
-                                  </p:childTnLst>
-                                </p:cTn>
-                              </p:par>
-                            </p:childTnLst>
-                          </p:cTn>
-                        </p:par>
-                      </p:childTnLst>
-                    </p:cTn>
-                  </p:par>
-                </p:childTnLst>
-              </p:cTn>
-              <p:prevCondLst>
-                <p:cond evt="onPrev" delay="0">
-                  <p:tgtEl>
-                    <p:sldTgt/>
-                  </p:tgtEl>
-                </p:cond>
-              </p:prevCondLst>
-              <p:nextCondLst>
-                <p:cond evt="onNext" delay="0">
-                  <p:tgtEl>
-                    <p:sldTgt/>
-                  </p:tgtEl>
-                </p:cond>
-              </p:nextCondLst>
-            </p:seq>
-          </p:childTnLst>
-        </p:cTn>
-      </p:par>
-    </p:tnLst>
-    <p:bldLst>
-      <p:bldP spid="2" grpId="0"/>
-    </p:bldLst>
-  </p:timing>
 </p:sld>
 </file>
 
@@ -16529,330 +16017,10 @@
       </p:grpSpPr>
       <p:sp useBgFill="1">
         <p:nvSpPr>
-          <p:cNvPr id="11" name="Rectangle 10">
+          <p:cNvPr id="40" name="Rectangle 39">
             <a:extLst>
               <a:ext uri="{FF2B5EF4-FFF2-40B4-BE49-F238E27FC236}">
-                <a16:creationId xmlns:a16="http://schemas.microsoft.com/office/drawing/2014/main" id="{3AFE8227-C443-417B-BA91-520EB1EF4559}"/>
-              </a:ext>
-              <a:ext uri="{C183D7F6-B498-43B3-948B-1728B52AA6E4}">
-                <adec:decorative xmlns:adec="http://schemas.microsoft.com/office/drawing/2017/decorative" val="1"/>
-              </a:ext>
-            </a:extLst>
-          </p:cNvPr>
-          <p:cNvSpPr>
-            <a:spLocks noGrp="1" noRot="1" noChangeAspect="1" noMove="1" noResize="1" noEditPoints="1" noAdjustHandles="1" noChangeArrowheads="1" noChangeShapeType="1" noTextEdit="1"/>
-          </p:cNvSpPr>
-          <p:nvPr>
-            <p:extLst>
-              <p:ext uri="{386F3935-93C4-4BCD-93E2-E3B085C9AB24}">
-                <p16:designElem xmlns:p16="http://schemas.microsoft.com/office/powerpoint/2015/main" val="1"/>
-              </p:ext>
-            </p:extLst>
-          </p:nvPr>
-        </p:nvSpPr>
-        <p:spPr>
-          <a:xfrm>
-            <a:off x="0" y="2"/>
-            <a:ext cx="12192000" cy="6857997"/>
-          </a:xfrm>
-          <a:prstGeom prst="rect">
-            <a:avLst/>
-          </a:prstGeom>
-          <a:ln>
-            <a:noFill/>
-          </a:ln>
-        </p:spPr>
-        <p:style>
-          <a:lnRef idx="2">
-            <a:schemeClr val="accent1">
-              <a:shade val="50000"/>
-            </a:schemeClr>
-          </a:lnRef>
-          <a:fillRef idx="1">
-            <a:schemeClr val="accent1"/>
-          </a:fillRef>
-          <a:effectRef idx="0">
-            <a:schemeClr val="accent1"/>
-          </a:effectRef>
-          <a:fontRef idx="minor">
-            <a:schemeClr val="lt1"/>
-          </a:fontRef>
-        </p:style>
-        <p:txBody>
-          <a:bodyPr rtlCol="0" anchor="ctr"/>
-          <a:lstStyle/>
-          <a:p>
-            <a:pPr algn="ctr"/>
-            <a:endParaRPr lang="en-US"/>
-          </a:p>
-        </p:txBody>
-      </p:sp>
-      <p:pic>
-        <p:nvPicPr>
-          <p:cNvPr id="5" name="Content Placeholder 4">
-            <a:extLst>
-              <a:ext uri="{FF2B5EF4-FFF2-40B4-BE49-F238E27FC236}">
-                <a16:creationId xmlns:a16="http://schemas.microsoft.com/office/drawing/2014/main" id="{CF0F927B-5FA6-E92D-27F6-640DFEAC5B4A}"/>
-              </a:ext>
-            </a:extLst>
-          </p:cNvPr>
-          <p:cNvPicPr>
-            <a:picLocks noGrp="1" noChangeAspect="1"/>
-          </p:cNvPicPr>
-          <p:nvPr>
-            <p:ph idx="1"/>
-          </p:nvPr>
-        </p:nvPicPr>
-        <p:blipFill rotWithShape="1">
-          <a:blip r:embed="rId2"/>
-          <a:srcRect t="3406" r="-1" b="-1"/>
-          <a:stretch/>
-        </p:blipFill>
-        <p:spPr>
-          <a:xfrm>
-            <a:off x="20" y="431"/>
-            <a:ext cx="8115280" cy="6408311"/>
-          </a:xfrm>
-          <a:prstGeom prst="rect">
-            <a:avLst/>
-          </a:prstGeom>
-        </p:spPr>
-      </p:pic>
-      <p:sp>
-        <p:nvSpPr>
-          <p:cNvPr id="6" name="TextBox 5">
-            <a:extLst>
-              <a:ext uri="{FF2B5EF4-FFF2-40B4-BE49-F238E27FC236}">
-                <a16:creationId xmlns:a16="http://schemas.microsoft.com/office/drawing/2014/main" id="{58428015-CF0A-8E60-CE2F-B633028AA458}"/>
-              </a:ext>
-            </a:extLst>
-          </p:cNvPr>
-          <p:cNvSpPr txBox="1"/>
-          <p:nvPr/>
-        </p:nvSpPr>
-        <p:spPr>
-          <a:xfrm>
-            <a:off x="8643193" y="5501471"/>
-            <a:ext cx="2942813" cy="457202"/>
-          </a:xfrm>
-          <a:prstGeom prst="rect">
-            <a:avLst/>
-          </a:prstGeom>
-        </p:spPr>
-        <p:txBody>
-          <a:bodyPr vert="horz" lIns="91440" tIns="45720" rIns="91440" bIns="45720" rtlCol="0">
-            <a:normAutofit/>
-          </a:bodyPr>
-          <a:lstStyle/>
-          <a:p>
-            <a:pPr>
-              <a:lnSpc>
-                <a:spcPct val="90000"/>
-              </a:lnSpc>
-              <a:spcAft>
-                <a:spcPts val="600"/>
-              </a:spcAft>
-            </a:pPr>
-            <a:r>
-              <a:rPr lang="en-US" sz="2000" b="1" dirty="0"/>
-              <a:t>(Caulfield, 2020) </a:t>
-            </a:r>
-          </a:p>
-        </p:txBody>
-      </p:sp>
-      <p:sp>
-        <p:nvSpPr>
-          <p:cNvPr id="13" name="Rectangle 12">
-            <a:extLst>
-              <a:ext uri="{FF2B5EF4-FFF2-40B4-BE49-F238E27FC236}">
-                <a16:creationId xmlns:a16="http://schemas.microsoft.com/office/drawing/2014/main" id="{907741FC-B544-4A6E-B831-6789D042333D}"/>
-              </a:ext>
-              <a:ext uri="{C183D7F6-B498-43B3-948B-1728B52AA6E4}">
-                <adec:decorative xmlns:adec="http://schemas.microsoft.com/office/drawing/2017/decorative" val="1"/>
-              </a:ext>
-            </a:extLst>
-          </p:cNvPr>
-          <p:cNvSpPr>
-            <a:spLocks noGrp="1" noRot="1" noChangeAspect="1" noMove="1" noResize="1" noEditPoints="1" noAdjustHandles="1" noChangeArrowheads="1" noChangeShapeType="1" noTextEdit="1"/>
-          </p:cNvSpPr>
-          <p:nvPr>
-            <p:extLst>
-              <p:ext uri="{386F3935-93C4-4BCD-93E2-E3B085C9AB24}">
-                <p16:designElem xmlns:p16="http://schemas.microsoft.com/office/powerpoint/2015/main" val="1"/>
-              </p:ext>
-            </p:extLst>
-          </p:nvPr>
-        </p:nvSpPr>
-        <p:spPr>
-          <a:xfrm flipH="1">
-            <a:off x="-1" y="6408741"/>
-            <a:ext cx="12191998" cy="457202"/>
-          </a:xfrm>
-          <a:prstGeom prst="rect">
-            <a:avLst/>
-          </a:prstGeom>
-          <a:gradFill>
-            <a:gsLst>
-              <a:gs pos="34000">
-                <a:srgbClr val="000000">
-                  <a:alpha val="96000"/>
-                </a:srgbClr>
-              </a:gs>
-              <a:gs pos="100000">
-                <a:schemeClr val="accent1"/>
-              </a:gs>
-            </a:gsLst>
-            <a:lin ang="8400000" scaled="0"/>
-          </a:gradFill>
-          <a:ln>
-            <a:noFill/>
-          </a:ln>
-        </p:spPr>
-        <p:style>
-          <a:lnRef idx="2">
-            <a:schemeClr val="accent1">
-              <a:shade val="50000"/>
-            </a:schemeClr>
-          </a:lnRef>
-          <a:fillRef idx="1">
-            <a:schemeClr val="accent1"/>
-          </a:fillRef>
-          <a:effectRef idx="0">
-            <a:schemeClr val="accent1"/>
-          </a:effectRef>
-          <a:fontRef idx="minor">
-            <a:schemeClr val="lt1"/>
-          </a:fontRef>
-        </p:style>
-        <p:txBody>
-          <a:bodyPr rtlCol="0" anchor="ctr"/>
-          <a:lstStyle/>
-          <a:p>
-            <a:pPr algn="ctr"/>
-            <a:endParaRPr lang="en-US"/>
-          </a:p>
-        </p:txBody>
-      </p:sp>
-      <p:sp>
-        <p:nvSpPr>
-          <p:cNvPr id="15" name="Rectangle 14">
-            <a:extLst>
-              <a:ext uri="{FF2B5EF4-FFF2-40B4-BE49-F238E27FC236}">
-                <a16:creationId xmlns:a16="http://schemas.microsoft.com/office/drawing/2014/main" id="{3F0BE7ED-7814-4273-B18A-F26CC0380380}"/>
-              </a:ext>
-              <a:ext uri="{C183D7F6-B498-43B3-948B-1728B52AA6E4}">
-                <adec:decorative xmlns:adec="http://schemas.microsoft.com/office/drawing/2017/decorative" val="1"/>
-              </a:ext>
-            </a:extLst>
-          </p:cNvPr>
-          <p:cNvSpPr>
-            <a:spLocks noGrp="1" noRot="1" noChangeAspect="1" noMove="1" noResize="1" noEditPoints="1" noAdjustHandles="1" noChangeArrowheads="1" noChangeShapeType="1" noTextEdit="1"/>
-          </p:cNvSpPr>
-          <p:nvPr>
-            <p:extLst>
-              <p:ext uri="{386F3935-93C4-4BCD-93E2-E3B085C9AB24}">
-                <p16:designElem xmlns:p16="http://schemas.microsoft.com/office/powerpoint/2015/main" val="1"/>
-              </p:ext>
-            </p:extLst>
-          </p:nvPr>
-        </p:nvSpPr>
-        <p:spPr>
-          <a:xfrm flipH="1">
-            <a:off x="-4" y="6408742"/>
-            <a:ext cx="8115300" cy="449258"/>
-          </a:xfrm>
-          <a:prstGeom prst="rect">
-            <a:avLst/>
-          </a:prstGeom>
-          <a:gradFill>
-            <a:gsLst>
-              <a:gs pos="28000">
-                <a:schemeClr val="accent1">
-                  <a:lumMod val="75000"/>
-                  <a:alpha val="59000"/>
-                </a:schemeClr>
-              </a:gs>
-              <a:gs pos="100000">
-                <a:srgbClr val="000000">
-                  <a:alpha val="70000"/>
-                </a:srgbClr>
-              </a:gs>
-            </a:gsLst>
-            <a:lin ang="11400000" scaled="0"/>
-          </a:gradFill>
-          <a:ln>
-            <a:noFill/>
-          </a:ln>
-        </p:spPr>
-        <p:style>
-          <a:lnRef idx="2">
-            <a:schemeClr val="accent1">
-              <a:shade val="50000"/>
-            </a:schemeClr>
-          </a:lnRef>
-          <a:fillRef idx="1">
-            <a:schemeClr val="accent1"/>
-          </a:fillRef>
-          <a:effectRef idx="0">
-            <a:schemeClr val="accent1"/>
-          </a:effectRef>
-          <a:fontRef idx="minor">
-            <a:schemeClr val="lt1"/>
-          </a:fontRef>
-        </p:style>
-        <p:txBody>
-          <a:bodyPr rtlCol="0" anchor="ctr"/>
-          <a:lstStyle/>
-          <a:p>
-            <a:pPr algn="ctr"/>
-            <a:endParaRPr lang="en-US"/>
-          </a:p>
-        </p:txBody>
-      </p:sp>
-    </p:spTree>
-    <p:extLst>
-      <p:ext uri="{BB962C8B-B14F-4D97-AF65-F5344CB8AC3E}">
-        <p14:creationId xmlns:p14="http://schemas.microsoft.com/office/powerpoint/2010/main" val="4178298851"/>
-      </p:ext>
-    </p:extLst>
-  </p:cSld>
-  <p:clrMapOvr>
-    <a:masterClrMapping/>
-  </p:clrMapOvr>
-</p:sld>
-</file>
-
-<file path=ppt/slides/slide18.xml><?xml version="1.0" encoding="utf-8"?>
-<p:sld xmlns:a="http://schemas.openxmlformats.org/drawingml/2006/main" xmlns:r="http://schemas.openxmlformats.org/officeDocument/2006/relationships" xmlns:p="http://schemas.openxmlformats.org/presentationml/2006/main">
-  <p:cSld>
-    <p:bg>
-      <p:bgPr>
-        <a:solidFill>
-          <a:schemeClr val="bg1"/>
-        </a:solidFill>
-        <a:effectLst/>
-      </p:bgPr>
-    </p:bg>
-    <p:spTree>
-      <p:nvGrpSpPr>
-        <p:cNvPr id="1" name=""/>
-        <p:cNvGrpSpPr/>
-        <p:nvPr/>
-      </p:nvGrpSpPr>
-      <p:grpSpPr>
-        <a:xfrm>
-          <a:off x="0" y="0"/>
-          <a:ext cx="0" cy="0"/>
-          <a:chOff x="0" y="0"/>
-          <a:chExt cx="0" cy="0"/>
-        </a:xfrm>
-      </p:grpSpPr>
-      <p:sp useBgFill="1">
-        <p:nvSpPr>
-          <p:cNvPr id="8" name="Rectangle 7">
-            <a:extLst>
-              <a:ext uri="{FF2B5EF4-FFF2-40B4-BE49-F238E27FC236}">
-                <a16:creationId xmlns:a16="http://schemas.microsoft.com/office/drawing/2014/main" id="{DEE2AD96-B495-4E06-9291-B71706F728CB}"/>
+                <a16:creationId xmlns:a16="http://schemas.microsoft.com/office/drawing/2014/main" id="{1B15ED52-F352-441B-82BF-E0EA34836D08}"/>
               </a:ext>
               <a:ext uri="{C183D7F6-B498-43B3-948B-1728B52AA6E4}">
                 <adec:decorative xmlns:adec="http://schemas.microsoft.com/office/drawing/2017/decorative" val="1"/>
@@ -16925,7 +16093,1363 @@
       </p:sp>
       <p:sp>
         <p:nvSpPr>
+          <p:cNvPr id="42" name="Rectangle 41">
+            <a:extLst>
+              <a:ext uri="{FF2B5EF4-FFF2-40B4-BE49-F238E27FC236}">
+                <a16:creationId xmlns:a16="http://schemas.microsoft.com/office/drawing/2014/main" id="{3B2E3793-BFE6-45A2-9B7B-E18844431C99}"/>
+              </a:ext>
+              <a:ext uri="{C183D7F6-B498-43B3-948B-1728B52AA6E4}">
+                <adec:decorative xmlns:adec="http://schemas.microsoft.com/office/drawing/2017/decorative" val="1"/>
+              </a:ext>
+            </a:extLst>
+          </p:cNvPr>
+          <p:cNvSpPr>
+            <a:spLocks noGrp="1" noRot="1" noChangeAspect="1" noMove="1" noResize="1" noEditPoints="1" noAdjustHandles="1" noChangeArrowheads="1" noChangeShapeType="1" noTextEdit="1"/>
+          </p:cNvSpPr>
+          <p:nvPr>
+            <p:extLst>
+              <p:ext uri="{386F3935-93C4-4BCD-93E2-E3B085C9AB24}">
+                <p16:designElem xmlns:p16="http://schemas.microsoft.com/office/powerpoint/2015/main" val="1"/>
+              </p:ext>
+            </p:extLst>
+          </p:nvPr>
+        </p:nvSpPr>
+        <p:spPr>
+          <a:xfrm flipH="1">
+            <a:off x="-1" y="-1"/>
+            <a:ext cx="12191998" cy="1590742"/>
+          </a:xfrm>
+          <a:prstGeom prst="rect">
+            <a:avLst/>
+          </a:prstGeom>
+          <a:gradFill>
+            <a:gsLst>
+              <a:gs pos="0">
+                <a:srgbClr val="000000"/>
+              </a:gs>
+              <a:gs pos="100000">
+                <a:schemeClr val="accent1">
+                  <a:lumMod val="75000"/>
+                </a:schemeClr>
+              </a:gs>
+            </a:gsLst>
+            <a:lin ang="8400000" scaled="0"/>
+          </a:gradFill>
+          <a:ln>
+            <a:noFill/>
+          </a:ln>
+        </p:spPr>
+        <p:style>
+          <a:lnRef idx="2">
+            <a:schemeClr val="accent1">
+              <a:shade val="50000"/>
+            </a:schemeClr>
+          </a:lnRef>
+          <a:fillRef idx="1">
+            <a:schemeClr val="accent1"/>
+          </a:fillRef>
+          <a:effectRef idx="0">
+            <a:schemeClr val="accent1"/>
+          </a:effectRef>
+          <a:fontRef idx="minor">
+            <a:schemeClr val="lt1"/>
+          </a:fontRef>
+        </p:style>
+        <p:txBody>
+          <a:bodyPr rtlCol="0" anchor="ctr"/>
+          <a:lstStyle/>
+          <a:p>
+            <a:pPr algn="ctr"/>
+            <a:endParaRPr lang="en-US"/>
+          </a:p>
+        </p:txBody>
+      </p:sp>
+      <p:sp>
+        <p:nvSpPr>
+          <p:cNvPr id="44" name="Rectangle 43">
+            <a:extLst>
+              <a:ext uri="{FF2B5EF4-FFF2-40B4-BE49-F238E27FC236}">
+                <a16:creationId xmlns:a16="http://schemas.microsoft.com/office/drawing/2014/main" id="{BC4C4868-CB8F-4AF9-9CDB-8108F2C19B67}"/>
+              </a:ext>
+              <a:ext uri="{C183D7F6-B498-43B3-948B-1728B52AA6E4}">
+                <adec:decorative xmlns:adec="http://schemas.microsoft.com/office/drawing/2017/decorative" val="1"/>
+              </a:ext>
+            </a:extLst>
+          </p:cNvPr>
+          <p:cNvSpPr>
+            <a:spLocks noGrp="1" noRot="1" noChangeAspect="1" noMove="1" noResize="1" noEditPoints="1" noAdjustHandles="1" noChangeArrowheads="1" noChangeShapeType="1" noTextEdit="1"/>
+          </p:cNvSpPr>
+          <p:nvPr>
+            <p:extLst>
+              <p:ext uri="{386F3935-93C4-4BCD-93E2-E3B085C9AB24}">
+                <p16:designElem xmlns:p16="http://schemas.microsoft.com/office/powerpoint/2015/main" val="1"/>
+              </p:ext>
+            </p:extLst>
+          </p:nvPr>
+        </p:nvSpPr>
+        <p:spPr>
+          <a:xfrm rot="10800000" flipH="1">
+            <a:off x="-3" y="0"/>
+            <a:ext cx="8115306" cy="1590742"/>
+          </a:xfrm>
+          <a:prstGeom prst="rect">
+            <a:avLst/>
+          </a:prstGeom>
+          <a:gradFill>
+            <a:gsLst>
+              <a:gs pos="20000">
+                <a:schemeClr val="accent1">
+                  <a:alpha val="0"/>
+                </a:schemeClr>
+              </a:gs>
+              <a:gs pos="100000">
+                <a:schemeClr val="accent1">
+                  <a:lumMod val="50000"/>
+                  <a:alpha val="55000"/>
+                </a:schemeClr>
+              </a:gs>
+            </a:gsLst>
+            <a:lin ang="13800000" scaled="0"/>
+          </a:gradFill>
+          <a:ln>
+            <a:noFill/>
+          </a:ln>
+        </p:spPr>
+        <p:style>
+          <a:lnRef idx="2">
+            <a:schemeClr val="accent1">
+              <a:shade val="50000"/>
+            </a:schemeClr>
+          </a:lnRef>
+          <a:fillRef idx="1">
+            <a:schemeClr val="accent1"/>
+          </a:fillRef>
+          <a:effectRef idx="0">
+            <a:schemeClr val="accent1"/>
+          </a:effectRef>
+          <a:fontRef idx="minor">
+            <a:schemeClr val="lt1"/>
+          </a:fontRef>
+        </p:style>
+        <p:txBody>
+          <a:bodyPr rtlCol="0" anchor="ctr"/>
+          <a:lstStyle/>
+          <a:p>
+            <a:pPr algn="ctr"/>
+            <a:endParaRPr lang="en-US"/>
+          </a:p>
+        </p:txBody>
+      </p:sp>
+      <p:sp>
+        <p:nvSpPr>
+          <p:cNvPr id="46" name="Rectangle 45">
+            <a:extLst>
+              <a:ext uri="{FF2B5EF4-FFF2-40B4-BE49-F238E27FC236}">
+                <a16:creationId xmlns:a16="http://schemas.microsoft.com/office/drawing/2014/main" id="{375E0459-6403-40CD-989D-56A4407CA12E}"/>
+              </a:ext>
+              <a:ext uri="{C183D7F6-B498-43B3-948B-1728B52AA6E4}">
+                <adec:decorative xmlns:adec="http://schemas.microsoft.com/office/drawing/2017/decorative" val="1"/>
+              </a:ext>
+            </a:extLst>
+          </p:cNvPr>
+          <p:cNvSpPr>
+            <a:spLocks noGrp="1" noRot="1" noChangeAspect="1" noMove="1" noResize="1" noEditPoints="1" noAdjustHandles="1" noChangeArrowheads="1" noChangeShapeType="1" noTextEdit="1"/>
+          </p:cNvSpPr>
+          <p:nvPr>
+            <p:extLst>
+              <p:ext uri="{386F3935-93C4-4BCD-93E2-E3B085C9AB24}">
+                <p16:designElem xmlns:p16="http://schemas.microsoft.com/office/powerpoint/2015/main" val="1"/>
+              </p:ext>
+            </p:extLst>
+          </p:nvPr>
+        </p:nvSpPr>
+        <p:spPr>
+          <a:xfrm flipH="1">
+            <a:off x="8115299" y="-1"/>
+            <a:ext cx="4076698" cy="1590742"/>
+          </a:xfrm>
+          <a:prstGeom prst="rect">
+            <a:avLst/>
+          </a:prstGeom>
+          <a:gradFill>
+            <a:gsLst>
+              <a:gs pos="0">
+                <a:schemeClr val="accent1">
+                  <a:alpha val="66000"/>
+                </a:schemeClr>
+              </a:gs>
+              <a:gs pos="100000">
+                <a:srgbClr val="000000">
+                  <a:alpha val="30000"/>
+                </a:srgbClr>
+              </a:gs>
+            </a:gsLst>
+            <a:lin ang="13200000" scaled="0"/>
+          </a:gradFill>
+          <a:ln>
+            <a:noFill/>
+          </a:ln>
+        </p:spPr>
+        <p:style>
+          <a:lnRef idx="2">
+            <a:schemeClr val="accent1">
+              <a:shade val="50000"/>
+            </a:schemeClr>
+          </a:lnRef>
+          <a:fillRef idx="1">
+            <a:schemeClr val="accent1"/>
+          </a:fillRef>
+          <a:effectRef idx="0">
+            <a:schemeClr val="accent1"/>
+          </a:effectRef>
+          <a:fontRef idx="minor">
+            <a:schemeClr val="lt1"/>
+          </a:fontRef>
+        </p:style>
+        <p:txBody>
+          <a:bodyPr rtlCol="0" anchor="ctr"/>
+          <a:lstStyle/>
+          <a:p>
+            <a:pPr algn="ctr"/>
+            <a:endParaRPr lang="en-US"/>
+          </a:p>
+        </p:txBody>
+      </p:sp>
+      <p:sp>
+        <p:nvSpPr>
+          <p:cNvPr id="48" name="Rectangle 47">
+            <a:extLst>
+              <a:ext uri="{FF2B5EF4-FFF2-40B4-BE49-F238E27FC236}">
+                <a16:creationId xmlns:a16="http://schemas.microsoft.com/office/drawing/2014/main" id="{53E5B1A8-3AC9-4BD1-9BBC-78CA94F2D1BA}"/>
+              </a:ext>
+              <a:ext uri="{C183D7F6-B498-43B3-948B-1728B52AA6E4}">
+                <adec:decorative xmlns:adec="http://schemas.microsoft.com/office/drawing/2017/decorative" val="1"/>
+              </a:ext>
+            </a:extLst>
+          </p:cNvPr>
+          <p:cNvSpPr>
+            <a:spLocks noGrp="1" noRot="1" noChangeAspect="1" noMove="1" noResize="1" noEditPoints="1" noAdjustHandles="1" noChangeArrowheads="1" noChangeShapeType="1" noTextEdit="1"/>
+          </p:cNvSpPr>
+          <p:nvPr>
+            <p:extLst>
+              <p:ext uri="{386F3935-93C4-4BCD-93E2-E3B085C9AB24}">
+                <p16:designElem xmlns:p16="http://schemas.microsoft.com/office/powerpoint/2015/main" val="1"/>
+              </p:ext>
+            </p:extLst>
+          </p:nvPr>
+        </p:nvSpPr>
+        <p:spPr>
+          <a:xfrm>
+            <a:off x="459350" y="-1"/>
+            <a:ext cx="11732646" cy="1597433"/>
+          </a:xfrm>
+          <a:prstGeom prst="rect">
+            <a:avLst/>
+          </a:prstGeom>
+          <a:gradFill>
+            <a:gsLst>
+              <a:gs pos="50000">
+                <a:srgbClr val="000000">
+                  <a:alpha val="0"/>
+                </a:srgbClr>
+              </a:gs>
+              <a:gs pos="99000">
+                <a:schemeClr val="accent1">
+                  <a:lumMod val="50000"/>
+                  <a:alpha val="52000"/>
+                </a:schemeClr>
+              </a:gs>
+            </a:gsLst>
+            <a:lin ang="16800000" scaled="0"/>
+          </a:gradFill>
+          <a:ln>
+            <a:noFill/>
+          </a:ln>
+        </p:spPr>
+        <p:style>
+          <a:lnRef idx="2">
+            <a:schemeClr val="accent1">
+              <a:shade val="50000"/>
+            </a:schemeClr>
+          </a:lnRef>
+          <a:fillRef idx="1">
+            <a:schemeClr val="accent1"/>
+          </a:fillRef>
+          <a:effectRef idx="0">
+            <a:schemeClr val="accent1"/>
+          </a:effectRef>
+          <a:fontRef idx="minor">
+            <a:schemeClr val="lt1"/>
+          </a:fontRef>
+        </p:style>
+        <p:txBody>
+          <a:bodyPr rtlCol="0" anchor="ctr"/>
+          <a:lstStyle/>
+          <a:p>
+            <a:pPr algn="ctr"/>
+            <a:endParaRPr lang="en-US"/>
+          </a:p>
+        </p:txBody>
+      </p:sp>
+      <p:sp>
+        <p:nvSpPr>
+          <p:cNvPr id="2" name="Title 1">
+            <a:extLst>
+              <a:ext uri="{FF2B5EF4-FFF2-40B4-BE49-F238E27FC236}">
+                <a16:creationId xmlns:a16="http://schemas.microsoft.com/office/drawing/2014/main" id="{8797AAB2-D56F-E810-20FD-32189476C26E}"/>
+              </a:ext>
+            </a:extLst>
+          </p:cNvPr>
+          <p:cNvSpPr>
+            <a:spLocks noGrp="1"/>
+          </p:cNvSpPr>
+          <p:nvPr>
+            <p:ph type="title"/>
+          </p:nvPr>
+        </p:nvSpPr>
+        <p:spPr>
+          <a:xfrm>
+            <a:off x="1371599" y="294538"/>
+            <a:ext cx="9895951" cy="1033669"/>
+          </a:xfrm>
+        </p:spPr>
+        <p:txBody>
+          <a:bodyPr>
+            <a:normAutofit/>
+          </a:bodyPr>
+          <a:lstStyle/>
+          <a:p>
+            <a:r>
+              <a:rPr lang="en-US" sz="4000">
+                <a:solidFill>
+                  <a:srgbClr val="FFFFFF"/>
+                </a:solidFill>
+              </a:rPr>
+              <a:t>Referencing APA7</a:t>
+            </a:r>
+            <a:endParaRPr lang="en-NZ" sz="4000">
+              <a:solidFill>
+                <a:srgbClr val="FFFFFF"/>
+              </a:solidFill>
+            </a:endParaRPr>
+          </a:p>
+        </p:txBody>
+      </p:sp>
+      <p:sp>
+        <p:nvSpPr>
+          <p:cNvPr id="3" name="Content Placeholder 2">
+            <a:extLst>
+              <a:ext uri="{FF2B5EF4-FFF2-40B4-BE49-F238E27FC236}">
+                <a16:creationId xmlns:a16="http://schemas.microsoft.com/office/drawing/2014/main" id="{584B089A-0B1B-CD94-E28E-8DCF32B7A1C3}"/>
+              </a:ext>
+            </a:extLst>
+          </p:cNvPr>
+          <p:cNvSpPr>
+            <a:spLocks noGrp="1"/>
+          </p:cNvSpPr>
+          <p:nvPr>
+            <p:ph idx="1"/>
+          </p:nvPr>
+        </p:nvSpPr>
+        <p:spPr>
+          <a:xfrm>
+            <a:off x="1371599" y="2318197"/>
+            <a:ext cx="9724031" cy="3683358"/>
+          </a:xfrm>
+        </p:spPr>
+        <p:txBody>
+          <a:bodyPr anchor="ctr">
+            <a:normAutofit/>
+          </a:bodyPr>
+          <a:lstStyle/>
+          <a:p>
+            <a:pPr marL="0" indent="0">
+              <a:buNone/>
+            </a:pPr>
+            <a:r>
+              <a:rPr lang="en-US" sz="2000" dirty="0"/>
+              <a:t>In-text Referencing - Quotes</a:t>
+            </a:r>
+            <a:endParaRPr lang="en-NZ" sz="2000" dirty="0"/>
+          </a:p>
+        </p:txBody>
+      </p:sp>
+      <p:pic>
+        <p:nvPicPr>
+          <p:cNvPr id="4" name="Content Placeholder 4">
+            <a:extLst>
+              <a:ext uri="{FF2B5EF4-FFF2-40B4-BE49-F238E27FC236}">
+                <a16:creationId xmlns:a16="http://schemas.microsoft.com/office/drawing/2014/main" id="{AF51E622-D829-7159-2699-AB64BA8B1561}"/>
+              </a:ext>
+            </a:extLst>
+          </p:cNvPr>
+          <p:cNvPicPr>
+            <a:picLocks noChangeAspect="1"/>
+          </p:cNvPicPr>
+          <p:nvPr/>
+        </p:nvPicPr>
+        <p:blipFill>
+          <a:blip r:embed="rId2"/>
+          <a:stretch>
+            <a:fillRect/>
+          </a:stretch>
+        </p:blipFill>
+        <p:spPr>
+          <a:xfrm>
+            <a:off x="526110" y="1713113"/>
+            <a:ext cx="11139778" cy="2979889"/>
+          </a:xfrm>
+          <a:prstGeom prst="rect">
+            <a:avLst/>
+          </a:prstGeom>
+        </p:spPr>
+      </p:pic>
+      <p:sp>
+        <p:nvSpPr>
+          <p:cNvPr id="5" name="TextBox 4">
+            <a:extLst>
+              <a:ext uri="{FF2B5EF4-FFF2-40B4-BE49-F238E27FC236}">
+                <a16:creationId xmlns:a16="http://schemas.microsoft.com/office/drawing/2014/main" id="{4150F4BA-22F8-2A8B-B8A3-89EE1F1AD283}"/>
+              </a:ext>
+            </a:extLst>
+          </p:cNvPr>
+          <p:cNvSpPr txBox="1"/>
+          <p:nvPr/>
+        </p:nvSpPr>
+        <p:spPr>
+          <a:xfrm>
+            <a:off x="10737253" y="6488668"/>
+            <a:ext cx="1454747" cy="369332"/>
+          </a:xfrm>
+          <a:prstGeom prst="rect">
+            <a:avLst/>
+          </a:prstGeom>
+          <a:noFill/>
+        </p:spPr>
+        <p:txBody>
+          <a:bodyPr wrap="square" rtlCol="0">
+            <a:spAutoFit/>
+          </a:bodyPr>
+          <a:lstStyle/>
+          <a:p>
+            <a:r>
+              <a:rPr lang="en-US" dirty="0"/>
+              <a:t>(Flores, 2023)</a:t>
+            </a:r>
+            <a:endParaRPr lang="en-NZ" dirty="0"/>
+          </a:p>
+        </p:txBody>
+      </p:sp>
+    </p:spTree>
+    <p:extLst>
+      <p:ext uri="{BB962C8B-B14F-4D97-AF65-F5344CB8AC3E}">
+        <p14:creationId xmlns:p14="http://schemas.microsoft.com/office/powerpoint/2010/main" val="2272177310"/>
+      </p:ext>
+    </p:extLst>
+  </p:cSld>
+  <p:clrMapOvr>
+    <a:masterClrMapping/>
+  </p:clrMapOvr>
+</p:sld>
+</file>
+
+<file path=ppt/slides/slide18.xml><?xml version="1.0" encoding="utf-8"?>
+<p:sld xmlns:a="http://schemas.openxmlformats.org/drawingml/2006/main" xmlns:r="http://schemas.openxmlformats.org/officeDocument/2006/relationships" xmlns:p="http://schemas.openxmlformats.org/presentationml/2006/main">
+  <p:cSld>
+    <p:bg>
+      <p:bgPr>
+        <a:solidFill>
+          <a:schemeClr val="bg1"/>
+        </a:solidFill>
+        <a:effectLst/>
+      </p:bgPr>
+    </p:bg>
+    <p:spTree>
+      <p:nvGrpSpPr>
+        <p:cNvPr id="1" name=""/>
+        <p:cNvGrpSpPr/>
+        <p:nvPr/>
+      </p:nvGrpSpPr>
+      <p:grpSpPr>
+        <a:xfrm>
+          <a:off x="0" y="0"/>
+          <a:ext cx="0" cy="0"/>
+          <a:chOff x="0" y="0"/>
+          <a:chExt cx="0" cy="0"/>
+        </a:xfrm>
+      </p:grpSpPr>
+      <p:sp useBgFill="1">
+        <p:nvSpPr>
+          <p:cNvPr id="8" name="Rectangle 7">
+            <a:extLst>
+              <a:ext uri="{FF2B5EF4-FFF2-40B4-BE49-F238E27FC236}">
+                <a16:creationId xmlns:a16="http://schemas.microsoft.com/office/drawing/2014/main" id="{09588DA8-065E-4F6F-8EFD-43104AB2E0CF}"/>
+              </a:ext>
+              <a:ext uri="{C183D7F6-B498-43B3-948B-1728B52AA6E4}">
+                <adec:decorative xmlns:adec="http://schemas.microsoft.com/office/drawing/2017/decorative" val="1"/>
+              </a:ext>
+            </a:extLst>
+          </p:cNvPr>
+          <p:cNvSpPr>
+            <a:spLocks noGrp="1" noRot="1" noChangeAspect="1" noMove="1" noResize="1" noEditPoints="1" noAdjustHandles="1" noChangeArrowheads="1" noChangeShapeType="1" noTextEdit="1"/>
+          </p:cNvSpPr>
+          <p:nvPr>
+            <p:extLst>
+              <p:ext uri="{386F3935-93C4-4BCD-93E2-E3B085C9AB24}">
+                <p16:designElem xmlns:p16="http://schemas.microsoft.com/office/powerpoint/2015/main" val="1"/>
+              </p:ext>
+            </p:extLst>
+          </p:nvPr>
+        </p:nvSpPr>
+        <p:spPr>
+          <a:xfrm>
+            <a:off x="0" y="0"/>
+            <a:ext cx="12192000" cy="6858000"/>
+          </a:xfrm>
+          <a:prstGeom prst="rect">
+            <a:avLst/>
+          </a:prstGeom>
+          <a:ln w="12700" cap="flat" cmpd="sng" algn="ctr">
+            <a:noFill/>
+            <a:prstDash val="solid"/>
+            <a:miter lim="800000"/>
+          </a:ln>
+          <a:effectLst/>
+          <a:extLst>
+            <a:ext uri="{91240B29-F687-4F45-9708-019B960494DF}">
+              <a14:hiddenLine xmlns:a14="http://schemas.microsoft.com/office/drawing/2010/main" w="12700" cap="flat" cmpd="sng" algn="ctr">
+                <a:solidFill>
+                  <a:schemeClr val="accent1">
+                    <a:shade val="50000"/>
+                  </a:schemeClr>
+                </a:solidFill>
+                <a:prstDash val="solid"/>
+                <a:miter lim="800000"/>
+              </a14:hiddenLine>
+            </a:ext>
+          </a:extLst>
+        </p:spPr>
+        <p:style>
+          <a:lnRef idx="2">
+            <a:schemeClr val="accent1">
+              <a:shade val="50000"/>
+            </a:schemeClr>
+          </a:lnRef>
+          <a:fillRef idx="1">
+            <a:schemeClr val="accent1"/>
+          </a:fillRef>
+          <a:effectRef idx="0">
+            <a:schemeClr val="accent1"/>
+          </a:effectRef>
+          <a:fontRef idx="minor">
+            <a:schemeClr val="lt1"/>
+          </a:fontRef>
+        </p:style>
+        <p:txBody>
+          <a:bodyPr rtlCol="0" anchor="ctr"/>
+          <a:lstStyle/>
+          <a:p>
+            <a:pPr algn="ctr"/>
+            <a:endParaRPr lang="en-US"/>
+          </a:p>
+        </p:txBody>
+      </p:sp>
+      <p:sp useBgFill="1">
+        <p:nvSpPr>
           <p:cNvPr id="10" name="Rectangle 9">
+            <a:extLst>
+              <a:ext uri="{FF2B5EF4-FFF2-40B4-BE49-F238E27FC236}">
+                <a16:creationId xmlns:a16="http://schemas.microsoft.com/office/drawing/2014/main" id="{C4285719-470E-454C-AF62-8323075F1F5B}"/>
+              </a:ext>
+              <a:ext uri="{C183D7F6-B498-43B3-948B-1728B52AA6E4}">
+                <adec:decorative xmlns:adec="http://schemas.microsoft.com/office/drawing/2017/decorative" val="1"/>
+              </a:ext>
+            </a:extLst>
+          </p:cNvPr>
+          <p:cNvSpPr>
+            <a:spLocks noGrp="1" noRot="1" noChangeAspect="1" noMove="1" noResize="1" noEditPoints="1" noAdjustHandles="1" noChangeArrowheads="1" noChangeShapeType="1" noTextEdit="1"/>
+          </p:cNvSpPr>
+          <p:nvPr>
+            <p:extLst>
+              <p:ext uri="{386F3935-93C4-4BCD-93E2-E3B085C9AB24}">
+                <p16:designElem xmlns:p16="http://schemas.microsoft.com/office/powerpoint/2015/main" val="1"/>
+              </p:ext>
+            </p:extLst>
+          </p:nvPr>
+        </p:nvSpPr>
+        <p:spPr>
+          <a:xfrm>
+            <a:off x="0" y="0"/>
+            <a:ext cx="12188952" cy="6858000"/>
+          </a:xfrm>
+          <a:prstGeom prst="rect">
+            <a:avLst/>
+          </a:prstGeom>
+          <a:ln w="12700" cap="flat" cmpd="sng" algn="ctr">
+            <a:noFill/>
+            <a:prstDash val="solid"/>
+            <a:miter lim="800000"/>
+          </a:ln>
+          <a:effectLst/>
+          <a:extLst>
+            <a:ext uri="{91240B29-F687-4F45-9708-019B960494DF}">
+              <a14:hiddenLine xmlns:a14="http://schemas.microsoft.com/office/drawing/2010/main" w="12700" cap="flat" cmpd="sng" algn="ctr">
+                <a:solidFill>
+                  <a:schemeClr val="accent1">
+                    <a:shade val="50000"/>
+                  </a:schemeClr>
+                </a:solidFill>
+                <a:prstDash val="solid"/>
+                <a:miter lim="800000"/>
+              </a14:hiddenLine>
+            </a:ext>
+          </a:extLst>
+        </p:spPr>
+        <p:style>
+          <a:lnRef idx="2">
+            <a:schemeClr val="accent1">
+              <a:shade val="50000"/>
+            </a:schemeClr>
+          </a:lnRef>
+          <a:fillRef idx="1">
+            <a:schemeClr val="accent1"/>
+          </a:fillRef>
+          <a:effectRef idx="0">
+            <a:schemeClr val="accent1"/>
+          </a:effectRef>
+          <a:fontRef idx="minor">
+            <a:schemeClr val="lt1"/>
+          </a:fontRef>
+        </p:style>
+        <p:txBody>
+          <a:bodyPr rtlCol="0" anchor="ctr"/>
+          <a:lstStyle/>
+          <a:p>
+            <a:pPr algn="ctr"/>
+            <a:endParaRPr lang="en-US"/>
+          </a:p>
+        </p:txBody>
+      </p:sp>
+      <p:sp>
+        <p:nvSpPr>
+          <p:cNvPr id="12" name="Rectangle 11">
+            <a:extLst>
+              <a:ext uri="{FF2B5EF4-FFF2-40B4-BE49-F238E27FC236}">
+                <a16:creationId xmlns:a16="http://schemas.microsoft.com/office/drawing/2014/main" id="{CD9FE4EF-C4D8-49A0-B2FF-81D8DB7D8A24}"/>
+              </a:ext>
+              <a:ext uri="{C183D7F6-B498-43B3-948B-1728B52AA6E4}">
+                <adec:decorative xmlns:adec="http://schemas.microsoft.com/office/drawing/2017/decorative" val="1"/>
+              </a:ext>
+            </a:extLst>
+          </p:cNvPr>
+          <p:cNvSpPr>
+            <a:spLocks noGrp="1" noRot="1" noChangeAspect="1" noMove="1" noResize="1" noEditPoints="1" noAdjustHandles="1" noChangeArrowheads="1" noChangeShapeType="1" noTextEdit="1"/>
+          </p:cNvSpPr>
+          <p:nvPr>
+            <p:extLst>
+              <p:ext uri="{386F3935-93C4-4BCD-93E2-E3B085C9AB24}">
+                <p16:designElem xmlns:p16="http://schemas.microsoft.com/office/powerpoint/2015/main" val="1"/>
+              </p:ext>
+            </p:extLst>
+          </p:nvPr>
+        </p:nvSpPr>
+        <p:spPr>
+          <a:xfrm rot="5400000" flipH="1">
+            <a:off x="-1410084" y="1410082"/>
+            <a:ext cx="6858000" cy="4037836"/>
+          </a:xfrm>
+          <a:prstGeom prst="rect">
+            <a:avLst/>
+          </a:prstGeom>
+          <a:gradFill>
+            <a:gsLst>
+              <a:gs pos="8000">
+                <a:srgbClr val="000000"/>
+              </a:gs>
+              <a:gs pos="100000">
+                <a:schemeClr val="accent1">
+                  <a:lumMod val="75000"/>
+                </a:schemeClr>
+              </a:gs>
+            </a:gsLst>
+            <a:lin ang="3000000" scaled="0"/>
+          </a:gradFill>
+          <a:ln>
+            <a:noFill/>
+          </a:ln>
+        </p:spPr>
+        <p:style>
+          <a:lnRef idx="2">
+            <a:schemeClr val="accent1">
+              <a:shade val="50000"/>
+            </a:schemeClr>
+          </a:lnRef>
+          <a:fillRef idx="1">
+            <a:schemeClr val="accent1"/>
+          </a:fillRef>
+          <a:effectRef idx="0">
+            <a:schemeClr val="accent1"/>
+          </a:effectRef>
+          <a:fontRef idx="minor">
+            <a:schemeClr val="lt1"/>
+          </a:fontRef>
+        </p:style>
+        <p:txBody>
+          <a:bodyPr rtlCol="0" anchor="ctr"/>
+          <a:lstStyle/>
+          <a:p>
+            <a:pPr algn="ctr"/>
+            <a:endParaRPr lang="en-US"/>
+          </a:p>
+        </p:txBody>
+      </p:sp>
+      <p:sp>
+        <p:nvSpPr>
+          <p:cNvPr id="14" name="Rectangle 13">
+            <a:extLst>
+              <a:ext uri="{FF2B5EF4-FFF2-40B4-BE49-F238E27FC236}">
+                <a16:creationId xmlns:a16="http://schemas.microsoft.com/office/drawing/2014/main" id="{4300840D-0A0B-4512-BACA-B439D5B9C57C}"/>
+              </a:ext>
+              <a:ext uri="{C183D7F6-B498-43B3-948B-1728B52AA6E4}">
+                <adec:decorative xmlns:adec="http://schemas.microsoft.com/office/drawing/2017/decorative" val="1"/>
+              </a:ext>
+            </a:extLst>
+          </p:cNvPr>
+          <p:cNvSpPr>
+            <a:spLocks noGrp="1" noRot="1" noChangeAspect="1" noMove="1" noResize="1" noEditPoints="1" noAdjustHandles="1" noChangeArrowheads="1" noChangeShapeType="1" noTextEdit="1"/>
+          </p:cNvSpPr>
+          <p:nvPr>
+            <p:extLst>
+              <p:ext uri="{386F3935-93C4-4BCD-93E2-E3B085C9AB24}">
+                <p16:designElem xmlns:p16="http://schemas.microsoft.com/office/powerpoint/2015/main" val="1"/>
+              </p:ext>
+            </p:extLst>
+          </p:nvPr>
+        </p:nvSpPr>
+        <p:spPr>
+          <a:xfrm rot="5400000" flipH="1">
+            <a:off x="-1410085" y="1420219"/>
+            <a:ext cx="6857999" cy="4037839"/>
+          </a:xfrm>
+          <a:prstGeom prst="rect">
+            <a:avLst/>
+          </a:prstGeom>
+          <a:gradFill>
+            <a:gsLst>
+              <a:gs pos="0">
+                <a:srgbClr val="000000">
+                  <a:alpha val="0"/>
+                </a:srgbClr>
+              </a:gs>
+              <a:gs pos="99000">
+                <a:schemeClr val="accent1">
+                  <a:alpha val="46000"/>
+                </a:schemeClr>
+              </a:gs>
+            </a:gsLst>
+            <a:lin ang="1800000" scaled="0"/>
+          </a:gradFill>
+          <a:ln>
+            <a:noFill/>
+          </a:ln>
+        </p:spPr>
+        <p:style>
+          <a:lnRef idx="2">
+            <a:schemeClr val="accent1">
+              <a:shade val="50000"/>
+            </a:schemeClr>
+          </a:lnRef>
+          <a:fillRef idx="1">
+            <a:schemeClr val="accent1"/>
+          </a:fillRef>
+          <a:effectRef idx="0">
+            <a:schemeClr val="accent1"/>
+          </a:effectRef>
+          <a:fontRef idx="minor">
+            <a:schemeClr val="lt1"/>
+          </a:fontRef>
+        </p:style>
+        <p:txBody>
+          <a:bodyPr rtlCol="0" anchor="ctr"/>
+          <a:lstStyle/>
+          <a:p>
+            <a:pPr algn="ctr"/>
+            <a:endParaRPr lang="en-US"/>
+          </a:p>
+        </p:txBody>
+      </p:sp>
+      <p:sp>
+        <p:nvSpPr>
+          <p:cNvPr id="16" name="Rectangle 15">
+            <a:extLst>
+              <a:ext uri="{FF2B5EF4-FFF2-40B4-BE49-F238E27FC236}">
+                <a16:creationId xmlns:a16="http://schemas.microsoft.com/office/drawing/2014/main" id="{D2B78728-A580-49A7-84F9-6EF6F583ADE0}"/>
+              </a:ext>
+              <a:ext uri="{C183D7F6-B498-43B3-948B-1728B52AA6E4}">
+                <adec:decorative xmlns:adec="http://schemas.microsoft.com/office/drawing/2017/decorative" val="1"/>
+              </a:ext>
+            </a:extLst>
+          </p:cNvPr>
+          <p:cNvSpPr>
+            <a:spLocks noGrp="1" noRot="1" noChangeAspect="1" noMove="1" noResize="1" noEditPoints="1" noAdjustHandles="1" noChangeArrowheads="1" noChangeShapeType="1" noTextEdit="1"/>
+          </p:cNvSpPr>
+          <p:nvPr>
+            <p:extLst>
+              <p:ext uri="{386F3935-93C4-4BCD-93E2-E3B085C9AB24}">
+                <p16:designElem xmlns:p16="http://schemas.microsoft.com/office/powerpoint/2015/main" val="1"/>
+              </p:ext>
+            </p:extLst>
+          </p:nvPr>
+        </p:nvSpPr>
+        <p:spPr>
+          <a:xfrm rot="5400000" flipH="1">
+            <a:off x="767923" y="3588085"/>
+            <a:ext cx="2501979" cy="4037841"/>
+          </a:xfrm>
+          <a:prstGeom prst="rect">
+            <a:avLst/>
+          </a:prstGeom>
+          <a:gradFill>
+            <a:gsLst>
+              <a:gs pos="2000">
+                <a:schemeClr val="accent1">
+                  <a:alpha val="29000"/>
+                </a:schemeClr>
+              </a:gs>
+              <a:gs pos="100000">
+                <a:srgbClr val="000000">
+                  <a:alpha val="30000"/>
+                </a:srgbClr>
+              </a:gs>
+            </a:gsLst>
+            <a:lin ang="7800000" scaled="0"/>
+          </a:gradFill>
+          <a:ln>
+            <a:noFill/>
+          </a:ln>
+        </p:spPr>
+        <p:style>
+          <a:lnRef idx="2">
+            <a:schemeClr val="accent1">
+              <a:shade val="50000"/>
+            </a:schemeClr>
+          </a:lnRef>
+          <a:fillRef idx="1">
+            <a:schemeClr val="accent1"/>
+          </a:fillRef>
+          <a:effectRef idx="0">
+            <a:schemeClr val="accent1"/>
+          </a:effectRef>
+          <a:fontRef idx="minor">
+            <a:schemeClr val="lt1"/>
+          </a:fontRef>
+        </p:style>
+        <p:txBody>
+          <a:bodyPr rtlCol="0" anchor="ctr"/>
+          <a:lstStyle/>
+          <a:p>
+            <a:pPr algn="ctr"/>
+            <a:endParaRPr lang="en-US" dirty="0"/>
+          </a:p>
+        </p:txBody>
+      </p:sp>
+      <p:sp>
+        <p:nvSpPr>
+          <p:cNvPr id="18" name="Freeform: Shape 17">
+            <a:extLst>
+              <a:ext uri="{FF2B5EF4-FFF2-40B4-BE49-F238E27FC236}">
+                <a16:creationId xmlns:a16="http://schemas.microsoft.com/office/drawing/2014/main" id="{38FAA1A1-D861-433F-88FA-1E9D6FD31D11}"/>
+              </a:ext>
+              <a:ext uri="{C183D7F6-B498-43B3-948B-1728B52AA6E4}">
+                <adec:decorative xmlns:adec="http://schemas.microsoft.com/office/drawing/2017/decorative" val="1"/>
+              </a:ext>
+            </a:extLst>
+          </p:cNvPr>
+          <p:cNvSpPr>
+            <a:spLocks noGrp="1" noRot="1" noChangeAspect="1" noMove="1" noResize="1" noEditPoints="1" noAdjustHandles="1" noChangeArrowheads="1" noChangeShapeType="1" noTextEdit="1"/>
+          </p:cNvSpPr>
+          <p:nvPr>
+            <p:extLst>
+              <p:ext uri="{386F3935-93C4-4BCD-93E2-E3B085C9AB24}">
+                <p16:designElem xmlns:p16="http://schemas.microsoft.com/office/powerpoint/2015/main" val="1"/>
+              </p:ext>
+            </p:extLst>
+          </p:nvPr>
+        </p:nvSpPr>
+        <p:spPr>
+          <a:xfrm rot="20635413">
+            <a:off x="-501737" y="969718"/>
+            <a:ext cx="3900357" cy="4178958"/>
+          </a:xfrm>
+          <a:custGeom>
+            <a:avLst/>
+            <a:gdLst>
+              <a:gd name="connsiteX0" fmla="*/ 2432225 w 3900357"/>
+              <a:gd name="connsiteY0" fmla="*/ 93939 h 4178958"/>
+              <a:gd name="connsiteX1" fmla="*/ 3900357 w 3900357"/>
+              <a:gd name="connsiteY1" fmla="*/ 2089479 h 4178958"/>
+              <a:gd name="connsiteX2" fmla="*/ 1810878 w 3900357"/>
+              <a:gd name="connsiteY2" fmla="*/ 4178958 h 4178958"/>
+              <a:gd name="connsiteX3" fmla="*/ 78249 w 3900357"/>
+              <a:gd name="connsiteY3" fmla="*/ 3257727 h 4178958"/>
+              <a:gd name="connsiteX4" fmla="*/ 0 w 3900357"/>
+              <a:gd name="connsiteY4" fmla="*/ 3128923 h 4178958"/>
+              <a:gd name="connsiteX5" fmla="*/ 831324 w 3900357"/>
+              <a:gd name="connsiteY5" fmla="*/ 244281 h 4178958"/>
+              <a:gd name="connsiteX6" fmla="*/ 997559 w 3900357"/>
+              <a:gd name="connsiteY6" fmla="*/ 164202 h 4178958"/>
+              <a:gd name="connsiteX7" fmla="*/ 1810878 w 3900357"/>
+              <a:gd name="connsiteY7" fmla="*/ 0 h 4178958"/>
+              <a:gd name="connsiteX8" fmla="*/ 2432225 w 3900357"/>
+              <a:gd name="connsiteY8" fmla="*/ 93939 h 4178958"/>
+            </a:gdLst>
+            <a:ahLst/>
+            <a:cxnLst>
+              <a:cxn ang="0">
+                <a:pos x="connsiteX0" y="connsiteY0"/>
+              </a:cxn>
+              <a:cxn ang="0">
+                <a:pos x="connsiteX1" y="connsiteY1"/>
+              </a:cxn>
+              <a:cxn ang="0">
+                <a:pos x="connsiteX2" y="connsiteY2"/>
+              </a:cxn>
+              <a:cxn ang="0">
+                <a:pos x="connsiteX3" y="connsiteY3"/>
+              </a:cxn>
+              <a:cxn ang="0">
+                <a:pos x="connsiteX4" y="connsiteY4"/>
+              </a:cxn>
+              <a:cxn ang="0">
+                <a:pos x="connsiteX5" y="connsiteY5"/>
+              </a:cxn>
+              <a:cxn ang="0">
+                <a:pos x="connsiteX6" y="connsiteY6"/>
+              </a:cxn>
+              <a:cxn ang="0">
+                <a:pos x="connsiteX7" y="connsiteY7"/>
+              </a:cxn>
+              <a:cxn ang="0">
+                <a:pos x="connsiteX8" y="connsiteY8"/>
+              </a:cxn>
+            </a:cxnLst>
+            <a:rect l="l" t="t" r="r" b="b"/>
+            <a:pathLst>
+              <a:path w="3900357" h="4178958">
+                <a:moveTo>
+                  <a:pt x="2432225" y="93939"/>
+                </a:moveTo>
+                <a:cubicBezTo>
+                  <a:pt x="3282786" y="358491"/>
+                  <a:pt x="3900357" y="1151865"/>
+                  <a:pt x="3900357" y="2089479"/>
+                </a:cubicBezTo>
+                <a:cubicBezTo>
+                  <a:pt x="3900357" y="3243466"/>
+                  <a:pt x="2964865" y="4178958"/>
+                  <a:pt x="1810878" y="4178958"/>
+                </a:cubicBezTo>
+                <a:cubicBezTo>
+                  <a:pt x="1089636" y="4178958"/>
+                  <a:pt x="453744" y="3813531"/>
+                  <a:pt x="78249" y="3257727"/>
+                </a:cubicBezTo>
+                <a:lnTo>
+                  <a:pt x="0" y="3128923"/>
+                </a:lnTo>
+                <a:lnTo>
+                  <a:pt x="831324" y="244281"/>
+                </a:lnTo>
+                <a:lnTo>
+                  <a:pt x="997559" y="164202"/>
+                </a:lnTo>
+                <a:cubicBezTo>
+                  <a:pt x="1247540" y="58468"/>
+                  <a:pt x="1522381" y="0"/>
+                  <a:pt x="1810878" y="0"/>
+                </a:cubicBezTo>
+                <a:cubicBezTo>
+                  <a:pt x="2027251" y="0"/>
+                  <a:pt x="2235942" y="32888"/>
+                  <a:pt x="2432225" y="93939"/>
+                </a:cubicBezTo>
+                <a:close/>
+              </a:path>
+            </a:pathLst>
+          </a:custGeom>
+          <a:gradFill>
+            <a:gsLst>
+              <a:gs pos="29000">
+                <a:srgbClr val="000000">
+                  <a:alpha val="0"/>
+                </a:srgbClr>
+              </a:gs>
+              <a:gs pos="100000">
+                <a:schemeClr val="accent1">
+                  <a:alpha val="43000"/>
+                </a:schemeClr>
+              </a:gs>
+            </a:gsLst>
+            <a:lin ang="1800000" scaled="0"/>
+          </a:gradFill>
+          <a:ln>
+            <a:noFill/>
+          </a:ln>
+        </p:spPr>
+        <p:style>
+          <a:lnRef idx="2">
+            <a:schemeClr val="accent1">
+              <a:shade val="50000"/>
+            </a:schemeClr>
+          </a:lnRef>
+          <a:fillRef idx="1">
+            <a:schemeClr val="accent1"/>
+          </a:fillRef>
+          <a:effectRef idx="0">
+            <a:schemeClr val="accent1"/>
+          </a:effectRef>
+          <a:fontRef idx="minor">
+            <a:schemeClr val="lt1"/>
+          </a:fontRef>
+        </p:style>
+        <p:txBody>
+          <a:bodyPr wrap="square" rtlCol="0" anchor="ctr">
+            <a:noAutofit/>
+          </a:bodyPr>
+          <a:lstStyle/>
+          <a:p>
+            <a:pPr algn="ctr"/>
+            <a:endParaRPr lang="en-US" dirty="0"/>
+          </a:p>
+        </p:txBody>
+      </p:sp>
+      <p:sp>
+        <p:nvSpPr>
+          <p:cNvPr id="20" name="Rectangle 19">
+            <a:extLst>
+              <a:ext uri="{FF2B5EF4-FFF2-40B4-BE49-F238E27FC236}">
+                <a16:creationId xmlns:a16="http://schemas.microsoft.com/office/drawing/2014/main" id="{8D71EDA1-87BF-4D5D-AB79-F346FD19278A}"/>
+              </a:ext>
+              <a:ext uri="{C183D7F6-B498-43B3-948B-1728B52AA6E4}">
+                <adec:decorative xmlns:adec="http://schemas.microsoft.com/office/drawing/2017/decorative" val="1"/>
+              </a:ext>
+            </a:extLst>
+          </p:cNvPr>
+          <p:cNvSpPr>
+            <a:spLocks noGrp="1" noRot="1" noChangeAspect="1" noMove="1" noResize="1" noEditPoints="1" noAdjustHandles="1" noChangeArrowheads="1" noChangeShapeType="1" noTextEdit="1"/>
+          </p:cNvSpPr>
+          <p:nvPr>
+            <p:extLst>
+              <p:ext uri="{386F3935-93C4-4BCD-93E2-E3B085C9AB24}">
+                <p16:designElem xmlns:p16="http://schemas.microsoft.com/office/powerpoint/2015/main" val="1"/>
+              </p:ext>
+            </p:extLst>
+          </p:nvPr>
+        </p:nvSpPr>
+        <p:spPr>
+          <a:xfrm rot="5400000" flipH="1">
+            <a:off x="-1410093" y="1399943"/>
+            <a:ext cx="6858003" cy="4037835"/>
+          </a:xfrm>
+          <a:prstGeom prst="rect">
+            <a:avLst/>
+          </a:prstGeom>
+          <a:gradFill>
+            <a:gsLst>
+              <a:gs pos="0">
+                <a:srgbClr val="000000">
+                  <a:alpha val="0"/>
+                </a:srgbClr>
+              </a:gs>
+              <a:gs pos="99000">
+                <a:schemeClr val="accent1">
+                  <a:lumMod val="60000"/>
+                  <a:lumOff val="40000"/>
+                  <a:alpha val="11000"/>
+                </a:schemeClr>
+              </a:gs>
+            </a:gsLst>
+            <a:lin ang="7200000" scaled="0"/>
+          </a:gradFill>
+          <a:ln>
+            <a:noFill/>
+          </a:ln>
+        </p:spPr>
+        <p:style>
+          <a:lnRef idx="2">
+            <a:schemeClr val="accent1">
+              <a:shade val="50000"/>
+            </a:schemeClr>
+          </a:lnRef>
+          <a:fillRef idx="1">
+            <a:schemeClr val="accent1"/>
+          </a:fillRef>
+          <a:effectRef idx="0">
+            <a:schemeClr val="accent1"/>
+          </a:effectRef>
+          <a:fontRef idx="minor">
+            <a:schemeClr val="lt1"/>
+          </a:fontRef>
+        </p:style>
+        <p:txBody>
+          <a:bodyPr rtlCol="0" anchor="ctr"/>
+          <a:lstStyle/>
+          <a:p>
+            <a:pPr algn="ctr"/>
+            <a:endParaRPr lang="en-US"/>
+          </a:p>
+        </p:txBody>
+      </p:sp>
+      <p:sp>
+        <p:nvSpPr>
+          <p:cNvPr id="2" name="Title 1">
+            <a:extLst>
+              <a:ext uri="{FF2B5EF4-FFF2-40B4-BE49-F238E27FC236}">
+                <a16:creationId xmlns:a16="http://schemas.microsoft.com/office/drawing/2014/main" id="{A545511D-1DCE-6025-4995-D6141AD9E4D9}"/>
+              </a:ext>
+            </a:extLst>
+          </p:cNvPr>
+          <p:cNvSpPr>
+            <a:spLocks noGrp="1"/>
+          </p:cNvSpPr>
+          <p:nvPr>
+            <p:ph type="title"/>
+          </p:nvPr>
+        </p:nvSpPr>
+        <p:spPr>
+          <a:xfrm>
+            <a:off x="466722" y="586855"/>
+            <a:ext cx="3201366" cy="3387497"/>
+          </a:xfrm>
+        </p:spPr>
+        <p:txBody>
+          <a:bodyPr vert="horz" lIns="91440" tIns="45720" rIns="91440" bIns="45720" rtlCol="0" anchor="b">
+            <a:normAutofit/>
+          </a:bodyPr>
+          <a:lstStyle/>
+          <a:p>
+            <a:pPr algn="r"/>
+            <a:r>
+              <a:rPr lang="en-US" sz="4000" kern="1200">
+                <a:solidFill>
+                  <a:srgbClr val="FFFFFF"/>
+                </a:solidFill>
+                <a:latin typeface="+mj-lt"/>
+                <a:ea typeface="+mj-ea"/>
+                <a:cs typeface="+mj-cs"/>
+              </a:rPr>
+              <a:t>General Advice for Writing Reports</a:t>
+            </a:r>
+          </a:p>
+        </p:txBody>
+      </p:sp>
+      <p:sp>
+        <p:nvSpPr>
+          <p:cNvPr id="17" name="Content Placeholder 2">
+            <a:extLst>
+              <a:ext uri="{FF2B5EF4-FFF2-40B4-BE49-F238E27FC236}">
+                <a16:creationId xmlns:a16="http://schemas.microsoft.com/office/drawing/2014/main" id="{8AE3ADD4-C6CD-4A10-1443-FC11C24D986A}"/>
+              </a:ext>
+            </a:extLst>
+          </p:cNvPr>
+          <p:cNvSpPr>
+            <a:spLocks noGrp="1"/>
+          </p:cNvSpPr>
+          <p:nvPr>
+            <p:ph idx="1"/>
+          </p:nvPr>
+        </p:nvSpPr>
+        <p:spPr>
+          <a:xfrm>
+            <a:off x="4698858" y="1120534"/>
+            <a:ext cx="6555347" cy="5546047"/>
+          </a:xfrm>
+        </p:spPr>
+        <p:txBody>
+          <a:bodyPr anchor="ctr">
+            <a:normAutofit/>
+          </a:bodyPr>
+          <a:lstStyle/>
+          <a:p>
+            <a:r>
+              <a:rPr lang="en-US" sz="3600" dirty="0"/>
+              <a:t>Start early! Break it up!</a:t>
+            </a:r>
+          </a:p>
+          <a:p>
+            <a:r>
+              <a:rPr lang="en-US" sz="3600" dirty="0"/>
+              <a:t>Proofread later</a:t>
+            </a:r>
+          </a:p>
+          <a:p>
+            <a:r>
+              <a:rPr lang="en-US" sz="3600" dirty="0"/>
+              <a:t>Refer to your handouts</a:t>
+            </a:r>
+          </a:p>
+          <a:p>
+            <a:r>
+              <a:rPr lang="en-US" sz="3600" dirty="0"/>
+              <a:t>Stick to the scope</a:t>
+            </a:r>
+          </a:p>
+          <a:p>
+            <a:r>
+              <a:rPr lang="en-US" sz="3600" dirty="0"/>
+              <a:t>Reference as you go</a:t>
+            </a:r>
+          </a:p>
+          <a:p>
+            <a:r>
+              <a:rPr lang="en-US" sz="3600" dirty="0"/>
+              <a:t>Get Feedback</a:t>
+            </a:r>
+          </a:p>
+          <a:p>
+            <a:r>
+              <a:rPr lang="en-US" sz="3600" dirty="0"/>
+              <a:t>Have a back up</a:t>
+            </a:r>
+          </a:p>
+          <a:p>
+            <a:r>
+              <a:rPr lang="en-US" sz="3600" dirty="0"/>
+              <a:t>Format, format, format!</a:t>
+            </a:r>
+            <a:br>
+              <a:rPr lang="en-US" sz="2000" dirty="0"/>
+            </a:br>
+            <a:endParaRPr lang="en-US" sz="2000" dirty="0"/>
+          </a:p>
+          <a:p>
+            <a:pPr marL="0" indent="0">
+              <a:buNone/>
+            </a:pPr>
+            <a:endParaRPr lang="en-US" sz="2000" dirty="0"/>
+          </a:p>
+          <a:p>
+            <a:endParaRPr lang="en-NZ" sz="2000" dirty="0"/>
+          </a:p>
+        </p:txBody>
+      </p:sp>
+    </p:spTree>
+    <p:extLst>
+      <p:ext uri="{BB962C8B-B14F-4D97-AF65-F5344CB8AC3E}">
+        <p14:creationId xmlns:p14="http://schemas.microsoft.com/office/powerpoint/2010/main" val="2210434010"/>
+      </p:ext>
+    </p:extLst>
+  </p:cSld>
+  <p:clrMapOvr>
+    <a:masterClrMapping/>
+  </p:clrMapOvr>
+</p:sld>
+</file>
+
+<file path=ppt/slides/slide19.xml><?xml version="1.0" encoding="utf-8"?>
+<p:sld xmlns:a="http://schemas.openxmlformats.org/drawingml/2006/main" xmlns:r="http://schemas.openxmlformats.org/officeDocument/2006/relationships" xmlns:p="http://schemas.openxmlformats.org/presentationml/2006/main">
+  <p:cSld>
+    <p:bg>
+      <p:bgPr>
+        <a:solidFill>
+          <a:schemeClr val="bg1"/>
+        </a:solidFill>
+        <a:effectLst/>
+      </p:bgPr>
+    </p:bg>
+    <p:spTree>
+      <p:nvGrpSpPr>
+        <p:cNvPr id="1" name=""/>
+        <p:cNvGrpSpPr/>
+        <p:nvPr/>
+      </p:nvGrpSpPr>
+      <p:grpSpPr>
+        <a:xfrm>
+          <a:off x="0" y="0"/>
+          <a:ext cx="0" cy="0"/>
+          <a:chOff x="0" y="0"/>
+          <a:chExt cx="0" cy="0"/>
+        </a:xfrm>
+      </p:grpSpPr>
+      <p:sp useBgFill="1">
+        <p:nvSpPr>
+          <p:cNvPr id="32" name="Rectangle 31">
+            <a:extLst>
+              <a:ext uri="{FF2B5EF4-FFF2-40B4-BE49-F238E27FC236}">
+                <a16:creationId xmlns:a16="http://schemas.microsoft.com/office/drawing/2014/main" id="{DEE2AD96-B495-4E06-9291-B71706F728CB}"/>
+              </a:ext>
+              <a:ext uri="{C183D7F6-B498-43B3-948B-1728B52AA6E4}">
+                <adec:decorative xmlns:adec="http://schemas.microsoft.com/office/drawing/2017/decorative" val="1"/>
+              </a:ext>
+            </a:extLst>
+          </p:cNvPr>
+          <p:cNvSpPr>
+            <a:spLocks noGrp="1" noRot="1" noChangeAspect="1" noMove="1" noResize="1" noEditPoints="1" noAdjustHandles="1" noChangeArrowheads="1" noChangeShapeType="1" noTextEdit="1"/>
+          </p:cNvSpPr>
+          <p:nvPr>
+            <p:extLst>
+              <p:ext uri="{386F3935-93C4-4BCD-93E2-E3B085C9AB24}">
+                <p16:designElem xmlns:p16="http://schemas.microsoft.com/office/powerpoint/2015/main" val="1"/>
+              </p:ext>
+            </p:extLst>
+          </p:nvPr>
+        </p:nvSpPr>
+        <p:spPr>
+          <a:xfrm>
+            <a:off x="0" y="0"/>
+            <a:ext cx="12192000" cy="6858000"/>
+          </a:xfrm>
+          <a:prstGeom prst="rect">
+            <a:avLst/>
+          </a:prstGeom>
+          <a:ln w="12700" cap="flat" cmpd="sng" algn="ctr">
+            <a:noFill/>
+            <a:prstDash val="solid"/>
+            <a:miter lim="800000"/>
+          </a:ln>
+          <a:effectLst/>
+          <a:extLst>
+            <a:ext uri="{91240B29-F687-4F45-9708-019B960494DF}">
+              <a14:hiddenLine xmlns:a14="http://schemas.microsoft.com/office/drawing/2010/main" w="12700" cap="flat" cmpd="sng" algn="ctr">
+                <a:solidFill>
+                  <a:schemeClr val="accent1">
+                    <a:shade val="50000"/>
+                  </a:schemeClr>
+                </a:solidFill>
+                <a:prstDash val="solid"/>
+                <a:miter lim="800000"/>
+              </a14:hiddenLine>
+            </a:ext>
+          </a:extLst>
+        </p:spPr>
+        <p:style>
+          <a:lnRef idx="2">
+            <a:schemeClr val="accent1">
+              <a:shade val="50000"/>
+            </a:schemeClr>
+          </a:lnRef>
+          <a:fillRef idx="1">
+            <a:schemeClr val="accent1"/>
+          </a:fillRef>
+          <a:effectRef idx="0">
+            <a:schemeClr val="accent1"/>
+          </a:effectRef>
+          <a:fontRef idx="minor">
+            <a:schemeClr val="lt1"/>
+          </a:fontRef>
+        </p:style>
+        <p:txBody>
+          <a:bodyPr rtlCol="0" anchor="ctr"/>
+          <a:lstStyle/>
+          <a:p>
+            <a:pPr algn="ctr"/>
+            <a:endParaRPr lang="en-US"/>
+          </a:p>
+        </p:txBody>
+      </p:sp>
+      <p:sp>
+        <p:nvSpPr>
+          <p:cNvPr id="34" name="Rectangle 33">
             <a:extLst>
               <a:ext uri="{FF2B5EF4-FFF2-40B4-BE49-F238E27FC236}">
                 <a16:creationId xmlns:a16="http://schemas.microsoft.com/office/drawing/2014/main" id="{53CF6D67-C5A8-4ADD-9E8E-1E38CA1D3166}"/>
@@ -16998,7 +17522,7 @@
       </p:sp>
       <p:sp>
         <p:nvSpPr>
-          <p:cNvPr id="12" name="Rectangle 11">
+          <p:cNvPr id="36" name="Rectangle 35">
             <a:extLst>
               <a:ext uri="{FF2B5EF4-FFF2-40B4-BE49-F238E27FC236}">
                 <a16:creationId xmlns:a16="http://schemas.microsoft.com/office/drawing/2014/main" id="{86909FA0-B515-4681-B7A8-FA281D133B94}"/>
@@ -17073,7 +17597,7 @@
       </p:sp>
       <p:sp>
         <p:nvSpPr>
-          <p:cNvPr id="14" name="Rectangle 13">
+          <p:cNvPr id="38" name="Rectangle 37">
             <a:extLst>
               <a:ext uri="{FF2B5EF4-FFF2-40B4-BE49-F238E27FC236}">
                 <a16:creationId xmlns:a16="http://schemas.microsoft.com/office/drawing/2014/main" id="{21C9FE86-FCC3-4A31-AA1C-C882262B7FE7}"/>
@@ -17148,7 +17672,7 @@
       </p:sp>
       <p:sp>
         <p:nvSpPr>
-          <p:cNvPr id="16" name="Rectangle 15">
+          <p:cNvPr id="40" name="Rectangle 39">
             <a:extLst>
               <a:ext uri="{FF2B5EF4-FFF2-40B4-BE49-F238E27FC236}">
                 <a16:creationId xmlns:a16="http://schemas.microsoft.com/office/drawing/2014/main" id="{7D96243B-ECED-4B71-8E06-AE9A285EAD20}"/>
@@ -17223,7 +17747,7 @@
       </p:sp>
       <p:sp>
         <p:nvSpPr>
-          <p:cNvPr id="18" name="Oval 17">
+          <p:cNvPr id="42" name="Oval 41">
             <a:extLst>
               <a:ext uri="{FF2B5EF4-FFF2-40B4-BE49-F238E27FC236}">
                 <a16:creationId xmlns:a16="http://schemas.microsoft.com/office/drawing/2014/main" id="{A09989E4-EFDC-4A90-A633-E0525FB4139E}"/>
@@ -17303,7 +17827,7 @@
           <p:cNvPr id="2" name="Title 1">
             <a:extLst>
               <a:ext uri="{FF2B5EF4-FFF2-40B4-BE49-F238E27FC236}">
-                <a16:creationId xmlns:a16="http://schemas.microsoft.com/office/drawing/2014/main" id="{8797AAB2-D56F-E810-20FD-32189476C26E}"/>
+                <a16:creationId xmlns:a16="http://schemas.microsoft.com/office/drawing/2014/main" id="{19D229AF-AC86-B346-E81A-8EC9F52A285A}"/>
               </a:ext>
             </a:extLst>
           </p:cNvPr>
@@ -17316,8 +17840,8 @@
         </p:nvSpPr>
         <p:spPr>
           <a:xfrm>
-            <a:off x="826396" y="586855"/>
-            <a:ext cx="4230100" cy="3387497"/>
+            <a:off x="73891" y="649480"/>
+            <a:ext cx="5320145" cy="3387497"/>
           </a:xfrm>
         </p:spPr>
         <p:txBody>
@@ -17333,7 +17857,7 @@
                   <a:srgbClr val="FFFFFF"/>
                 </a:solidFill>
               </a:rPr>
-              <a:t>Referencing APA7</a:t>
+              <a:t>What are we doing next?</a:t>
             </a:r>
             <a:endParaRPr lang="en-NZ" sz="4000">
               <a:solidFill>
@@ -17348,7 +17872,7 @@
           <p:cNvPr id="3" name="Content Placeholder 2">
             <a:extLst>
               <a:ext uri="{FF2B5EF4-FFF2-40B4-BE49-F238E27FC236}">
-                <a16:creationId xmlns:a16="http://schemas.microsoft.com/office/drawing/2014/main" id="{584B089A-0B1B-CD94-E28E-8DCF32B7A1C3}"/>
+                <a16:creationId xmlns:a16="http://schemas.microsoft.com/office/drawing/2014/main" id="{AA014120-08BB-098B-AE92-A3C714375C06}"/>
               </a:ext>
             </a:extLst>
           </p:cNvPr>
@@ -17361,8 +17885,8 @@
         </p:nvSpPr>
         <p:spPr>
           <a:xfrm>
-            <a:off x="6503158" y="649480"/>
-            <a:ext cx="4862447" cy="5546047"/>
+            <a:off x="6096000" y="649480"/>
+            <a:ext cx="5269605" cy="5546047"/>
           </a:xfrm>
         </p:spPr>
         <p:txBody>
@@ -17372,435 +17896,23 @@
           <a:lstStyle/>
           <a:p>
             <a:r>
-              <a:rPr lang="en-US" sz="2000"/>
-              <a:t>In-text Referencing</a:t>
+              <a:rPr lang="en-US" sz="3200" dirty="0"/>
+              <a:t>Create a report template</a:t>
             </a:r>
-            <a:endParaRPr lang="en-NZ" sz="2000"/>
+          </a:p>
+          <a:p>
+            <a:r>
+              <a:rPr lang="en-US" sz="3200" dirty="0"/>
+              <a:t>Referencing practice</a:t>
+            </a:r>
+            <a:endParaRPr lang="en-NZ" sz="3200" dirty="0"/>
           </a:p>
         </p:txBody>
       </p:sp>
     </p:spTree>
     <p:extLst>
       <p:ext uri="{BB962C8B-B14F-4D97-AF65-F5344CB8AC3E}">
-        <p14:creationId xmlns:p14="http://schemas.microsoft.com/office/powerpoint/2010/main" val="2272177310"/>
-      </p:ext>
-    </p:extLst>
-  </p:cSld>
-  <p:clrMapOvr>
-    <a:masterClrMapping/>
-  </p:clrMapOvr>
-  <p:timing>
-    <p:tnLst>
-      <p:par>
-        <p:cTn id="1" dur="indefinite" restart="never" nodeType="tmRoot">
-          <p:childTnLst>
-            <p:seq concurrent="1" nextAc="seek">
-              <p:cTn id="2" dur="indefinite" nodeType="mainSeq">
-                <p:childTnLst>
-                  <p:par>
-                    <p:cTn id="3" fill="hold">
-                      <p:stCondLst>
-                        <p:cond delay="indefinite"/>
-                        <p:cond evt="onBegin" delay="0">
-                          <p:tn val="2"/>
-                        </p:cond>
-                      </p:stCondLst>
-                      <p:childTnLst>
-                        <p:par>
-                          <p:cTn id="4" fill="hold">
-                            <p:stCondLst>
-                              <p:cond delay="0"/>
-                            </p:stCondLst>
-                            <p:childTnLst>
-                              <p:par>
-                                <p:cTn id="5" presetID="10" presetClass="entr" presetSubtype="0" fill="hold" grpId="0" nodeType="withEffect">
-                                  <p:stCondLst>
-                                    <p:cond delay="500"/>
-                                  </p:stCondLst>
-                                  <p:iterate>
-                                    <p:tmPct val="10000"/>
-                                  </p:iterate>
-                                  <p:childTnLst>
-                                    <p:set>
-                                      <p:cBhvr>
-                                        <p:cTn id="6" dur="1" fill="hold">
-                                          <p:stCondLst>
-                                            <p:cond delay="0"/>
-                                          </p:stCondLst>
-                                        </p:cTn>
-                                        <p:tgtEl>
-                                          <p:spTgt spid="2"/>
-                                        </p:tgtEl>
-                                        <p:attrNameLst>
-                                          <p:attrName>style.visibility</p:attrName>
-                                        </p:attrNameLst>
-                                      </p:cBhvr>
-                                      <p:to>
-                                        <p:strVal val="visible"/>
-                                      </p:to>
-                                    </p:set>
-                                    <p:animEffect transition="in" filter="fade">
-                                      <p:cBhvr>
-                                        <p:cTn id="7" dur="700"/>
-                                        <p:tgtEl>
-                                          <p:spTgt spid="2"/>
-                                        </p:tgtEl>
-                                      </p:cBhvr>
-                                    </p:animEffect>
-                                  </p:childTnLst>
-                                </p:cTn>
-                              </p:par>
-                            </p:childTnLst>
-                          </p:cTn>
-                        </p:par>
-                      </p:childTnLst>
-                    </p:cTn>
-                  </p:par>
-                </p:childTnLst>
-              </p:cTn>
-              <p:prevCondLst>
-                <p:cond evt="onPrev" delay="0">
-                  <p:tgtEl>
-                    <p:sldTgt/>
-                  </p:tgtEl>
-                </p:cond>
-              </p:prevCondLst>
-              <p:nextCondLst>
-                <p:cond evt="onNext" delay="0">
-                  <p:tgtEl>
-                    <p:sldTgt/>
-                  </p:tgtEl>
-                </p:cond>
-              </p:nextCondLst>
-            </p:seq>
-          </p:childTnLst>
-        </p:cTn>
-      </p:par>
-    </p:tnLst>
-    <p:bldLst>
-      <p:bldP spid="2" grpId="0"/>
-    </p:bldLst>
-  </p:timing>
-</p:sld>
-</file>
-
-<file path=ppt/slides/slide19.xml><?xml version="1.0" encoding="utf-8"?>
-<p:sld xmlns:a="http://schemas.openxmlformats.org/drawingml/2006/main" xmlns:r="http://schemas.openxmlformats.org/officeDocument/2006/relationships" xmlns:p="http://schemas.openxmlformats.org/presentationml/2006/main">
-  <p:cSld>
-    <p:bg>
-      <p:bgPr>
-        <a:solidFill>
-          <a:schemeClr val="bg1"/>
-        </a:solidFill>
-        <a:effectLst/>
-      </p:bgPr>
-    </p:bg>
-    <p:spTree>
-      <p:nvGrpSpPr>
-        <p:cNvPr id="1" name=""/>
-        <p:cNvGrpSpPr/>
-        <p:nvPr/>
-      </p:nvGrpSpPr>
-      <p:grpSpPr>
-        <a:xfrm>
-          <a:off x="0" y="0"/>
-          <a:ext cx="0" cy="0"/>
-          <a:chOff x="0" y="0"/>
-          <a:chExt cx="0" cy="0"/>
-        </a:xfrm>
-      </p:grpSpPr>
-      <p:sp useBgFill="1">
-        <p:nvSpPr>
-          <p:cNvPr id="30" name="Rectangle 29">
-            <a:extLst>
-              <a:ext uri="{FF2B5EF4-FFF2-40B4-BE49-F238E27FC236}">
-                <a16:creationId xmlns:a16="http://schemas.microsoft.com/office/drawing/2014/main" id="{2596F992-698C-48C0-9D89-70DA4CE927EF}"/>
-              </a:ext>
-              <a:ext uri="{C183D7F6-B498-43B3-948B-1728B52AA6E4}">
-                <adec:decorative xmlns:adec="http://schemas.microsoft.com/office/drawing/2017/decorative" val="1"/>
-              </a:ext>
-            </a:extLst>
-          </p:cNvPr>
-          <p:cNvSpPr>
-            <a:spLocks noGrp="1" noRot="1" noChangeAspect="1" noMove="1" noResize="1" noEditPoints="1" noAdjustHandles="1" noChangeArrowheads="1" noChangeShapeType="1" noTextEdit="1"/>
-          </p:cNvSpPr>
-          <p:nvPr>
-            <p:extLst>
-              <p:ext uri="{386F3935-93C4-4BCD-93E2-E3B085C9AB24}">
-                <p16:designElem xmlns:p16="http://schemas.microsoft.com/office/powerpoint/2015/main" val="1"/>
-              </p:ext>
-            </p:extLst>
-          </p:nvPr>
-        </p:nvSpPr>
-        <p:spPr>
-          <a:xfrm>
-            <a:off x="0" y="0"/>
-            <a:ext cx="12192000" cy="6858000"/>
-          </a:xfrm>
-          <a:prstGeom prst="rect">
-            <a:avLst/>
-          </a:prstGeom>
-          <a:ln w="12700" cap="flat" cmpd="sng" algn="ctr">
-            <a:noFill/>
-            <a:prstDash val="solid"/>
-            <a:miter lim="800000"/>
-          </a:ln>
-          <a:effectLst/>
-          <a:extLst>
-            <a:ext uri="{91240B29-F687-4F45-9708-019B960494DF}">
-              <a14:hiddenLine xmlns:a14="http://schemas.microsoft.com/office/drawing/2010/main" w="12700" cap="flat" cmpd="sng" algn="ctr">
-                <a:solidFill>
-                  <a:schemeClr val="accent1">
-                    <a:shade val="50000"/>
-                  </a:schemeClr>
-                </a:solidFill>
-                <a:prstDash val="solid"/>
-                <a:miter lim="800000"/>
-              </a14:hiddenLine>
-            </a:ext>
-          </a:extLst>
-        </p:spPr>
-        <p:style>
-          <a:lnRef idx="2">
-            <a:schemeClr val="accent1">
-              <a:shade val="50000"/>
-            </a:schemeClr>
-          </a:lnRef>
-          <a:fillRef idx="1">
-            <a:schemeClr val="accent1"/>
-          </a:fillRef>
-          <a:effectRef idx="0">
-            <a:schemeClr val="accent1"/>
-          </a:effectRef>
-          <a:fontRef idx="minor">
-            <a:schemeClr val="lt1"/>
-          </a:fontRef>
-        </p:style>
-        <p:txBody>
-          <a:bodyPr rtlCol="0" anchor="ctr"/>
-          <a:lstStyle/>
-          <a:p>
-            <a:pPr algn="ctr"/>
-            <a:endParaRPr lang="en-US"/>
-          </a:p>
-        </p:txBody>
-      </p:sp>
-      <p:pic>
-        <p:nvPicPr>
-          <p:cNvPr id="5" name="Content Placeholder 4">
-            <a:extLst>
-              <a:ext uri="{FF2B5EF4-FFF2-40B4-BE49-F238E27FC236}">
-                <a16:creationId xmlns:a16="http://schemas.microsoft.com/office/drawing/2014/main" id="{A79E1CB6-E62C-F211-5E26-29C6D938EC9E}"/>
-              </a:ext>
-            </a:extLst>
-          </p:cNvPr>
-          <p:cNvPicPr>
-            <a:picLocks noChangeAspect="1"/>
-          </p:cNvPicPr>
-          <p:nvPr/>
-        </p:nvPicPr>
-        <p:blipFill>
-          <a:blip r:embed="rId2"/>
-          <a:stretch>
-            <a:fillRect/>
-          </a:stretch>
-        </p:blipFill>
-        <p:spPr>
-          <a:xfrm>
-            <a:off x="526110" y="1713113"/>
-            <a:ext cx="11139778" cy="2979889"/>
-          </a:xfrm>
-          <a:prstGeom prst="rect">
-            <a:avLst/>
-          </a:prstGeom>
-        </p:spPr>
-      </p:pic>
-      <p:sp>
-        <p:nvSpPr>
-          <p:cNvPr id="32" name="Rectangle 31">
-            <a:extLst>
-              <a:ext uri="{FF2B5EF4-FFF2-40B4-BE49-F238E27FC236}">
-                <a16:creationId xmlns:a16="http://schemas.microsoft.com/office/drawing/2014/main" id="{E7BFF8DC-0AE7-4AD2-9B28-2E5F26D62C30}"/>
-              </a:ext>
-              <a:ext uri="{C183D7F6-B498-43B3-948B-1728B52AA6E4}">
-                <adec:decorative xmlns:adec="http://schemas.microsoft.com/office/drawing/2017/decorative" val="1"/>
-              </a:ext>
-            </a:extLst>
-          </p:cNvPr>
-          <p:cNvSpPr>
-            <a:spLocks noGrp="1" noRot="1" noChangeAspect="1" noMove="1" noResize="1" noEditPoints="1" noAdjustHandles="1" noChangeArrowheads="1" noChangeShapeType="1" noTextEdit="1"/>
-          </p:cNvSpPr>
-          <p:nvPr>
-            <p:extLst>
-              <p:ext uri="{386F3935-93C4-4BCD-93E2-E3B085C9AB24}">
-                <p16:designElem xmlns:p16="http://schemas.microsoft.com/office/powerpoint/2015/main" val="1"/>
-              </p:ext>
-            </p:extLst>
-          </p:nvPr>
-        </p:nvSpPr>
-        <p:spPr>
-          <a:xfrm flipH="1">
-            <a:off x="0" y="6406116"/>
-            <a:ext cx="12191998" cy="461774"/>
-          </a:xfrm>
-          <a:prstGeom prst="rect">
-            <a:avLst/>
-          </a:prstGeom>
-          <a:gradFill>
-            <a:gsLst>
-              <a:gs pos="0">
-                <a:srgbClr val="000000"/>
-              </a:gs>
-              <a:gs pos="100000">
-                <a:schemeClr val="accent1">
-                  <a:lumMod val="75000"/>
-                </a:schemeClr>
-              </a:gs>
-            </a:gsLst>
-            <a:lin ang="15000000" scaled="0"/>
-          </a:gradFill>
-          <a:ln>
-            <a:noFill/>
-          </a:ln>
-        </p:spPr>
-        <p:style>
-          <a:lnRef idx="2">
-            <a:schemeClr val="accent1">
-              <a:shade val="50000"/>
-            </a:schemeClr>
-          </a:lnRef>
-          <a:fillRef idx="1">
-            <a:schemeClr val="accent1"/>
-          </a:fillRef>
-          <a:effectRef idx="0">
-            <a:schemeClr val="accent1"/>
-          </a:effectRef>
-          <a:fontRef idx="minor">
-            <a:schemeClr val="lt1"/>
-          </a:fontRef>
-        </p:style>
-        <p:txBody>
-          <a:bodyPr rtlCol="0" anchor="ctr"/>
-          <a:lstStyle/>
-          <a:p>
-            <a:pPr algn="ctr"/>
-            <a:endParaRPr lang="en-US"/>
-          </a:p>
-        </p:txBody>
-      </p:sp>
-      <p:sp>
-        <p:nvSpPr>
-          <p:cNvPr id="34" name="Rectangle 33">
-            <a:extLst>
-              <a:ext uri="{FF2B5EF4-FFF2-40B4-BE49-F238E27FC236}">
-                <a16:creationId xmlns:a16="http://schemas.microsoft.com/office/drawing/2014/main" id="{7E0162AD-C6E5-4BF8-A453-76ADB36877D3}"/>
-              </a:ext>
-              <a:ext uri="{C183D7F6-B498-43B3-948B-1728B52AA6E4}">
-                <adec:decorative xmlns:adec="http://schemas.microsoft.com/office/drawing/2017/decorative" val="1"/>
-              </a:ext>
-            </a:extLst>
-          </p:cNvPr>
-          <p:cNvSpPr>
-            <a:spLocks noGrp="1" noRot="1" noChangeAspect="1" noMove="1" noResize="1" noEditPoints="1" noAdjustHandles="1" noChangeArrowheads="1" noChangeShapeType="1" noTextEdit="1"/>
-          </p:cNvSpPr>
-          <p:nvPr>
-            <p:extLst>
-              <p:ext uri="{386F3935-93C4-4BCD-93E2-E3B085C9AB24}">
-                <p16:designElem xmlns:p16="http://schemas.microsoft.com/office/powerpoint/2015/main" val="1"/>
-              </p:ext>
-            </p:extLst>
-          </p:nvPr>
-        </p:nvSpPr>
-        <p:spPr>
-          <a:xfrm flipH="1">
-            <a:off x="8115300" y="6406115"/>
-            <a:ext cx="4076698" cy="464399"/>
-          </a:xfrm>
-          <a:prstGeom prst="rect">
-            <a:avLst/>
-          </a:prstGeom>
-          <a:gradFill>
-            <a:gsLst>
-              <a:gs pos="19000">
-                <a:srgbClr val="000000">
-                  <a:alpha val="31000"/>
-                </a:srgbClr>
-              </a:gs>
-              <a:gs pos="99000">
-                <a:schemeClr val="accent1"/>
-              </a:gs>
-            </a:gsLst>
-            <a:lin ang="13200000" scaled="0"/>
-          </a:gradFill>
-          <a:ln>
-            <a:noFill/>
-          </a:ln>
-        </p:spPr>
-        <p:style>
-          <a:lnRef idx="2">
-            <a:schemeClr val="accent1">
-              <a:shade val="50000"/>
-            </a:schemeClr>
-          </a:lnRef>
-          <a:fillRef idx="1">
-            <a:schemeClr val="accent1"/>
-          </a:fillRef>
-          <a:effectRef idx="0">
-            <a:schemeClr val="accent1"/>
-          </a:effectRef>
-          <a:fontRef idx="minor">
-            <a:schemeClr val="lt1"/>
-          </a:fontRef>
-        </p:style>
-        <p:txBody>
-          <a:bodyPr rtlCol="0" anchor="ctr"/>
-          <a:lstStyle/>
-          <a:p>
-            <a:pPr algn="ctr"/>
-            <a:endParaRPr lang="en-US"/>
-          </a:p>
-        </p:txBody>
-      </p:sp>
-      <p:sp>
-        <p:nvSpPr>
-          <p:cNvPr id="6" name="TextBox 5">
-            <a:extLst>
-              <a:ext uri="{FF2B5EF4-FFF2-40B4-BE49-F238E27FC236}">
-                <a16:creationId xmlns:a16="http://schemas.microsoft.com/office/drawing/2014/main" id="{4E87431A-B871-9243-85CE-8F6BE36554A9}"/>
-              </a:ext>
-            </a:extLst>
-          </p:cNvPr>
-          <p:cNvSpPr txBox="1"/>
-          <p:nvPr/>
-        </p:nvSpPr>
-        <p:spPr>
-          <a:xfrm>
-            <a:off x="9519138" y="5838092"/>
-            <a:ext cx="2146750" cy="369332"/>
-          </a:xfrm>
-          <a:prstGeom prst="rect">
-            <a:avLst/>
-          </a:prstGeom>
-          <a:noFill/>
-        </p:spPr>
-        <p:txBody>
-          <a:bodyPr wrap="square" rtlCol="0">
-            <a:spAutoFit/>
-          </a:bodyPr>
-          <a:lstStyle/>
-          <a:p>
-            <a:r>
-              <a:rPr lang="en-US" b="1" dirty="0"/>
-              <a:t>(Flores, 2023)</a:t>
-            </a:r>
-            <a:endParaRPr lang="en-NZ" b="1" dirty="0"/>
-          </a:p>
-        </p:txBody>
-      </p:sp>
-    </p:spTree>
-    <p:extLst>
-      <p:ext uri="{BB962C8B-B14F-4D97-AF65-F5344CB8AC3E}">
-        <p14:creationId xmlns:p14="http://schemas.microsoft.com/office/powerpoint/2010/main" val="451352539"/>
+        <p14:creationId xmlns:p14="http://schemas.microsoft.com/office/powerpoint/2010/main" val="706934675"/>
       </p:ext>
     </p:extLst>
   </p:cSld>
@@ -17837,10 +17949,10 @@
       </p:grpSpPr>
       <p:sp>
         <p:nvSpPr>
-          <p:cNvPr id="55" name="Rectangle 54">
+          <p:cNvPr id="74" name="Rectangle 73">
             <a:extLst>
               <a:ext uri="{FF2B5EF4-FFF2-40B4-BE49-F238E27FC236}">
-                <a16:creationId xmlns:a16="http://schemas.microsoft.com/office/drawing/2014/main" id="{C5E6CFF1-2F42-4E10-9A97-F116F46F53FE}"/>
+                <a16:creationId xmlns:a16="http://schemas.microsoft.com/office/drawing/2014/main" id="{9228552E-C8B1-4A80-8448-0787CE0FC704}"/>
               </a:ext>
               <a:ext uri="{C183D7F6-B498-43B3-948B-1728B52AA6E4}">
                 <adec:decorative xmlns:adec="http://schemas.microsoft.com/office/drawing/2017/decorative" val="1"/>
@@ -17929,109 +18041,6 @@
           </a:prstGeom>
         </p:spPr>
       </p:pic>
-      <p:sp>
-        <p:nvSpPr>
-          <p:cNvPr id="2" name="Title 1">
-            <a:extLst>
-              <a:ext uri="{FF2B5EF4-FFF2-40B4-BE49-F238E27FC236}">
-                <a16:creationId xmlns:a16="http://schemas.microsoft.com/office/drawing/2014/main" id="{316297CF-43EE-01CB-C9FD-9EDD789F5735}"/>
-              </a:ext>
-            </a:extLst>
-          </p:cNvPr>
-          <p:cNvSpPr>
-            <a:spLocks noGrp="1"/>
-          </p:cNvSpPr>
-          <p:nvPr>
-            <p:ph type="title"/>
-          </p:nvPr>
-        </p:nvSpPr>
-        <p:spPr>
-          <a:xfrm>
-            <a:off x="838199" y="1065862"/>
-            <a:ext cx="6052955" cy="4726276"/>
-          </a:xfrm>
-        </p:spPr>
-        <p:txBody>
-          <a:bodyPr>
-            <a:normAutofit/>
-          </a:bodyPr>
-          <a:lstStyle/>
-          <a:p>
-            <a:pPr algn="r"/>
-            <a:r>
-              <a:rPr lang="en-US" sz="8000" dirty="0">
-                <a:ln w="22225">
-                  <a:solidFill>
-                    <a:srgbClr val="FFFFFF"/>
-                  </a:solidFill>
-                </a:ln>
-                <a:noFill/>
-              </a:rPr>
-              <a:t>Tell me</a:t>
-            </a:r>
-            <a:endParaRPr lang="en-NZ" sz="8000" dirty="0">
-              <a:ln w="22225">
-                <a:solidFill>
-                  <a:srgbClr val="FFFFFF"/>
-                </a:solidFill>
-              </a:ln>
-              <a:noFill/>
-            </a:endParaRPr>
-          </a:p>
-        </p:txBody>
-      </p:sp>
-      <p:cxnSp>
-        <p:nvCxnSpPr>
-          <p:cNvPr id="57" name="Straight Connector 56">
-            <a:extLst>
-              <a:ext uri="{FF2B5EF4-FFF2-40B4-BE49-F238E27FC236}">
-                <a16:creationId xmlns:a16="http://schemas.microsoft.com/office/drawing/2014/main" id="{96A8629B-8289-498B-939B-1CA0C106182C}"/>
-              </a:ext>
-              <a:ext uri="{C183D7F6-B498-43B3-948B-1728B52AA6E4}">
-                <adec:decorative xmlns:adec="http://schemas.microsoft.com/office/drawing/2017/decorative" val="1"/>
-              </a:ext>
-            </a:extLst>
-          </p:cNvPr>
-          <p:cNvCxnSpPr>
-            <a:cxnSpLocks noGrp="1" noRot="1" noChangeAspect="1" noMove="1" noResize="1" noEditPoints="1" noAdjustHandles="1" noChangeArrowheads="1" noChangeShapeType="1"/>
-          </p:cNvCxnSpPr>
-          <p:nvPr>
-            <p:extLst>
-              <p:ext uri="{386F3935-93C4-4BCD-93E2-E3B085C9AB24}">
-                <p16:designElem xmlns:p16="http://schemas.microsoft.com/office/powerpoint/2015/main" val="1"/>
-              </p:ext>
-            </p:extLst>
-          </p:nvPr>
-        </p:nvCxnSpPr>
-        <p:spPr>
-          <a:xfrm>
-            <a:off x="7212899" y="2286000"/>
-            <a:ext cx="0" cy="2286000"/>
-          </a:xfrm>
-          <a:prstGeom prst="line">
-            <a:avLst/>
-          </a:prstGeom>
-          <a:ln w="15875">
-            <a:solidFill>
-              <a:srgbClr val="FFFFFF"/>
-            </a:solidFill>
-          </a:ln>
-        </p:spPr>
-        <p:style>
-          <a:lnRef idx="1">
-            <a:schemeClr val="accent1"/>
-          </a:lnRef>
-          <a:fillRef idx="0">
-            <a:schemeClr val="accent1"/>
-          </a:fillRef>
-          <a:effectRef idx="0">
-            <a:schemeClr val="accent1"/>
-          </a:effectRef>
-          <a:fontRef idx="minor">
-            <a:schemeClr val="tx1"/>
-          </a:fontRef>
-        </p:style>
-      </p:cxnSp>
       <p:graphicFrame>
         <p:nvGraphicFramePr>
           <p:cNvPr id="35" name="Content Placeholder 2">
@@ -18048,14 +18057,14 @@
             <p:ph idx="1"/>
             <p:extLst>
               <p:ext uri="{D42A27DB-BD31-4B8C-83A1-F6EECF244321}">
-                <p14:modId xmlns:p14="http://schemas.microsoft.com/office/powerpoint/2010/main" val="2045123527"/>
+                <p14:modId xmlns:p14="http://schemas.microsoft.com/office/powerpoint/2010/main" val="2674754140"/>
               </p:ext>
             </p:extLst>
           </p:nvPr>
         </p:nvGraphicFramePr>
         <p:xfrm>
-          <a:off x="7534641" y="1065862"/>
-          <a:ext cx="3860002" cy="4726276"/>
+          <a:off x="838200" y="1825625"/>
+          <a:ext cx="10515600" cy="4351338"/>
         </p:xfrm>
         <a:graphic>
           <a:graphicData uri="http://schemas.openxmlformats.org/drawingml/2006/diagram">
@@ -18077,1248 +18086,6 @@
 </file>
 
 <file path=ppt/slides/slide20.xml><?xml version="1.0" encoding="utf-8"?>
-<p:sld xmlns:a="http://schemas.openxmlformats.org/drawingml/2006/main" xmlns:r="http://schemas.openxmlformats.org/officeDocument/2006/relationships" xmlns:p="http://schemas.openxmlformats.org/presentationml/2006/main">
-  <p:cSld>
-    <p:bg>
-      <p:bgPr>
-        <a:solidFill>
-          <a:schemeClr val="bg1"/>
-        </a:solidFill>
-        <a:effectLst/>
-      </p:bgPr>
-    </p:bg>
-    <p:spTree>
-      <p:nvGrpSpPr>
-        <p:cNvPr id="1" name=""/>
-        <p:cNvGrpSpPr/>
-        <p:nvPr/>
-      </p:nvGrpSpPr>
-      <p:grpSpPr>
-        <a:xfrm>
-          <a:off x="0" y="0"/>
-          <a:ext cx="0" cy="0"/>
-          <a:chOff x="0" y="0"/>
-          <a:chExt cx="0" cy="0"/>
-        </a:xfrm>
-      </p:grpSpPr>
-      <p:sp useBgFill="1">
-        <p:nvSpPr>
-          <p:cNvPr id="8" name="Rectangle 7">
-            <a:extLst>
-              <a:ext uri="{FF2B5EF4-FFF2-40B4-BE49-F238E27FC236}">
-                <a16:creationId xmlns:a16="http://schemas.microsoft.com/office/drawing/2014/main" id="{8C790BE2-4E4F-4AAF-81A2-4A6F4885EBE6}"/>
-              </a:ext>
-              <a:ext uri="{C183D7F6-B498-43B3-948B-1728B52AA6E4}">
-                <adec:decorative xmlns:adec="http://schemas.microsoft.com/office/drawing/2017/decorative" val="1"/>
-              </a:ext>
-            </a:extLst>
-          </p:cNvPr>
-          <p:cNvSpPr>
-            <a:spLocks noGrp="1" noRot="1" noChangeAspect="1" noMove="1" noResize="1" noEditPoints="1" noAdjustHandles="1" noChangeArrowheads="1" noChangeShapeType="1" noTextEdit="1"/>
-          </p:cNvSpPr>
-          <p:nvPr>
-            <p:extLst>
-              <p:ext uri="{386F3935-93C4-4BCD-93E2-E3B085C9AB24}">
-                <p16:designElem xmlns:p16="http://schemas.microsoft.com/office/powerpoint/2015/main" val="1"/>
-              </p:ext>
-            </p:extLst>
-          </p:nvPr>
-        </p:nvSpPr>
-        <p:spPr>
-          <a:xfrm>
-            <a:off x="0" y="0"/>
-            <a:ext cx="12192000" cy="6858000"/>
-          </a:xfrm>
-          <a:prstGeom prst="rect">
-            <a:avLst/>
-          </a:prstGeom>
-          <a:ln w="12700" cap="flat" cmpd="sng" algn="ctr">
-            <a:noFill/>
-            <a:prstDash val="solid"/>
-            <a:miter lim="800000"/>
-          </a:ln>
-          <a:effectLst/>
-          <a:extLst>
-            <a:ext uri="{91240B29-F687-4F45-9708-019B960494DF}">
-              <a14:hiddenLine xmlns:a14="http://schemas.microsoft.com/office/drawing/2010/main" w="12700" cap="flat" cmpd="sng" algn="ctr">
-                <a:solidFill>
-                  <a:schemeClr val="accent1">
-                    <a:shade val="50000"/>
-                  </a:schemeClr>
-                </a:solidFill>
-                <a:prstDash val="solid"/>
-                <a:miter lim="800000"/>
-              </a14:hiddenLine>
-            </a:ext>
-          </a:extLst>
-        </p:spPr>
-        <p:style>
-          <a:lnRef idx="2">
-            <a:schemeClr val="accent1">
-              <a:shade val="50000"/>
-            </a:schemeClr>
-          </a:lnRef>
-          <a:fillRef idx="1">
-            <a:schemeClr val="accent1"/>
-          </a:fillRef>
-          <a:effectRef idx="0">
-            <a:schemeClr val="accent1"/>
-          </a:effectRef>
-          <a:fontRef idx="minor">
-            <a:schemeClr val="lt1"/>
-          </a:fontRef>
-        </p:style>
-        <p:txBody>
-          <a:bodyPr rtlCol="0" anchor="ctr"/>
-          <a:lstStyle/>
-          <a:p>
-            <a:pPr algn="ctr"/>
-            <a:endParaRPr lang="en-US"/>
-          </a:p>
-        </p:txBody>
-      </p:sp>
-      <p:sp>
-        <p:nvSpPr>
-          <p:cNvPr id="10" name="Rectangle 9">
-            <a:extLst>
-              <a:ext uri="{FF2B5EF4-FFF2-40B4-BE49-F238E27FC236}">
-                <a16:creationId xmlns:a16="http://schemas.microsoft.com/office/drawing/2014/main" id="{D28B54C3-B57B-472A-B96E-1FCB67093DC2}"/>
-              </a:ext>
-              <a:ext uri="{C183D7F6-B498-43B3-948B-1728B52AA6E4}">
-                <adec:decorative xmlns:adec="http://schemas.microsoft.com/office/drawing/2017/decorative" val="1"/>
-              </a:ext>
-            </a:extLst>
-          </p:cNvPr>
-          <p:cNvSpPr>
-            <a:spLocks noGrp="1" noRot="1" noChangeAspect="1" noMove="1" noResize="1" noEditPoints="1" noAdjustHandles="1" noChangeArrowheads="1" noChangeShapeType="1" noTextEdit="1"/>
-          </p:cNvSpPr>
-          <p:nvPr>
-            <p:extLst>
-              <p:ext uri="{386F3935-93C4-4BCD-93E2-E3B085C9AB24}">
-                <p16:designElem xmlns:p16="http://schemas.microsoft.com/office/powerpoint/2015/main" val="1"/>
-              </p:ext>
-            </p:extLst>
-          </p:nvPr>
-        </p:nvSpPr>
-        <p:spPr>
-          <a:xfrm flipH="1">
-            <a:off x="-1" y="0"/>
-            <a:ext cx="12191999" cy="6858000"/>
-          </a:xfrm>
-          <a:prstGeom prst="rect">
-            <a:avLst/>
-          </a:prstGeom>
-          <a:gradFill>
-            <a:gsLst>
-              <a:gs pos="0">
-                <a:schemeClr val="accent1">
-                  <a:lumMod val="50000"/>
-                </a:schemeClr>
-              </a:gs>
-              <a:gs pos="100000">
-                <a:srgbClr val="000000"/>
-              </a:gs>
-            </a:gsLst>
-            <a:lin ang="13800000" scaled="0"/>
-          </a:gradFill>
-          <a:ln>
-            <a:noFill/>
-          </a:ln>
-        </p:spPr>
-        <p:style>
-          <a:lnRef idx="2">
-            <a:schemeClr val="accent1">
-              <a:shade val="50000"/>
-            </a:schemeClr>
-          </a:lnRef>
-          <a:fillRef idx="1">
-            <a:schemeClr val="accent1"/>
-          </a:fillRef>
-          <a:effectRef idx="0">
-            <a:schemeClr val="accent1"/>
-          </a:effectRef>
-          <a:fontRef idx="minor">
-            <a:schemeClr val="lt1"/>
-          </a:fontRef>
-        </p:style>
-        <p:txBody>
-          <a:bodyPr rtlCol="0" anchor="ctr"/>
-          <a:lstStyle/>
-          <a:p>
-            <a:pPr algn="ctr"/>
-            <a:endParaRPr lang="en-US"/>
-          </a:p>
-        </p:txBody>
-      </p:sp>
-      <p:sp>
-        <p:nvSpPr>
-          <p:cNvPr id="12" name="Rectangle 11">
-            <a:extLst>
-              <a:ext uri="{FF2B5EF4-FFF2-40B4-BE49-F238E27FC236}">
-                <a16:creationId xmlns:a16="http://schemas.microsoft.com/office/drawing/2014/main" id="{7DB3C429-F8DA-49B9-AF84-21996FCF78B5}"/>
-              </a:ext>
-              <a:ext uri="{C183D7F6-B498-43B3-948B-1728B52AA6E4}">
-                <adec:decorative xmlns:adec="http://schemas.microsoft.com/office/drawing/2017/decorative" val="1"/>
-              </a:ext>
-            </a:extLst>
-          </p:cNvPr>
-          <p:cNvSpPr>
-            <a:spLocks noGrp="1" noRot="1" noChangeAspect="1" noMove="1" noResize="1" noEditPoints="1" noAdjustHandles="1" noChangeArrowheads="1" noChangeShapeType="1" noTextEdit="1"/>
-          </p:cNvSpPr>
-          <p:nvPr>
-            <p:extLst>
-              <p:ext uri="{386F3935-93C4-4BCD-93E2-E3B085C9AB24}">
-                <p16:designElem xmlns:p16="http://schemas.microsoft.com/office/powerpoint/2015/main" val="1"/>
-              </p:ext>
-            </p:extLst>
-          </p:nvPr>
-        </p:nvSpPr>
-        <p:spPr>
-          <a:xfrm rot="10800000">
-            <a:off x="0" y="-4"/>
-            <a:ext cx="12192000" cy="6402581"/>
-          </a:xfrm>
-          <a:prstGeom prst="rect">
-            <a:avLst/>
-          </a:prstGeom>
-          <a:gradFill>
-            <a:gsLst>
-              <a:gs pos="1000">
-                <a:schemeClr val="accent1">
-                  <a:lumMod val="75000"/>
-                  <a:alpha val="59000"/>
-                </a:schemeClr>
-              </a:gs>
-              <a:gs pos="100000">
-                <a:srgbClr val="000000"/>
-              </a:gs>
-            </a:gsLst>
-            <a:lin ang="15000000" scaled="0"/>
-          </a:gradFill>
-          <a:ln>
-            <a:noFill/>
-          </a:ln>
-        </p:spPr>
-        <p:style>
-          <a:lnRef idx="2">
-            <a:schemeClr val="accent1">
-              <a:shade val="50000"/>
-            </a:schemeClr>
-          </a:lnRef>
-          <a:fillRef idx="1">
-            <a:schemeClr val="accent1"/>
-          </a:fillRef>
-          <a:effectRef idx="0">
-            <a:schemeClr val="accent1"/>
-          </a:effectRef>
-          <a:fontRef idx="minor">
-            <a:schemeClr val="lt1"/>
-          </a:fontRef>
-        </p:style>
-        <p:txBody>
-          <a:bodyPr rtlCol="0" anchor="ctr"/>
-          <a:lstStyle/>
-          <a:p>
-            <a:pPr algn="ctr"/>
-            <a:endParaRPr lang="en-US"/>
-          </a:p>
-        </p:txBody>
-      </p:sp>
-      <p:sp>
-        <p:nvSpPr>
-          <p:cNvPr id="14" name="Rectangle 13">
-            <a:extLst>
-              <a:ext uri="{FF2B5EF4-FFF2-40B4-BE49-F238E27FC236}">
-                <a16:creationId xmlns:a16="http://schemas.microsoft.com/office/drawing/2014/main" id="{E12088DD-B1AD-40E0-8B86-1D87A2CCD9BE}"/>
-              </a:ext>
-              <a:ext uri="{C183D7F6-B498-43B3-948B-1728B52AA6E4}">
-                <adec:decorative xmlns:adec="http://schemas.microsoft.com/office/drawing/2017/decorative" val="1"/>
-              </a:ext>
-            </a:extLst>
-          </p:cNvPr>
-          <p:cNvSpPr>
-            <a:spLocks noGrp="1" noRot="1" noChangeAspect="1" noMove="1" noResize="1" noEditPoints="1" noAdjustHandles="1" noChangeArrowheads="1" noChangeShapeType="1" noTextEdit="1"/>
-          </p:cNvSpPr>
-          <p:nvPr>
-            <p:extLst>
-              <p:ext uri="{386F3935-93C4-4BCD-93E2-E3B085C9AB24}">
-                <p16:designElem xmlns:p16="http://schemas.microsoft.com/office/powerpoint/2015/main" val="1"/>
-              </p:ext>
-            </p:extLst>
-          </p:nvPr>
-        </p:nvSpPr>
-        <p:spPr>
-          <a:xfrm rot="5400000" flipH="1">
-            <a:off x="2663054" y="-2653923"/>
-            <a:ext cx="6858001" cy="12165846"/>
-          </a:xfrm>
-          <a:prstGeom prst="rect">
-            <a:avLst/>
-          </a:prstGeom>
-          <a:gradFill>
-            <a:gsLst>
-              <a:gs pos="13000">
-                <a:schemeClr val="accent1">
-                  <a:lumMod val="50000"/>
-                  <a:alpha val="0"/>
-                </a:schemeClr>
-              </a:gs>
-              <a:gs pos="99000">
-                <a:srgbClr val="000000">
-                  <a:alpha val="28000"/>
-                </a:srgbClr>
-              </a:gs>
-            </a:gsLst>
-            <a:lin ang="0" scaled="0"/>
-          </a:gradFill>
-          <a:ln>
-            <a:noFill/>
-          </a:ln>
-        </p:spPr>
-        <p:style>
-          <a:lnRef idx="2">
-            <a:schemeClr val="accent1">
-              <a:shade val="50000"/>
-            </a:schemeClr>
-          </a:lnRef>
-          <a:fillRef idx="1">
-            <a:schemeClr val="accent1"/>
-          </a:fillRef>
-          <a:effectRef idx="0">
-            <a:schemeClr val="accent1"/>
-          </a:effectRef>
-          <a:fontRef idx="minor">
-            <a:schemeClr val="lt1"/>
-          </a:fontRef>
-        </p:style>
-        <p:txBody>
-          <a:bodyPr rtlCol="0" anchor="ctr"/>
-          <a:lstStyle/>
-          <a:p>
-            <a:pPr algn="ctr"/>
-            <a:endParaRPr lang="en-US" dirty="0"/>
-          </a:p>
-        </p:txBody>
-      </p:sp>
-      <p:sp>
-        <p:nvSpPr>
-          <p:cNvPr id="16" name="Rectangle 15">
-            <a:extLst>
-              <a:ext uri="{FF2B5EF4-FFF2-40B4-BE49-F238E27FC236}">
-                <a16:creationId xmlns:a16="http://schemas.microsoft.com/office/drawing/2014/main" id="{C4C9F2B0-1044-46EB-8AEB-C3BFFDE6C2CC}"/>
-              </a:ext>
-              <a:ext uri="{C183D7F6-B498-43B3-948B-1728B52AA6E4}">
-                <adec:decorative xmlns:adec="http://schemas.microsoft.com/office/drawing/2017/decorative" val="1"/>
-              </a:ext>
-            </a:extLst>
-          </p:cNvPr>
-          <p:cNvSpPr>
-            <a:spLocks noGrp="1" noRot="1" noChangeAspect="1" noMove="1" noResize="1" noEditPoints="1" noAdjustHandles="1" noChangeArrowheads="1" noChangeShapeType="1" noTextEdit="1"/>
-          </p:cNvSpPr>
-          <p:nvPr>
-            <p:extLst>
-              <p:ext uri="{386F3935-93C4-4BCD-93E2-E3B085C9AB24}">
-                <p16:designElem xmlns:p16="http://schemas.microsoft.com/office/powerpoint/2015/main" val="1"/>
-              </p:ext>
-            </p:extLst>
-          </p:nvPr>
-        </p:nvSpPr>
-        <p:spPr>
-          <a:xfrm flipH="1">
-            <a:off x="6094763" y="0"/>
-            <a:ext cx="6096001" cy="6858000"/>
-          </a:xfrm>
-          <a:prstGeom prst="rect">
-            <a:avLst/>
-          </a:prstGeom>
-          <a:gradFill>
-            <a:gsLst>
-              <a:gs pos="13000">
-                <a:schemeClr val="accent1">
-                  <a:lumMod val="50000"/>
-                  <a:alpha val="0"/>
-                </a:schemeClr>
-              </a:gs>
-              <a:gs pos="99000">
-                <a:schemeClr val="accent1">
-                  <a:lumMod val="75000"/>
-                  <a:alpha val="50000"/>
-                </a:schemeClr>
-              </a:gs>
-            </a:gsLst>
-            <a:lin ang="6000000" scaled="0"/>
-          </a:gradFill>
-          <a:ln>
-            <a:noFill/>
-          </a:ln>
-        </p:spPr>
-        <p:style>
-          <a:lnRef idx="2">
-            <a:schemeClr val="accent1">
-              <a:shade val="50000"/>
-            </a:schemeClr>
-          </a:lnRef>
-          <a:fillRef idx="1">
-            <a:schemeClr val="accent1"/>
-          </a:fillRef>
-          <a:effectRef idx="0">
-            <a:schemeClr val="accent1"/>
-          </a:effectRef>
-          <a:fontRef idx="minor">
-            <a:schemeClr val="lt1"/>
-          </a:fontRef>
-        </p:style>
-        <p:txBody>
-          <a:bodyPr rtlCol="0" anchor="ctr"/>
-          <a:lstStyle/>
-          <a:p>
-            <a:pPr algn="ctr"/>
-            <a:endParaRPr lang="en-US" dirty="0"/>
-          </a:p>
-        </p:txBody>
-      </p:sp>
-      <p:sp>
-        <p:nvSpPr>
-          <p:cNvPr id="18" name="Rectangle 17">
-            <a:extLst>
-              <a:ext uri="{FF2B5EF4-FFF2-40B4-BE49-F238E27FC236}">
-                <a16:creationId xmlns:a16="http://schemas.microsoft.com/office/drawing/2014/main" id="{0C395952-4E26-45A2-8756-2ADFD6E53C6E}"/>
-              </a:ext>
-              <a:ext uri="{C183D7F6-B498-43B3-948B-1728B52AA6E4}">
-                <adec:decorative xmlns:adec="http://schemas.microsoft.com/office/drawing/2017/decorative" val="1"/>
-              </a:ext>
-            </a:extLst>
-          </p:cNvPr>
-          <p:cNvSpPr>
-            <a:spLocks noGrp="1" noRot="1" noChangeAspect="1" noMove="1" noResize="1" noEditPoints="1" noAdjustHandles="1" noChangeArrowheads="1" noChangeShapeType="1" noTextEdit="1"/>
-          </p:cNvSpPr>
-          <p:nvPr>
-            <p:extLst>
-              <p:ext uri="{386F3935-93C4-4BCD-93E2-E3B085C9AB24}">
-                <p16:designElem xmlns:p16="http://schemas.microsoft.com/office/powerpoint/2015/main" val="1"/>
-              </p:ext>
-            </p:extLst>
-          </p:nvPr>
-        </p:nvSpPr>
-        <p:spPr>
-          <a:xfrm flipH="1">
-            <a:off x="-4" y="-3"/>
-            <a:ext cx="12182871" cy="6871922"/>
-          </a:xfrm>
-          <a:prstGeom prst="rect">
-            <a:avLst/>
-          </a:prstGeom>
-          <a:gradFill>
-            <a:gsLst>
-              <a:gs pos="13000">
-                <a:srgbClr val="000000">
-                  <a:alpha val="35000"/>
-                </a:srgbClr>
-              </a:gs>
-              <a:gs pos="99000">
-                <a:schemeClr val="accent1">
-                  <a:lumMod val="75000"/>
-                  <a:alpha val="0"/>
-                </a:schemeClr>
-              </a:gs>
-            </a:gsLst>
-            <a:lin ang="4800000" scaled="0"/>
-          </a:gradFill>
-          <a:ln>
-            <a:noFill/>
-          </a:ln>
-        </p:spPr>
-        <p:style>
-          <a:lnRef idx="2">
-            <a:schemeClr val="accent1">
-              <a:shade val="50000"/>
-            </a:schemeClr>
-          </a:lnRef>
-          <a:fillRef idx="1">
-            <a:schemeClr val="accent1"/>
-          </a:fillRef>
-          <a:effectRef idx="0">
-            <a:schemeClr val="accent1"/>
-          </a:effectRef>
-          <a:fontRef idx="minor">
-            <a:schemeClr val="lt1"/>
-          </a:fontRef>
-        </p:style>
-        <p:txBody>
-          <a:bodyPr rtlCol="0" anchor="ctr"/>
-          <a:lstStyle/>
-          <a:p>
-            <a:pPr algn="ctr"/>
-            <a:endParaRPr lang="en-US" dirty="0"/>
-          </a:p>
-        </p:txBody>
-      </p:sp>
-      <p:sp>
-        <p:nvSpPr>
-          <p:cNvPr id="20" name="Freeform: Shape 19">
-            <a:extLst>
-              <a:ext uri="{FF2B5EF4-FFF2-40B4-BE49-F238E27FC236}">
-                <a16:creationId xmlns:a16="http://schemas.microsoft.com/office/drawing/2014/main" id="{4734BADF-9461-4621-B112-2D7BABEA7DD0}"/>
-              </a:ext>
-              <a:ext uri="{C183D7F6-B498-43B3-948B-1728B52AA6E4}">
-                <adec:decorative xmlns:adec="http://schemas.microsoft.com/office/drawing/2017/decorative" val="1"/>
-              </a:ext>
-            </a:extLst>
-          </p:cNvPr>
-          <p:cNvSpPr>
-            <a:spLocks noGrp="1" noRot="1" noChangeAspect="1" noMove="1" noResize="1" noEditPoints="1" noAdjustHandles="1" noChangeArrowheads="1" noChangeShapeType="1" noTextEdit="1"/>
-          </p:cNvSpPr>
-          <p:nvPr>
-            <p:extLst>
-              <p:ext uri="{386F3935-93C4-4BCD-93E2-E3B085C9AB24}">
-                <p16:designElem xmlns:p16="http://schemas.microsoft.com/office/powerpoint/2015/main" val="1"/>
-              </p:ext>
-            </p:extLst>
-          </p:nvPr>
-        </p:nvSpPr>
-        <p:spPr>
-          <a:xfrm>
-            <a:off x="987713" y="4049"/>
-            <a:ext cx="10216576" cy="4729040"/>
-          </a:xfrm>
-          <a:custGeom>
-            <a:avLst/>
-            <a:gdLst>
-              <a:gd name="connsiteX0" fmla="*/ 0 w 10216576"/>
-              <a:gd name="connsiteY0" fmla="*/ 0 h 4729040"/>
-              <a:gd name="connsiteX1" fmla="*/ 10216576 w 10216576"/>
-              <a:gd name="connsiteY1" fmla="*/ 0 h 4729040"/>
-              <a:gd name="connsiteX2" fmla="*/ 10210268 w 10216576"/>
-              <a:gd name="connsiteY2" fmla="*/ 124944 h 4729040"/>
-              <a:gd name="connsiteX3" fmla="*/ 5108288 w 10216576"/>
-              <a:gd name="connsiteY3" fmla="*/ 4729040 h 4729040"/>
-              <a:gd name="connsiteX4" fmla="*/ 6309 w 10216576"/>
-              <a:gd name="connsiteY4" fmla="*/ 124944 h 4729040"/>
-            </a:gdLst>
-            <a:ahLst/>
-            <a:cxnLst>
-              <a:cxn ang="0">
-                <a:pos x="connsiteX0" y="connsiteY0"/>
-              </a:cxn>
-              <a:cxn ang="0">
-                <a:pos x="connsiteX1" y="connsiteY1"/>
-              </a:cxn>
-              <a:cxn ang="0">
-                <a:pos x="connsiteX2" y="connsiteY2"/>
-              </a:cxn>
-              <a:cxn ang="0">
-                <a:pos x="connsiteX3" y="connsiteY3"/>
-              </a:cxn>
-              <a:cxn ang="0">
-                <a:pos x="connsiteX4" y="connsiteY4"/>
-              </a:cxn>
-            </a:cxnLst>
-            <a:rect l="l" t="t" r="r" b="b"/>
-            <a:pathLst>
-              <a:path w="10216576" h="4729040">
-                <a:moveTo>
-                  <a:pt x="0" y="0"/>
-                </a:moveTo>
-                <a:lnTo>
-                  <a:pt x="10216576" y="0"/>
-                </a:lnTo>
-                <a:lnTo>
-                  <a:pt x="10210268" y="124944"/>
-                </a:lnTo>
-                <a:cubicBezTo>
-                  <a:pt x="9947637" y="2710997"/>
-                  <a:pt x="7763635" y="4729040"/>
-                  <a:pt x="5108288" y="4729040"/>
-                </a:cubicBezTo>
-                <a:cubicBezTo>
-                  <a:pt x="2452942" y="4729040"/>
-                  <a:pt x="268937" y="2710997"/>
-                  <a:pt x="6309" y="124944"/>
-                </a:cubicBezTo>
-                <a:close/>
-              </a:path>
-            </a:pathLst>
-          </a:custGeom>
-          <a:gradFill>
-            <a:gsLst>
-              <a:gs pos="7000">
-                <a:schemeClr val="accent1">
-                  <a:lumMod val="50000"/>
-                  <a:alpha val="4000"/>
-                </a:schemeClr>
-              </a:gs>
-              <a:gs pos="99000">
-                <a:schemeClr val="accent1">
-                  <a:alpha val="24000"/>
-                </a:schemeClr>
-              </a:gs>
-            </a:gsLst>
-            <a:lin ang="10200000" scaled="0"/>
-          </a:gradFill>
-          <a:ln>
-            <a:noFill/>
-          </a:ln>
-        </p:spPr>
-        <p:style>
-          <a:lnRef idx="2">
-            <a:schemeClr val="accent1">
-              <a:shade val="50000"/>
-            </a:schemeClr>
-          </a:lnRef>
-          <a:fillRef idx="1">
-            <a:schemeClr val="accent1"/>
-          </a:fillRef>
-          <a:effectRef idx="0">
-            <a:schemeClr val="accent1"/>
-          </a:effectRef>
-          <a:fontRef idx="minor">
-            <a:schemeClr val="lt1"/>
-          </a:fontRef>
-        </p:style>
-        <p:txBody>
-          <a:bodyPr wrap="square" rtlCol="0" anchor="ctr">
-            <a:noAutofit/>
-          </a:bodyPr>
-          <a:lstStyle/>
-          <a:p>
-            <a:pPr algn="ctr"/>
-            <a:endParaRPr lang="en-US"/>
-          </a:p>
-        </p:txBody>
-      </p:sp>
-      <p:sp>
-        <p:nvSpPr>
-          <p:cNvPr id="2" name="Title 1">
-            <a:extLst>
-              <a:ext uri="{FF2B5EF4-FFF2-40B4-BE49-F238E27FC236}">
-                <a16:creationId xmlns:a16="http://schemas.microsoft.com/office/drawing/2014/main" id="{A545511D-1DCE-6025-4995-D6141AD9E4D9}"/>
-              </a:ext>
-            </a:extLst>
-          </p:cNvPr>
-          <p:cNvSpPr>
-            <a:spLocks noGrp="1"/>
-          </p:cNvSpPr>
-          <p:nvPr>
-            <p:ph type="title"/>
-          </p:nvPr>
-        </p:nvSpPr>
-        <p:spPr>
-          <a:xfrm>
-            <a:off x="2026693" y="1030406"/>
-            <a:ext cx="8147713" cy="3081242"/>
-          </a:xfrm>
-        </p:spPr>
-        <p:txBody>
-          <a:bodyPr vert="horz" lIns="91440" tIns="45720" rIns="91440" bIns="45720" rtlCol="0" anchor="ctr">
-            <a:normAutofit/>
-          </a:bodyPr>
-          <a:lstStyle/>
-          <a:p>
-            <a:pPr algn="ctr"/>
-            <a:r>
-              <a:rPr lang="en-US" sz="4800" kern="1200">
-                <a:solidFill>
-                  <a:srgbClr val="FFFFFF"/>
-                </a:solidFill>
-                <a:latin typeface="+mj-lt"/>
-                <a:ea typeface="+mj-ea"/>
-                <a:cs typeface="+mj-cs"/>
-              </a:rPr>
-              <a:t>General Advice for Report Writing</a:t>
-            </a:r>
-          </a:p>
-        </p:txBody>
-      </p:sp>
-    </p:spTree>
-    <p:extLst>
-      <p:ext uri="{BB962C8B-B14F-4D97-AF65-F5344CB8AC3E}">
-        <p14:creationId xmlns:p14="http://schemas.microsoft.com/office/powerpoint/2010/main" val="2210434010"/>
-      </p:ext>
-    </p:extLst>
-  </p:cSld>
-  <p:clrMapOvr>
-    <a:masterClrMapping/>
-  </p:clrMapOvr>
-</p:sld>
-</file>
-
-<file path=ppt/slides/slide21.xml><?xml version="1.0" encoding="utf-8"?>
-<p:sld xmlns:a="http://schemas.openxmlformats.org/drawingml/2006/main" xmlns:r="http://schemas.openxmlformats.org/officeDocument/2006/relationships" xmlns:p="http://schemas.openxmlformats.org/presentationml/2006/main">
-  <p:cSld>
-    <p:bg>
-      <p:bgPr>
-        <a:solidFill>
-          <a:schemeClr val="bg1"/>
-        </a:solidFill>
-        <a:effectLst/>
-      </p:bgPr>
-    </p:bg>
-    <p:spTree>
-      <p:nvGrpSpPr>
-        <p:cNvPr id="1" name=""/>
-        <p:cNvGrpSpPr/>
-        <p:nvPr/>
-      </p:nvGrpSpPr>
-      <p:grpSpPr>
-        <a:xfrm>
-          <a:off x="0" y="0"/>
-          <a:ext cx="0" cy="0"/>
-          <a:chOff x="0" y="0"/>
-          <a:chExt cx="0" cy="0"/>
-        </a:xfrm>
-      </p:grpSpPr>
-      <p:sp useBgFill="1">
-        <p:nvSpPr>
-          <p:cNvPr id="32" name="Rectangle 31">
-            <a:extLst>
-              <a:ext uri="{FF2B5EF4-FFF2-40B4-BE49-F238E27FC236}">
-                <a16:creationId xmlns:a16="http://schemas.microsoft.com/office/drawing/2014/main" id="{DEE2AD96-B495-4E06-9291-B71706F728CB}"/>
-              </a:ext>
-              <a:ext uri="{C183D7F6-B498-43B3-948B-1728B52AA6E4}">
-                <adec:decorative xmlns:adec="http://schemas.microsoft.com/office/drawing/2017/decorative" val="1"/>
-              </a:ext>
-            </a:extLst>
-          </p:cNvPr>
-          <p:cNvSpPr>
-            <a:spLocks noGrp="1" noRot="1" noChangeAspect="1" noMove="1" noResize="1" noEditPoints="1" noAdjustHandles="1" noChangeArrowheads="1" noChangeShapeType="1" noTextEdit="1"/>
-          </p:cNvSpPr>
-          <p:nvPr>
-            <p:extLst>
-              <p:ext uri="{386F3935-93C4-4BCD-93E2-E3B085C9AB24}">
-                <p16:designElem xmlns:p16="http://schemas.microsoft.com/office/powerpoint/2015/main" val="1"/>
-              </p:ext>
-            </p:extLst>
-          </p:nvPr>
-        </p:nvSpPr>
-        <p:spPr>
-          <a:xfrm>
-            <a:off x="0" y="0"/>
-            <a:ext cx="12192000" cy="6858000"/>
-          </a:xfrm>
-          <a:prstGeom prst="rect">
-            <a:avLst/>
-          </a:prstGeom>
-          <a:ln w="12700" cap="flat" cmpd="sng" algn="ctr">
-            <a:noFill/>
-            <a:prstDash val="solid"/>
-            <a:miter lim="800000"/>
-          </a:ln>
-          <a:effectLst/>
-          <a:extLst>
-            <a:ext uri="{91240B29-F687-4F45-9708-019B960494DF}">
-              <a14:hiddenLine xmlns:a14="http://schemas.microsoft.com/office/drawing/2010/main" w="12700" cap="flat" cmpd="sng" algn="ctr">
-                <a:solidFill>
-                  <a:schemeClr val="accent1">
-                    <a:shade val="50000"/>
-                  </a:schemeClr>
-                </a:solidFill>
-                <a:prstDash val="solid"/>
-                <a:miter lim="800000"/>
-              </a14:hiddenLine>
-            </a:ext>
-          </a:extLst>
-        </p:spPr>
-        <p:style>
-          <a:lnRef idx="2">
-            <a:schemeClr val="accent1">
-              <a:shade val="50000"/>
-            </a:schemeClr>
-          </a:lnRef>
-          <a:fillRef idx="1">
-            <a:schemeClr val="accent1"/>
-          </a:fillRef>
-          <a:effectRef idx="0">
-            <a:schemeClr val="accent1"/>
-          </a:effectRef>
-          <a:fontRef idx="minor">
-            <a:schemeClr val="lt1"/>
-          </a:fontRef>
-        </p:style>
-        <p:txBody>
-          <a:bodyPr rtlCol="0" anchor="ctr"/>
-          <a:lstStyle/>
-          <a:p>
-            <a:pPr algn="ctr"/>
-            <a:endParaRPr lang="en-US"/>
-          </a:p>
-        </p:txBody>
-      </p:sp>
-      <p:sp>
-        <p:nvSpPr>
-          <p:cNvPr id="34" name="Rectangle 33">
-            <a:extLst>
-              <a:ext uri="{FF2B5EF4-FFF2-40B4-BE49-F238E27FC236}">
-                <a16:creationId xmlns:a16="http://schemas.microsoft.com/office/drawing/2014/main" id="{53CF6D67-C5A8-4ADD-9E8E-1E38CA1D3166}"/>
-              </a:ext>
-              <a:ext uri="{C183D7F6-B498-43B3-948B-1728B52AA6E4}">
-                <adec:decorative xmlns:adec="http://schemas.microsoft.com/office/drawing/2017/decorative" val="1"/>
-              </a:ext>
-            </a:extLst>
-          </p:cNvPr>
-          <p:cNvSpPr>
-            <a:spLocks noGrp="1" noRot="1" noChangeAspect="1" noMove="1" noResize="1" noEditPoints="1" noAdjustHandles="1" noChangeArrowheads="1" noChangeShapeType="1" noTextEdit="1"/>
-          </p:cNvSpPr>
-          <p:nvPr>
-            <p:extLst>
-              <p:ext uri="{386F3935-93C4-4BCD-93E2-E3B085C9AB24}">
-                <p16:designElem xmlns:p16="http://schemas.microsoft.com/office/powerpoint/2015/main" val="1"/>
-              </p:ext>
-            </p:extLst>
-          </p:nvPr>
-        </p:nvSpPr>
-        <p:spPr>
-          <a:xfrm rot="5400000" flipH="1">
-            <a:off x="-638515" y="639280"/>
-            <a:ext cx="6858000" cy="5579440"/>
-          </a:xfrm>
-          <a:prstGeom prst="rect">
-            <a:avLst/>
-          </a:prstGeom>
-          <a:gradFill>
-            <a:gsLst>
-              <a:gs pos="8000">
-                <a:srgbClr val="000000"/>
-              </a:gs>
-              <a:gs pos="100000">
-                <a:schemeClr val="accent1">
-                  <a:lumMod val="75000"/>
-                </a:schemeClr>
-              </a:gs>
-            </a:gsLst>
-            <a:lin ang="3000000" scaled="0"/>
-          </a:gradFill>
-          <a:ln>
-            <a:noFill/>
-          </a:ln>
-        </p:spPr>
-        <p:style>
-          <a:lnRef idx="2">
-            <a:schemeClr val="accent1">
-              <a:shade val="50000"/>
-            </a:schemeClr>
-          </a:lnRef>
-          <a:fillRef idx="1">
-            <a:schemeClr val="accent1"/>
-          </a:fillRef>
-          <a:effectRef idx="0">
-            <a:schemeClr val="accent1"/>
-          </a:effectRef>
-          <a:fontRef idx="minor">
-            <a:schemeClr val="lt1"/>
-          </a:fontRef>
-        </p:style>
-        <p:txBody>
-          <a:bodyPr rtlCol="0" anchor="ctr"/>
-          <a:lstStyle/>
-          <a:p>
-            <a:pPr algn="ctr"/>
-            <a:endParaRPr lang="en-US"/>
-          </a:p>
-        </p:txBody>
-      </p:sp>
-      <p:sp>
-        <p:nvSpPr>
-          <p:cNvPr id="36" name="Rectangle 35">
-            <a:extLst>
-              <a:ext uri="{FF2B5EF4-FFF2-40B4-BE49-F238E27FC236}">
-                <a16:creationId xmlns:a16="http://schemas.microsoft.com/office/drawing/2014/main" id="{86909FA0-B515-4681-B7A8-FA281D133B94}"/>
-              </a:ext>
-              <a:ext uri="{C183D7F6-B498-43B3-948B-1728B52AA6E4}">
-                <adec:decorative xmlns:adec="http://schemas.microsoft.com/office/drawing/2017/decorative" val="1"/>
-              </a:ext>
-            </a:extLst>
-          </p:cNvPr>
-          <p:cNvSpPr>
-            <a:spLocks noGrp="1" noRot="1" noChangeAspect="1" noMove="1" noResize="1" noEditPoints="1" noAdjustHandles="1" noChangeArrowheads="1" noChangeShapeType="1" noTextEdit="1"/>
-          </p:cNvSpPr>
-          <p:nvPr>
-            <p:extLst>
-              <p:ext uri="{386F3935-93C4-4BCD-93E2-E3B085C9AB24}">
-                <p16:designElem xmlns:p16="http://schemas.microsoft.com/office/powerpoint/2015/main" val="1"/>
-              </p:ext>
-            </p:extLst>
-          </p:nvPr>
-        </p:nvSpPr>
-        <p:spPr>
-          <a:xfrm rot="5400000" flipH="1">
-            <a:off x="-393206" y="395206"/>
-            <a:ext cx="6346209" cy="5576080"/>
-          </a:xfrm>
-          <a:prstGeom prst="rect">
-            <a:avLst/>
-          </a:prstGeom>
-          <a:gradFill>
-            <a:gsLst>
-              <a:gs pos="0">
-                <a:srgbClr val="000000">
-                  <a:alpha val="0"/>
-                </a:srgbClr>
-              </a:gs>
-              <a:gs pos="99000">
-                <a:schemeClr val="accent1">
-                  <a:alpha val="0"/>
-                </a:schemeClr>
-              </a:gs>
-            </a:gsLst>
-            <a:lin ang="1800000" scaled="0"/>
-          </a:gradFill>
-          <a:ln>
-            <a:noFill/>
-          </a:ln>
-        </p:spPr>
-        <p:style>
-          <a:lnRef idx="2">
-            <a:schemeClr val="accent1">
-              <a:shade val="50000"/>
-            </a:schemeClr>
-          </a:lnRef>
-          <a:fillRef idx="1">
-            <a:schemeClr val="accent1"/>
-          </a:fillRef>
-          <a:effectRef idx="0">
-            <a:schemeClr val="accent1"/>
-          </a:effectRef>
-          <a:fontRef idx="minor">
-            <a:schemeClr val="lt1"/>
-          </a:fontRef>
-        </p:style>
-        <p:txBody>
-          <a:bodyPr rtlCol="0" anchor="ctr"/>
-          <a:lstStyle/>
-          <a:p>
-            <a:pPr algn="ctr"/>
-            <a:endParaRPr lang="en-US"/>
-          </a:p>
-        </p:txBody>
-      </p:sp>
-      <p:sp>
-        <p:nvSpPr>
-          <p:cNvPr id="38" name="Rectangle 37">
-            <a:extLst>
-              <a:ext uri="{FF2B5EF4-FFF2-40B4-BE49-F238E27FC236}">
-                <a16:creationId xmlns:a16="http://schemas.microsoft.com/office/drawing/2014/main" id="{21C9FE86-FCC3-4A31-AA1C-C882262B7FE7}"/>
-              </a:ext>
-              <a:ext uri="{C183D7F6-B498-43B3-948B-1728B52AA6E4}">
-                <adec:decorative xmlns:adec="http://schemas.microsoft.com/office/drawing/2017/decorative" val="1"/>
-              </a:ext>
-            </a:extLst>
-          </p:cNvPr>
-          <p:cNvSpPr>
-            <a:spLocks noGrp="1" noRot="1" noChangeAspect="1" noMove="1" noResize="1" noEditPoints="1" noAdjustHandles="1" noChangeArrowheads="1" noChangeShapeType="1" noTextEdit="1"/>
-          </p:cNvSpPr>
-          <p:nvPr>
-            <p:extLst>
-              <p:ext uri="{386F3935-93C4-4BCD-93E2-E3B085C9AB24}">
-                <p16:designElem xmlns:p16="http://schemas.microsoft.com/office/powerpoint/2015/main" val="1"/>
-              </p:ext>
-            </p:extLst>
-          </p:nvPr>
-        </p:nvSpPr>
-        <p:spPr>
-          <a:xfrm rot="5400000" flipH="1">
-            <a:off x="1528907" y="2818967"/>
-            <a:ext cx="2501979" cy="5576080"/>
-          </a:xfrm>
-          <a:prstGeom prst="rect">
-            <a:avLst/>
-          </a:prstGeom>
-          <a:gradFill>
-            <a:gsLst>
-              <a:gs pos="2000">
-                <a:schemeClr val="accent1">
-                  <a:alpha val="29000"/>
-                </a:schemeClr>
-              </a:gs>
-              <a:gs pos="100000">
-                <a:srgbClr val="000000">
-                  <a:alpha val="30000"/>
-                </a:srgbClr>
-              </a:gs>
-            </a:gsLst>
-            <a:lin ang="7800000" scaled="0"/>
-          </a:gradFill>
-          <a:ln>
-            <a:noFill/>
-          </a:ln>
-        </p:spPr>
-        <p:style>
-          <a:lnRef idx="2">
-            <a:schemeClr val="accent1">
-              <a:shade val="50000"/>
-            </a:schemeClr>
-          </a:lnRef>
-          <a:fillRef idx="1">
-            <a:schemeClr val="accent1"/>
-          </a:fillRef>
-          <a:effectRef idx="0">
-            <a:schemeClr val="accent1"/>
-          </a:effectRef>
-          <a:fontRef idx="minor">
-            <a:schemeClr val="lt1"/>
-          </a:fontRef>
-        </p:style>
-        <p:txBody>
-          <a:bodyPr rtlCol="0" anchor="ctr"/>
-          <a:lstStyle/>
-          <a:p>
-            <a:pPr algn="ctr"/>
-            <a:endParaRPr lang="en-US" dirty="0"/>
-          </a:p>
-        </p:txBody>
-      </p:sp>
-      <p:sp>
-        <p:nvSpPr>
-          <p:cNvPr id="40" name="Rectangle 39">
-            <a:extLst>
-              <a:ext uri="{FF2B5EF4-FFF2-40B4-BE49-F238E27FC236}">
-                <a16:creationId xmlns:a16="http://schemas.microsoft.com/office/drawing/2014/main" id="{7D96243B-ECED-4B71-8E06-AE9A285EAD20}"/>
-              </a:ext>
-              <a:ext uri="{C183D7F6-B498-43B3-948B-1728B52AA6E4}">
-                <adec:decorative xmlns:adec="http://schemas.microsoft.com/office/drawing/2017/decorative" val="1"/>
-              </a:ext>
-            </a:extLst>
-          </p:cNvPr>
-          <p:cNvSpPr>
-            <a:spLocks noGrp="1" noRot="1" noChangeAspect="1" noMove="1" noResize="1" noEditPoints="1" noAdjustHandles="1" noChangeArrowheads="1" noChangeShapeType="1" noTextEdit="1"/>
-          </p:cNvSpPr>
-          <p:nvPr>
-            <p:extLst>
-              <p:ext uri="{386F3935-93C4-4BCD-93E2-E3B085C9AB24}">
-                <p16:designElem xmlns:p16="http://schemas.microsoft.com/office/powerpoint/2015/main" val="1"/>
-              </p:ext>
-            </p:extLst>
-          </p:nvPr>
-        </p:nvSpPr>
-        <p:spPr>
-          <a:xfrm rot="5400000" flipH="1">
-            <a:off x="-425002" y="852793"/>
-            <a:ext cx="6858001" cy="5152412"/>
-          </a:xfrm>
-          <a:prstGeom prst="rect">
-            <a:avLst/>
-          </a:prstGeom>
-          <a:gradFill>
-            <a:gsLst>
-              <a:gs pos="0">
-                <a:srgbClr val="000000">
-                  <a:alpha val="0"/>
-                </a:srgbClr>
-              </a:gs>
-              <a:gs pos="99000">
-                <a:schemeClr val="accent1">
-                  <a:alpha val="11000"/>
-                </a:schemeClr>
-              </a:gs>
-            </a:gsLst>
-            <a:lin ang="7800000" scaled="0"/>
-          </a:gradFill>
-          <a:ln>
-            <a:noFill/>
-          </a:ln>
-        </p:spPr>
-        <p:style>
-          <a:lnRef idx="2">
-            <a:schemeClr val="accent1">
-              <a:shade val="50000"/>
-            </a:schemeClr>
-          </a:lnRef>
-          <a:fillRef idx="1">
-            <a:schemeClr val="accent1"/>
-          </a:fillRef>
-          <a:effectRef idx="0">
-            <a:schemeClr val="accent1"/>
-          </a:effectRef>
-          <a:fontRef idx="minor">
-            <a:schemeClr val="lt1"/>
-          </a:fontRef>
-        </p:style>
-        <p:txBody>
-          <a:bodyPr rtlCol="0" anchor="ctr"/>
-          <a:lstStyle/>
-          <a:p>
-            <a:pPr algn="ctr"/>
-            <a:endParaRPr lang="en-US"/>
-          </a:p>
-        </p:txBody>
-      </p:sp>
-      <p:sp>
-        <p:nvSpPr>
-          <p:cNvPr id="42" name="Oval 41">
-            <a:extLst>
-              <a:ext uri="{FF2B5EF4-FFF2-40B4-BE49-F238E27FC236}">
-                <a16:creationId xmlns:a16="http://schemas.microsoft.com/office/drawing/2014/main" id="{A09989E4-EFDC-4A90-A633-E0525FB4139E}"/>
-              </a:ext>
-              <a:ext uri="{C183D7F6-B498-43B3-948B-1728B52AA6E4}">
-                <adec:decorative xmlns:adec="http://schemas.microsoft.com/office/drawing/2017/decorative" val="1"/>
-              </a:ext>
-            </a:extLst>
-          </p:cNvPr>
-          <p:cNvSpPr>
-            <a:spLocks noGrp="1" noRot="1" noChangeAspect="1" noMove="1" noResize="1" noEditPoints="1" noAdjustHandles="1" noChangeArrowheads="1" noChangeShapeType="1" noTextEdit="1"/>
-          </p:cNvSpPr>
-          <p:nvPr>
-            <p:extLst>
-              <p:ext uri="{386F3935-93C4-4BCD-93E2-E3B085C9AB24}">
-                <p16:designElem xmlns:p16="http://schemas.microsoft.com/office/powerpoint/2015/main" val="1"/>
-              </p:ext>
-            </p:extLst>
-          </p:nvPr>
-        </p:nvSpPr>
-        <p:spPr>
-          <a:xfrm rot="6097846">
-            <a:off x="818753" y="1128497"/>
-            <a:ext cx="4318303" cy="4318303"/>
-          </a:xfrm>
-          <a:prstGeom prst="ellipse">
-            <a:avLst/>
-          </a:prstGeom>
-          <a:gradFill>
-            <a:gsLst>
-              <a:gs pos="39000">
-                <a:schemeClr val="accent1">
-                  <a:alpha val="0"/>
-                </a:schemeClr>
-              </a:gs>
-              <a:gs pos="100000">
-                <a:schemeClr val="accent1">
-                  <a:lumMod val="60000"/>
-                  <a:lumOff val="40000"/>
-                  <a:alpha val="15000"/>
-                </a:schemeClr>
-              </a:gs>
-            </a:gsLst>
-            <a:lin ang="17400000" scaled="0"/>
-          </a:gradFill>
-          <a:ln>
-            <a:noFill/>
-          </a:ln>
-        </p:spPr>
-        <p:style>
-          <a:lnRef idx="2">
-            <a:schemeClr val="accent1">
-              <a:shade val="50000"/>
-            </a:schemeClr>
-          </a:lnRef>
-          <a:fillRef idx="1">
-            <a:schemeClr val="accent1"/>
-          </a:fillRef>
-          <a:effectRef idx="0">
-            <a:schemeClr val="accent1"/>
-          </a:effectRef>
-          <a:fontRef idx="minor">
-            <a:schemeClr val="lt1"/>
-          </a:fontRef>
-        </p:style>
-        <p:txBody>
-          <a:bodyPr rtlCol="0" anchor="ctr"/>
-          <a:lstStyle/>
-          <a:p>
-            <a:pPr algn="ctr"/>
-            <a:endParaRPr lang="en-US" dirty="0"/>
-          </a:p>
-        </p:txBody>
-      </p:sp>
-      <p:sp>
-        <p:nvSpPr>
-          <p:cNvPr id="2" name="Title 1">
-            <a:extLst>
-              <a:ext uri="{FF2B5EF4-FFF2-40B4-BE49-F238E27FC236}">
-                <a16:creationId xmlns:a16="http://schemas.microsoft.com/office/drawing/2014/main" id="{19D229AF-AC86-B346-E81A-8EC9F52A285A}"/>
-              </a:ext>
-            </a:extLst>
-          </p:cNvPr>
-          <p:cNvSpPr>
-            <a:spLocks noGrp="1"/>
-          </p:cNvSpPr>
-          <p:nvPr>
-            <p:ph type="title"/>
-          </p:nvPr>
-        </p:nvSpPr>
-        <p:spPr>
-          <a:xfrm>
-            <a:off x="73891" y="649480"/>
-            <a:ext cx="5320145" cy="3387497"/>
-          </a:xfrm>
-        </p:spPr>
-        <p:txBody>
-          <a:bodyPr anchor="b">
-            <a:normAutofit/>
-          </a:bodyPr>
-          <a:lstStyle/>
-          <a:p>
-            <a:pPr algn="r"/>
-            <a:r>
-              <a:rPr lang="en-US" sz="4000">
-                <a:solidFill>
-                  <a:srgbClr val="FFFFFF"/>
-                </a:solidFill>
-              </a:rPr>
-              <a:t>What are we doing next?</a:t>
-            </a:r>
-            <a:endParaRPr lang="en-NZ" sz="4000">
-              <a:solidFill>
-                <a:srgbClr val="FFFFFF"/>
-              </a:solidFill>
-            </a:endParaRPr>
-          </a:p>
-        </p:txBody>
-      </p:sp>
-      <p:sp>
-        <p:nvSpPr>
-          <p:cNvPr id="3" name="Content Placeholder 2">
-            <a:extLst>
-              <a:ext uri="{FF2B5EF4-FFF2-40B4-BE49-F238E27FC236}">
-                <a16:creationId xmlns:a16="http://schemas.microsoft.com/office/drawing/2014/main" id="{AA014120-08BB-098B-AE92-A3C714375C06}"/>
-              </a:ext>
-            </a:extLst>
-          </p:cNvPr>
-          <p:cNvSpPr>
-            <a:spLocks noGrp="1"/>
-          </p:cNvSpPr>
-          <p:nvPr>
-            <p:ph idx="1"/>
-          </p:nvPr>
-        </p:nvSpPr>
-        <p:spPr>
-          <a:xfrm>
-            <a:off x="6096000" y="649480"/>
-            <a:ext cx="5269605" cy="5546047"/>
-          </a:xfrm>
-        </p:spPr>
-        <p:txBody>
-          <a:bodyPr anchor="ctr">
-            <a:normAutofit/>
-          </a:bodyPr>
-          <a:lstStyle/>
-          <a:p>
-            <a:r>
-              <a:rPr lang="en-US" sz="3200" dirty="0"/>
-              <a:t>Create a report template</a:t>
-            </a:r>
-          </a:p>
-          <a:p>
-            <a:r>
-              <a:rPr lang="en-US" sz="3200" dirty="0"/>
-              <a:t>Referencing practice</a:t>
-            </a:r>
-            <a:endParaRPr lang="en-NZ" sz="3200" dirty="0"/>
-          </a:p>
-        </p:txBody>
-      </p:sp>
-    </p:spTree>
-    <p:extLst>
-      <p:ext uri="{BB962C8B-B14F-4D97-AF65-F5344CB8AC3E}">
-        <p14:creationId xmlns:p14="http://schemas.microsoft.com/office/powerpoint/2010/main" val="706934675"/>
-      </p:ext>
-    </p:extLst>
-  </p:cSld>
-  <p:clrMapOvr>
-    <a:masterClrMapping/>
-  </p:clrMapOvr>
-</p:sld>
-</file>
-
-<file path=ppt/slides/slide22.xml><?xml version="1.0" encoding="utf-8"?>
 <p:sld xmlns:a="http://schemas.openxmlformats.org/drawingml/2006/main" xmlns:r="http://schemas.openxmlformats.org/officeDocument/2006/relationships" xmlns:p="http://schemas.openxmlformats.org/presentationml/2006/main">
   <p:cSld>
     <p:bg>
@@ -19807,7 +18574,7 @@
 </p:sld>
 </file>
 
-<file path=ppt/slides/slide23.xml><?xml version="1.0" encoding="utf-8"?>
+<file path=ppt/slides/slide21.xml><?xml version="1.0" encoding="utf-8"?>
 <p:sld xmlns:a="http://schemas.openxmlformats.org/drawingml/2006/main" xmlns:r="http://schemas.openxmlformats.org/officeDocument/2006/relationships" xmlns:p="http://schemas.openxmlformats.org/presentationml/2006/main">
   <p:cSld>
     <p:bg>
@@ -20501,19 +19268,17 @@
       </p:sp>
       <p:pic>
         <p:nvPicPr>
-          <p:cNvPr id="5" name="Content Placeholder 4">
+          <p:cNvPr id="7" name="Picture 6">
             <a:extLst>
               <a:ext uri="{FF2B5EF4-FFF2-40B4-BE49-F238E27FC236}">
-                <a16:creationId xmlns:a16="http://schemas.microsoft.com/office/drawing/2014/main" id="{44B57880-F7CD-140C-4FAF-A4A30EEB5D7C}"/>
+                <a16:creationId xmlns:a16="http://schemas.microsoft.com/office/drawing/2014/main" id="{0391898B-2215-E788-D438-DDCFCE4445DE}"/>
               </a:ext>
             </a:extLst>
           </p:cNvPr>
           <p:cNvPicPr>
-            <a:picLocks noGrp="1" noChangeAspect="1"/>
+            <a:picLocks noChangeAspect="1"/>
           </p:cNvPicPr>
-          <p:nvPr>
-            <p:ph idx="1"/>
-          </p:nvPr>
+          <p:nvPr/>
         </p:nvPicPr>
         <p:blipFill>
           <a:blip r:embed="rId2"/>
@@ -20523,9 +19288,12 @@
         </p:blipFill>
         <p:spPr>
           <a:xfrm>
-            <a:off x="4504549" y="914399"/>
-            <a:ext cx="7220730" cy="5064369"/>
+            <a:off x="4739173" y="681037"/>
+            <a:ext cx="6363588" cy="5239481"/>
           </a:xfrm>
+          <a:prstGeom prst="rect">
+            <a:avLst/>
+          </a:prstGeom>
         </p:spPr>
       </p:pic>
     </p:spTree>
@@ -20568,10 +19336,10 @@
       </p:grpSpPr>
       <p:sp useBgFill="1">
         <p:nvSpPr>
-          <p:cNvPr id="18" name="Rectangle 17">
+          <p:cNvPr id="31" name="Rectangle 30">
             <a:extLst>
               <a:ext uri="{FF2B5EF4-FFF2-40B4-BE49-F238E27FC236}">
-                <a16:creationId xmlns:a16="http://schemas.microsoft.com/office/drawing/2014/main" id="{12609869-9E80-471B-A487-A53288E0E791}"/>
+                <a16:creationId xmlns:a16="http://schemas.microsoft.com/office/drawing/2014/main" id="{3AFE8227-C443-417B-BA91-520EB1EF4559}"/>
               </a:ext>
               <a:ext uri="{C183D7F6-B498-43B3-948B-1728B52AA6E4}">
                 <adec:decorative xmlns:adec="http://schemas.microsoft.com/office/drawing/2017/decorative" val="1"/>
@@ -20591,31 +19359,15 @@
         </p:nvSpPr>
         <p:spPr>
           <a:xfrm>
-            <a:off x="0" y="0"/>
-            <a:ext cx="12192000" cy="6858000"/>
+            <a:off x="0" y="2"/>
+            <a:ext cx="12192000" cy="6857997"/>
           </a:xfrm>
           <a:prstGeom prst="rect">
             <a:avLst/>
           </a:prstGeom>
-          <a:ln w="12700" cap="flat" cmpd="sng" algn="ctr">
+          <a:ln>
             <a:noFill/>
-            <a:prstDash val="solid"/>
-            <a:miter lim="800000"/>
           </a:ln>
-          <a:effectLst/>
-          <a:extLst>
-            <a:ext uri="{91240B29-F687-4F45-9708-019B960494DF}">
-              <a14:hiddenLine xmlns:a14="http://schemas.microsoft.com/office/drawing/2010/main" w="12700" cap="flat" cmpd="sng" algn="ctr">
-                <a:solidFill>
-                  <a:schemeClr val="accent1">
-                    <a:shade val="50000"/>
-                  </a:schemeClr>
-                </a:solidFill>
-                <a:prstDash val="solid"/>
-                <a:miter lim="800000"/>
-              </a14:hiddenLine>
-            </a:ext>
-          </a:extLst>
         </p:spPr>
         <p:style>
           <a:lnRef idx="2">
@@ -20660,8 +19412,8 @@
         </p:nvSpPr>
         <p:spPr>
           <a:xfrm>
-            <a:off x="1136397" y="502020"/>
-            <a:ext cx="5323715" cy="1642970"/>
+            <a:off x="7426037" y="489507"/>
+            <a:ext cx="4308764" cy="1655483"/>
           </a:xfrm>
         </p:spPr>
         <p:txBody>
@@ -20671,13 +19423,48 @@
           <a:lstStyle/>
           <a:p>
             <a:r>
-              <a:rPr lang="en-US" sz="4000"/>
+              <a:rPr lang="en-US" sz="4000" dirty="0"/>
               <a:t>What are learning?</a:t>
             </a:r>
-            <a:endParaRPr lang="en-NZ" sz="4000"/>
+            <a:endParaRPr lang="en-NZ" sz="4000" dirty="0"/>
           </a:p>
         </p:txBody>
       </p:sp>
+      <p:pic>
+        <p:nvPicPr>
+          <p:cNvPr id="12" name="Picture 4" descr="Seated person at wood table, holding pencil and writing on lined paper page in open notebook">
+            <a:extLst>
+              <a:ext uri="{FF2B5EF4-FFF2-40B4-BE49-F238E27FC236}">
+                <a16:creationId xmlns:a16="http://schemas.microsoft.com/office/drawing/2014/main" id="{7AA70AC1-119E-D28F-0547-20193109F92C}"/>
+              </a:ext>
+            </a:extLst>
+          </p:cNvPr>
+          <p:cNvPicPr>
+            <a:picLocks noChangeAspect="1"/>
+          </p:cNvPicPr>
+          <p:nvPr/>
+        </p:nvPicPr>
+        <p:blipFill rotWithShape="1">
+          <a:blip r:embed="rId2">
+            <a:extLst>
+              <a:ext uri="{28A0092B-C50C-407E-A947-70E740481C1C}">
+                <a14:useLocalDpi xmlns:a14="http://schemas.microsoft.com/office/drawing/2010/main" val="0"/>
+              </a:ext>
+            </a:extLst>
+          </a:blip>
+          <a:srcRect l="6943" r="6944"/>
+          <a:stretch/>
+        </p:blipFill>
+        <p:spPr>
+          <a:xfrm>
+            <a:off x="20" y="431"/>
+            <a:ext cx="7084271" cy="6408311"/>
+          </a:xfrm>
+          <a:prstGeom prst="rect">
+            <a:avLst/>
+          </a:prstGeom>
+        </p:spPr>
+      </p:pic>
       <p:sp>
         <p:nvSpPr>
           <p:cNvPr id="13" name="Content Placeholder 2">
@@ -20696,74 +19483,74 @@
         </p:nvSpPr>
         <p:spPr>
           <a:xfrm>
-            <a:off x="1144923" y="2405894"/>
-            <a:ext cx="5315189" cy="3535083"/>
+            <a:off x="7426037" y="2418408"/>
+            <a:ext cx="4159969" cy="3540265"/>
           </a:xfrm>
         </p:spPr>
         <p:txBody>
-          <a:bodyPr anchor="t">
+          <a:bodyPr>
             <a:normAutofit/>
           </a:bodyPr>
           <a:lstStyle/>
           <a:p>
             <a:r>
-              <a:rPr lang="en-US" sz="1900" dirty="0"/>
+              <a:rPr lang="en-US" sz="2000" dirty="0"/>
               <a:t>Report Structure</a:t>
             </a:r>
           </a:p>
           <a:p>
             <a:r>
-              <a:rPr lang="en-US" sz="1900" dirty="0"/>
+              <a:rPr lang="en-US" sz="2000" dirty="0"/>
               <a:t>Academic Reports vs. Technical Reports</a:t>
             </a:r>
           </a:p>
           <a:p>
             <a:r>
-              <a:rPr lang="en-US" sz="1900" dirty="0"/>
+              <a:rPr lang="en-US" sz="2000" dirty="0"/>
               <a:t>Using Images</a:t>
             </a:r>
           </a:p>
           <a:p>
             <a:r>
-              <a:rPr lang="en-US" sz="1900" dirty="0"/>
+              <a:rPr lang="en-US" sz="2000" dirty="0"/>
               <a:t>Plagiarism!</a:t>
             </a:r>
           </a:p>
           <a:p>
             <a:r>
-              <a:rPr lang="en-US" sz="1900" dirty="0"/>
+              <a:rPr lang="en-US" sz="2000" dirty="0"/>
               <a:t>Referencing</a:t>
             </a:r>
           </a:p>
           <a:p>
             <a:r>
-              <a:rPr lang="en-US" sz="1900" dirty="0"/>
+              <a:rPr lang="en-US" sz="2000" dirty="0"/>
               <a:t>General Advice</a:t>
             </a:r>
           </a:p>
           <a:p>
             <a:r>
-              <a:rPr lang="en-US" sz="1900" dirty="0"/>
+              <a:rPr lang="en-US" sz="2000" dirty="0"/>
               <a:t>Activities</a:t>
             </a:r>
           </a:p>
           <a:p>
             <a:r>
-              <a:rPr lang="en-US" sz="1900" dirty="0"/>
+              <a:rPr lang="en-US" sz="2000" dirty="0"/>
               <a:t>Questions</a:t>
             </a:r>
           </a:p>
           <a:p>
-            <a:endParaRPr lang="en-NZ" sz="1900" dirty="0"/>
+            <a:endParaRPr lang="en-NZ" sz="2000" dirty="0"/>
           </a:p>
         </p:txBody>
       </p:sp>
       <p:sp>
         <p:nvSpPr>
-          <p:cNvPr id="20" name="Rectangle 19">
+          <p:cNvPr id="33" name="Rectangle 32">
             <a:extLst>
               <a:ext uri="{FF2B5EF4-FFF2-40B4-BE49-F238E27FC236}">
-                <a16:creationId xmlns:a16="http://schemas.microsoft.com/office/drawing/2014/main" id="{7004738A-9D34-43E8-97D2-CA0EED4F8BE0}"/>
+                <a16:creationId xmlns:a16="http://schemas.microsoft.com/office/drawing/2014/main" id="{907741FC-B544-4A6E-B831-6789D042333D}"/>
               </a:ext>
               <a:ext uri="{C183D7F6-B498-43B3-948B-1728B52AA6E4}">
                 <adec:decorative xmlns:adec="http://schemas.microsoft.com/office/drawing/2017/decorative" val="1"/>
@@ -20782,25 +19569,25 @@
           </p:nvPr>
         </p:nvSpPr>
         <p:spPr>
-          <a:xfrm rot="10800000" flipH="1">
-            <a:off x="8123333" y="-5"/>
-            <a:ext cx="4092521" cy="6858000"/>
+          <a:xfrm flipH="1">
+            <a:off x="-1" y="6408741"/>
+            <a:ext cx="12191998" cy="457202"/>
           </a:xfrm>
           <a:prstGeom prst="rect">
             <a:avLst/>
           </a:prstGeom>
           <a:gradFill>
             <a:gsLst>
-              <a:gs pos="8000">
+              <a:gs pos="34000">
                 <a:srgbClr val="000000">
-                  <a:alpha val="94000"/>
+                  <a:alpha val="96000"/>
                 </a:srgbClr>
               </a:gs>
               <a:gs pos="100000">
                 <a:schemeClr val="accent1"/>
               </a:gs>
             </a:gsLst>
-            <a:lin ang="2400000" scaled="0"/>
+            <a:lin ang="8400000" scaled="0"/>
           </a:gradFill>
           <a:ln>
             <a:noFill/>
@@ -20833,10 +19620,10 @@
       </p:sp>
       <p:sp>
         <p:nvSpPr>
-          <p:cNvPr id="22" name="Rectangle 21">
+          <p:cNvPr id="35" name="Rectangle 34">
             <a:extLst>
               <a:ext uri="{FF2B5EF4-FFF2-40B4-BE49-F238E27FC236}">
-                <a16:creationId xmlns:a16="http://schemas.microsoft.com/office/drawing/2014/main" id="{B8B8D07F-F13E-443E-BA68-2D26672D76B9}"/>
+                <a16:creationId xmlns:a16="http://schemas.microsoft.com/office/drawing/2014/main" id="{3F0BE7ED-7814-4273-B18A-F26CC0380380}"/>
               </a:ext>
               <a:ext uri="{C183D7F6-B498-43B3-948B-1728B52AA6E4}">
                 <adec:decorative xmlns:adec="http://schemas.microsoft.com/office/drawing/2017/decorative" val="1"/>
@@ -20855,29 +19642,28 @@
           </p:nvPr>
         </p:nvSpPr>
         <p:spPr>
-          <a:xfrm rot="10800000" flipH="1">
-            <a:off x="8123333" y="-2"/>
-            <a:ext cx="4092521" cy="6400369"/>
+          <a:xfrm flipH="1">
+            <a:off x="-4" y="6408742"/>
+            <a:ext cx="8115300" cy="449258"/>
           </a:xfrm>
           <a:prstGeom prst="rect">
             <a:avLst/>
           </a:prstGeom>
           <a:gradFill>
             <a:gsLst>
-              <a:gs pos="31000">
+              <a:gs pos="28000">
                 <a:schemeClr val="accent1">
-                  <a:lumMod val="50000"/>
-                  <a:alpha val="0"/>
+                  <a:lumMod val="75000"/>
+                  <a:alpha val="59000"/>
                 </a:schemeClr>
               </a:gs>
               <a:gs pos="100000">
-                <a:schemeClr val="accent1">
-                  <a:lumMod val="50000"/>
-                  <a:alpha val="26000"/>
-                </a:schemeClr>
+                <a:srgbClr val="000000">
+                  <a:alpha val="70000"/>
+                </a:srgbClr>
               </a:gs>
             </a:gsLst>
-            <a:lin ang="18000000" scaled="0"/>
+            <a:lin ang="11400000" scaled="0"/>
           </a:gradFill>
           <a:ln>
             <a:noFill/>
@@ -20904,189 +19690,10 @@
           <a:lstStyle/>
           <a:p>
             <a:pPr algn="ctr"/>
-            <a:endParaRPr lang="en-US" dirty="0"/>
+            <a:endParaRPr lang="en-US"/>
           </a:p>
         </p:txBody>
       </p:sp>
-      <p:sp>
-        <p:nvSpPr>
-          <p:cNvPr id="24" name="Rectangle 23">
-            <a:extLst>
-              <a:ext uri="{FF2B5EF4-FFF2-40B4-BE49-F238E27FC236}">
-                <a16:creationId xmlns:a16="http://schemas.microsoft.com/office/drawing/2014/main" id="{2813A4FA-24A5-41ED-A534-3807D1B2F344}"/>
-              </a:ext>
-              <a:ext uri="{C183D7F6-B498-43B3-948B-1728B52AA6E4}">
-                <adec:decorative xmlns:adec="http://schemas.microsoft.com/office/drawing/2017/decorative" val="1"/>
-              </a:ext>
-            </a:extLst>
-          </p:cNvPr>
-          <p:cNvSpPr>
-            <a:spLocks noGrp="1" noRot="1" noChangeAspect="1" noMove="1" noResize="1" noEditPoints="1" noAdjustHandles="1" noChangeArrowheads="1" noChangeShapeType="1" noTextEdit="1"/>
-          </p:cNvSpPr>
-          <p:nvPr>
-            <p:extLst>
-              <p:ext uri="{386F3935-93C4-4BCD-93E2-E3B085C9AB24}">
-                <p16:designElem xmlns:p16="http://schemas.microsoft.com/office/powerpoint/2015/main" val="1"/>
-              </p:ext>
-            </p:extLst>
-          </p:nvPr>
-        </p:nvSpPr>
-        <p:spPr>
-          <a:xfrm rot="10800000" flipH="1">
-            <a:off x="8123333" y="-22"/>
-            <a:ext cx="4068667" cy="6400389"/>
-          </a:xfrm>
-          <a:prstGeom prst="rect">
-            <a:avLst/>
-          </a:prstGeom>
-          <a:gradFill>
-            <a:gsLst>
-              <a:gs pos="0">
-                <a:schemeClr val="accent1">
-                  <a:alpha val="0"/>
-                </a:schemeClr>
-              </a:gs>
-              <a:gs pos="72000">
-                <a:srgbClr val="000000">
-                  <a:alpha val="21000"/>
-                </a:srgbClr>
-              </a:gs>
-            </a:gsLst>
-            <a:lin ang="3000000" scaled="0"/>
-          </a:gradFill>
-          <a:ln>
-            <a:noFill/>
-          </a:ln>
-        </p:spPr>
-        <p:style>
-          <a:lnRef idx="2">
-            <a:schemeClr val="accent1">
-              <a:shade val="50000"/>
-            </a:schemeClr>
-          </a:lnRef>
-          <a:fillRef idx="1">
-            <a:schemeClr val="accent1"/>
-          </a:fillRef>
-          <a:effectRef idx="0">
-            <a:schemeClr val="accent1"/>
-          </a:effectRef>
-          <a:fontRef idx="minor">
-            <a:schemeClr val="lt1"/>
-          </a:fontRef>
-        </p:style>
-        <p:txBody>
-          <a:bodyPr rtlCol="0" anchor="ctr"/>
-          <a:lstStyle/>
-          <a:p>
-            <a:pPr algn="ctr"/>
-            <a:endParaRPr lang="en-US" dirty="0"/>
-          </a:p>
-        </p:txBody>
-      </p:sp>
-      <p:sp>
-        <p:nvSpPr>
-          <p:cNvPr id="26" name="Rectangle 25">
-            <a:extLst>
-              <a:ext uri="{FF2B5EF4-FFF2-40B4-BE49-F238E27FC236}">
-                <a16:creationId xmlns:a16="http://schemas.microsoft.com/office/drawing/2014/main" id="{C3944F27-CA70-4E84-A51A-E6BF89558979}"/>
-              </a:ext>
-              <a:ext uri="{C183D7F6-B498-43B3-948B-1728B52AA6E4}">
-                <adec:decorative xmlns:adec="http://schemas.microsoft.com/office/drawing/2017/decorative" val="1"/>
-              </a:ext>
-            </a:extLst>
-          </p:cNvPr>
-          <p:cNvSpPr>
-            <a:spLocks noGrp="1" noRot="1" noChangeAspect="1" noMove="1" noResize="1" noEditPoints="1" noAdjustHandles="1" noChangeArrowheads="1" noChangeShapeType="1" noTextEdit="1"/>
-          </p:cNvSpPr>
-          <p:nvPr>
-            <p:extLst>
-              <p:ext uri="{386F3935-93C4-4BCD-93E2-E3B085C9AB24}">
-                <p16:designElem xmlns:p16="http://schemas.microsoft.com/office/powerpoint/2015/main" val="1"/>
-              </p:ext>
-            </p:extLst>
-          </p:nvPr>
-        </p:nvSpPr>
-        <p:spPr>
-          <a:xfrm rot="10800000" flipH="1">
-            <a:off x="8123333" y="-10"/>
-            <a:ext cx="3611467" cy="6857997"/>
-          </a:xfrm>
-          <a:prstGeom prst="rect">
-            <a:avLst/>
-          </a:prstGeom>
-          <a:gradFill>
-            <a:gsLst>
-              <a:gs pos="0">
-                <a:schemeClr val="accent1">
-                  <a:alpha val="0"/>
-                </a:schemeClr>
-              </a:gs>
-              <a:gs pos="93000">
-                <a:srgbClr val="000000">
-                  <a:alpha val="29000"/>
-                </a:srgbClr>
-              </a:gs>
-            </a:gsLst>
-            <a:lin ang="5400000" scaled="0"/>
-          </a:gradFill>
-          <a:ln>
-            <a:noFill/>
-          </a:ln>
-        </p:spPr>
-        <p:style>
-          <a:lnRef idx="2">
-            <a:schemeClr val="accent1">
-              <a:shade val="50000"/>
-            </a:schemeClr>
-          </a:lnRef>
-          <a:fillRef idx="1">
-            <a:schemeClr val="accent1"/>
-          </a:fillRef>
-          <a:effectRef idx="0">
-            <a:schemeClr val="accent1"/>
-          </a:effectRef>
-          <a:fontRef idx="minor">
-            <a:schemeClr val="lt1"/>
-          </a:fontRef>
-        </p:style>
-        <p:txBody>
-          <a:bodyPr rtlCol="0" anchor="ctr"/>
-          <a:lstStyle/>
-          <a:p>
-            <a:pPr algn="ctr"/>
-            <a:endParaRPr lang="en-US" dirty="0"/>
-          </a:p>
-        </p:txBody>
-      </p:sp>
-      <p:pic>
-        <p:nvPicPr>
-          <p:cNvPr id="12" name="Picture 4" descr="Glasses on top of a book">
-            <a:extLst>
-              <a:ext uri="{FF2B5EF4-FFF2-40B4-BE49-F238E27FC236}">
-                <a16:creationId xmlns:a16="http://schemas.microsoft.com/office/drawing/2014/main" id="{7AA70AC1-119E-D28F-0547-20193109F92C}"/>
-              </a:ext>
-            </a:extLst>
-          </p:cNvPr>
-          <p:cNvPicPr>
-            <a:picLocks noChangeAspect="1"/>
-          </p:cNvPicPr>
-          <p:nvPr/>
-        </p:nvPicPr>
-        <p:blipFill rotWithShape="1">
-          <a:blip r:embed="rId2"/>
-          <a:srcRect t="14112" b="983"/>
-          <a:stretch/>
-        </p:blipFill>
-        <p:spPr>
-          <a:xfrm>
-            <a:off x="7075967" y="2271994"/>
-            <a:ext cx="4170530" cy="2345904"/>
-          </a:xfrm>
-          <a:prstGeom prst="rect">
-            <a:avLst/>
-          </a:prstGeom>
-        </p:spPr>
-      </p:pic>
     </p:spTree>
     <p:extLst>
       <p:ext uri="{BB962C8B-B14F-4D97-AF65-F5344CB8AC3E}">
@@ -21754,10 +20361,10 @@
           <a:lstStyle/>
           <a:p>
             <a:r>
-              <a:rPr lang="en-US" sz="4000"/>
+              <a:rPr lang="en-US" sz="4000" dirty="0"/>
               <a:t>Report Structure</a:t>
             </a:r>
-            <a:endParaRPr lang="en-NZ" sz="4000"/>
+            <a:endParaRPr lang="en-NZ" sz="4000" dirty="0"/>
           </a:p>
         </p:txBody>
       </p:sp>
@@ -21793,10 +20400,10 @@
               <a:buNone/>
             </a:pPr>
             <a:r>
-              <a:rPr lang="en-US" sz="2000"/>
+              <a:rPr lang="en-US" dirty="0"/>
               <a:t>Abstract/Executive Summary</a:t>
             </a:r>
-            <a:endParaRPr lang="en-NZ" sz="2000"/>
+            <a:endParaRPr lang="en-NZ" dirty="0"/>
           </a:p>
         </p:txBody>
       </p:sp>
@@ -22149,136 +20756,6 @@
   <p:clrMapOvr>
     <a:masterClrMapping/>
   </p:clrMapOvr>
-  <p:timing>
-    <p:tnLst>
-      <p:par>
-        <p:cTn id="1" dur="indefinite" restart="never" nodeType="tmRoot">
-          <p:childTnLst>
-            <p:seq concurrent="1" nextAc="seek">
-              <p:cTn id="2" dur="indefinite" nodeType="mainSeq">
-                <p:childTnLst>
-                  <p:par>
-                    <p:cTn id="3" fill="hold">
-                      <p:stCondLst>
-                        <p:cond delay="indefinite"/>
-                        <p:cond evt="onBegin" delay="0">
-                          <p:tn val="2"/>
-                        </p:cond>
-                      </p:stCondLst>
-                      <p:childTnLst>
-                        <p:par>
-                          <p:cTn id="4" fill="hold">
-                            <p:stCondLst>
-                              <p:cond delay="0"/>
-                            </p:stCondLst>
-                            <p:childTnLst>
-                              <p:par>
-                                <p:cTn id="5" presetID="10" presetClass="entr" presetSubtype="0" fill="hold" nodeType="withEffect">
-                                  <p:stCondLst>
-                                    <p:cond delay="500"/>
-                                  </p:stCondLst>
-                                  <p:iterate>
-                                    <p:tmPct val="10000"/>
-                                  </p:iterate>
-                                  <p:childTnLst>
-                                    <p:set>
-                                      <p:cBhvr>
-                                        <p:cTn id="6" dur="1" fill="hold">
-                                          <p:stCondLst>
-                                            <p:cond delay="0"/>
-                                          </p:stCondLst>
-                                        </p:cTn>
-                                        <p:tgtEl>
-                                          <p:spTgt spid="7"/>
-                                        </p:tgtEl>
-                                        <p:attrNameLst>
-                                          <p:attrName>style.visibility</p:attrName>
-                                        </p:attrNameLst>
-                                      </p:cBhvr>
-                                      <p:to>
-                                        <p:strVal val="visible"/>
-                                      </p:to>
-                                    </p:set>
-                                    <p:animEffect transition="in" filter="fade">
-                                      <p:cBhvr>
-                                        <p:cTn id="7" dur="700"/>
-                                        <p:tgtEl>
-                                          <p:spTgt spid="7"/>
-                                        </p:tgtEl>
-                                      </p:cBhvr>
-                                    </p:animEffect>
-                                  </p:childTnLst>
-                                </p:cTn>
-                              </p:par>
-                              <p:par>
-                                <p:cTn id="8" presetID="10" presetClass="entr" presetSubtype="0" fill="hold" grpId="0" nodeType="withEffect">
-                                  <p:stCondLst>
-                                    <p:cond delay="1000"/>
-                                  </p:stCondLst>
-                                  <p:iterate>
-                                    <p:tmPct val="10000"/>
-                                  </p:iterate>
-                                  <p:childTnLst>
-                                    <p:set>
-                                      <p:cBhvr>
-                                        <p:cTn id="9" dur="1" fill="hold">
-                                          <p:stCondLst>
-                                            <p:cond delay="0"/>
-                                          </p:stCondLst>
-                                        </p:cTn>
-                                        <p:tgtEl>
-                                          <p:spTgt spid="2"/>
-                                        </p:tgtEl>
-                                        <p:attrNameLst>
-                                          <p:attrName>style.visibility</p:attrName>
-                                        </p:attrNameLst>
-                                      </p:cBhvr>
-                                      <p:to>
-                                        <p:strVal val="visible"/>
-                                      </p:to>
-                                    </p:set>
-                                    <p:animEffect transition="in" filter="fade">
-                                      <p:cBhvr>
-                                        <p:cTn id="10" dur="700"/>
-                                        <p:tgtEl>
-                                          <p:spTgt spid="2"/>
-                                        </p:tgtEl>
-                                      </p:cBhvr>
-                                    </p:animEffect>
-                                  </p:childTnLst>
-                                </p:cTn>
-                              </p:par>
-                            </p:childTnLst>
-                          </p:cTn>
-                        </p:par>
-                      </p:childTnLst>
-                    </p:cTn>
-                  </p:par>
-                </p:childTnLst>
-              </p:cTn>
-              <p:prevCondLst>
-                <p:cond evt="onPrev" delay="0">
-                  <p:tgtEl>
-                    <p:sldTgt/>
-                  </p:tgtEl>
-                </p:cond>
-              </p:prevCondLst>
-              <p:nextCondLst>
-                <p:cond evt="onNext" delay="0">
-                  <p:tgtEl>
-                    <p:sldTgt/>
-                  </p:tgtEl>
-                </p:cond>
-              </p:nextCondLst>
-            </p:seq>
-          </p:childTnLst>
-        </p:cTn>
-      </p:par>
-    </p:tnLst>
-    <p:bldLst>
-      <p:bldP spid="2" grpId="0"/>
-    </p:bldLst>
-  </p:timing>
 </p:sld>
 </file>
 
@@ -22412,10 +20889,10 @@
           <a:lstStyle/>
           <a:p>
             <a:r>
-              <a:rPr lang="en-US" sz="4000"/>
+              <a:rPr lang="en-US" sz="4000" dirty="0"/>
               <a:t>Report Structure</a:t>
             </a:r>
-            <a:endParaRPr lang="en-NZ" sz="4000"/>
+            <a:endParaRPr lang="en-NZ" sz="4000" dirty="0"/>
           </a:p>
         </p:txBody>
       </p:sp>
@@ -22451,10 +20928,10 @@
               <a:buNone/>
             </a:pPr>
             <a:r>
-              <a:rPr lang="en-US" sz="2000" dirty="0"/>
+              <a:rPr lang="en-US" dirty="0"/>
               <a:t>Contents Page</a:t>
             </a:r>
-            <a:endParaRPr lang="en-NZ" sz="2000" dirty="0"/>
+            <a:endParaRPr lang="en-NZ" dirty="0"/>
           </a:p>
         </p:txBody>
       </p:sp>
@@ -22807,136 +21284,6 @@
   <p:clrMapOvr>
     <a:masterClrMapping/>
   </p:clrMapOvr>
-  <p:timing>
-    <p:tnLst>
-      <p:par>
-        <p:cTn id="1" dur="indefinite" restart="never" nodeType="tmRoot">
-          <p:childTnLst>
-            <p:seq concurrent="1" nextAc="seek">
-              <p:cTn id="2" dur="indefinite" nodeType="mainSeq">
-                <p:childTnLst>
-                  <p:par>
-                    <p:cTn id="3" fill="hold">
-                      <p:stCondLst>
-                        <p:cond delay="indefinite"/>
-                        <p:cond evt="onBegin" delay="0">
-                          <p:tn val="2"/>
-                        </p:cond>
-                      </p:stCondLst>
-                      <p:childTnLst>
-                        <p:par>
-                          <p:cTn id="4" fill="hold">
-                            <p:stCondLst>
-                              <p:cond delay="0"/>
-                            </p:stCondLst>
-                            <p:childTnLst>
-                              <p:par>
-                                <p:cTn id="5" presetID="10" presetClass="entr" presetSubtype="0" fill="hold" nodeType="withEffect">
-                                  <p:stCondLst>
-                                    <p:cond delay="500"/>
-                                  </p:stCondLst>
-                                  <p:iterate>
-                                    <p:tmPct val="10000"/>
-                                  </p:iterate>
-                                  <p:childTnLst>
-                                    <p:set>
-                                      <p:cBhvr>
-                                        <p:cTn id="6" dur="1" fill="hold">
-                                          <p:stCondLst>
-                                            <p:cond delay="0"/>
-                                          </p:stCondLst>
-                                        </p:cTn>
-                                        <p:tgtEl>
-                                          <p:spTgt spid="7"/>
-                                        </p:tgtEl>
-                                        <p:attrNameLst>
-                                          <p:attrName>style.visibility</p:attrName>
-                                        </p:attrNameLst>
-                                      </p:cBhvr>
-                                      <p:to>
-                                        <p:strVal val="visible"/>
-                                      </p:to>
-                                    </p:set>
-                                    <p:animEffect transition="in" filter="fade">
-                                      <p:cBhvr>
-                                        <p:cTn id="7" dur="700"/>
-                                        <p:tgtEl>
-                                          <p:spTgt spid="7"/>
-                                        </p:tgtEl>
-                                      </p:cBhvr>
-                                    </p:animEffect>
-                                  </p:childTnLst>
-                                </p:cTn>
-                              </p:par>
-                              <p:par>
-                                <p:cTn id="8" presetID="10" presetClass="entr" presetSubtype="0" fill="hold" grpId="0" nodeType="withEffect">
-                                  <p:stCondLst>
-                                    <p:cond delay="1000"/>
-                                  </p:stCondLst>
-                                  <p:iterate>
-                                    <p:tmPct val="10000"/>
-                                  </p:iterate>
-                                  <p:childTnLst>
-                                    <p:set>
-                                      <p:cBhvr>
-                                        <p:cTn id="9" dur="1" fill="hold">
-                                          <p:stCondLst>
-                                            <p:cond delay="0"/>
-                                          </p:stCondLst>
-                                        </p:cTn>
-                                        <p:tgtEl>
-                                          <p:spTgt spid="2"/>
-                                        </p:tgtEl>
-                                        <p:attrNameLst>
-                                          <p:attrName>style.visibility</p:attrName>
-                                        </p:attrNameLst>
-                                      </p:cBhvr>
-                                      <p:to>
-                                        <p:strVal val="visible"/>
-                                      </p:to>
-                                    </p:set>
-                                    <p:animEffect transition="in" filter="fade">
-                                      <p:cBhvr>
-                                        <p:cTn id="10" dur="700"/>
-                                        <p:tgtEl>
-                                          <p:spTgt spid="2"/>
-                                        </p:tgtEl>
-                                      </p:cBhvr>
-                                    </p:animEffect>
-                                  </p:childTnLst>
-                                </p:cTn>
-                              </p:par>
-                            </p:childTnLst>
-                          </p:cTn>
-                        </p:par>
-                      </p:childTnLst>
-                    </p:cTn>
-                  </p:par>
-                </p:childTnLst>
-              </p:cTn>
-              <p:prevCondLst>
-                <p:cond evt="onPrev" delay="0">
-                  <p:tgtEl>
-                    <p:sldTgt/>
-                  </p:tgtEl>
-                </p:cond>
-              </p:prevCondLst>
-              <p:nextCondLst>
-                <p:cond evt="onNext" delay="0">
-                  <p:tgtEl>
-                    <p:sldTgt/>
-                  </p:tgtEl>
-                </p:cond>
-              </p:nextCondLst>
-            </p:seq>
-          </p:childTnLst>
-        </p:cTn>
-      </p:par>
-    </p:tnLst>
-    <p:bldLst>
-      <p:bldP spid="2" grpId="0"/>
-    </p:bldLst>
-  </p:timing>
 </p:sld>
 </file>
 
@@ -23109,10 +21456,10 @@
               <a:buNone/>
             </a:pPr>
             <a:r>
-              <a:rPr lang="en-US" sz="2000" dirty="0"/>
+              <a:rPr lang="en-US" dirty="0"/>
               <a:t>Introduction</a:t>
             </a:r>
-            <a:endParaRPr lang="en-NZ" sz="2000" dirty="0"/>
+            <a:endParaRPr lang="en-NZ" dirty="0"/>
           </a:p>
         </p:txBody>
       </p:sp>
@@ -23465,136 +21812,6 @@
   <p:clrMapOvr>
     <a:masterClrMapping/>
   </p:clrMapOvr>
-  <p:timing>
-    <p:tnLst>
-      <p:par>
-        <p:cTn id="1" dur="indefinite" restart="never" nodeType="tmRoot">
-          <p:childTnLst>
-            <p:seq concurrent="1" nextAc="seek">
-              <p:cTn id="2" dur="indefinite" nodeType="mainSeq">
-                <p:childTnLst>
-                  <p:par>
-                    <p:cTn id="3" fill="hold">
-                      <p:stCondLst>
-                        <p:cond delay="indefinite"/>
-                        <p:cond evt="onBegin" delay="0">
-                          <p:tn val="2"/>
-                        </p:cond>
-                      </p:stCondLst>
-                      <p:childTnLst>
-                        <p:par>
-                          <p:cTn id="4" fill="hold">
-                            <p:stCondLst>
-                              <p:cond delay="0"/>
-                            </p:stCondLst>
-                            <p:childTnLst>
-                              <p:par>
-                                <p:cTn id="5" presetID="10" presetClass="entr" presetSubtype="0" fill="hold" nodeType="withEffect">
-                                  <p:stCondLst>
-                                    <p:cond delay="500"/>
-                                  </p:stCondLst>
-                                  <p:iterate>
-                                    <p:tmPct val="10000"/>
-                                  </p:iterate>
-                                  <p:childTnLst>
-                                    <p:set>
-                                      <p:cBhvr>
-                                        <p:cTn id="6" dur="1" fill="hold">
-                                          <p:stCondLst>
-                                            <p:cond delay="0"/>
-                                          </p:stCondLst>
-                                        </p:cTn>
-                                        <p:tgtEl>
-                                          <p:spTgt spid="7"/>
-                                        </p:tgtEl>
-                                        <p:attrNameLst>
-                                          <p:attrName>style.visibility</p:attrName>
-                                        </p:attrNameLst>
-                                      </p:cBhvr>
-                                      <p:to>
-                                        <p:strVal val="visible"/>
-                                      </p:to>
-                                    </p:set>
-                                    <p:animEffect transition="in" filter="fade">
-                                      <p:cBhvr>
-                                        <p:cTn id="7" dur="700"/>
-                                        <p:tgtEl>
-                                          <p:spTgt spid="7"/>
-                                        </p:tgtEl>
-                                      </p:cBhvr>
-                                    </p:animEffect>
-                                  </p:childTnLst>
-                                </p:cTn>
-                              </p:par>
-                              <p:par>
-                                <p:cTn id="8" presetID="10" presetClass="entr" presetSubtype="0" fill="hold" grpId="0" nodeType="withEffect">
-                                  <p:stCondLst>
-                                    <p:cond delay="1000"/>
-                                  </p:stCondLst>
-                                  <p:iterate>
-                                    <p:tmPct val="10000"/>
-                                  </p:iterate>
-                                  <p:childTnLst>
-                                    <p:set>
-                                      <p:cBhvr>
-                                        <p:cTn id="9" dur="1" fill="hold">
-                                          <p:stCondLst>
-                                            <p:cond delay="0"/>
-                                          </p:stCondLst>
-                                        </p:cTn>
-                                        <p:tgtEl>
-                                          <p:spTgt spid="2"/>
-                                        </p:tgtEl>
-                                        <p:attrNameLst>
-                                          <p:attrName>style.visibility</p:attrName>
-                                        </p:attrNameLst>
-                                      </p:cBhvr>
-                                      <p:to>
-                                        <p:strVal val="visible"/>
-                                      </p:to>
-                                    </p:set>
-                                    <p:animEffect transition="in" filter="fade">
-                                      <p:cBhvr>
-                                        <p:cTn id="10" dur="700"/>
-                                        <p:tgtEl>
-                                          <p:spTgt spid="2"/>
-                                        </p:tgtEl>
-                                      </p:cBhvr>
-                                    </p:animEffect>
-                                  </p:childTnLst>
-                                </p:cTn>
-                              </p:par>
-                            </p:childTnLst>
-                          </p:cTn>
-                        </p:par>
-                      </p:childTnLst>
-                    </p:cTn>
-                  </p:par>
-                </p:childTnLst>
-              </p:cTn>
-              <p:prevCondLst>
-                <p:cond evt="onPrev" delay="0">
-                  <p:tgtEl>
-                    <p:sldTgt/>
-                  </p:tgtEl>
-                </p:cond>
-              </p:prevCondLst>
-              <p:nextCondLst>
-                <p:cond evt="onNext" delay="0">
-                  <p:tgtEl>
-                    <p:sldTgt/>
-                  </p:tgtEl>
-                </p:cond>
-              </p:nextCondLst>
-            </p:seq>
-          </p:childTnLst>
-        </p:cTn>
-      </p:par>
-    </p:tnLst>
-    <p:bldLst>
-      <p:bldP spid="2" grpId="0"/>
-    </p:bldLst>
-  </p:timing>
 </p:sld>
 </file>
 
@@ -23767,10 +21984,28 @@
               <a:buNone/>
             </a:pPr>
             <a:r>
-              <a:rPr lang="en-US" sz="2000" dirty="0"/>
-              <a:t>The body – Methods/Results/Discussion</a:t>
+              <a:rPr lang="en-US" sz="3200" dirty="0"/>
+              <a:t>Methods</a:t>
             </a:r>
-            <a:endParaRPr lang="en-NZ" sz="2000" dirty="0"/>
+          </a:p>
+          <a:p>
+            <a:pPr marL="0" indent="0">
+              <a:buNone/>
+            </a:pPr>
+            <a:r>
+              <a:rPr lang="en-US" sz="3200" dirty="0"/>
+              <a:t>Results</a:t>
+            </a:r>
+          </a:p>
+          <a:p>
+            <a:pPr marL="0" indent="0">
+              <a:buNone/>
+            </a:pPr>
+            <a:r>
+              <a:rPr lang="en-US" sz="3200" dirty="0"/>
+              <a:t>Discussion</a:t>
+            </a:r>
+            <a:endParaRPr lang="en-NZ" sz="3200" dirty="0"/>
           </a:p>
         </p:txBody>
       </p:sp>
@@ -24123,136 +22358,6 @@
   <p:clrMapOvr>
     <a:masterClrMapping/>
   </p:clrMapOvr>
-  <p:timing>
-    <p:tnLst>
-      <p:par>
-        <p:cTn id="1" dur="indefinite" restart="never" nodeType="tmRoot">
-          <p:childTnLst>
-            <p:seq concurrent="1" nextAc="seek">
-              <p:cTn id="2" dur="indefinite" nodeType="mainSeq">
-                <p:childTnLst>
-                  <p:par>
-                    <p:cTn id="3" fill="hold">
-                      <p:stCondLst>
-                        <p:cond delay="indefinite"/>
-                        <p:cond evt="onBegin" delay="0">
-                          <p:tn val="2"/>
-                        </p:cond>
-                      </p:stCondLst>
-                      <p:childTnLst>
-                        <p:par>
-                          <p:cTn id="4" fill="hold">
-                            <p:stCondLst>
-                              <p:cond delay="0"/>
-                            </p:stCondLst>
-                            <p:childTnLst>
-                              <p:par>
-                                <p:cTn id="5" presetID="10" presetClass="entr" presetSubtype="0" fill="hold" nodeType="withEffect">
-                                  <p:stCondLst>
-                                    <p:cond delay="500"/>
-                                  </p:stCondLst>
-                                  <p:iterate>
-                                    <p:tmPct val="10000"/>
-                                  </p:iterate>
-                                  <p:childTnLst>
-                                    <p:set>
-                                      <p:cBhvr>
-                                        <p:cTn id="6" dur="1" fill="hold">
-                                          <p:stCondLst>
-                                            <p:cond delay="0"/>
-                                          </p:stCondLst>
-                                        </p:cTn>
-                                        <p:tgtEl>
-                                          <p:spTgt spid="7"/>
-                                        </p:tgtEl>
-                                        <p:attrNameLst>
-                                          <p:attrName>style.visibility</p:attrName>
-                                        </p:attrNameLst>
-                                      </p:cBhvr>
-                                      <p:to>
-                                        <p:strVal val="visible"/>
-                                      </p:to>
-                                    </p:set>
-                                    <p:animEffect transition="in" filter="fade">
-                                      <p:cBhvr>
-                                        <p:cTn id="7" dur="700"/>
-                                        <p:tgtEl>
-                                          <p:spTgt spid="7"/>
-                                        </p:tgtEl>
-                                      </p:cBhvr>
-                                    </p:animEffect>
-                                  </p:childTnLst>
-                                </p:cTn>
-                              </p:par>
-                              <p:par>
-                                <p:cTn id="8" presetID="10" presetClass="entr" presetSubtype="0" fill="hold" grpId="0" nodeType="withEffect">
-                                  <p:stCondLst>
-                                    <p:cond delay="1000"/>
-                                  </p:stCondLst>
-                                  <p:iterate>
-                                    <p:tmPct val="10000"/>
-                                  </p:iterate>
-                                  <p:childTnLst>
-                                    <p:set>
-                                      <p:cBhvr>
-                                        <p:cTn id="9" dur="1" fill="hold">
-                                          <p:stCondLst>
-                                            <p:cond delay="0"/>
-                                          </p:stCondLst>
-                                        </p:cTn>
-                                        <p:tgtEl>
-                                          <p:spTgt spid="2"/>
-                                        </p:tgtEl>
-                                        <p:attrNameLst>
-                                          <p:attrName>style.visibility</p:attrName>
-                                        </p:attrNameLst>
-                                      </p:cBhvr>
-                                      <p:to>
-                                        <p:strVal val="visible"/>
-                                      </p:to>
-                                    </p:set>
-                                    <p:animEffect transition="in" filter="fade">
-                                      <p:cBhvr>
-                                        <p:cTn id="10" dur="700"/>
-                                        <p:tgtEl>
-                                          <p:spTgt spid="2"/>
-                                        </p:tgtEl>
-                                      </p:cBhvr>
-                                    </p:animEffect>
-                                  </p:childTnLst>
-                                </p:cTn>
-                              </p:par>
-                            </p:childTnLst>
-                          </p:cTn>
-                        </p:par>
-                      </p:childTnLst>
-                    </p:cTn>
-                  </p:par>
-                </p:childTnLst>
-              </p:cTn>
-              <p:prevCondLst>
-                <p:cond evt="onPrev" delay="0">
-                  <p:tgtEl>
-                    <p:sldTgt/>
-                  </p:tgtEl>
-                </p:cond>
-              </p:prevCondLst>
-              <p:nextCondLst>
-                <p:cond evt="onNext" delay="0">
-                  <p:tgtEl>
-                    <p:sldTgt/>
-                  </p:tgtEl>
-                </p:cond>
-              </p:nextCondLst>
-            </p:seq>
-          </p:childTnLst>
-        </p:cTn>
-      </p:par>
-    </p:tnLst>
-    <p:bldLst>
-      <p:bldP spid="2" grpId="0"/>
-    </p:bldLst>
-  </p:timing>
 </p:sld>
 </file>
 
@@ -24425,10 +22530,10 @@
               <a:buNone/>
             </a:pPr>
             <a:r>
-              <a:rPr lang="en-US" sz="2000" dirty="0"/>
+              <a:rPr lang="en-US" dirty="0"/>
               <a:t>Conclusion &amp; Recommendations</a:t>
             </a:r>
-            <a:endParaRPr lang="en-NZ" sz="2000" dirty="0"/>
+            <a:endParaRPr lang="en-NZ" dirty="0"/>
           </a:p>
         </p:txBody>
       </p:sp>
@@ -24781,136 +22886,6 @@
   <p:clrMapOvr>
     <a:masterClrMapping/>
   </p:clrMapOvr>
-  <p:timing>
-    <p:tnLst>
-      <p:par>
-        <p:cTn id="1" dur="indefinite" restart="never" nodeType="tmRoot">
-          <p:childTnLst>
-            <p:seq concurrent="1" nextAc="seek">
-              <p:cTn id="2" dur="indefinite" nodeType="mainSeq">
-                <p:childTnLst>
-                  <p:par>
-                    <p:cTn id="3" fill="hold">
-                      <p:stCondLst>
-                        <p:cond delay="indefinite"/>
-                        <p:cond evt="onBegin" delay="0">
-                          <p:tn val="2"/>
-                        </p:cond>
-                      </p:stCondLst>
-                      <p:childTnLst>
-                        <p:par>
-                          <p:cTn id="4" fill="hold">
-                            <p:stCondLst>
-                              <p:cond delay="0"/>
-                            </p:stCondLst>
-                            <p:childTnLst>
-                              <p:par>
-                                <p:cTn id="5" presetID="10" presetClass="entr" presetSubtype="0" fill="hold" nodeType="withEffect">
-                                  <p:stCondLst>
-                                    <p:cond delay="500"/>
-                                  </p:stCondLst>
-                                  <p:iterate>
-                                    <p:tmPct val="10000"/>
-                                  </p:iterate>
-                                  <p:childTnLst>
-                                    <p:set>
-                                      <p:cBhvr>
-                                        <p:cTn id="6" dur="1" fill="hold">
-                                          <p:stCondLst>
-                                            <p:cond delay="0"/>
-                                          </p:stCondLst>
-                                        </p:cTn>
-                                        <p:tgtEl>
-                                          <p:spTgt spid="7"/>
-                                        </p:tgtEl>
-                                        <p:attrNameLst>
-                                          <p:attrName>style.visibility</p:attrName>
-                                        </p:attrNameLst>
-                                      </p:cBhvr>
-                                      <p:to>
-                                        <p:strVal val="visible"/>
-                                      </p:to>
-                                    </p:set>
-                                    <p:animEffect transition="in" filter="fade">
-                                      <p:cBhvr>
-                                        <p:cTn id="7" dur="700"/>
-                                        <p:tgtEl>
-                                          <p:spTgt spid="7"/>
-                                        </p:tgtEl>
-                                      </p:cBhvr>
-                                    </p:animEffect>
-                                  </p:childTnLst>
-                                </p:cTn>
-                              </p:par>
-                              <p:par>
-                                <p:cTn id="8" presetID="10" presetClass="entr" presetSubtype="0" fill="hold" grpId="0" nodeType="withEffect">
-                                  <p:stCondLst>
-                                    <p:cond delay="1000"/>
-                                  </p:stCondLst>
-                                  <p:iterate>
-                                    <p:tmPct val="10000"/>
-                                  </p:iterate>
-                                  <p:childTnLst>
-                                    <p:set>
-                                      <p:cBhvr>
-                                        <p:cTn id="9" dur="1" fill="hold">
-                                          <p:stCondLst>
-                                            <p:cond delay="0"/>
-                                          </p:stCondLst>
-                                        </p:cTn>
-                                        <p:tgtEl>
-                                          <p:spTgt spid="2"/>
-                                        </p:tgtEl>
-                                        <p:attrNameLst>
-                                          <p:attrName>style.visibility</p:attrName>
-                                        </p:attrNameLst>
-                                      </p:cBhvr>
-                                      <p:to>
-                                        <p:strVal val="visible"/>
-                                      </p:to>
-                                    </p:set>
-                                    <p:animEffect transition="in" filter="fade">
-                                      <p:cBhvr>
-                                        <p:cTn id="10" dur="700"/>
-                                        <p:tgtEl>
-                                          <p:spTgt spid="2"/>
-                                        </p:tgtEl>
-                                      </p:cBhvr>
-                                    </p:animEffect>
-                                  </p:childTnLst>
-                                </p:cTn>
-                              </p:par>
-                            </p:childTnLst>
-                          </p:cTn>
-                        </p:par>
-                      </p:childTnLst>
-                    </p:cTn>
-                  </p:par>
-                </p:childTnLst>
-              </p:cTn>
-              <p:prevCondLst>
-                <p:cond evt="onPrev" delay="0">
-                  <p:tgtEl>
-                    <p:sldTgt/>
-                  </p:tgtEl>
-                </p:cond>
-              </p:prevCondLst>
-              <p:nextCondLst>
-                <p:cond evt="onNext" delay="0">
-                  <p:tgtEl>
-                    <p:sldTgt/>
-                  </p:tgtEl>
-                </p:cond>
-              </p:nextCondLst>
-            </p:seq>
-          </p:childTnLst>
-        </p:cTn>
-      </p:par>
-    </p:tnLst>
-    <p:bldLst>
-      <p:bldP spid="2" grpId="0"/>
-    </p:bldLst>
-  </p:timing>
 </p:sld>
 </file>
 

--- a/Report Writing & Referencing.pptx
+++ b/Report Writing & Referencing.pptx
@@ -8504,7 +8504,7 @@
           <a:p>
             <a:fld id="{8A1355D6-7C9A-4EBD-B0D0-CA9BF0B6F861}" type="datetimeFigureOut">
               <a:rPr lang="en-NZ" smtClean="0"/>
-              <a:t>31/05/2023</a:t>
+              <a:t>1/06/2023</a:t>
             </a:fld>
             <a:endParaRPr lang="en-NZ"/>
           </a:p>
@@ -8704,7 +8704,7 @@
           <a:p>
             <a:fld id="{8A1355D6-7C9A-4EBD-B0D0-CA9BF0B6F861}" type="datetimeFigureOut">
               <a:rPr lang="en-NZ" smtClean="0"/>
-              <a:t>31/05/2023</a:t>
+              <a:t>1/06/2023</a:t>
             </a:fld>
             <a:endParaRPr lang="en-NZ"/>
           </a:p>
@@ -8914,7 +8914,7 @@
           <a:p>
             <a:fld id="{8A1355D6-7C9A-4EBD-B0D0-CA9BF0B6F861}" type="datetimeFigureOut">
               <a:rPr lang="en-NZ" smtClean="0"/>
-              <a:t>31/05/2023</a:t>
+              <a:t>1/06/2023</a:t>
             </a:fld>
             <a:endParaRPr lang="en-NZ"/>
           </a:p>
@@ -9114,7 +9114,7 @@
           <a:p>
             <a:fld id="{8A1355D6-7C9A-4EBD-B0D0-CA9BF0B6F861}" type="datetimeFigureOut">
               <a:rPr lang="en-NZ" smtClean="0"/>
-              <a:t>31/05/2023</a:t>
+              <a:t>1/06/2023</a:t>
             </a:fld>
             <a:endParaRPr lang="en-NZ"/>
           </a:p>
@@ -9390,7 +9390,7 @@
           <a:p>
             <a:fld id="{8A1355D6-7C9A-4EBD-B0D0-CA9BF0B6F861}" type="datetimeFigureOut">
               <a:rPr lang="en-NZ" smtClean="0"/>
-              <a:t>31/05/2023</a:t>
+              <a:t>1/06/2023</a:t>
             </a:fld>
             <a:endParaRPr lang="en-NZ"/>
           </a:p>
@@ -9658,7 +9658,7 @@
           <a:p>
             <a:fld id="{8A1355D6-7C9A-4EBD-B0D0-CA9BF0B6F861}" type="datetimeFigureOut">
               <a:rPr lang="en-NZ" smtClean="0"/>
-              <a:t>31/05/2023</a:t>
+              <a:t>1/06/2023</a:t>
             </a:fld>
             <a:endParaRPr lang="en-NZ"/>
           </a:p>
@@ -10073,7 +10073,7 @@
           <a:p>
             <a:fld id="{8A1355D6-7C9A-4EBD-B0D0-CA9BF0B6F861}" type="datetimeFigureOut">
               <a:rPr lang="en-NZ" smtClean="0"/>
-              <a:t>31/05/2023</a:t>
+              <a:t>1/06/2023</a:t>
             </a:fld>
             <a:endParaRPr lang="en-NZ"/>
           </a:p>
@@ -10215,7 +10215,7 @@
           <a:p>
             <a:fld id="{8A1355D6-7C9A-4EBD-B0D0-CA9BF0B6F861}" type="datetimeFigureOut">
               <a:rPr lang="en-NZ" smtClean="0"/>
-              <a:t>31/05/2023</a:t>
+              <a:t>1/06/2023</a:t>
             </a:fld>
             <a:endParaRPr lang="en-NZ"/>
           </a:p>
@@ -10328,7 +10328,7 @@
           <a:p>
             <a:fld id="{8A1355D6-7C9A-4EBD-B0D0-CA9BF0B6F861}" type="datetimeFigureOut">
               <a:rPr lang="en-NZ" smtClean="0"/>
-              <a:t>31/05/2023</a:t>
+              <a:t>1/06/2023</a:t>
             </a:fld>
             <a:endParaRPr lang="en-NZ"/>
           </a:p>
@@ -10641,7 +10641,7 @@
           <a:p>
             <a:fld id="{8A1355D6-7C9A-4EBD-B0D0-CA9BF0B6F861}" type="datetimeFigureOut">
               <a:rPr lang="en-NZ" smtClean="0"/>
-              <a:t>31/05/2023</a:t>
+              <a:t>1/06/2023</a:t>
             </a:fld>
             <a:endParaRPr lang="en-NZ"/>
           </a:p>
@@ -10930,7 +10930,7 @@
           <a:p>
             <a:fld id="{8A1355D6-7C9A-4EBD-B0D0-CA9BF0B6F861}" type="datetimeFigureOut">
               <a:rPr lang="en-NZ" smtClean="0"/>
-              <a:t>31/05/2023</a:t>
+              <a:t>1/06/2023</a:t>
             </a:fld>
             <a:endParaRPr lang="en-NZ"/>
           </a:p>
@@ -11173,7 +11173,7 @@
           <a:p>
             <a:fld id="{8A1355D6-7C9A-4EBD-B0D0-CA9BF0B6F861}" type="datetimeFigureOut">
               <a:rPr lang="en-NZ" smtClean="0"/>
-              <a:t>31/05/2023</a:t>
+              <a:t>1/06/2023</a:t>
             </a:fld>
             <a:endParaRPr lang="en-NZ"/>
           </a:p>
